--- a/Презентация1.pptx
+++ b/Презентация1.pptx
@@ -105,6 +105,11 @@
       </a:defRPr>
     </a:lvl9pPr>
   </p:defaultTextStyle>
+  <p:extLst>
+    <p:ext uri="{EFAFB233-063F-42B5-8137-9DF3F51BA10A}">
+      <p15:sldGuideLst xmlns:p15="http://schemas.microsoft.com/office/powerpoint/2012/main"/>
+    </p:ext>
+  </p:extLst>
 </p:presentation>
 </file>
 
@@ -162,7 +167,7 @@
       <inkml:brushProperty name="ignorePressure" value="1"/>
     </inkml:brush>
   </inkml:definitions>
-  <inkml:trace contextRef="#ctx0" brushRef="#br0">1 713,'13'0,"6"1,1-1,0 0,0-2,0 0,-1-1,1-1,-1-1,33-13,-41 14,1-1,0 2,0 0,0 0,0 1,22-1,79 5,-43 1,-58-3,7 1,-1-2,1 0,26-5,-38 4,-1 0,1 0,0-1,-1 0,1 0,-1 0,0-1,0 0,0 0,-1-1,0 0,7-7,3-1,1 0,0 0,1 2,0 0,1 1,0 1,30-11,-18 7,46-27,-73 37,1 0,-1-1,1 1,-1-1,0 0,0 0,-1 0,1 0,-1 0,0 0,0-1,0 1,-1-1,0 0,0 1,0-1,0 0,-1 0,1-5,-1-12,0-1,-5-35,4 57,0-9,-1 0,-1 1,0-1,0 1,-1 0,-1 0,1 0,-1 0,0 1,-1 0,-13-15,-3-4,21 26,0-1,-1 0,1 1,0-1,0 1,0-1,0 0,0 0,0 0,1 0,-1 0,1 1,-1-1,1 0,-1 0,1 0,0 0,0 0,0-1,0 1,1 0,-1 0,1-2,1 1,-1 1,1 1,-1-1,1 0,0 0,0 1,0-1,0 1,0-1,0 1,0 0,0 0,1 0,-1 0,0 0,4 0,9-3,1 1,1 1,-1 1,24 0,9 0,55-10,43 0,321 12,-446-1</inkml:trace>
+  <inkml:trace contextRef="#ctx0" brushRef="#br0">2271 926,'-16'0,"-7"2,-2-2,1 0,-1-3,1 0,0 0,0-3,1 0,-41-18,51 19,-2-1,0 2,0 0,1 0,-1 1,-27 0,-96 5,52 2,71-4,-8 1,1-2,-1 0,-32-7,46 5,2 1,-2-1,1-1,0 0,0 0,0 1,1-3,0 1,-1 0,2-2,0 1,-9-10,-3-1,-2 1,1-1,-2 2,0 1,-1 1,0 1,-37-14,22 10,-56-36,90 48,-2 0,1-1,-1 1,1-2,1 1,-1 0,2 0,-2 0,2-1,-1 1,1-1,-1 1,2-2,0 1,0 0,-1 0,1-1,1 1,-1-7,1-16,0-1,6-45,-5 74,0-12,2 0,1 1,-1-1,1 1,1 1,1-1,-1 0,1 1,0 0,1 1,17-20,3-5,-26 33,0 0,2-1,-2 2,0-2,0 2,0-2,1 1,-1-1,0 1,-1-1,1 0,-1 2,2-1,-2-1,1 0,-1 1,0-1,0 1,0-2,0 1,-1 0,1 1,-2-3,0 1,1 1,-2 2,2-2,-1 1,-1-1,1 2,-1-2,1 2,-1-2,1 2,-1 0,1-1,-2 1,2 0,-1-1,-4 1,-11-4,-2 1,-1 1,2 2,-30 0,-11 0,-68-14,-52 1,-393 15,546-1</inkml:trace>
 </inkml:ink>
 </file>
 
@@ -191,7 +196,7 @@
       <inkml:brushProperty name="ignorePressure" value="1"/>
     </inkml:brush>
   </inkml:definitions>
-  <inkml:trace contextRef="#ctx0" brushRef="#br0">18 4,'55'-1,"-32"-1,-1 1,1 1,0 1,0 2,-1 0,0 1,1 1,40 15,-38-10,0-2,1 0,0-2,51 6,15 3,-42-4,-14-4,62 20,-80-22,0 0,1-1,0-1,21 0,43 9,-50-6,52 2,16 3,7-1,-77-9,0 2,38 8,108 15,-109-10,-17-3,2-2,-1-2,94 3,-127-11,0 0,0 2,17 5,50 4,-49-8,0 0,57 16,18 3,-52-13,-30-4,57 3,-65-7,0 1,0 1,0 1,24 9,48 10,-41-15,-25-3,1-2,39 2,-31-4,61 11,-30-2,-7 0,-40-7,1 0,27 1,-36-4,-1 1,1 1,-1 0,0 0,0 1,15 7,-11-4,0-2,28 8,187 35,-78 4,-112-43,1-2,76 3,-98-9,0 1,32 8,34 2,-49-11,-7-1,0 2,0 0,31 8,-27-2,-1 1,-1-2,1-2,52 3,-64-7,0 1,29 7,37 3,-65-10,0 1,22 5,-22-3,0-1,24 0,-20-1,52 10,-30-4,4 2,24 3,-56-11,0 0,0 1,35 12,-36-9,1-1,0-2,35 5,-4-4,70 17,10 2,-63-13,-43-5,0-3,35 2,-39-5,10 0,0 1,-1 1,46 9,75 16,68 24,-192-47,0-1,1-1,32-1,-32-2,0 2,54 8,32 5,-78-11,52 11,-52-7,52 3,-60-9,-1 2,0 1,0 2,26 8,-13-3,0-1,42 5,29 7,-45-12,-53-10,-1 2,1 0,-1 0,0 1,0 1,17 6,-7-1,1-1,0-2,0 0,1-1,26 1,-8 1,90 14,-49-13,-70-8,0 0,0 1,0 1,-1 0,1 0,0 2,17 6,9 5,0-2,0-2,1-1,43 4,-27-4,29 0,17 5,65 10,85 39,-229-58,12 3,46 4,-14-3,32 1,-67-9,50 9,-52-5,48 1,-55-5,1 0,0 1,42 12,-39-8,-1-1,2-1,-1-2,0 0,31-2,17 1,10 11,-60-8,1-2,26 2,-11-3,57 11,-34-3,-54-8,0 0,0 1,0 1,0-1,12 7,-14-5,1-1,0 0,1-1,-1 0,0-1,18 3,202 25,-78-8,-140-20,-1 0,0 1,-1 0,1 1,13 6,-14-5,0-1,0 0,0-1,0 0,0-1,17 3,19-3,-16-1,-1 1,33 8,116 16,-63-10,-41-7,72 17,-119-21,51 3,22 4,78 13,-24 1,-126-21,1-2,29 1,-30-3,0 1,36 8,-19-3,0-2,0-2,0-2,49-5,9 2,13 0,125 5,-236-3,-1 0,1 1,0 0,-1 0,1 0,-1 0,1 1,-1-1,1 1,-1 0,0 0,0 0,0 0,0 1,-1-1,1 1,0 0,-1 0,0 0,0 0,0 0,0 0,0 0,-1 1,1-1,-1 1,0-1,0 1,1 6,0 2,-1 0,0 0,-1 0,-1 0,0 0,0 0,-1 0,-4 14,5-22,0-1,-1 1,1-1,-1 0,0 1,0-1,0 0,0 0,0 0,-1 0,0-1,1 1,-1-1,0 0,0 1,0-1,0 0,-1-1,1 1,-1-1,1 1,-1-1,1 0,-1 0,1 0,-1-1,0 0,0 1,-5-2,-13 1,0-2,0 0,1-2,-22-6,4 2,-45-6,-111-25,174 33,-78-19,66 20,0-3,1 0,0-2,-34-17,41 18,0 2,0 0,-1 1,-26-2,-32-8,23 3,30 8,0-3,-39-14,37 12,0 0,0 3,-1 0,-52-2,-36-6,71 6,24 5,0-1,0-1,-34-13,46 14,0 1,0 1,0 0,-1 1,1 1,-1 0,-16 2,13-1,0 0,0-1,0-1,-20-5,-62-14,63 15,-60-19,67 14,9 2,0 2,-31-6,3 3,28 5,0 1,-36-2,32 3,-1 0,-25-7,4 1,-7-1,29 4,0 2,-44-3,-15 6,-112-16,138 10,-43-8,71 10,0 0,-38 1,-44-7,-49-15,120 16,0 1,-1 2,-73-2,97 8,-1-1,-34-8,-32-3,-50-3,70 7,4-3,42 7,-1 2,-29-3,18 4,-46-10,11 1,0 0,41 6,0 1,-33-1,22 3,-51-9,53 5,-59-1,68 6,1-2,0-1,-49-13,46 9,0 2,-47-5,-16-1,63 6,-55-2,58 8,1-1,-1-1,-39-9,-18 0,65 10,0-1,0 0,0-2,-25-7,-3-3,0 2,-1 2,0 2,-52-2,54 7,14 2,0-2,-29-8,31 6,-47-3,-25-4,57 2,14 2,0 2,-1 1,-31-1,31 3,-51-9,14 0,24 5,-70-22,81 19,0 1,-1 2,0 1,-37-1,37 4,-53-9,27 2,-195-37,127 17,-25 4,78 15,37 5,-56-2,73 7,1-1,0-2,0 0,-31-10,31 8,-1 0,1 1,-1 2,-28-3,21 4,1-1,-27-7,6 1,-9-1,31 4,-1 2,-45-3,30 5,-57-11,34 3,46 7,1-1,-1-1,-16-7,18 6,0 1,0 0,-26-3,-157-20,159 22,-48-15,-18-3,53 14,25 5,0 0,-40 0,49 5,-28 0,1-1,-72-13,-110-12,70-3,-64-3,184 26,-39-12,47 10,0 1,-50-4,34 7,-73-17,79 12,-1 1,-69-2,71 8,0-2,-71-18,-7 0,70 13,-58-18,59 14,-59-9,61 14,-69-23,79 20,-1 2,1 1,-57-6,57 11,1-2,-42-12,43 9,-1 1,-45-3,47 7,0-2,-46-13,47 10,-1 2,-48-5,-6-2,62 8,1 1,-26 0,-49-9,70 8,-52-3,-292 9,371-1,0 0,0 0,0 0,0 1,0-1,0 0,0 0,0 0,0 0,0 0,0 0,0 0,0 0,0 0,0 0,0 0,0 0,0 1,0-1,0 0,0 0,0 0,0 0,0 0,0 0,0 0,0 0,0 0,0 0,0 0,0 0,0 0,0 0,0 1,0-1,0 0,0 0,0 0,-1 0,1 0,0 0,0 0,0 0,0 0,0 0,0 0,0 0,0 0,0 0,0 0,0 0,0 0,-1 0,13 6,17 5,-23-10,9 1,0 0,0 1,-1 1,0 1,0 0,18 9,-9-4,1-1,0-1,0-1,0-1,31 3,14 4,84 12,39 12,-128-26,-43-7,1 0,25 0,-25-2,-1 1,24 5,-23-3,0-1,24 0,20-5,-51-1,1 1,-1 1,1 0,-1 1,1 1,-1 0,0 1,1 1,18 7,-18-4,0-2,0 0,1 0,-1-2,1 0,0-1,0-1,28-1,21 2,22 10,-56-7,51 2,-52-5,52 9,-52-5,53 1,-64-5,-1 0,1 2,0 0,29 10,-29-7,0-2,1 0,-1-1,26 1,-17-5,0 2,50 10,-38-6,0-1,0-2,65-3,-62-2,0 2,86 13,-55-1,-50-10,-1 2,0 1,47 15,-53-14,1-1,1-1,-1 0,0-2,1 0,33-2,-27-1,0 2,0 1,27 6,124 18,-77-14,-72-10,48 9,-38-1,-9-3,1 0,-1-2,37 2,-37-5,45 9,27 1,9 1,-76-8,51 3,-59-7,52 11,20 0,41 3,-49-4,88 15,-136-19,41 12,14 4,-45-13,-24-5,1 0,46 2,-38-5,58 10,-23-1,-39-6,57 18,-10-2,71 7,-119-23,48 14,-56-12,1-1,0-1,44 4,121 2,39 2,-184-14,0 2,83 14,-83-9,0-2,1-1,66-6,70 4,-113 11,14 0,-62-11</inkml:trace>
+  <inkml:trace contextRef="#ctx0" brushRef="#br0">9967 3,'-41'-1,"24"0,1 0,-1 1,0 1,0 1,1 0,0 1,-1 1,-29 11,27-8,1-1,-1 0,0-1,-38 4,-11 2,32-3,9-3,-45 15,59-16,0 0,-1-1,0-1,-16 0,-31 7,37-4,-39 1,-11 2,-5-1,56-6,0 1,-28 7,-79 10,80-7,12-2,-1-2,1-1,-69 1,93-7,0 0,0 1,-13 4,-36 3,36-6,0 0,-43 12,-12 2,38-9,22-4,-42 3,48-6,-1 2,1 0,0 0,-18 8,-35 7,30-12,19-1,-2-2,-28 1,23-2,-45 7,22 0,5-1,29-5,0 0,-20 1,27-4,0 2,-1 0,1 0,1 0,-1 1,-11 6,8-4,0-1,-20 5,-138 27,58 3,81-32,0-2,-55 2,71-6,0 1,-23 5,-25 2,35-8,6-1,0 1,0 1,-23 5,20-1,1 1,1-2,-2-1,-37 2,46-6,1 2,-22 5,-27 2,48-8,0 1,-17 4,17-2,0-1,-18 0,15-1,-38 8,21-3,-2 1,-18 2,41-7,1-1,-1 1,-26 9,28-7,-2-1,0-1,-25 4,2-3,-51 12,-7 2,46-10,31-3,1-3,-26 2,28-4,-7 0,1 1,0 0,-34 7,-55 12,-51 18,143-35,-1 0,-1-2,-23 0,23-2,1 2,-40 6,-24 3,57-8,-38 9,39-6,-39 2,45-6,0 1,0 1,0 2,-19 5,10-2,-1 0,-30 3,-22 6,34-10,38-7,1 2,0-1,0 0,0 2,0 0,-12 4,5 0,-1-1,0-2,0 1,-1-1,-19 0,7 1,-68 11,37-10,52-6,-1 0,1 1,-1 0,1 1,0-1,-1 2,-12 5,-7 3,1-2,-1 0,0-2,-32 4,19-4,-20 0,-13 5,-48 6,-63 30,170-44,-10 3,-34 3,11-3,-24 2,50-8,-38 7,39-3,-35 0,40-4,-1 1,1 0,-32 9,29-5,1-2,-2 0,2-2,-1 0,-23-1,-12 0,-8 9,45-6,-1-2,-19 2,7-3,-41 9,25-2,40-7,-1 1,1 0,0 1,-1-1,-8 5,10-3,0-1,-1 0,0-1,0 1,0-2,-12 3,-150 18,58-5,103-16,1 1,-1 0,2 0,-2 1,-9 5,11-5,-1 0,0 0,1-1,-1 1,1-2,-14 3,-13-3,12 0,0 1,-23 5,-87 12,47-7,31-5,-54 13,88-17,-38 3,-16 3,-57 10,18 0,92-15,-1-2,-21 1,22-2,1 0,-28 7,15-3,-1-1,1-2,0-1,-37-4,-6 1,-9 1,-93 3,174-2,1 0,-1 1,0 0,1-1,-1 1,1 0,-1 0,1 0,-1 1,0-1,1 1,0-1,0 0,0 2,0-2,0 1,0 1,0-1,1 0,-1 0,1 1,-1-1,1 0,0 1,0-1,0 1,0 0,0 0,0 4,0 2,0 0,0 0,1 0,1 0,0 0,-1 0,2 0,2 10,-3-16,0-1,0 1,0-1,0 1,1 0,-1-1,1 0,-1 0,1 1,0-1,0-1,0 2,0-2,0 1,0 0,0-1,1 1,0-1,-1 0,1 0,-1 0,1 0,-1 0,1 0,-1-1,1 0,0 0,0 1,4-2,9 1,0-1,0-1,0-1,15-4,-2 1,33-5,81-18,-127 25,56-15,-47 15,-1-1,0-1,-1-2,26-12,-31 13,0 2,1 0,0 0,19-1,24-6,-17 3,-22 5,0-2,28-10,-27 8,1 1,-1 1,1 1,38-1,27-6,-53 6,-17 3,0-1,0-1,25-9,-34 11,0 0,0 0,0 1,1 1,-1 0,1 0,11 2,-9-1,0 0,0-1,0 0,15-5,45-9,-46 10,44-13,-49 9,-7 3,0 0,23-3,-2 1,-21 5,0 0,27-2,-24 3,1 0,18-6,-2 1,4 0,-21 3,0 1,33-3,10 6,83-13,-101 8,31-7,-52 9,-1-1,29 1,32-5,36-12,-88 13,0 0,1 2,53-2,-71 7,1-2,25-5,23-3,37-2,-51 5,-4-2,-30 6,0 0,22-1,-13 2,33-7,-8 1,1 0,-31 4,0 1,24 0,-15 1,36-6,-38 3,43 0,-50 4,0-1,-1-1,37-9,-35 6,1 1,34-3,12-1,-47 5,42-2,-44 6,0-1,0-1,29-6,13 0,-47 7,-1 0,1-1,-1-1,19-5,2-2,1 1,-1 1,1 2,38-1,-39 4,-11 3,0-3,21-5,-22 5,34-3,19-3,-43 1,-9 2,-1 2,1 0,23 0,-23 1,37-6,-9 0,-19 4,53-16,-61 13,1 1,0 2,0 1,28-2,-28 4,39-7,-19 2,142-28,-92 12,18 4,-58 11,-27 3,42-1,-54 6,-1-2,-1-1,1 0,23-7,-23 5,1 1,-1 0,1 2,20-3,-15 4,-1-1,20-6,-4 1,6 0,-23 2,1 2,33-2,-21 4,41-9,-25 3,-34 4,0 0,0 0,12-6,-13 4,-1 1,1 1,19-3,115-15,-116 16,35-10,13-3,-39 10,-19 5,1-1,29 0,-36 4,20 0,0-1,53-9,81-9,-52-3,47-2,-135 20,29-10,-35 8,0 1,37-3,-25 5,53-13,-57 9,0 2,51-3,-52 7,-1-2,53-14,5 1,-51 9,42-13,-43 10,43-6,-45 10,52-17,-59 15,0 1,0 1,42-5,-42 9,0-2,30-8,-32 6,2 1,32-3,-34 6,0-2,33-9,-34 7,1 1,35-3,5-2,-46 7,-1 0,19 0,37-7,-53 6,40-2,214 7,-273-1,0 0,0 0,0 0,0 1,0-1,0 0,0 0,0 0,0 0,0 0,0 0,0 0,0 0,0 0,0 0,0 0,0 0,0 0,0 0,0 0,0 0,0 0,0 0,0 0,0 0,0 0,0 0,0 0,0 0,0 0,0 0,0 0,0 0,0 1,0-1,0 0,0 0,0 0,0 0,0 0,0 0,0 0,0 0,0 0,0 0,0 0,0 0,0 0,0 0,0 0,0 0,0 0,1 0,-10 5,-12 3,16-7,-6 0,0 1,0 0,1 1,0 1,-1-1,-12 8,6-4,-1 0,1-1,-1-1,0 0,-22 1,-11 4,-61 9,-30 8,95-19,32-5,-1 0,-19 0,19-1,0 0,-17 4,17-2,0-1,-18 0,-15-4,38 0,0 0,0 1,-1 0,1 1,-1 0,1 1,0 0,-1 1,-13 5,13-3,1-1,-1 0,-1-1,2 0,-2-1,1-1,-1 0,-20-1,-16 2,-15 7,40-6,-37 3,38-5,-38 7,38-3,-38 0,46-4,1 1,-1 1,0 0,-21 7,22-4,-1-3,0 1,0-1,-19 1,13-4,-1 1,-36 8,28-4,0-2,0 0,-48-3,45-2,1 2,-64 10,41-1,37-8,0 2,0 1,-34 11,39-11,-1 0,-1-1,1 0,0-1,0-1,-25-1,20-1,-1 2,1 0,-20 5,-91 14,56-11,54-8,-36 8,28-2,7-2,-1 0,0-1,-26 1,26-3,-32 6,-20 1,-7 1,56-7,-38 3,44-5,-38 8,-15 0,-31 2,37-3,-65 12,100-15,-30 9,-10 3,33-9,17-4,0-1,-35 3,29-5,-43 8,17-1,29-4,-42 13,7-1,-52 5,87-18,-34 11,40-8,-1-2,1 0,-33 3,-88 1,-30 2,136-11,0 2,-61 10,61-7,-1-1,1-1,-50-4,-51 3,84 8,-11 0,45-8</inkml:trace>
 </inkml:ink>
 </file>
 
@@ -220,7 +225,7 @@
       <inkml:brushProperty name="ignorePressure" value="1"/>
     </inkml:brush>
   </inkml:definitions>
-  <inkml:trace contextRef="#ctx0" brushRef="#br0">66 425,'0'-3,"0"1,0-1,0 0,1 1,-1-1,1 1,0-1,0 1,0-1,0 1,0-1,0 1,1 0,-1 0,1 0,-1 0,1 0,3-3,-1 2,0 0,0 0,1 1,-1-1,1 1,0 0,0 1,10-3,6 0,0 2,1 0,33 2,-44 0,84 3,167-5,-242-1,0-1,0-1,28-10,23-7,-35 14,0 1,0 1,58 0,-89 6,27 1,0-1,0-2,55-11,-59 8,46-3,-46 6,45-9,89-36,-70 18,35 2,-100 22,48-2,-47 5,46-8,6-1,-62 10,1-2,-1 0,0 0,27-10,-21 5,0 1,1 1,32-3,21-4,47-12,-118 24,-9 5,-22 13,-42 18,31-24,-1-1,-71 9,68-13,-44 12,55-11,-1 0,0-2,-47 2,44-7,0-1,0 2,0 1,-52 10,57-7,-47 3,46-6,-44 9,-181 40,100-26,89-12,-1-3,1-3,-89-2,134-6,1 0,-1 2,0 0,1 1,0 1,-1 1,1 0,0 2,1 0,-1 1,-30 17,29-14,-1-2,0 0,0 0,0-2,-30 5,-50 17,94-25,-20 6,2 2,-27 15,0 1,39-22,-1 1,2 1,-1 0,1 1,0 0,0 0,1 2,-15 15,21-21,1 1,0-1,0 1,0-1,0 1,1 0,-1 0,-1 9,3-13,1 0,0 0,0 0,0 0,0 0,0 0,0 0,1 0,-1 0,0 0,0 0,1 0,-1 0,1 0,-1 0,1 0,-1 0,1 0,1 1,-1-1,1 1,0-1,0 1,0-1,0 0,1 0,-1 0,0-1,0 1,1 0,-1-1,3 1,20 1,-1-1,1-1,-1-1,0-1,1-1,32-9,-3 2,-16 2,-1-3,57-22,26-8,7 16,-99 21,1 0,50 1,-51 3,0-1,-1-2,34-6,65-18,-63 15,-1-2,73-28,-86 24,2 3,-1 1,64-8,-58 12,-29 5,1 0,38 0,-54 4,-1 0,0-1,0 0,0-1,0-1,18-7,29-9,-38 16</inkml:trace>
+  <inkml:trace contextRef="#ctx0" brushRef="#br0">1805 317,'0'-2,"0"1,0-2,0 1,0 1,0-2,-1 2,0-1,0 0,1 0,-1 0,0 0,1 1,-2-1,1 1,0-1,0 1,0-1,-3-2,1 2,0 0,0 0,-1 0,2 0,-2 1,0-1,0 1,-7-2,-4 0,0 2,-2-1,-23 2,32 0,-62 3,-123-5,178 0,1-1,-1-1,-20-7,-18-5,27 10,-1 0,1 2,-43-1,65 5,-19 1,-1-1,0-1,-40-9,44 6,-35-2,35 5,-34-7,-65-27,51 13,-25 2,73 16,-35-1,34 3,-33-5,-5-1,45 7,1-1,-1-1,1 1,-20-8,15 5,1-1,-2 2,-23-3,-15-3,-35-8,87 17,6 4,17 10,30 13,-22-18,1-1,51 8,-49-11,32 10,-40-9,0 0,0-1,35 1,-32-5,-1-1,1 2,0 0,37 8,-41-5,35 2,-35-4,33 6,133 30,-73-20,-66-8,1-2,-1-3,66-1,-99-5,-1 0,1 2,0 0,-1 0,0 1,1 1,0 0,-1 2,-1-1,2 1,21 13,-21-10,1-2,-1 0,1 0,0-2,21 4,38 13,-70-19,16 5,-3 1,21 12,-1 0,-28-16,1 0,-2 1,1 1,-1 0,0 0,0 0,-1 1,12 12,-16-16,-1 0,0 0,0 1,0-1,1 1,-2-1,1 1,1 7,-2-11,-1 1,0 0,0 0,0-1,0 1,0 0,0 0,-1-1,1 1,0 0,0 0,0-1,0 1,-1 0,1 0,-1-1,1 1,-1 0,0 0,0 0,0 1,-1-2,1 2,-1-1,1-1,-1 1,0 0,1-1,-1 1,0-1,0 0,-1 1,-16 1,2-2,-2 0,2 0,-1-2,0 0,-24-7,2 1,12 2,1-2,-42-16,-20-7,-4 12,72 16,0 0,-37 1,37 2,1-1,0-1,-25-5,-48-13,47 11,0-1,-53-21,63 17,-2 3,1 1,-46-7,41 10,22 3,0 0,-29 0,40 4,1-1,0-1,0 1,0-1,0-1,-13-5,-22-7,28 12</inkml:trace>
 </inkml:ink>
 </file>
 
@@ -249,7 +254,7 @@
       <inkml:brushProperty name="ignorePressure" value="1"/>
     </inkml:brush>
   </inkml:definitions>
-  <inkml:trace contextRef="#ctx0" brushRef="#br0">1 967,'115'-2,"127"5,-174 9,-49-8,0 0,27 1,8 0,-1 2,89 23,-70-12,0-3,1-4,147 5,-179-17,-3 0,0 1,0 2,71 12,39 17,-107-26,1-3,73-3,37 1,0 24,-93-16,100 13,190 1,-297-20,56 9,-56-4,58 0,-5-10,146 5,-165 10,-54-6,53 2,-43-6,54 11,-26-3,104 16,-112-14,-42-8,0 0,29 1,-29-3,0 1,0 0,-1 2,20 6,-16-4,1-1,25 3,195 22,-79 3,-80-14,153 21,128 37,-68-25,-236-41,-39-7,1-1,36 3,28 5,-66-8,46 4,-49-6,1 1,-1 0,1 1,21 9,-19-6,1-1,36 5,151 17,-190-25,1 2,33 11,-35-10,1 0,37 6,36-1,-31-3,73 1,-115-8,0 1,32 8,33 2,-47-9,-1 2,62 16,8 1,4 3,15 1,-92-21,43 14,-51-11,1-2,53 6,102 14,-109-14,-46-7,48 3,-25-4,88 18,-86-12,75 5,-106-13,0 1,0 1,38 13,-39-11,0 0,0-1,0-1,29 1,99 10,-76-5,-7-3,85 22,-100-13,-37-10,1-2,0 0,-1 0,25 2,16 0,67 17,-47-4,56 9,0-3,19 2,-122-23,52 16,-56-13,0-1,0-1,31 2,48 6,-65-7,53 1,-68-6,0 2,37 8,-10-1,103 16,18 5,-86-13,-66-14,-1 1,25 11,-29-11,0 0,0 0,0-2,1 1,20 1,71-4,-73-2,1 2,-1 0,57 12,-62-9,-1 0,35 0,-34-2,0 0,33 7,-25-3,-1-2,1-1,0-2,45-4,-30 1,52 4,-89 0,0 1,0 0,-1 1,23 9,-23-8,-1 0,1-1,0-1,0 0,21 3,36-4,-41-2,0 1,0 1,33 7,-22-2,0-3,1-1,78-5,-34 0,-78 2,1-1,0 0,-1 0,1-1,-1 1,1-1,-1-1,0 1,10-7,54-40,-4 3,149-71,-196 107,0 0,27-8,-30 12,0 0,-1-1,1-1,26-18,-27 16,0 1,0 0,0 1,21-7,-21 9,0-1,0 0,-1 0,0-2,16-11,-20 13,1 1,0 0,0 1,0 0,1 1,0 0,0 1,0 0,15-1,35-10,-39 8,1 1,41-2,22-5,-65 7,18-5,1 2,0 2,58-2,-71 7,-1-2,34-7,1-1,-46 9,0-2,0 0,-1-1,1 0,-1-1,0-1,24-15,-10 7,0 2,0 1,2 2,56-13,-49 14,-1-1,59-26,-83 29,1 0,0 1,0 1,0 0,1 1,0 0,0 1,0 1,18-1,-31 3,37 3,-39-3,1 0,-1 0,0 0,0 0,1 0,-1 0,0 0,1 1,-1-1,0 0,0 0,1 0,-1 0,0 0,0 1,0-1,1 0,-1 0,0 0,0 1,0-1,0 0,1 0,-1 1,0-1,0 0,0 0,0 1,0-1,0 0,0 1,0-1,0 0,0 0,0 1,0 0,-16 14,7-10,0-1,0 0,0 0,0-1,-1-1,1 1,-1-1,0-1,-12 1,-98-3,59-2,13 3,1-2,-61-11,-55-13,-29 1,153 17,-1-2,2-1,-66-29,-99-37,190 73,0 0,0 0,-1 2,1-1,-1 2,1 0,-16 0,-54-6,48 2,-65-2,26 3,4-8,51 8,1 0,-28-1,-112 7,-65-4,214 0,0 0,-1 0,1-1,0 0,0 0,-10-7,11 6,-1 0,1 0,-1 1,0 0,0 1,-17-3,-71-10,41 4,7 1,-57-19,58 15,-55-10,51 14,-78-27,75 19,19 8,-1 2,0 1,-1 2,1 1,-47 2,65 1,1 0,-1-2,-18-4,-48-6,-73 0,-40 1,179 11,1-1,-1-1,-17-4,15 2,1 2,-25-2,-95-8,-25 0,130 12,-61-12,24 2,-2 0,40 5,-61-3,61 7,-62-12,49 6,-13-3,36 6,-2 1,-42-3,35 5,0-1,0-2,-44-13,-26-4,92 20,1-1,-1-1,1 1,-18-10,-32-11,-115-4,148 24,1-2,0-1,-45-18,7 3,22 11,-1 1,0 3,-46-3,15-1,48 6,0 1,-27 0,45 4,-3 1,0-1,1 0,-1-1,0 0,0 0,1-2,-1 1,1-1,-1-1,1 1,-14-9,12 7,0 0,0 1,-1 0,0 1,0 0,0 1,-21 0,-35-7,-24-8,63 13,-1-2,1-1,0-1,-44-19,51 18,0 1,-1 0,0 2,0 1,-42-3,21 0,-76-21,87 19,0 1,0 2,-1 2,-43-2,-70 10,-137-6,217-9,49 8,0 0,-27-1,11 2,-1-2,2-1,-1-2,-44-16,9 3,-82-4,-1 0,107 14,-79-21,83 20,0 2,-1 2,-79-4,96 9,-44-8,50 6,1 2,-26-2,21 5,17 0,0 0,0 0,0 0,0-1,0 0,0 0,0-1,0 0,0 0,0 0,1-1,-1 0,-6-5,4 4,0-1,0 2,0-1,-1 1,1 1,-1-1,1 2,-1-1,0 1,0 1,-17 1,12-1,-1-1,1 0,-26-5,-6-5,-52-3,25 4,-17 2,72 8,0-1,0 0,1-2,-1 0,0-1,-23-9,24 7,-1 0,0 2,1 0,-1 1,-29-1,-52-8,-295-50,267 37,1-1,-26 1,118 19,0-1,-48-17,53 14,-1 2,0 1,-54-6,-20-2,34 3,46 8,0-2,-27-9,33 9,0 1,0 0,-1 1,-30-2,23 4,-53-11,34 4,-10-1,31 4,-1 2,-44-3,-744 9,805-2,0 0,0 1,0 1,0 0,1 0,-1 0,1 1,0 0,-13 7,-1 4,1 0,-19 17,3-3,30-22,-1 1,1 0,1 1,-10 12,10-11,-1-1,1 0,-2-1,-10 11,-29 28,42-39,0-1,-1 0,0 0,0 0,0-1,-1 0,1 0,-1 0,0-1,-1 0,-8 3,-1 0,2-1,-1 2,-17 11,18-10,1-1,-1 0,-27 8,-40 9,-84 38,142-53,-1-2,0-1,0 0,-1-2,-34 2,33-2,-52 14,56-12,0-1,-1-1,-29 3,20-4,1 2,0 1,0 1,1 2,0 2,-51 25,63-29,-1-2,-1 0,1-1,-1-1,-25 2,16-3,-45 12,41-6,19-5,-1 1,1 0,-1 0,-19 12,7-6,-12 6,39-17,-1 1,0 0,1 0,0 0,-1 0,1 0,-1 0,1 0,0 0,0 1,0-1,0 0,0 1,0-1,0 1,0-1,-1 4,3-5,-1 1,0 0,0 0,0 0,1-1,-1 1,0 0,1-1,-1 1,0 0,1-1,-1 1,1 0,-1-1,1 1,0-1,-1 1,1-1,-1 1,1-1,0 1,0-1,-1 0,1 1,0-1,0 0,-1 0,1 0,0 1,0-1,-1 0,3 0,29 4,-29-4,13-1,1 0,-1 0,0-2,19-4,-15 2,1 1,23-1,-15 4,-1-1,53-10,-38 5,1 2,1 1,-1 3,49 5,10-1,1719-3,-1780 2,53 9,34 2,-3-14,-82-2,1 2,-1 2,0 2,0 2,61 15,-63-10,1-2,0-2,77 2,25 2,97 20,-211-25,10 0,77 21,-62-12,104 13,-114-19,45 14,-31-7,112 12,-110-17,-14-2,57 16,-70-15,1-2,45 3,33 7,-107-16,93 21,108 8,-182-26,0 0,35 12,-36-9,0-1,46 6,105 13,-118-14,80 4,-101-12,1 2,45 11,-40-6,48 4,190 26,-27-2,-108-12,-15-2,173 28,-251-41,237 35,25 5,-234-37,180 41,-156-28,192 23,-259-44,54 14,27 6,7-4,-73-12,83 7,-115-14,0 0,0 1,-1 0,23 10,23 5,-211-14,-295-22,388 14,-239-12,-443-32,141-1,443 33,-534-69,441 48,-111-20,300 46,-19-3,0-3,-105-38,174 52,1 1,0-1,0 0,-1 1,1-1,0-1,0 1,1 0,-5-5,7 7,0 0,0-1,0 1,-1 0,1-1,0 1,0 0,0-1,0 1,-1 0,1-1,0 1,0 0,0-1,0 1,0-1,0 1,0 0,0-1,0 1,0-1,0 1,1 0,-1-1,0 1,0 0,0-1,0 1,1 0,-1-1,0 0,23-7,37 4,1 1,63 7,-3-1,-47-3,131 3,-170 0,-1 1,0 2,63 19,-95-24,1 0,-1-1,0 1,1 1,-1-1,0 0,0 0,0 1,0 0,4 2,-6-3,0-1,1 1,-1-1,0 1,1 0,-1-1,0 1,0-1,1 1,-1 0,0-1,0 1,0 0,0-1,0 1,0 0,0-1,0 1,0 0,0-1,0 1,0-1,-1 1,1 0,0-1,-1 2,-1 0,0 1,0-1,-1 0,1 0,-1 0,0 0,1-1,-1 1,0-1,0 1,0-1,0 0,0 0,0 0,-4 0,-53 10,-1-2,-71 0,-128-10,101-1,-366 2,519 0,1 0,0-1,0 1,-1-1,1-1,0 1,0-1,0 1,0-1,0-1,1 1,-1-1,1 1,-1-2,1 1,0 0,0-1,0 1,-3-6,-16-13,15 17,1 1,-1-1,0 1,0 1,0-1,0 2,0-1,-1 1,0 0,1 1,-1 0,0 0,-15 1,-50-8,40 1,-62-3,-17-3,-6-1,13 3,-104-39,111 24,13 7,48 12,0-2,-59-22,65 21,1 1,-2 2,1 1,-40-2,66 7,-56-5,27 4,1-2,-56-13,52 8,0 2,-62-4,77 9,-17-3,-51-13,57 9,0 2,-48-3,-57-2,-31-2,106 11,-112-21,12 0,-1 0,145 20,1 0,-37-14,41 13,-1-1,0 2,0 0,0 1,-22-1,-68 5,137 1,57 12,-23-4,134 17,-174-24,0 2,38 13,-37-10,49 8,88 9,-37 1,-20-3,-24-6,117 40,-80-20,-65-23,0-2,78 7,-119-17,1 1,0 0,-1 1,19 8,-20-7,1 0,-1-1,1-1,0 0,17 2,248 29,-199-23,25-2,-64-7,43 8,-46-6,1 0,63-4,27 2,-44 10,-53-6,58 2,-21-4,0 3,102 23,36-5,-175-21,-1-1,32-2,-36-2,1 2,-1 1,39 7,-23 0,79 3,-79-9,82 16,-84-11,1-2,60 2,-44-4,29 7,21 1,-53-5,-53-7,0 0,0 1,0-1,0 0,0 0,0 0,0 1,0-1,0 1,0-1,-1 1,1-1,0 1,0-1,0 1,0 0,-1-1,1 1,0 0,-1 0,1-1,-1 1,1 0,-1 0,1 0,-1 0,1 0,-1 0,0 0,1 0,-1 0,0 0,0 0,0 0,0 0,0 0,0 0,0 0,0 0,0 0,-1 0,1 0,0 0,-1 0,1 0,-1 0,1 0,-2 1,0 1,-1 0,0 0,1-1,-1 1,0-1,0 0,-1 0,1 0,0 0,-1-1,1 1,-1-1,-5 2,-57 11,40-9,-152 28,160-30,1 2,-33 11,36-10,0-1,0-1,0-1,0 0,-19 2,-387-3,205-5,192 2,-1-1,-29-7,-41-4,79 11,1 0,-1 0,0-2,1 0,-17-7,14 5,1 1,-1 0,-25-3,-199-21,206 24,-53-14,59 11,1 2,-1 1,-36-2,-5 3,-85-17,91 10,-109-3,137 11,-1 0,-66-17,64 12,-81-8,-16 1,27 3,78 8,1-2,-40-11,-29-7,-53-5,75 13,-1 3,-120-5,169 17,-52-11,-23 0,80 10,0-2,0 0,0-1,-23-9,-27-6,71 20,0-1,1 0,-1 0,1 0,-1 0,1-1,-1 1,1 0,0-1,-1 0,1 0,0 1,0-1,0 0,1-1,-1 1,0 0,-1-5,0 2,1-1,0 0,0 0,0 0,1 0,0 0,0-1,0-6,1-5,1 0,1 0,1 0,0 0,6-18,-6 28,0 1,1-1,0 0,1 1,0 0,0 0,6-7,-5 8,0-1,-1 0,0-1,0 1,-1-1,0 0,4-11,-4 2,2 0,0 0,0 0,2 1,0 0,14-20,-17 30,0 1,0-1,0 1,1 0,-1 0,1 1,1 0,-1 0,1 0,-1 1,1 0,0 0,0 1,0 0,0 0,1 0,-1 1,8 0,290-2,-152 6,-129-3,-15 1,0 0,0-1,-1-1,1 1,0-1,0-1,-1 0,14-4,-22 6,1 0,-1 0,0 0,0 0,0 0,0 0,1-1,-1 1,0 0,0 0,0 0,0 0,0 0,0 0,1 0,-1-1,0 1,0 0,0 0,0 0,0 0,0 0,0-1,0 1,0 0,0 0,0 0,0 0,0 0,0-1,0 1,0 0,0 0,0 0,0-1,0 1,0 0,0 0,0 0,0 0,0 0,0-1,0 1,0 0,0 0,0 0,0 0,-1-1,-10-6,-17-4,26 11,-33-11,-1 2,0 1,0 2,-1 1,-61 1,29 1,-115-21,-6 0,-35 0,224 24,0 0,-1 0,1 0,0 0,0 0,0 0,0 0,0-1,0 1,0 0,0 0,0-1,0 1,0-1,0 1,0-1,0 1,0-1,1 0,-1 1,0-1,0 0,1 0,-1 0,0 1,1-1,-1 0,1 0,-1 0,1 0,-1 0,1-1,0 0,1 1,-1-1,1 1,0-1,0 1,-1 0,1-1,0 1,0 0,0 0,1 0,-1 0,0 0,0 0,1 0,-1 0,0 0,1 1,-1-1,1 0,2 0,39-13,0 1,1 2,1 2,66-4,-31 3,-35 3,56-1,55 9,-263 1,-120-4,226 2,-1 0,1 0,0 0,-1-1,1 1,-1 0,1 0,-1-1,1 1,0-1,-1 1,1-1,0 0,-1 0,1 1,0-1,0 0,-2-2,3 3,1-1,-1 0,1 0,-1 1,1-1,-1 0,1 1,-1-1,1 0,0 1,-1-1,1 1,0-1,-1 1,1-1,0 1,0 0,0-1,-1 1,1 0,0 0,0-1,0 1,0 0,-1 0,1 0,0 0,0 0,0 0,0 0,1 1,34-8,0-2,0-2,-1-1,40-20,-73 31,0 1,0-1,0 0,0 0,0 0,0 0,-1 0,1-1,0 1,-1-1,1 1,-1-1,0 1,1-1,-1 0,0 0,0 1,0-1,0 0,0 0,0 0,-1 0,1 0,-1 0,0 0,1-4,-1 4,-1 0,1 0,-1 0,0 0,0 0,1 1,-1-1,0 0,0 1,-1-1,1 0,0 1,0 0,-1-1,1 1,-1 0,1-1,-1 1,0 0,0 0,1 0,-1 1,0-1,0 0,0 1,0-1,0 1,-2-1,-32-3,0 1,0 2,-57 4,4 1,-94-20,107 7,292 10,-125-2,-101 2,1 0,-1 1,1 0,0 1,0 0,0 0,0 1,0 1,1-1,-1 1,1 0,-10 10,-3 2,2 0,1 1,-25 31,42-48,-8 12,-1-1,0-1,-1 0,-23 19,31-28,0 0,1 0,-1-1,0 1,0-1,0 0,0 0,-1 0,1 0,0 0,0-1,0 1,-1-1,1 0,0 0,-1 0,1 0,0-1,0 1,-1-1,1 0,0 0,0 0,0-1,0 1,0-1,0 1,1-1,-4-2,-2-1,0 0,-1 1,0 0,0 1,0-1,0 2,0-1,0 2,-1-1,1 1,-1 0,-12 1,2 1,0 0,-1 2,2 0,-36 11,48-11,9 0,23 1,36-3,-36-2,0-2,29-6,-28 3,49-2,139 10,83-4,-209-10,-56 6,54-2,30 9,-161-8,41 7,0-1,1 0,-1 0,0 0,1 0,-1-1,1 0,0 1,-1-1,1 0,0-1,0 1,-4-4,7 5,0 1,0-1,0 0,0 1,0-1,1 1,-1-1,0 0,0 1,0-1,0 1,1-1,-1 1,0-1,0 1,1-1,-1 1,0-1,1 1,-1-1,1 1,-1 0,1-1,-1 1,1 0,-1-1,1 1,-1 0,1-1,-1 1,1 0,-1 0,1 0,0 0,-1 0,1 0,-1-1,1 1,-1 0,1 1,0-1,0 0,30-4,-30 4,223-1,-109 3,-91-1,0 2,0 0,-1 2,27 8,-23-5,1-2,42 6,113 13,-126-15,-1-2,80 1,-207-10,0-2,-128-23,-95-27,210 37,36 5,0 3,0 2,-51 0,87 6,-53 1,56-1,42 1,27-1,53-1,134 17,-196-10,0 0,69 18,-57-10,90 8,7 2,126 18,-251-33,-28-2,-24-1,-2-4,1-1,-1-1,0-1,1 0,-1-2,1 0,0-1,-30-10,-28-7,0 3,-2 3,-126-7,196 22,-50-2,1-3,-85-19,105 17,1 2,-1 1,-45 1,-5 0,70 1,1 0,0-1,-25-8,111 5,267 35,-192-11,79 22,-15-3,224 34,-189-31,11 1,-44-6,-34-4,12 8,-21-3,240 63,-216-46,-159-47,-24-4,-1-1,1 1,0 1,0 0,14 6,-23-9,0 0,0 0,0 0,1 1,-1-1,0 0,0 0,0 0,0 0,0 0,0 0,1 0,-1 0,0 0,0 0,0 0,0 1,0-1,0 0,0 0,0 0,0 0,0 0,1 0,-1 1,0-1,0 0,0 0,0 0,0 0,0 0,0 1,0-1,0 0,0 0,0 0,0 0,0 0,0 1,0-1,-1 0,1 0,0 0,0 0,0 0,0 1,0-1,0 0,0 0,0 0,0 0,0 0,-1 0,1 0,0 0,0 0,0 1,0-1,0 0,0 0,-1 0,1 0,0 0,0 0,-17 5,-21-1,-12-4,0-2,-80-12,-265-78,140 29,-237-56,289 69,-33 6,223 42,1 0,-1 0,1-1,-19-7,84 4,503 27,-477-15,432 44,-222-19,-33-5,471 72,-601-82,-54-9,104 25,77 25,-66-16,183 33,-324-62,-43-11,0 0,-1 0,1 0,-1 0,1 1,-1-1,1 1,-1-1,0 1,0 0,0 0,0 0,0 0,2 4,-4-6,0 1,-1 0,1-1,0 1,0-1,-1 1,1-1,0 1,-1-1,1 1,-1-1,1 1,-1-1,1 1,-1-1,1 1,-1-1,1 0,-1 1,1-1,-1 0,0 0,1 1,-1-1,1 0,-1 0,0 0,1 0,-1 0,0 0,1 0,-1 0,0 0,1 0,-1 0,-30 2,30-2,-361-3,316-1,-73-17,1-1,-75 0,-167-24,304 40,0 2,-66 5,-55-3,151-6,22 2,19 1,49-1,1 2,-1 4,1 2,77 13,-7-2,100 22,-29-2,244 30,-146-34,-63-9,319 50,-357-40,-200-30,55 10,-55-9,1-1,0 1,0 1,0-1,-1 0,1 1,-1 0,1 0,-1 0,0 0,5 5,-8-7,0 0,0 0,1 0,-1 0,0 1,0-1,0 0,0 0,0 0,0 1,0-1,0 0,0 0,1 1,-1-1,0 0,0 0,0 0,0 1,0-1,-1 0,1 0,0 1,0-1,0 0,0 0,0 0,0 1,0-1,0 0,0 0,-1 0,1 1,0-1,0 0,0 0,0 0,0 0,-1 1,1-1,0 0,0 0,-1 0,-14 5,-16-1,-364-2,191-5,37-4,-222-40,47 4,-129-33,276 42,-247-11,416 45,20 1,1-1,-1 1,0-2,0 1,0 0,0-1,0 0,1-1,-1 1,0-1,-9-4,15 5,0 1,0 0,0-1,0 1,0 0,0-1,0 1,0 0,0 0,0-1,0 1,0 0,0-1,0 1,1 0,-1-1,0 1,0 0,0 0,0-1,1 1,-1 0,0 0,0-1,1 1,-1 0,0 0,0 0,1 0,-1-1,0 1,1 0,-1 0,0 0,0 0,1 0,-1 0,0 0,1 0,-1 0,0 0,1 0,-1 0,0 0,1 0,-1 0,1 0,17-4,72-1,105 6,-66 1,274 26,-321-19,423 56,-258-30,342 36,-104-4,-241-28,-11-1,11 2,-41-4,-15 4,-1 0,-141-34,-26-5,1 2,-1 0,0 1,0 1,24 9,-44-14,0 0,1 0,-1 0,0 0,0 0,0 0,1 0,-1 0,0 0,0 1,0-1,1 0,-1 0,0 0,0 0,0 0,1 0,-1 0,0 1,0-1,0 0,0 0,0 0,1 0,-1 1,0-1,0 0,0 0,0 0,0 1,0-1,0 0,0 0,0 0,0 1,0-1,0 0,0 0,0 0,0 1,0-1,0 0,0 0,0 1,0-1,0 0,-12 5,-19-2,-26-1,0-2,1-3,-1-3,-56-12,-273-51,-29-7,-145-38,194 71,236 39,292 3,-64-1,-1 4,141 20,-30 5,332 3,-470-29,256 25,-56-2,-110-15,259 7,-103 10,0 0,-259-24,105 17,-160-18,0-1,0 0,0 0,0 0,0 1,0-1,0 1,-1 0,1-1,0 1,0 0,-1 0,4 2,-5-2,-1 0,1-1,0 1,-1-1,1 1,-1-1,1 1,-1-1,1 1,-1-1,1 0,-1 1,1-1,-1 0,1 1,-1-1,0 0,1 0,-1 1,0-1,1 0,-1 0,0 0,-1 0,-61 9,-198 11,-122 12,335-27,-57 14,-35 4,128-22,-509 27,-607-29,1122 1,0-1,-1 1,1-1,-1-1,-9-2,15 4,0-1,0 1,-1 0,1-1,0 1,0-1,0 1,0-1,0 0,0 1,0-1,0 0,1 1,-1-1,0 0,0 0,1 0,-1 0,0 0,1 0,-1 0,1 0,-1 0,1 0,0 0,-1 0,1-1,0 1,0 0,0 0,-1 0,2 0,-1-1,0 1,0 0,0 0,0 0,1 0,0-2,0 1,1-1,0 1,-1 0,1 0,0 0,0 1,0-1,1 0,-1 1,0-1,1 1,-1 0,1 0,-1 0,1 0,-1 0,1 0,0 1,0-1,2 1,64-5,-57 5,439 1,-178 1,-138 4,139 24,5 1,438 44,-233-21,-327-39,352 39,-338-26,116 11,-237-34,0 3,0 1,68 23,-117-32,0 0,0 0,0 0,0 1,0-1,0 0,0 0,0 1,0-1,0 1,-1-1,1 1,0-1,0 1,0-1,-1 1,1 0,0-1,-1 1,1 0,-1 0,1-1,-1 1,1 0,-1 0,1 0,-1 0,0 0,1-1,-1 3,-1-2,1 1,-1-1,0 1,0-1,0 0,0 0,0 1,0-1,-1 0,1 0,0 0,0 0,-1 0,1 0,-3 1,-7 3,0 0,0-1,0 0,-13 3,-43 1,-1-4,-123-6,63-1,-177 4,-241-3,-52-50,155 7,279 39,85 4,1-2,-116-23,159 21,-69-3,50 6,52 3,-1 0,1 0,0-1,0 1,-1-1,1 1,0-1,0 0,0 0,0 0,0 0,0 0,0-1,0 1,0 0,-2-4,4 5,0 0,-1-1,1 1,0 0,0-1,0 1,0-1,-1 1,1-1,0 1,0 0,0-1,0 1,0-1,0 1,0-1,0 1,0 0,0-1,1 1,-1-1,0 1,0 0,0-1,0 1,1-1,-1 1,0 0,0-1,1 1,22-12,11 6,0 2,1 1,-1 2,55 4,-10 0,315 33,-249-17,56 5,203 22,-129-10,47 3,-22 4,-63-6,-195-30,61 17,-28-6,23 8,-197-24,-125-1,-152-3,59-23,-99-2,201 30,-273-5,185-27,102 7,162 17,-59-16,60 11,-48-5,237 18,-75-4,80 10,-95-2,160 27,402 68,-557-94,74 21,-79-15,94 10,-114-19,76 20,-25-5,-89-19,0-1,0 1,0 0,0 0,-1 0,1 0,0 0,0 1,3 2,-6-4,1 0,-1 0,0 0,0 1,0-1,0 0,0 0,0 0,0 0,1 0,-1 1,0-1,0 0,0 0,0 0,0 0,0 1,0-1,0 0,0 0,0 0,0 1,0-1,0 0,0 0,0 0,0 0,0 1,0-1,0 0,0 0,-1 0,1 0,0 1,0-1,0 0,0 0,0 0,0 0,0 0,-1 0,1 1,0-1,0 0,0 0,-1 0,-19 5,-233-2,132-5,66 0,-55-11,27 3,23 1,-81-22,-1-2,-224-46,274 54,73 19,-1 0,0 1,0 1,-35-3,-56-5,76 7,-48-2,57 4,-1 0,1-2,0-1,0-1,1-1,-37-17,-33-10,27 8,57 21,-1 0,0 1,0 1,-1 0,1 1,-1 0,-17-1,162 4,77 3,-157 4,-1 1,97 32,12 2,25 4,22 5,-184-46,-1 1,30 13,31 8,160 38,-135-34,129 20,-202-44,52 11,-41-7,1-2,-1-2,52 0,-74-6,0-1,-1-1,1-1,-1-1,1-2,-1 0,37-14,-46 14,0 1,0 0,1 1,0 0,28-1,79 6,-44 1,32-1,134-5,-237 2,-1 0,0-1,0 0,1 0,-2-1,1 0,0 0,0 0,-1-1,0 1,0-1,0-1,5-4,-3 2,1 1,-1 0,2 0,-1 1,11-6,148-65,12 14,-173 59,0 0,1 0,-1-1,-1 0,1 0,0 0,-1-1,0 1,7-9,-7 7,0 0,1 1,-1 0,1 0,0 1,0 0,1 0,13-7,43-2,-51 12,-1-1,1 0,0-1,-1 0,12-6,-7 3,0 1,0 0,1 1,-1 1,1 0,0 2,24-1,-23 2,0-1,1 0,-1-2,0 0,0-1,20-8,-8-2,1 2,0 1,1 1,0 1,0 2,60-5,-67 10,-1 0,30-9,-4 1,4 0,-28 5,2 0,42-1,2 4,-32 0,1 2,51 6,-92-6,0 0,1 0,-1 0,0 0,1 0,-1 0,0 0,1 0,-1 0,0 0,0 0,1 0,-1 0,0 0,1 0,-1 0,0 0,0 0,1 0,-1 1,0-1,1 0,-1 0,0 0,0 0,0 1,1-1,-1 0,0 0,0 1,0-1,1 0,-1 0,0 1,0-1,0 0,0 0,0 1,0-1,0 1,-12 6,-22 2,-151 9,153-12,-31 6,0-4,-83 2,127-10,-56-1,-109-14,-4-11,-38 1,188 19,2 1,1-1,-40-12,-10-1,69 17,-1-1,1-1,0 0,-1-1,2-1,-16-8,7 4,1 1,-1 0,-1 2,-40-7,10 2,-291-89,312 93,13 4,-1-2,0 0,-22-11,18 7,-1 2,1 0,-2 2,1 1,-53-3,57 6,-25-5,-53-14,26 4,-84-14,8 6,126 20,0 0,0-2,-36-14,-38-10,-39 12,92 14,-61-13,30 5,57 11,0-1,0-1,-29-10,25 7,0 1,0 0,-1 2,-45-2,35 3,-119-21,-85-14,-6-1,49 15,110 12,44 6,-65-2,71 7,-55-10,53 5,-47-1,47 5,-49-9,50 6,-57-3,-33 9,105-1</inkml:trace>
+  <inkml:trace contextRef="#ctx0" brushRef="#br0">11232 722,'-85'-2,"-93"4,128 7,36-6,0 0,-20 1,-5 0,0 1,-66 17,52-8,0-3,0-3,-109 4,132-13,2 1,0 0,0 1,-53 10,-27 12,77-19,1-3,-55-2,-27 1,0 18,69-12,-74 10,-140 0,219-14,-42 6,42-3,-43 0,4-7,-108 4,122 7,39-5,-38 2,31-4,-40 7,20-1,-77 11,82-10,31-6,1 0,-22 1,21-3,0 1,0 1,2 0,-16 6,12-4,-1-1,-18 3,-143 16,57 3,60-11,-113 15,-95 28,51-18,173-31,29-5,0-1,-27 2,-21 4,49-6,-34 3,36-5,-1 1,1 1,-1 0,-15 6,14-3,-1-2,-26 4,-112 13,140-19,0 2,-25 8,26-7,0-1,-28 5,-27-1,24-2,-55 1,85-6,1 0,-24 7,-25 1,35-7,1 2,-46 11,-6 2,-2 1,-12 2,68-17,-32 12,38-9,-1-2,-39 5,-75 10,81-10,33-5,-35 2,18-3,-65 13,64-8,-55 3,77-9,1 0,-1 1,-27 10,28-9,0 0,1 0,-1-1,-21 1,-73 7,56-3,5-3,-62 16,73-9,28-7,-2-2,1 0,0 0,-18 1,-11 1,-50 12,34-3,-40 7,-1-2,-14 1,90-17,-38 12,41-10,0-1,0 0,-22 1,-36 5,47-5,-38 0,50-4,0 1,-28 6,8-1,-75 13,-15 3,65-10,47-10,2 1,-19 8,21-8,1 0,-1-1,1 0,-2 0,-14 0,-52-2,54-2,-2 2,2 0,-43 8,46-6,1 0,-26 0,26-1,-1-1,-24 6,18-2,1-2,-1-1,0-1,-33-4,23 2,-39 2,65 1,0 0,1 0,0 1,-17 7,17-6,1-1,0 0,-1 0,0-1,-15 2,-27-2,30-2,1 1,-1 0,-24 6,16-2,1-2,-2-1,-56-3,24-1,57 2,0 0,0-1,1 0,-2 0,2 0,-1-1,0 0,1 1,-8-6,-39-30,2 3,-109-53,144 79,0 1,-20-7,22 10,1-1,0 0,-1-1,-19-13,20 11,0 2,0-1,0 1,-16-5,16 6,0 0,0 0,1 0,0-2,-12-8,14 10,0 0,0 1,0 0,0 0,-1 1,0 0,0 1,0 0,-10-1,-27-8,29 7,-1 0,-29-1,-17-4,47 5,-12-3,-1 1,0 1,-43-1,52 6,1-3,-25-4,0-1,33 6,0-1,0 0,1-1,0 1,0-2,0 0,-18-11,8 4,-1 3,1 0,-2 1,-41-9,36 10,1 0,-44-20,62 22,-2 0,1 0,0 1,-1 1,0 0,0 0,0 1,0 0,-13 0,23 2,-28 2,29-2,-1 0,1 0,0 0,0 0,-1 0,1 0,0 0,0 1,0-1,0 0,0 0,-1 0,1 0,0 0,0 1,0-1,-1 0,1 0,0 0,0 0,0 0,0 0,-1 0,1 1,0-1,0 0,0 0,0 1,0-1,0 0,0 0,0 0,0 0,0 0,0 1,0 0,12 10,-5-7,-1-1,1 0,0 0,-1-1,2 0,-2 0,2-1,-1 0,9 1,73-3,-45-1,-8 2,-2-2,46-8,40-9,21 0,-112 13,0-1,-1-1,49-22,72-28,-139 55,-1 0,1 0,0 2,0-1,0 1,-1 0,13 0,39-4,-35 1,47-1,-18 2,-4-6,-37 6,-1 0,21 0,82 4,48-2,-157-1,0 1,0-1,0 0,-1 0,1-1,7-4,-8 4,0 0,0 0,1 1,0 0,-1 0,13-2,53-7,-31 3,-5 0,42-13,-43 10,41-7,-38 11,58-21,-56 15,-13 5,0 2,0 1,1 2,0 0,33 1,-47 1,0 1,0-3,13-2,35-5,55 1,28 0,-131 8,-1 0,1-2,13-2,-12 1,0 2,18-2,70-5,19-1,-97 9,46-9,-18 2,1 0,-29 4,45-3,-45 5,46-8,-36 4,9-2,-27 4,3 1,30-2,-26 3,0 0,0-2,33-9,19-4,-68 16,-1-1,1-1,0 1,12-8,25-8,83-3,-108 18,-1-1,0-2,34-12,-6 1,-16 9,0 1,1 1,33-1,-10-1,-36 4,0 1,20 0,-33 3,2 1,0-1,0 0,0-1,0 0,0 1,-1-3,1 2,0-1,0-1,-1 0,11-6,-9 6,-1-1,1 1,1 0,-1 1,1-1,-1 2,16-1,26-4,18-7,-47 10,1-1,-1-2,0 0,32-14,-37 14,0 0,1 0,-1 1,1 1,31-2,-16 0,56-15,-64 13,0 2,0 0,0 3,33-3,51 9,100-6,-158-6,-38 6,1 1,20-2,-8 2,1-2,-2-1,0-1,33-12,-6 3,60-4,0 0,-78 11,58-16,-61 15,0 2,1 1,57-3,-69 7,31-6,-36 4,-1 2,19-2,-15 4,-13 0,0 0,0 0,0 0,0-1,0 0,1 1,-1-2,0 1,0-1,0 1,0-2,0 1,4-4,-2 3,0-1,-1 2,1-1,0 1,0 1,0-2,0 3,0-2,0 1,1 1,12 1,-9-1,0-1,1 1,18-5,4-3,39-3,-18 4,12 1,-54 6,1-1,0 1,0-3,0 1,0-1,17-7,-18 6,1-1,0 2,-1 0,1 1,21-1,39-6,217-37,-197 27,-1 0,20 0,-88 15,1-1,35-13,-39 10,1 2,0 1,40-5,14-1,-25 2,-34 6,1-1,19-8,-24 8,0 0,0 1,1 0,22-2,-18 4,40-9,-25 3,7 0,-22 2,0 2,32-2,548 6,-592-1,0 0,-1 1,1 1,-1-1,0 1,1-1,-1 1,0 1,9 4,1 4,0-1,13 13,-2-2,-21-16,-1 0,1 0,-2 1,8 9,-8-8,1-1,0 0,1-1,7 8,21 22,-30-30,0-1,0 1,1-1,-1 1,0-2,2 1,-2 0,1 0,0-1,1 0,6 2,1 0,-2 0,0 0,14 10,-14-9,-1 0,1 0,20 6,29 7,62 28,-104-40,0-1,1 0,-1-1,1-1,25 1,-24-2,38 12,-41-10,0-1,1 0,21 2,-15-3,0 2,-1 0,1 1,-1 1,0 2,37 19,-46-22,1-2,0 1,0-2,0 0,19 2,-12-3,33 9,-30-4,-14-4,1 1,-1-1,1 1,14 9,-6-5,10 5,-30-13,2 1,-1-1,0 1,0 0,0 0,0-1,1 1,-2 0,1 0,0 0,-1 0,1 0,0 0,0 0,-1 0,1 0,1 3,-3-4,1 0,0 1,0 0,0 0,-1-1,1 0,0 1,-1-1,1 1,0 0,0-1,0 0,-1 1,1-1,-1 1,0-1,1 1,0-1,0 0,-1 0,0 1,1-1,0 0,-1 1,0-1,0 0,1 0,0 0,-1 1,0-1,1 0,-2 0,-22 3,22-3,-10-1,0 0,0 0,0-1,-13-3,10 1,-1 1,-16-1,11 4,0-2,-39-7,29 4,-2 1,0 1,1 3,-36 3,-8-1,-1265-2,1310 1,-39 8,-25 0,3-10,59-1,0 2,1 0,0 2,-1 2,-44 11,46-7,-1-2,1-2,-58 2,-17 1,-72 16,155-19,-7-1,-57 17,46-10,-77 10,84-14,-33 11,23-6,-83 9,82-12,9-2,-41 11,51-10,0-2,-34 3,-23 5,77-13,-67 17,-80 5,134-19,-1 0,-24 9,25-7,1 0,-34 4,-78 9,87-9,-58 2,74-9,-1 2,-33 8,29-5,-35 4,-140 18,20 0,80-10,11-1,-128 21,185-31,-175 26,-17 4,171-27,-132 30,115-21,-142 17,191-32,-39 10,-21 4,-5-2,54-10,-61 6,85-11,-1 0,1 1,0 0,-16 8,-18 3,156-10,216-17,-284 11,175-10,326-23,-104 0,-325 23,392-50,-324 35,81-15,-220 35,14-3,-1-2,78-28,-128 38,-1 1,1 0,-1-1,1 2,-1-2,0 0,0 0,0 1,3-4,-5 5,0 0,0-1,0 1,1 0,-1-1,0 1,0 0,0-1,0 1,0 0,0 0,0 0,0 0,0-1,0 1,0-1,0 1,0 0,0 0,0 0,0-1,0 1,0 0,0-1,0 1,0 0,0-1,0 1,-1 0,1 0,0-1,-17-5,-27 3,-1 1,-46 5,2-1,34-2,-95 2,124 0,1 1,0 2,-47 13,71-17,-1 0,0-1,1 1,-1 0,0 0,1 0,-1-1,1 2,-1-1,-2 2,4-2,0-1,-1 1,1-1,0 1,-1-1,1 0,0 1,0-1,0 1,0 0,0-1,0 0,0 1,0-1,0 1,0 0,0-1,0 0,0 1,0-1,0 1,0-1,0 1,0-1,0 0,1 2,0-1,1 2,-1-2,2 0,-2 1,1-1,1 1,-2-1,1 0,0 0,1 0,-1 0,0 0,0 0,0-1,4 1,38 7,1-1,52 0,94-8,-74 0,269 1,-381 0,-2 0,1-1,0 1,0-1,0 0,0 0,-1-1,1 2,0-2,-1 0,0 0,1 0,-1 1,1-2,-2 0,1 1,0-1,0 1,2-5,12-9,-11 12,-1 1,1-1,0 1,0 1,0-1,0 2,0-2,0 2,1-1,-1 2,0-1,1 0,11 1,36-6,-29 1,46-2,12-3,5-1,-10 3,76-29,-81 17,-10 6,-35 9,0-2,43-16,-47 16,-1 0,1 2,0 0,29-1,-49 6,42-5,-21 4,0-2,42-10,-39 6,0 2,45-3,-56 6,13-1,36-11,-41 7,0 2,36-2,41-2,23-2,-78 9,83-16,-10 0,2 0,-107 15,-1 0,27-10,-30 9,1 0,-1 1,1 0,0 1,16-1,50 3,-101 2,-42 8,17-2,-98 12,128-18,-1 2,-27 9,27-7,-36 6,-65 7,27 0,15-2,18-4,-87 30,60-16,47-16,0-2,-57 5,87-13,0 2,0-1,0 1,-13 6,14-6,-1 1,2-1,-2-1,0 1,-12 0,-182 23,146-18,-19-1,48-6,-32 7,33-5,0 0,-46-3,-20 1,32 8,39-4,-42 1,15-3,0 2,-75 17,-27-3,129-16,1-1,-23-1,25-2,1 2,-1 0,-27 6,16 0,-58 2,58-7,-60 12,61-8,0-1,-44 0,32-2,-22 6,-14 0,38-4,39-5,1 0,-1 1,0-1,0 0,1 0,-1 0,0 0,0 0,1 1,-1-1,1 1,-1-1,0 1,1-1,-1 0,0 1,1-1,0 1,-1 0,1-1,-1 0,1 1,-1 0,1 0,0-1,0 1,-1 0,1 0,0-1,-1 1,1 0,0 0,0-1,0 1,0 0,0 0,0-1,0 1,0 0,0 0,1-1,-1 1,0 0,1-1,-1 1,0 0,0 0,2 0,-1 1,1 1,1-1,-2-1,1 2,1-2,-1 1,1-1,-1 1,0-1,1 0,-1 0,1 0,4 1,41 9,-28-7,110 20,-116-22,-2 2,25 8,-27-7,1-2,-1 0,0 0,1-1,13 1,285-1,-151-4,-141 1,1 0,21-6,30-3,-58 9,-1-1,1 1,0-2,-1 0,13-6,-10 5,-1 0,0 0,19-1,146-17,-151 18,39-10,-44 8,0 2,0 0,27-1,3 2,63-13,-66 8,79-3,-101 9,2 0,47-13,-46 9,59-6,12 1,-19 2,-59 6,0-2,30-7,21-6,39-4,-56 10,2 2,87-3,-123 12,37-8,18 0,-59 8,-1-2,1 0,-1-1,18-6,20-5,-53 15,0-1,-1 0,2 1,-2-1,1 0,0 0,0 0,-1 0,1 0,0-1,0 1,-1 0,1-1,-1 1,0-1,0 0,1 1,0-5,0 3,0-2,-1 1,1-1,-1 1,0-1,-1 1,1-1,0-5,-1-4,-1 1,0 0,-1-1,-1 1,-3-14,3 21,1 1,-1-1,0 0,0 0,-1 1,0 0,-4-5,4 5,-1 0,2 0,-1-1,0 0,1 0,1 1,-4-10,3 3,-2-1,1 0,-1 1,0 0,-1 0,-11-15,14 22,-1 2,0-2,1 1,-2 1,2-1,-2 1,0 0,1 0,-1 0,0 1,0 0,0-1,0 2,0-1,-1 1,0-1,1 2,-6-1,-213-1,111 4,96-2,10 1,0-1,1 0,0 0,-1 0,1-1,-1-1,1 1,-10-4,16 5,-1 0,1 0,0 0,0 0,0 0,0 0,-1 0,1 0,0 0,0 0,0 0,0 0,0 0,0 0,0 0,0-1,0 1,0 0,0 0,0 0,0 0,0 0,0-1,0 1,0 0,0 0,0 0,0 0,0 0,0-1,0 1,0 0,0 0,0 0,0 0,0 0,0 0,0 0,0 0,0 0,0 0,0-1,0 1,0 0,0 0,0 0,0 0,0-1,9-4,11-3,-18 8,23-8,2 1,-1 1,1 1,0 2,45 0,-21 0,84-15,5 1,26-1,-166 18,1 0,1 0,-2 0,1 0,0 0,0 0,-1 0,1-1,0 1,0 0,-1 0,1-1,0 1,-1-1,1 1,0 0,0 0,-1-1,0 0,1 1,0-1,0 1,-1-1,0 0,1 1,-1-1,1 1,-1-1,1 0,-1 0,0 1,0-2,0 1,0 0,0-1,-1 2,0-2,0 2,1-1,0-1,-1 2,0-1,0 0,0 0,0 1,0-1,1 0,-2 0,2 1,-1-1,-1 1,2-1,-2 0,-1 1,-28-11,-1 1,0 2,-2 1,-47-2,22 1,26 3,-42-1,-39 7,192 0,89-2,-166 1,1 0,-2 0,1 0,1-1,-2 1,2 0,-1 0,0-1,0 1,-1 0,2 0,-1-1,-1 0,2 0,-1 1,-1 0,1-1,1-1,-2 2,0-1,0 0,-1 0,1 1,-1 0,1-1,-1 1,1-1,0 0,-1 1,1 0,-1 0,0-1,1 1,0-1,-1 1,0 0,0-1,1 1,0 0,-1 0,0 0,1 0,-1 0,1 0,-1 0,0 0,1 0,-1 0,0 0,0 0,-26-5,1-1,-1-3,1 0,-29-15,54 24,-1 0,1-1,-1 0,1 0,-1 1,1-1,0 0,0 0,-1 0,2 0,-2 0,1-1,1 2,-2-2,1 1,1-1,-1 1,0 0,0-1,1 1,-1-1,1 1,-1-1,1 1,0-1,-1-2,1 2,1 1,-1-1,1 1,0-1,-1 1,0 0,1 0,0-1,0 1,0 0,0-1,0 2,-1-1,2-1,-1 2,0-1,0-1,0 2,1-1,-1 0,0 1,0 0,1-1,-1 0,1 1,-1-1,1 1,1 0,23-3,1 0,-1 3,43 2,-4 1,70-15,-79 5,-215 8,92-2,74 2,0 0,0 0,0 1,-1 0,1 0,0 0,-1 1,1 1,-1-1,0 1,0-1,7 9,3 0,-2 1,-1 0,19 24,-32-36,7 8,0 0,1 0,0-1,17 14,-23-20,0-1,0 1,0-2,0 2,0-1,1-1,-1 1,1 0,-1 0,0-1,0 0,1 1,0-1,-1 0,0 0,1 0,-1 0,0-1,1 1,-1 0,1-1,-1 0,0 0,0 0,1 0,-1 0,0 0,-1-1,4 0,1-2,0 0,0 1,1 0,-1 1,1-1,0 1,-1 0,1 1,0 0,0 0,0 0,9 1,-1 1,0 0,0 1,-1 0,27 9,-36-9,-7 0,-16 1,-27-2,27-2,-1-1,-20-5,20 3,-37-2,-101 7,-62-2,155-8,40 4,-39-1,-23 7,120-6,-31 5,-1-1,1 0,0 1,0-1,-1 0,1 0,-1-1,0 2,1-2,-1 1,0-2,1 2,2-4,-5 5,0 0,0-1,0 0,0 1,0-1,-1 1,1 0,0-1,0 1,0-1,0 1,-1-1,1 1,0 0,0 0,0-1,0 1,0-1,-1 1,1-1,-1 1,1 0,-1 0,1 0,0 0,0-1,-1 1,1 0,-1-1,1 1,-1 0,1 0,0 0,-1 0,1 0,-1 0,1-1,0 1,0 0,-1 1,0-1,0 0,-21-3,21 3,-164-1,80 3,68-1,-1 1,0 0,1 2,-19 6,16-4,-1-2,-30 5,-84 10,93-12,1-1,-59 1,152-8,0-1,95-18,69-19,-154 27,-27 4,0 2,1 1,37 1,-65 4,40 0,-41 0,-31 1,-21-1,-38-1,-98 13,143-7,1-1,-52 14,43-7,-67 5,-4 2,-94 13,185-24,21-2,18 0,1-4,-1 0,1-1,0-1,-1 1,1-3,-1 1,1-1,21-7,21-6,0 3,1 1,93-4,-144 16,37-2,-1-1,62-15,-76 13,-2 1,1 1,34 1,3-1,-52 2,0-1,0 0,18-6,-82 3,-196 27,142-8,-59 15,11-1,-165 25,140-23,-9 0,33-3,25-4,-9 6,15-2,-176 47,159-35,116-34,19-4,0 0,-1 0,1 2,-1-1,-10 5,17-7,0 0,0 0,0 0,-1 0,1 0,0 0,0 0,0 0,0 0,0 0,0 0,0 0,0 0,0 0,0 0,0 0,0 1,0-1,0 0,0 0,0 0,0 0,0 0,-1 0,1 1,0-1,0 0,0 0,0 0,0 0,0 0,0 1,0-1,0 0,0 0,0 0,0 0,0 0,0 0,0 0,1 0,-1 0,0 0,0 0,0 0,0 1,0-1,0 0,0 0,0 0,0 0,0 0,0 0,0 0,0 0,0 0,0 1,0-1,0 0,0 0,1 0,-1 0,0 0,0 0,13 4,15-2,8-2,1-1,59-9,194-59,-102 22,174-42,-213 52,25 4,-164 31,-2 1,2-1,-1 0,14-5,-62 2,-370 21,350-12,-317 34,164-15,23-4,-345 54,441-61,40-6,-77 17,-56 20,49-12,-136 24,240-46,30-8,1-1,1 1,-2 0,2-1,-1 2,0-1,0 0,1 0,-1 0,1 1,-1-1,1 1,-1-1,-1 4,3-5,0 1,1-1,-1 0,0 1,0-1,1 1,-1-1,0 1,1-1,-1 0,0 0,0 1,1-1,-1 1,1-1,-1 1,0-1,0 0,1 0,-1 0,1 0,0 0,-1 1,0-1,0 0,1 0,0 0,-1 0,1 0,-1 0,0 0,1 0,0 0,-1 0,1 0,21 2,-21-2,265-3,-232 0,54-12,-1-2,55 1,123-18,-224 29,0 2,49 4,40-3,-111-4,-16 2,-14 0,-36 0,-1 1,1 3,-1 1,-56 10,4-1,-73 16,22-1,-180 22,107-26,47-6,-235 38,262-31,148-22,-40 8,39-8,0 0,0 1,0 0,1 0,-1 0,0 0,1 1,-1-1,1 1,0-1,-4 5,6-6,0 0,0 0,-1 0,1 0,0 0,0 0,0 0,0 0,0 0,0 1,0-1,0 0,0 0,-1 1,1-1,0 0,0 0,0 0,0 1,0-1,1 0,-1 0,0 0,0 0,0 0,0 0,0 0,0 1,0-1,0 0,0 0,1 0,-1 1,0-1,0 0,0 0,0 0,0 0,1 1,-1-1,0 0,0 0,0 0,11 3,12 0,268-1,-141-4,-27-4,163-29,-34 3,94-24,-202 30,181-7,-306 33,-14 0,-2 0,2 1,-1-2,0 1,1 0,-1 0,1-1,-2-1,2 2,-1-2,7-2,-11 3,0 1,0 0,0-1,0 1,0 0,0-1,0 1,0 0,0 0,0 0,0 0,0 0,0-1,0 1,-1 0,1-1,0 1,0 0,0 0,0-1,0 1,0 0,0 0,0 0,-1 0,1 0,0 0,0 0,-1 0,1-1,0 1,0 0,0 0,0 0,0 0,-1 0,1 0,0 0,-1 0,1 0,0 0,-1 0,1 0,0 0,0 0,0 0,-1 0,-12-3,-54-1,-76 5,48 0,-202 20,237-14,-311 42,189-23,-252 27,78-3,176-21,9-1,-9 2,31-3,10 3,2 0,103-26,19-3,0 1,0 0,0 1,1 1,-19 6,33-10,0 0,0 0,0 0,0 0,0 0,0 0,-1 0,1 0,0 0,0 1,0-1,-1 0,1 0,0 0,0 0,0 0,-1 0,1 0,0 1,0-1,0 0,0 0,0 0,0 0,0 1,0-1,0 0,0 0,0 0,0 0,0 0,0 0,0 0,0 0,0 1,0-1,0 0,0 0,0 0,0 1,0-1,0 0,0 0,0 1,0-1,0 0,8 3,15 0,19-2,0-1,-1-2,1-3,41-8,201-39,22-4,106-29,-143 53,-173 29,-215 2,46-1,2 4,-104 14,22 4,-244 3,345-22,-188 18,42-1,80-11,-190 4,75 9,1-1,190-17,-78 12,119-13,-1-1,1 0,0 0,-1 0,1 0,-1 0,1 1,0 0,-1-1,1 1,-1-1,2 1,-4 1,4-1,1 0,-1-1,0 1,1-1,-1 0,0 0,0 1,1-1,-1 1,1-1,-1 0,0 1,0-1,1 0,-1 0,1 0,0 0,-1 0,0 1,1-1,-1 0,1 0,0 0,0 0,45 7,146 8,90 9,-246-21,41 12,26 2,-94-17,374 21,447-21,-826 0,1-1,0 1,-1-1,2 0,5-2,-10 3,0-1,0 1,0 0,0-1,-1 1,1-1,0 1,0 0,-1-1,1 1,0-1,0 0,-1 1,0 0,1-1,0 0,-1 0,1 1,-1-1,0 0,1 0,-1 1,1-1,-1 0,0 0,1 1,-1-2,0 2,0-1,0 0,0 0,0 1,0-2,0 1,0 1,0-1,0 0,-1 0,0-1,0 1,0-2,-1 2,2-1,-2 1,1-1,-1 2,1-2,-1 1,0 0,1-1,-2 2,2-1,-1 0,0 0,0 1,1-1,-2 0,1 1,0-1,-2 1,-47-3,43 3,-324 0,131 2,102 2,-103 19,-3 0,-323 33,172-16,241-29,-260 30,249-20,-85 8,174-26,0 3,1 1,-51 17,86-24,0 0,1 0,-1 0,0 1,0-1,1 0,-1 0,0 0,0 0,1 1,0-1,-1 1,0-1,1 1,-1-1,1 0,-1 1,0-1,1 1,0 0,0-1,-1 0,1 1,-1 0,1 0,-1-1,1 1,0 0,0-1,0 2,0-1,0 0,1 0,0 1,0-2,-1 1,1 0,0 0,0 0,0 0,0 0,-1-1,1 1,1 0,-2 0,3 0,5 3,1 0,-1-1,0 0,9 2,33 1,0-3,90-5,-46 0,131 3,177-3,38-37,-114 6,-206 28,-62 4,0-2,84-17,-116 15,51-1,-38 3,-37 3,0 0,0 0,-1 0,1 0,0-1,-1 1,1-1,-1 0,1 1,-1-1,1 0,-1 0,1 0,-1 0,1 0,0-2,-2 3,0 0,1-1,-1 1,0 0,0-1,0 1,0-1,1 1,-1 0,0 0,0 0,0-1,0 1,0-1,0 1,0-1,0 1,0 0,0 0,-1 0,1-1,0 1,0 0,0-1,0 1,-1-1,1 1,0 0,0 0,0 0,-17-9,-8 4,0 2,-1 1,1 1,-40 4,6-1,-231 25,184-13,-42 4,-149 16,94-7,-34 2,17 3,45-4,144-23,-44 13,19-5,-16 7,145-19,92 0,112-3,-44-16,73-2,-148 22,201-4,-136-19,-75 4,-119 14,43-13,-44 8,35-3,-174 13,55-2,-59 6,70 0,-117 19,-297 51,411-70,-55 16,58-12,-69 8,84-14,-56 15,18-5,66-13,0-1,-1 1,1 0,0-1,0 1,0 0,0 0,0 0,-3 2,5-3,0 0,0 0,0 0,0 1,0-1,0 0,0 0,0 0,0 0,-1 0,1 1,0-1,0 0,0 0,0 0,0 0,0 0,0 0,0 0,0 0,0 0,0 1,0-1,0 0,0 0,0 0,0 0,0 1,0-1,0 0,0 0,1 0,-1 0,0 1,0-1,0 0,0 0,0 0,0 0,0 0,0 0,0 0,0 0,0 0,0 0,1 0,14 4,171-2,-97-3,-49-1,41-7,-20 1,-16 1,58-16,2-1,164-35,-201 40,-54 15,1-1,-1 1,1 1,25-2,42-4,-56 6,35-3,-42 4,1 0,-1-2,0 0,0-2,0 0,26-12,25-8,-20 5,-42 17,1 0,0 0,0 1,0 0,0 1,1-1,12 0,-119 3,-57 3,116 2,0 1,-71 24,-8 1,-20 3,-15 4,135-34,1 1,-22 9,-23 6,-118 28,99-24,-94 14,148-33,-38 8,30-4,0-3,0-1,-38 1,54-6,1 0,0 0,-1-2,1 0,-1-2,2 0,-29-10,35 11,0 0,-1 0,0 0,0 1,-20-1,-59 5,33 0,-24-1,-99-3,175 1,1 1,-1-2,1 1,-1-1,1 0,-1 0,1-1,0 1,0-1,0 1,1-1,-1-1,-3-2,1 0,1 2,-1-1,0 1,0 0,-8-4,-109-49,-9 11,128 44,0-1,-2 1,2-1,0 0,0 0,-1 0,2 0,-1 0,-5-7,6 5,-1 1,-1 0,2 0,-2 1,1 0,0 0,-2 0,-8-5,-33-2,39 9,-1 0,1-1,-1 0,1 0,-9-5,5 2,0 2,0-1,0 1,0 1,0 0,-1 1,-17-1,17 2,-1 0,0-1,1-1,0-1,0 0,-15-6,6-1,-1 1,0 1,0 0,-1 2,0 0,-43-3,48 8,2-1,-23-6,3 1,-3-1,21 5,-1-1,-32-1,-1 4,24-1,-1 2,-38 5,68-5,0 0,-1 0,1 0,0 0,-1 0,1 0,0 0,0 0,0 0,0 0,0 0,-1 0,1 0,0 0,-1 0,1 0,0 0,0 0,0 0,0 1,0-1,-1 0,1 0,0 0,0 0,0 0,-1 0,1 0,0 0,0 1,0-1,-1 0,1 0,0 1,0-1,0 0,0 0,0 1,0-1,0 0,9 6,16 0,111 8,-112-10,22 5,1-3,60 2,-93-8,41-1,81-10,2-9,28 2,-138 13,-1 1,-2 0,31-10,6 0,-50 13,0-1,0-1,0 0,0-1,-1-1,12-5,-5 2,-1 2,0-1,2 2,29-6,-8 2,215-66,-230 69,-10 3,1-1,1-1,15-8,-13 6,1 1,-1 0,2 2,-1 0,38-2,-41 4,19-3,38-11,-19 4,62-11,-6 4,-92 15,-1 0,0-1,27-10,28-9,29 10,-68 11,44-11,-21 4,-42 9,-1-1,1-1,21-8,-18 6,-1 1,1-1,1 2,32-1,-25 1,87-15,63-10,4-1,-36 11,-80 9,-33 5,47-2,-51 5,40-7,-39 3,34 0,-34 4,36-8,-37 6,43-3,23 6,-77 0</inkml:trace>
 </inkml:ink>
 </file>
 
@@ -278,7 +283,7 @@
       <inkml:brushProperty name="ignorePressure" value="1"/>
     </inkml:brush>
   </inkml:definitions>
-  <inkml:trace contextRef="#ctx0" brushRef="#br0">1 713,'13'0,"6"1,1-1,0 0,0-2,0 0,-1-1,1-1,-1-1,33-13,-41 14,1-1,0 2,0 0,0 0,0 1,22-1,79 5,-43 1,-58-3,7 1,-1-2,1 0,26-5,-38 4,-1 0,1 0,0-1,-1 0,1 0,-1 0,0-1,0 0,0 0,-1-1,0 0,7-7,3-1,1 0,0 0,1 2,0 0,1 1,0 1,30-11,-18 7,46-27,-73 37,1 0,-1-1,1 1,-1-1,0 0,0 0,-1 0,1 0,-1 0,0 0,0-1,0 1,-1-1,0 0,0 1,0-1,0 0,-1 0,1-5,-1-12,0-1,-5-35,4 57,0-9,-1 0,-1 1,0-1,0 1,-1 0,-1 0,1 0,-1 0,0 1,-1 0,-13-15,-3-4,21 26,0-1,-1 0,1 1,0-1,0 1,0-1,0 0,0 0,0 0,1 0,-1 0,1 1,-1-1,1 0,-1 0,1 0,0 0,0 0,0-1,0 1,1 0,-1 0,1-2,1 1,-1 1,1 1,-1-1,1 0,0 0,0 1,0-1,0 1,0-1,0 1,0 0,0 0,1 0,-1 0,0 0,4 0,9-3,1 1,1 1,-1 1,24 0,9 0,55-10,43 0,321 12,-446-1</inkml:trace>
+  <inkml:trace contextRef="#ctx0" brushRef="#br0">1365 533,'-10'0,"-4"1,0-1,-1 0,0-2,1 1,0-2,-1 0,1 0,-24-11,30 11,-1-1,0 2,0 0,0 0,0 0,-16 0,-58 3,32 2,42-3,-5 0,1 0,-1-1,-19-4,28 4,0-1,0 1,0-1,0-1,0 1,1 0,-1-1,1 0,0 0,0-1,0 1,-5-6,-2-1,0 0,-1 0,-1 2,1 0,-1 1,-1 0,-21-8,13 5,-34-20,54 28,-1 0,1-1,-1 1,1-1,-1 0,1 0,1 0,-2 0,2 0,-1 0,1-1,0 1,0-1,0 1,0 0,1-1,-1 0,1 0,-1-3,1-10,0 0,4-26,-3 42,-1-6,2-1,0 2,0-2,0 1,1 1,1-1,-1 0,1 0,-1 1,2 1,9-13,2-2,-15 19,-1 0,2-1,-1 2,-1-2,1 1,0 0,-1-1,1 1,0-1,-1 1,1-1,-1 2,0-2,0 1,1-1,-1 1,0-1,0 1,0-1,0 0,-1 1,1-1,0-1,-2 1,1 0,0 2,0-2,0 1,-1-1,1 1,-1 0,1 0,-1 0,1 0,-1 0,1 0,-1 1,0-1,1 0,-4 0,-6-2,0 1,-2 1,1 0,-17 0,-7 0,-41-7,-31 0,-236 9,328-1</inkml:trace>
 </inkml:ink>
 </file>
 
@@ -307,7 +312,7 @@
       <inkml:brushProperty name="ignorePressure" value="1"/>
     </inkml:brush>
   </inkml:definitions>
-  <inkml:trace contextRef="#ctx0" brushRef="#br0">0 0,'0'0</inkml:trace>
+  <inkml:trace contextRef="#ctx0" brushRef="#br0">2 0,'0'0</inkml:trace>
 </inkml:ink>
 </file>
 
@@ -336,7 +341,7 @@
       <inkml:brushProperty name="ignorePressure" value="1"/>
     </inkml:brush>
   </inkml:definitions>
-  <inkml:trace contextRef="#ctx0" brushRef="#br0">18 4,'55'-1,"-32"-1,-1 1,1 1,0 1,0 2,-1 0,0 1,1 1,40 15,-38-10,0-2,1 0,0-2,51 6,15 3,-42-4,-14-4,62 20,-80-22,0 0,1-1,0-1,21 0,43 9,-50-6,52 2,16 3,7-1,-77-9,0 2,38 8,108 15,-109-10,-17-3,2-2,-1-2,94 3,-127-11,0 0,0 2,17 5,50 4,-49-8,0 0,57 16,18 3,-52-13,-30-4,57 3,-65-7,0 1,0 1,0 1,24 9,48 10,-41-15,-25-3,1-2,39 2,-31-4,61 11,-30-2,-7 0,-40-7,1 0,27 1,-36-4,-1 1,1 1,-1 0,0 0,0 1,15 7,-11-4,0-2,28 8,187 35,-78 4,-112-43,1-2,76 3,-98-9,0 1,32 8,34 2,-49-11,-7-1,0 2,0 0,31 8,-27-2,-1 1,-1-2,1-2,52 3,-64-7,0 1,29 7,37 3,-65-10,0 1,22 5,-22-3,0-1,24 0,-20-1,52 10,-30-4,4 2,24 3,-56-11,0 0,0 1,35 12,-36-9,1-1,0-2,35 5,-4-4,70 17,10 2,-63-13,-43-5,0-3,35 2,-39-5,10 0,0 1,-1 1,46 9,75 16,68 24,-192-47,0-1,1-1,32-1,-32-2,0 2,54 8,32 5,-78-11,52 11,-52-7,52 3,-60-9,-1 2,0 1,0 2,26 8,-13-3,0-1,42 5,29 7,-45-12,-53-10,-1 2,1 0,-1 0,0 1,0 1,17 6,-7-1,1-1,0-2,0 0,1-1,26 1,-8 1,90 14,-49-13,-70-8,0 0,0 1,0 1,-1 0,1 0,0 2,17 6,9 5,0-2,0-2,1-1,43 4,-27-4,29 0,17 5,65 10,85 39,-229-58,12 3,46 4,-14-3,32 1,-67-9,50 9,-52-5,48 1,-55-5,1 0,0 1,42 12,-39-8,-1-1,2-1,-1-2,0 0,31-2,17 1,10 11,-60-8,1-2,26 2,-11-3,57 11,-34-3,-54-8,0 0,0 1,0 1,0-1,12 7,-14-5,1-1,0 0,1-1,-1 0,0-1,18 3,202 25,-78-8,-140-20,-1 0,0 1,-1 0,1 1,13 6,-14-5,0-1,0 0,0-1,0 0,0-1,17 3,19-3,-16-1,-1 1,33 8,116 16,-63-10,-41-7,72 17,-119-21,51 3,22 4,78 13,-24 1,-126-21,1-2,29 1,-30-3,0 1,36 8,-19-3,0-2,0-2,0-2,49-5,9 2,13 0,125 5,-236-3,-1 0,1 1,0 0,-1 0,1 0,-1 0,1 1,-1-1,1 1,-1 0,0 0,0 0,0 0,0 1,-1-1,1 1,0 0,-1 0,0 0,0 0,0 0,0 0,0 0,-1 1,1-1,-1 1,0-1,0 1,1 6,0 2,-1 0,0 0,-1 0,-1 0,0 0,0 0,-1 0,-4 14,5-22,0-1,-1 1,1-1,-1 0,0 1,0-1,0 0,0 0,0 0,-1 0,0-1,1 1,-1-1,0 0,0 1,0-1,0 0,-1-1,1 1,-1-1,1 1,-1-1,1 0,-1 0,1 0,-1-1,0 0,0 1,-5-2,-13 1,0-2,0 0,1-2,-22-6,4 2,-45-6,-111-25,174 33,-78-19,66 20,0-3,1 0,0-2,-34-17,41 18,0 2,0 0,-1 1,-26-2,-32-8,23 3,30 8,0-3,-39-14,37 12,0 0,0 3,-1 0,-52-2,-36-6,71 6,24 5,0-1,0-1,-34-13,46 14,0 1,0 1,0 0,-1 1,1 1,-1 0,-16 2,13-1,0 0,0-1,0-1,-20-5,-62-14,63 15,-60-19,67 14,9 2,0 2,-31-6,3 3,28 5,0 1,-36-2,32 3,-1 0,-25-7,4 1,-7-1,29 4,0 2,-44-3,-15 6,-112-16,138 10,-43-8,71 10,0 0,-38 1,-44-7,-49-15,120 16,0 1,-1 2,-73-2,97 8,-1-1,-34-8,-32-3,-50-3,70 7,4-3,42 7,-1 2,-29-3,18 4,-46-10,11 1,0 0,41 6,0 1,-33-1,22 3,-51-9,53 5,-59-1,68 6,1-2,0-1,-49-13,46 9,0 2,-47-5,-16-1,63 6,-55-2,58 8,1-1,-1-1,-39-9,-18 0,65 10,0-1,0 0,0-2,-25-7,-3-3,0 2,-1 2,0 2,-52-2,54 7,14 2,0-2,-29-8,31 6,-47-3,-25-4,57 2,14 2,0 2,-1 1,-31-1,31 3,-51-9,14 0,24 5,-70-22,81 19,0 1,-1 2,0 1,-37-1,37 4,-53-9,27 2,-195-37,127 17,-25 4,78 15,37 5,-56-2,73 7,1-1,0-2,0 0,-31-10,31 8,-1 0,1 1,-1 2,-28-3,21 4,1-1,-27-7,6 1,-9-1,31 4,-1 2,-45-3,30 5,-57-11,34 3,46 7,1-1,-1-1,-16-7,18 6,0 1,0 0,-26-3,-157-20,159 22,-48-15,-18-3,53 14,25 5,0 0,-40 0,49 5,-28 0,1-1,-72-13,-110-12,70-3,-64-3,184 26,-39-12,47 10,0 1,-50-4,34 7,-73-17,79 12,-1 1,-69-2,71 8,0-2,-71-18,-7 0,70 13,-58-18,59 14,-59-9,61 14,-69-23,79 20,-1 2,1 1,-57-6,57 11,1-2,-42-12,43 9,-1 1,-45-3,47 7,0-2,-46-13,47 10,-1 2,-48-5,-6-2,62 8,1 1,-26 0,-49-9,70 8,-52-3,-292 9,371-1,0 0,0 0,0 0,0 1,0-1,0 0,0 0,0 0,0 0,0 0,0 0,0 0,0 0,0 0,0 0,0 0,0 0,0 1,0-1,0 0,0 0,0 0,0 0,0 0,0 0,0 0,0 0,0 0,0 0,0 0,0 0,0 0,0 0,0 1,0-1,0 0,0 0,0 0,-1 0,1 0,0 0,0 0,0 0,0 0,0 0,0 0,0 0,0 0,0 0,0 0,0 0,0 0,-1 0,13 6,17 5,-23-10,9 1,0 0,0 1,-1 1,0 1,0 0,18 9,-9-4,1-1,0-1,0-1,0-1,31 3,14 4,84 12,39 12,-128-26,-43-7,1 0,25 0,-25-2,-1 1,24 5,-23-3,0-1,24 0,20-5,-51-1,1 1,-1 1,1 0,-1 1,1 1,-1 0,0 1,1 1,18 7,-18-4,0-2,0 0,1 0,-1-2,1 0,0-1,0-1,28-1,21 2,22 10,-56-7,51 2,-52-5,52 9,-52-5,53 1,-64-5,-1 0,1 2,0 0,29 10,-29-7,0-2,1 0,-1-1,26 1,-17-5,0 2,50 10,-38-6,0-1,0-2,65-3,-62-2,0 2,86 13,-55-1,-50-10,-1 2,0 1,47 15,-53-14,1-1,1-1,-1 0,0-2,1 0,33-2,-27-1,0 2,0 1,27 6,124 18,-77-14,-72-10,48 9,-38-1,-9-3,1 0,-1-2,37 2,-37-5,45 9,27 1,9 1,-76-8,51 3,-59-7,52 11,20 0,41 3,-49-4,88 15,-136-19,41 12,14 4,-45-13,-24-5,1 0,46 2,-38-5,58 10,-23-1,-39-6,57 18,-10-2,71 7,-119-23,48 14,-56-12,1-1,0-1,44 4,121 2,39 2,-184-14,0 2,83 14,-83-9,0-2,1-1,66-6,70 4,-113 11,14 0,-62-11</inkml:trace>
+  <inkml:trace contextRef="#ctx0" brushRef="#br0">9280 3,'-38'-1,"22"0,1 0,-1 1,1 1,-1 1,1 0,0 2,-1-1,-27 13,26-8,0-2,-1 0,0-1,-35 4,-10 3,29-3,9-4,-42 16,55-17,0 0,-2-1,1-1,-14 1,-30 6,35-4,-37 1,-10 3,-5-2,53-6,0 2,-26 5,-75 12,76-7,11-3,-2-1,2-2,-65 2,87-8,0 0,0 1,-12 4,-34 4,34-7,0 0,-40 12,-12 3,36-10,21-3,-40 2,45-6,0 2,0 0,0 1,-17 7,-32 7,28-11,17-2,-1-2,-27 2,22-4,-42 10,20-3,5 1,28-6,-1 0,-19 1,25-3,1 0,-1 2,1-1,0 0,0 1,-11 6,8-4,0-1,-19 6,-128 28,53 2,77-33,-1-1,-52 2,68-8,-1 2,-22 6,-23 1,34-8,4-1,1 2,-1-1,-20 7,17-2,2 1,0-1,-1-2,-35 2,44-5,-1 0,-19 6,-26 3,45-9,0 1,-15 5,15-3,0-1,-17 0,15-1,-37 8,21-3,-2 2,-17 2,38-9,0 0,1 2,-25 8,25-6,-1-2,0-1,-23 4,2-3,-48 13,-7 2,44-10,28-5,1-1,-24 1,27-4,-7 0,-1 0,2 2,-32 7,-52 12,-46 18,132-35,-1-2,0-1,-22 0,22-2,0 2,-37 6,-23 4,55-9,-36 9,35-5,-35 2,40-8,2 3,-1 0,1 2,-18 5,8-1,1-1,-29 4,-20 5,30-9,38-8,-1 1,0 1,1-1,0 2,0 0,-12 4,5 0,-1 0,0-3,1 1,-2-1,-17 1,5 0,-61 12,33-11,48-6,0 0,0 1,0 0,1 1,-1-1,0 2,-11 5,-7 4,0-2,0-1,0-2,-30 4,19-3,-20 0,-12 4,-45 7,-57 31,156-45,-8 2,-31 3,9-2,-22 0,46-6,-34 6,35-3,-32 1,37-5,0 1,-1 0,-28 10,26-7,2 0,-3-1,2-2,-1 0,-20-1,-13 1,-6 8,41-6,-1-2,-17 2,7-2,-40 8,25-2,36-7,0 1,0 0,0 1,0-1,-8 6,10-4,-1-1,-1 0,1 0,-1-1,1 0,-12 2,-139 19,53-6,97-15,0-1,0 2,1-1,-1 1,-9 5,10-4,0-1,0 0,0-1,0 1,-1-2,-10 3,-14-2,11-2,1 2,-23 6,-79 12,43-7,28-6,-50 13,83-16,-36 2,-15 3,-53 11,16 0,86-16,0-2,-20 1,21-2,-1 1,-24 6,13-3,0-1,0-2,0-1,-34-4,-6 1,-9 1,-85 3,161-2,1 0,-1 1,1 0,-1 0,1-1,0 1,-1 1,1-2,-1 2,1 0,0-1,0 1,0-1,0 2,1-2,-2 1,1 1,1-1,0 0,-1 1,1-1,0 1,-1-1,1 1,0-1,0 1,1 0,-1 0,0 5,-1 1,2 0,-1 1,1-1,1 0,-1 1,1-1,0 1,3 10,-3-17,0-1,0 1,0 0,0-1,1 1,-1 0,0-1,1 0,-1 1,1-1,0 0,0 0,0-1,0 1,0 0,0 0,0-1,1 0,-1 1,0-1,0 0,1 0,-1 0,1-1,-1 1,1-1,0 0,-1 1,4-2,10 1,-1-1,0-1,-1-1,16-5,-4 2,32-5,75-19,-118 25,53-15,-46 17,1-4,-1 1,0-2,23-13,-28 14,0 2,0-1,1 2,18-3,21-5,-15 2,-21 6,0-2,27-12,-25 11,0-1,-1 2,1 1,36-2,25-5,-49 5,-17 4,1-1,-1-1,24-9,-32 10,1 1,-1 0,0 1,1 0,-1 2,1-1,11 2,-9-1,0 0,0-1,0-1,14-3,42-12,-43 13,41-16,-45 12,-7 1,0 1,21-4,-2 2,-19 4,0 1,25-1,-22 1,1 1,16-6,-2 1,5-1,-21 4,1 0,30-1,10 4,77-12,-94 7,29-5,-49 7,0 0,26 1,31-6,33-11,-82 12,-1 1,2 2,49-2,-66 6,1-1,23-5,22-4,34-1,-48 5,-2-2,-30 5,2 1,19-1,-12 2,31-7,-7 0,0 1,-28 4,0 0,22 1,-14 1,34-7,-36 5,40-2,-46 6,-1-3,0 0,34-10,-32 7,0 1,33-4,10 0,-43 4,38-1,-40 6,0-1,0 0,27-8,12 1,-45 7,1-1,0 1,-1-2,18-6,2-2,0 2,0 1,1 2,35-2,-37 5,-9 3,-1-3,21-5,-22 4,32-2,18-4,-40 2,-9 2,0 2,0 0,22-1,-21 3,34-8,-9 1,-17 3,49-16,-56 14,0 1,0 2,1 0,25-1,-26 4,37-7,-18 1,133-29,-87 14,17 3,-53 11,-26 4,39-1,-51 5,0 0,0-2,0-1,22-6,-22 5,0 0,0 1,1 2,19-3,-15 4,0-2,19-4,-5 0,6-1,-21 3,1 2,31-2,-21 3,39-8,-23 2,-32 6,0-1,0-1,11-6,-12 6,0 0,0 0,18-2,107-16,-108 17,32-11,13-3,-37 11,-17 4,0 0,28 0,-34 4,19 0,-1 0,50-11,75-10,-47-1,43-3,-126 20,27-9,-33 8,1 0,33-2,-22 5,49-14,-53 10,0 1,47-2,-48 7,0-2,48-15,5 1,-48 10,40-14,-40 11,40-7,-42 11,47-18,-53 15,0 2,-1 1,39-5,-39 8,0 0,28-11,-29 8,1 1,30-3,-31 5,-1 0,32-12,-33 9,1 2,33-5,5-1,-44 6,1 1,16 0,35-7,-49 6,36-3,201 8,-255-1,0 0,0 0,0 0,0 1,0-1,0 0,0 0,0 0,0 0,0 0,0 0,0 0,0 0,0 0,0 0,0 0,0 0,0 1,0-1,0 0,0 0,0 0,0 0,0 0,0 0,0 0,0 0,0 0,0 0,0 0,0 0,0 0,0 0,0 1,0-1,0 0,0 0,0 0,0 0,0 0,0 0,0 0,0 0,0 0,0 0,0 0,0 0,0 0,0 0,0 0,0 0,0 0,1 0,-9 4,-12 5,16-8,-7 0,1 1,0 0,0 1,1 1,-1 0,-12 7,7-3,-2-1,1-1,-1-1,1 0,-22 2,-9 3,-58 10,-27 9,89-21,28-5,0 0,-17 1,17-3,1 1,-17 5,16-3,0-1,-17 0,-13-4,35-1,-1 2,0 0,0 0,1 0,-1 2,1 0,0 0,-1 1,-13 6,13-4,0-1,0 0,0 0,0-2,-1 0,1 0,-1-1,-19-1,-14 1,-15 9,38-6,-35 1,36-3,-36 6,36-3,-37 0,44-3,1-1,0 3,-1-1,-20 8,21-6,-1-1,0 0,0-1,-18 1,12-4,1 1,-35 9,25-5,1-2,0 0,-44-3,42-2,-1 2,-58 10,38 0,34-9,0 2,1 1,-33 12,37-11,-1-2,-1 1,1-1,0-2,0 1,-24-2,19-1,1 2,-1 0,-18 6,-86 13,54-11,49-7,-33 6,25 0,8-2,-2-1,1-1,-25 1,25-3,-31 7,-18 0,-6 1,52-6,-36 2,42-5,-37 8,-13 1,-28 1,33-2,-60 11,94-14,-29 9,-10 3,32-11,15-3,1 0,-33 2,27-5,-40 9,15-2,28-4,-40 14,7-2,-48 6,81-18,-33 11,39-10,-1 0,0-1,-31 3,-82 2,-27 1,126-11,1 2,-58 10,57-6,0-2,0 0,-46-6,-48 4,78 8,-10 1,43-10</inkml:trace>
 </inkml:ink>
 </file>
 
@@ -365,7 +370,7 @@
       <inkml:brushProperty name="ignorePressure" value="1"/>
     </inkml:brush>
   </inkml:definitions>
-  <inkml:trace contextRef="#ctx0" brushRef="#br0">66 425,'0'-3,"0"1,0-1,0 0,1 1,-1-1,1 1,0-1,0 1,0-1,0 1,0-1,0 1,1 0,-1 0,1 0,-1 0,1 0,3-3,-1 2,0 0,0 0,1 1,-1-1,1 1,0 0,0 1,10-3,6 0,0 2,1 0,33 2,-44 0,84 3,167-5,-242-1,0-1,0-1,28-10,23-7,-35 14,0 1,0 1,58 0,-89 6,27 1,0-1,0-2,55-11,-59 8,46-3,-46 6,45-9,89-36,-70 18,35 2,-100 22,48-2,-47 5,46-8,6-1,-62 10,1-2,-1 0,0 0,27-10,-21 5,0 1,1 1,32-3,21-4,47-12,-118 24,-9 5,-22 13,-42 18,31-24,-1-1,-71 9,68-13,-44 12,55-11,-1 0,0-2,-47 2,44-7,0-1,0 2,0 1,-52 10,57-7,-47 3,46-6,-44 9,-181 40,100-26,89-12,-1-3,1-3,-89-2,134-6,1 0,-1 2,0 0,1 1,0 1,-1 1,1 0,0 2,1 0,-1 1,-30 17,29-14,-1-2,0 0,0 0,0-2,-30 5,-50 17,94-25,-20 6,2 2,-27 15,0 1,39-22,-1 1,2 1,-1 0,1 1,0 0,0 0,1 2,-15 15,21-21,1 1,0-1,0 1,0-1,0 1,1 0,-1 0,-1 9,3-13,1 0,0 0,0 0,0 0,0 0,0 0,0 0,1 0,-1 0,0 0,0 0,1 0,-1 0,1 0,-1 0,1 0,-1 0,1 0,1 1,-1-1,1 1,0-1,0 1,0-1,0 0,1 0,-1 0,0-1,0 1,1 0,-1-1,3 1,20 1,-1-1,1-1,-1-1,0-1,1-1,32-9,-3 2,-16 2,-1-3,57-22,26-8,7 16,-99 21,1 0,50 1,-51 3,0-1,-1-2,34-6,65-18,-63 15,-1-2,73-28,-86 24,2 3,-1 1,64-8,-58 12,-29 5,1 0,38 0,-54 4,-1 0,0-1,0 0,0-1,0-1,18-7,29-9,-38 16</inkml:trace>
+  <inkml:trace contextRef="#ctx0" brushRef="#br0">1681 332,'0'-3,"0"2,0-2,0 1,-1 0,1 0,-1 1,1-2,-1 2,0-2,1 2,-1-2,0 2,0-1,0 1,0-1,0 1,0-1,-3-2,2 2,-1 0,0-1,0 2,0-2,0 2,-1-1,1 1,-8-2,-3 0,0 2,-1-1,-23 2,30 0,-57 2,-114-3,165-2,0 0,1-1,-20-7,-16-6,25 10,-1 2,0 0,-39 1,60 4,-18 0,1 0,-1-1,-38-9,41 6,-32-3,32 6,-31-8,-61-27,48 13,-24 2,68 17,-32-1,32 3,-32-6,-4 0,43 7,-1-1,1-1,-1 1,-17-8,13 4,1 0,-1 1,-22-2,-15-3,-32-9,82 18,5 4,15 10,30 15,-22-20,0 0,50 7,-48-10,31 9,-38-9,1 0,0-1,32 2,-30-6,0-1,0 2,0 0,35 9,-38-6,32 2,-32-5,30 8,124 31,-68-21,-61-9,1-2,-2-2,62-2,-92-5,0 0,0 2,0 0,-1 0,0 1,1 2,0-1,-1 1,0 1,0 1,21 12,-20-10,1-2,-1 1,1-1,0-2,20 5,34 13,-63-20,12 5,0 2,18 11,0 1,-27-17,1 1,-2 0,2 1,-2 0,1 0,-1 0,0 2,10 12,-14-17,-1 1,0-1,0 1,0-1,0 1,0 0,0-1,0 8,-1-10,-1 0,0 0,0-1,0 1,0 0,0 0,0 0,-1-1,1 1,0 0,0 0,0 0,0-1,-1 1,1 0,-1 0,1-1,0 1,-2 1,2-1,-2 0,1 0,-1 0,1 0,0 0,-1 0,0 0,1-1,0 0,-2 1,2-1,-2 1,-14 0,0 0,0-1,1-1,-1 0,0-1,-22-8,2 2,11 2,1-2,-40-18,-17-6,-5 12,68 17,-1 0,-34 1,35 2,-1-1,2-1,-24-5,-44-14,43 11,0-1,-49-21,58 18,-1 2,1 1,-44-6,39 9,21 4,-1 0,-26 0,36 4,2-1,-1-1,1 1,-1-2,1 0,-13-5,-20-8,26 13</inkml:trace>
 </inkml:ink>
 </file>
 
@@ -394,7 +399,7 @@
       <inkml:brushProperty name="ignorePressure" value="1"/>
     </inkml:brush>
   </inkml:definitions>
-  <inkml:trace contextRef="#ctx0" brushRef="#br0">1 967,'115'-2,"127"5,-174 9,-49-8,0 0,27 1,8 0,-1 2,89 23,-70-12,0-3,1-4,147 5,-179-17,-3 0,0 1,0 2,71 12,39 17,-107-26,1-3,73-3,37 1,0 24,-93-16,100 13,190 1,-297-20,56 9,-56-4,58 0,-5-10,146 5,-165 10,-54-6,53 2,-43-6,54 11,-26-3,104 16,-112-14,-42-8,0 0,29 1,-29-3,0 1,0 0,-1 2,20 6,-16-4,1-1,25 3,195 22,-79 3,-80-14,153 21,128 37,-68-25,-236-41,-39-7,1-1,36 3,28 5,-66-8,46 4,-49-6,1 1,-1 0,1 1,21 9,-19-6,1-1,36 5,151 17,-190-25,1 2,33 11,-35-10,1 0,37 6,36-1,-31-3,73 1,-115-8,0 1,32 8,33 2,-47-9,-1 2,62 16,8 1,4 3,15 1,-92-21,43 14,-51-11,1-2,53 6,102 14,-109-14,-46-7,48 3,-25-4,88 18,-86-12,75 5,-106-13,0 1,0 1,38 13,-39-11,0 0,0-1,0-1,29 1,99 10,-76-5,-7-3,85 22,-100-13,-37-10,1-2,0 0,-1 0,25 2,16 0,67 17,-47-4,56 9,0-3,19 2,-122-23,52 16,-56-13,0-1,0-1,31 2,48 6,-65-7,53 1,-68-6,0 2,37 8,-10-1,103 16,18 5,-86-13,-66-14,-1 1,25 11,-29-11,0 0,0 0,0-2,1 1,20 1,71-4,-73-2,1 2,-1 0,57 12,-62-9,-1 0,35 0,-34-2,0 0,33 7,-25-3,-1-2,1-1,0-2,45-4,-30 1,52 4,-89 0,0 1,0 0,-1 1,23 9,-23-8,-1 0,1-1,0-1,0 0,21 3,36-4,-41-2,0 1,0 1,33 7,-22-2,0-3,1-1,78-5,-34 0,-78 2,1-1,0 0,-1 0,1-1,-1 1,1-1,-1-1,0 1,10-7,54-40,-4 3,149-71,-196 107,0 0,27-8,-30 12,0 0,-1-1,1-1,26-18,-27 16,0 1,0 0,0 1,21-7,-21 9,0-1,0 0,-1 0,0-2,16-11,-20 13,1 1,0 0,0 1,0 0,1 1,0 0,0 1,0 0,15-1,35-10,-39 8,1 1,41-2,22-5,-65 7,18-5,1 2,0 2,58-2,-71 7,-1-2,34-7,1-1,-46 9,0-2,0 0,-1-1,1 0,-1-1,0-1,24-15,-10 7,0 2,0 1,2 2,56-13,-49 14,-1-1,59-26,-83 29,1 0,0 1,0 1,0 0,1 1,0 0,0 1,0 1,18-1,-31 3,37 3,-39-3,1 0,-1 0,0 0,0 0,1 0,-1 0,0 0,1 1,-1-1,0 0,0 0,1 0,-1 0,0 0,0 1,0-1,1 0,-1 0,0 0,0 1,0-1,0 0,1 0,-1 1,0-1,0 0,0 0,0 1,0-1,0 0,0 1,0-1,0 0,0 0,0 1,0 0,-16 14,7-10,0-1,0 0,0 0,0-1,-1-1,1 1,-1-1,0-1,-12 1,-98-3,59-2,13 3,1-2,-61-11,-55-13,-29 1,153 17,-1-2,2-1,-66-29,-99-37,190 73,0 0,0 0,-1 2,1-1,-1 2,1 0,-16 0,-54-6,48 2,-65-2,26 3,4-8,51 8,1 0,-28-1,-112 7,-65-4,214 0,0 0,-1 0,1-1,0 0,0 0,-10-7,11 6,-1 0,1 0,-1 1,0 0,0 1,-17-3,-71-10,41 4,7 1,-57-19,58 15,-55-10,51 14,-78-27,75 19,19 8,-1 2,0 1,-1 2,1 1,-47 2,65 1,1 0,-1-2,-18-4,-48-6,-73 0,-40 1,179 11,1-1,-1-1,-17-4,15 2,1 2,-25-2,-95-8,-25 0,130 12,-61-12,24 2,-2 0,40 5,-61-3,61 7,-62-12,49 6,-13-3,36 6,-2 1,-42-3,35 5,0-1,0-2,-44-13,-26-4,92 20,1-1,-1-1,1 1,-18-10,-32-11,-115-4,148 24,1-2,0-1,-45-18,7 3,22 11,-1 1,0 3,-46-3,15-1,48 6,0 1,-27 0,45 4,-3 1,0-1,1 0,-1-1,0 0,0 0,1-2,-1 1,1-1,-1-1,1 1,-14-9,12 7,0 0,0 1,-1 0,0 1,0 0,0 1,-21 0,-35-7,-24-8,63 13,-1-2,1-1,0-1,-44-19,51 18,0 1,-1 0,0 2,0 1,-42-3,21 0,-76-21,87 19,0 1,0 2,-1 2,-43-2,-70 10,-137-6,217-9,49 8,0 0,-27-1,11 2,-1-2,2-1,-1-2,-44-16,9 3,-82-4,-1 0,107 14,-79-21,83 20,0 2,-1 2,-79-4,96 9,-44-8,50 6,1 2,-26-2,21 5,17 0,0 0,0 0,0 0,0-1,0 0,0 0,0-1,0 0,0 0,0 0,1-1,-1 0,-6-5,4 4,0-1,0 2,0-1,-1 1,1 1,-1-1,1 2,-1-1,0 1,0 1,-17 1,12-1,-1-1,1 0,-26-5,-6-5,-52-3,25 4,-17 2,72 8,0-1,0 0,1-2,-1 0,0-1,-23-9,24 7,-1 0,0 2,1 0,-1 1,-29-1,-52-8,-295-50,267 37,1-1,-26 1,118 19,0-1,-48-17,53 14,-1 2,0 1,-54-6,-20-2,34 3,46 8,0-2,-27-9,33 9,0 1,0 0,-1 1,-30-2,23 4,-53-11,34 4,-10-1,31 4,-1 2,-44-3,-744 9,805-2,0 0,0 1,0 1,0 0,1 0,-1 0,1 1,0 0,-13 7,-1 4,1 0,-19 17,3-3,30-22,-1 1,1 0,1 1,-10 12,10-11,-1-1,1 0,-2-1,-10 11,-29 28,42-39,0-1,-1 0,0 0,0 0,0-1,-1 0,1 0,-1 0,0-1,-1 0,-8 3,-1 0,2-1,-1 2,-17 11,18-10,1-1,-1 0,-27 8,-40 9,-84 38,142-53,-1-2,0-1,0 0,-1-2,-34 2,33-2,-52 14,56-12,0-1,-1-1,-29 3,20-4,1 2,0 1,0 1,1 2,0 2,-51 25,63-29,-1-2,-1 0,1-1,-1-1,-25 2,16-3,-45 12,41-6,19-5,-1 1,1 0,-1 0,-19 12,7-6,-12 6,39-17,-1 1,0 0,1 0,0 0,-1 0,1 0,-1 0,1 0,0 0,0 1,0-1,0 0,0 1,0-1,0 1,0-1,-1 4,3-5,-1 1,0 0,0 0,0 0,1-1,-1 1,0 0,1-1,-1 1,0 0,1-1,-1 1,1 0,-1-1,1 1,0-1,-1 1,1-1,-1 1,1-1,0 1,0-1,-1 0,1 1,0-1,0 0,-1 0,1 0,0 1,0-1,-1 0,3 0,29 4,-29-4,13-1,1 0,-1 0,0-2,19-4,-15 2,1 1,23-1,-15 4,-1-1,53-10,-38 5,1 2,1 1,-1 3,49 5,10-1,1719-3,-1780 2,53 9,34 2,-3-14,-82-2,1 2,-1 2,0 2,0 2,61 15,-63-10,1-2,0-2,77 2,25 2,97 20,-211-25,10 0,77 21,-62-12,104 13,-114-19,45 14,-31-7,112 12,-110-17,-14-2,57 16,-70-15,1-2,45 3,33 7,-107-16,93 21,108 8,-182-26,0 0,35 12,-36-9,0-1,46 6,105 13,-118-14,80 4,-101-12,1 2,45 11,-40-6,48 4,190 26,-27-2,-108-12,-15-2,173 28,-251-41,237 35,25 5,-234-37,180 41,-156-28,192 23,-259-44,54 14,27 6,7-4,-73-12,83 7,-115-14,0 0,0 1,-1 0,23 10,23 5,-211-14,-295-22,388 14,-239-12,-443-32,141-1,443 33,-534-69,441 48,-111-20,300 46,-19-3,0-3,-105-38,174 52,1 1,0-1,0 0,-1 1,1-1,0-1,0 1,1 0,-5-5,7 7,0 0,0-1,0 1,-1 0,1-1,0 1,0 0,0-1,0 1,-1 0,1-1,0 1,0 0,0-1,0 1,0-1,0 1,0 0,0-1,0 1,0-1,0 1,1 0,-1-1,0 1,0 0,0-1,0 1,1 0,-1-1,0 0,23-7,37 4,1 1,63 7,-3-1,-47-3,131 3,-170 0,-1 1,0 2,63 19,-95-24,1 0,-1-1,0 1,1 1,-1-1,0 0,0 0,0 1,0 0,4 2,-6-3,0-1,1 1,-1-1,0 1,1 0,-1-1,0 1,0-1,1 1,-1 0,0-1,0 1,0 0,0-1,0 1,0 0,0-1,0 1,0 0,0-1,0 1,0-1,-1 1,1 0,0-1,-1 2,-1 0,0 1,0-1,-1 0,1 0,-1 0,0 0,1-1,-1 1,0-1,0 1,0-1,0 0,0 0,0 0,-4 0,-53 10,-1-2,-71 0,-128-10,101-1,-366 2,519 0,1 0,0-1,0 1,-1-1,1-1,0 1,0-1,0 1,0-1,0-1,1 1,-1-1,1 1,-1-2,1 1,0 0,0-1,0 1,-3-6,-16-13,15 17,1 1,-1-1,0 1,0 1,0-1,0 2,0-1,-1 1,0 0,1 1,-1 0,0 0,-15 1,-50-8,40 1,-62-3,-17-3,-6-1,13 3,-104-39,111 24,13 7,48 12,0-2,-59-22,65 21,1 1,-2 2,1 1,-40-2,66 7,-56-5,27 4,1-2,-56-13,52 8,0 2,-62-4,77 9,-17-3,-51-13,57 9,0 2,-48-3,-57-2,-31-2,106 11,-112-21,12 0,-1 0,145 20,1 0,-37-14,41 13,-1-1,0 2,0 0,0 1,-22-1,-68 5,137 1,57 12,-23-4,134 17,-174-24,0 2,38 13,-37-10,49 8,88 9,-37 1,-20-3,-24-6,117 40,-80-20,-65-23,0-2,78 7,-119-17,1 1,0 0,-1 1,19 8,-20-7,1 0,-1-1,1-1,0 0,17 2,248 29,-199-23,25-2,-64-7,43 8,-46-6,1 0,63-4,27 2,-44 10,-53-6,58 2,-21-4,0 3,102 23,36-5,-175-21,-1-1,32-2,-36-2,1 2,-1 1,39 7,-23 0,79 3,-79-9,82 16,-84-11,1-2,60 2,-44-4,29 7,21 1,-53-5,-53-7,0 0,0 1,0-1,0 0,0 0,0 0,0 1,0-1,0 1,0-1,-1 1,1-1,0 1,0-1,0 1,0 0,-1-1,1 1,0 0,-1 0,1-1,-1 1,1 0,-1 0,1 0,-1 0,1 0,-1 0,0 0,1 0,-1 0,0 0,0 0,0 0,0 0,0 0,0 0,0 0,0 0,0 0,-1 0,1 0,0 0,-1 0,1 0,-1 0,1 0,-2 1,0 1,-1 0,0 0,1-1,-1 1,0-1,0 0,-1 0,1 0,0 0,-1-1,1 1,-1-1,-5 2,-57 11,40-9,-152 28,160-30,1 2,-33 11,36-10,0-1,0-1,0-1,0 0,-19 2,-387-3,205-5,192 2,-1-1,-29-7,-41-4,79 11,1 0,-1 0,0-2,1 0,-17-7,14 5,1 1,-1 0,-25-3,-199-21,206 24,-53-14,59 11,1 2,-1 1,-36-2,-5 3,-85-17,91 10,-109-3,137 11,-1 0,-66-17,64 12,-81-8,-16 1,27 3,78 8,1-2,-40-11,-29-7,-53-5,75 13,-1 3,-120-5,169 17,-52-11,-23 0,80 10,0-2,0 0,0-1,-23-9,-27-6,71 20,0-1,1 0,-1 0,1 0,-1 0,1-1,-1 1,1 0,0-1,-1 0,1 0,0 1,0-1,0 0,1-1,-1 1,0 0,-1-5,0 2,1-1,0 0,0 0,0 0,1 0,0 0,0-1,0-6,1-5,1 0,1 0,1 0,0 0,6-18,-6 28,0 1,1-1,0 0,1 1,0 0,0 0,6-7,-5 8,0-1,-1 0,0-1,0 1,-1-1,0 0,4-11,-4 2,2 0,0 0,0 0,2 1,0 0,14-20,-17 30,0 1,0-1,0 1,1 0,-1 0,1 1,1 0,-1 0,1 0,-1 1,1 0,0 0,0 1,0 0,0 0,1 0,-1 1,8 0,290-2,-152 6,-129-3,-15 1,0 0,0-1,-1-1,1 1,0-1,0-1,-1 0,14-4,-22 6,1 0,-1 0,0 0,0 0,0 0,0 0,1-1,-1 1,0 0,0 0,0 0,0 0,0 0,0 0,1 0,-1-1,0 1,0 0,0 0,0 0,0 0,0 0,0-1,0 1,0 0,0 0,0 0,0 0,0 0,0-1,0 1,0 0,0 0,0 0,0-1,0 1,0 0,0 0,0 0,0 0,0 0,0-1,0 1,0 0,0 0,0 0,0 0,-1-1,-10-6,-17-4,26 11,-33-11,-1 2,0 1,0 2,-1 1,-61 1,29 1,-115-21,-6 0,-35 0,224 24,0 0,-1 0,1 0,0 0,0 0,0 0,0 0,0-1,0 1,0 0,0 0,0-1,0 1,0-1,0 1,0-1,0 1,0-1,1 0,-1 1,0-1,0 0,1 0,-1 0,0 1,1-1,-1 0,1 0,-1 0,1 0,-1 0,1-1,0 0,1 1,-1-1,1 1,0-1,0 1,-1 0,1-1,0 1,0 0,0 0,1 0,-1 0,0 0,0 0,1 0,-1 0,0 0,1 1,-1-1,1 0,2 0,39-13,0 1,1 2,1 2,66-4,-31 3,-35 3,56-1,55 9,-263 1,-120-4,226 2,-1 0,1 0,0 0,-1-1,1 1,-1 0,1 0,-1-1,1 1,0-1,-1 1,1-1,0 0,-1 0,1 1,0-1,0 0,-2-2,3 3,1-1,-1 0,1 0,-1 1,1-1,-1 0,1 1,-1-1,1 0,0 1,-1-1,1 1,0-1,-1 1,1-1,0 1,0 0,0-1,-1 1,1 0,0 0,0-1,0 1,0 0,-1 0,1 0,0 0,0 0,0 0,0 0,1 1,34-8,0-2,0-2,-1-1,40-20,-73 31,0 1,0-1,0 0,0 0,0 0,0 0,-1 0,1-1,0 1,-1-1,1 1,-1-1,0 1,1-1,-1 0,0 0,0 1,0-1,0 0,0 0,0 0,-1 0,1 0,-1 0,0 0,1-4,-1 4,-1 0,1 0,-1 0,0 0,0 0,1 1,-1-1,0 0,0 1,-1-1,1 0,0 1,0 0,-1-1,1 1,-1 0,1-1,-1 1,0 0,0 0,1 0,-1 1,0-1,0 0,0 1,0-1,0 1,-2-1,-32-3,0 1,0 2,-57 4,4 1,-94-20,107 7,292 10,-125-2,-101 2,1 0,-1 1,1 0,0 1,0 0,0 0,0 1,0 1,1-1,-1 1,1 0,-10 10,-3 2,2 0,1 1,-25 31,42-48,-8 12,-1-1,0-1,-1 0,-23 19,31-28,0 0,1 0,-1-1,0 1,0-1,0 0,0 0,-1 0,1 0,0 0,0-1,0 1,-1-1,1 0,0 0,-1 0,1 0,0-1,0 1,-1-1,1 0,0 0,0 0,0-1,0 1,0-1,0 1,1-1,-4-2,-2-1,0 0,-1 1,0 0,0 1,0-1,0 2,0-1,0 2,-1-1,1 1,-1 0,-12 1,2 1,0 0,-1 2,2 0,-36 11,48-11,9 0,23 1,36-3,-36-2,0-2,29-6,-28 3,49-2,139 10,83-4,-209-10,-56 6,54-2,30 9,-161-8,41 7,0-1,1 0,-1 0,0 0,1 0,-1-1,1 0,0 1,-1-1,1 0,0-1,0 1,-4-4,7 5,0 1,0-1,0 0,0 1,0-1,1 1,-1-1,0 0,0 1,0-1,0 1,1-1,-1 1,0-1,0 1,1-1,-1 1,0-1,1 1,-1-1,1 1,-1 0,1-1,-1 1,1 0,-1-1,1 1,-1 0,1-1,-1 1,1 0,-1 0,1 0,0 0,-1 0,1 0,-1-1,1 1,-1 0,1 1,0-1,0 0,30-4,-30 4,223-1,-109 3,-91-1,0 2,0 0,-1 2,27 8,-23-5,1-2,42 6,113 13,-126-15,-1-2,80 1,-207-10,0-2,-128-23,-95-27,210 37,36 5,0 3,0 2,-51 0,87 6,-53 1,56-1,42 1,27-1,53-1,134 17,-196-10,0 0,69 18,-57-10,90 8,7 2,126 18,-251-33,-28-2,-24-1,-2-4,1-1,-1-1,0-1,1 0,-1-2,1 0,0-1,-30-10,-28-7,0 3,-2 3,-126-7,196 22,-50-2,1-3,-85-19,105 17,1 2,-1 1,-45 1,-5 0,70 1,1 0,0-1,-25-8,111 5,267 35,-192-11,79 22,-15-3,224 34,-189-31,11 1,-44-6,-34-4,12 8,-21-3,240 63,-216-46,-159-47,-24-4,-1-1,1 1,0 1,0 0,14 6,-23-9,0 0,0 0,0 0,1 1,-1-1,0 0,0 0,0 0,0 0,0 0,0 0,1 0,-1 0,0 0,0 0,0 0,0 1,0-1,0 0,0 0,0 0,0 0,0 0,1 0,-1 1,0-1,0 0,0 0,0 0,0 0,0 0,0 1,0-1,0 0,0 0,0 0,0 0,0 0,0 1,0-1,-1 0,1 0,0 0,0 0,0 0,0 1,0-1,0 0,0 0,0 0,0 0,0 0,-1 0,1 0,0 0,0 0,0 1,0-1,0 0,0 0,-1 0,1 0,0 0,0 0,-17 5,-21-1,-12-4,0-2,-80-12,-265-78,140 29,-237-56,289 69,-33 6,223 42,1 0,-1 0,1-1,-19-7,84 4,503 27,-477-15,432 44,-222-19,-33-5,471 72,-601-82,-54-9,104 25,77 25,-66-16,183 33,-324-62,-43-11,0 0,-1 0,1 0,-1 0,1 1,-1-1,1 1,-1-1,0 1,0 0,0 0,0 0,0 0,2 4,-4-6,0 1,-1 0,1-1,0 1,0-1,-1 1,1-1,0 1,-1-1,1 1,-1-1,1 1,-1-1,1 1,-1-1,1 1,-1-1,1 0,-1 1,1-1,-1 0,0 0,1 1,-1-1,1 0,-1 0,0 0,1 0,-1 0,0 0,1 0,-1 0,0 0,1 0,-1 0,-30 2,30-2,-361-3,316-1,-73-17,1-1,-75 0,-167-24,304 40,0 2,-66 5,-55-3,151-6,22 2,19 1,49-1,1 2,-1 4,1 2,77 13,-7-2,100 22,-29-2,244 30,-146-34,-63-9,319 50,-357-40,-200-30,55 10,-55-9,1-1,0 1,0 1,0-1,-1 0,1 1,-1 0,1 0,-1 0,0 0,5 5,-8-7,0 0,0 0,1 0,-1 0,0 1,0-1,0 0,0 0,0 0,0 1,0-1,0 0,0 0,1 1,-1-1,0 0,0 0,0 0,0 1,0-1,-1 0,1 0,0 1,0-1,0 0,0 0,0 0,0 1,0-1,0 0,0 0,-1 0,1 1,0-1,0 0,0 0,0 0,0 0,-1 1,1-1,0 0,0 0,-1 0,-14 5,-16-1,-364-2,191-5,37-4,-222-40,47 4,-129-33,276 42,-247-11,416 45,20 1,1-1,-1 1,0-2,0 1,0 0,0-1,0 0,1-1,-1 1,0-1,-9-4,15 5,0 1,0 0,0-1,0 1,0 0,0-1,0 1,0 0,0 0,0-1,0 1,0 0,0-1,0 1,1 0,-1-1,0 1,0 0,0 0,0-1,1 1,-1 0,0 0,0-1,1 1,-1 0,0 0,0 0,1 0,-1-1,0 1,1 0,-1 0,0 0,0 0,1 0,-1 0,0 0,1 0,-1 0,0 0,1 0,-1 0,0 0,1 0,-1 0,1 0,17-4,72-1,105 6,-66 1,274 26,-321-19,423 56,-258-30,342 36,-104-4,-241-28,-11-1,11 2,-41-4,-15 4,-1 0,-141-34,-26-5,1 2,-1 0,0 1,0 1,24 9,-44-14,0 0,1 0,-1 0,0 0,0 0,0 0,1 0,-1 0,0 0,0 1,0-1,1 0,-1 0,0 0,0 0,0 0,1 0,-1 0,0 1,0-1,0 0,0 0,0 0,1 0,-1 1,0-1,0 0,0 0,0 0,0 1,0-1,0 0,0 0,0 0,0 1,0-1,0 0,0 0,0 0,0 1,0-1,0 0,0 0,0 1,0-1,0 0,-12 5,-19-2,-26-1,0-2,1-3,-1-3,-56-12,-273-51,-29-7,-145-38,194 71,236 39,292 3,-64-1,-1 4,141 20,-30 5,332 3,-470-29,256 25,-56-2,-110-15,259 7,-103 10,0 0,-259-24,105 17,-160-18,0-1,0 0,0 0,0 0,0 1,0-1,0 1,-1 0,1-1,0 1,0 0,-1 0,4 2,-5-2,-1 0,1-1,0 1,-1-1,1 1,-1-1,1 1,-1-1,1 1,-1-1,1 0,-1 1,1-1,-1 0,1 1,-1-1,0 0,1 0,-1 1,0-1,1 0,-1 0,0 0,-1 0,-61 9,-198 11,-122 12,335-27,-57 14,-35 4,128-22,-509 27,-607-29,1122 1,0-1,-1 1,1-1,-1-1,-9-2,15 4,0-1,0 1,-1 0,1-1,0 1,0-1,0 1,0-1,0 0,0 1,0-1,0 0,1 1,-1-1,0 0,0 0,1 0,-1 0,0 0,1 0,-1 0,1 0,-1 0,1 0,0 0,-1 0,1-1,0 1,0 0,0 0,-1 0,2 0,-1-1,0 1,0 0,0 0,0 0,1 0,0-2,0 1,1-1,0 1,-1 0,1 0,0 0,0 1,0-1,1 0,-1 1,0-1,1 1,-1 0,1 0,-1 0,1 0,-1 0,1 0,0 1,0-1,2 1,64-5,-57 5,439 1,-178 1,-138 4,139 24,5 1,438 44,-233-21,-327-39,352 39,-338-26,116 11,-237-34,0 3,0 1,68 23,-117-32,0 0,0 0,0 0,0 1,0-1,0 0,0 0,0 1,0-1,0 1,-1-1,1 1,0-1,0 1,0-1,-1 1,1 0,0-1,-1 1,1 0,-1 0,1-1,-1 1,1 0,-1 0,1 0,-1 0,0 0,1-1,-1 3,-1-2,1 1,-1-1,0 1,0-1,0 0,0 0,0 1,0-1,-1 0,1 0,0 0,0 0,-1 0,1 0,-3 1,-7 3,0 0,0-1,0 0,-13 3,-43 1,-1-4,-123-6,63-1,-177 4,-241-3,-52-50,155 7,279 39,85 4,1-2,-116-23,159 21,-69-3,50 6,52 3,-1 0,1 0,0-1,0 1,-1-1,1 1,0-1,0 0,0 0,0 0,0 0,0 0,0-1,0 1,0 0,-2-4,4 5,0 0,-1-1,1 1,0 0,0-1,0 1,0-1,-1 1,1-1,0 1,0 0,0-1,0 1,0-1,0 1,0-1,0 1,0 0,0-1,1 1,-1-1,0 1,0 0,0-1,0 1,1-1,-1 1,0 0,0-1,1 1,22-12,11 6,0 2,1 1,-1 2,55 4,-10 0,315 33,-249-17,56 5,203 22,-129-10,47 3,-22 4,-63-6,-195-30,61 17,-28-6,23 8,-197-24,-125-1,-152-3,59-23,-99-2,201 30,-273-5,185-27,102 7,162 17,-59-16,60 11,-48-5,237 18,-75-4,80 10,-95-2,160 27,402 68,-557-94,74 21,-79-15,94 10,-114-19,76 20,-25-5,-89-19,0-1,0 1,0 0,0 0,-1 0,1 0,0 0,0 1,3 2,-6-4,1 0,-1 0,0 0,0 1,0-1,0 0,0 0,0 0,0 0,1 0,-1 1,0-1,0 0,0 0,0 0,0 0,0 1,0-1,0 0,0 0,0 0,0 1,0-1,0 0,0 0,0 0,0 0,0 1,0-1,0 0,0 0,-1 0,1 0,0 1,0-1,0 0,0 0,0 0,0 0,0 0,-1 0,1 1,0-1,0 0,0 0,-1 0,-19 5,-233-2,132-5,66 0,-55-11,27 3,23 1,-81-22,-1-2,-224-46,274 54,73 19,-1 0,0 1,0 1,-35-3,-56-5,76 7,-48-2,57 4,-1 0,1-2,0-1,0-1,1-1,-37-17,-33-10,27 8,57 21,-1 0,0 1,0 1,-1 0,1 1,-1 0,-17-1,162 4,77 3,-157 4,-1 1,97 32,12 2,25 4,22 5,-184-46,-1 1,30 13,31 8,160 38,-135-34,129 20,-202-44,52 11,-41-7,1-2,-1-2,52 0,-74-6,0-1,-1-1,1-1,-1-1,1-2,-1 0,37-14,-46 14,0 1,0 0,1 1,0 0,28-1,79 6,-44 1,32-1,134-5,-237 2,-1 0,0-1,0 0,1 0,-2-1,1 0,0 0,0 0,-1-1,0 1,0-1,0-1,5-4,-3 2,1 1,-1 0,2 0,-1 1,11-6,148-65,12 14,-173 59,0 0,1 0,-1-1,-1 0,1 0,0 0,-1-1,0 1,7-9,-7 7,0 0,1 1,-1 0,1 0,0 1,0 0,1 0,13-7,43-2,-51 12,-1-1,1 0,0-1,-1 0,12-6,-7 3,0 1,0 0,1 1,-1 1,1 0,0 2,24-1,-23 2,0-1,1 0,-1-2,0 0,0-1,20-8,-8-2,1 2,0 1,1 1,0 1,0 2,60-5,-67 10,-1 0,30-9,-4 1,4 0,-28 5,2 0,42-1,2 4,-32 0,1 2,51 6,-92-6,0 0,1 0,-1 0,0 0,1 0,-1 0,0 0,1 0,-1 0,0 0,0 0,1 0,-1 0,0 0,1 0,-1 0,0 0,0 0,1 0,-1 1,0-1,1 0,-1 0,0 0,0 0,0 1,1-1,-1 0,0 0,0 1,0-1,1 0,-1 0,0 1,0-1,0 0,0 0,0 1,0-1,0 1,-12 6,-22 2,-151 9,153-12,-31 6,0-4,-83 2,127-10,-56-1,-109-14,-4-11,-38 1,188 19,2 1,1-1,-40-12,-10-1,69 17,-1-1,1-1,0 0,-1-1,2-1,-16-8,7 4,1 1,-1 0,-1 2,-40-7,10 2,-291-89,312 93,13 4,-1-2,0 0,-22-11,18 7,-1 2,1 0,-2 2,1 1,-53-3,57 6,-25-5,-53-14,26 4,-84-14,8 6,126 20,0 0,0-2,-36-14,-38-10,-39 12,92 14,-61-13,30 5,57 11,0-1,0-1,-29-10,25 7,0 1,0 0,-1 2,-45-2,35 3,-119-21,-85-14,-6-1,49 15,110 12,44 6,-65-2,71 7,-55-10,53 5,-47-1,47 5,-49-9,50 6,-57-3,-33 9,105-1</inkml:trace>
+  <inkml:trace contextRef="#ctx0" brushRef="#br0">10458 754,'-79'-1,"-87"3,120 8,33-7,0 0,-19 1,-5 0,1 1,-61 18,47-8,1-4,-1-2,-101 3,123-12,2-1,0 1,0 1,-48 10,-28 13,74-20,-1-2,-49-3,-27 1,1 19,64-13,-69 10,-130 2,203-17,-38 8,39-4,-41 1,4-9,-100 5,114 7,36-4,-37 1,31-4,-38 8,18-2,-71 12,76-11,30-6,-1 1,-20-1,21-1,-1 0,0 1,1 1,-14 4,12-2,-2-2,-16 3,-134 18,54 1,54-10,-104 16,-87 29,45-20,163-32,26-5,0-1,-25 3,-20 3,46-6,-31 3,33-4,-1 0,1 1,-1 0,-14 7,13-5,-1 0,-24 4,-104 13,130-20,0 2,-23 8,24-7,-1 0,-25 4,-24 0,20-3,-49 1,78-6,0 0,-21 7,-24 1,33-6,1 1,-43 12,-5 1,-3 3,-10 0,62-16,-28 11,34-9,-1-1,-36 4,-69 11,74-10,31-7,-32 4,17-4,-61 14,59-9,-51 3,73-9,0 0,-1 1,-25 11,26-10,0 1,1-1,-1-1,-19 1,-69 8,53-4,4-3,-57 18,67-11,26-7,0-2,-1 0,1 0,-17 2,-11 0,-46 12,33-2,-39 7,0-2,-13 1,83-18,-35 12,38-9,0-1,1-2,-22 3,-33 4,44-5,-35 0,46-4,0 1,-26 7,8-1,-71 12,-13 4,60-10,44-11,2 1,-18 9,20-9,0 0,0-1,0 0,0 0,-15 1,-48-3,50-2,0 2,0-1,-39 10,42-6,2-1,-25 0,23-2,1 1,-23 5,17-2,1-2,-1-1,0-1,-31-3,21 0,-36 4,61-1,0 1,0 1,1 0,-16 7,16-6,0 0,0-1,0-1,-1 1,-13 1,-26-2,29-2,0 1,0 0,-23 6,15-1,1-3,-2-1,-53-3,24-1,53 2,-1-1,0 1,1-1,-1-1,1 1,-1 0,1-1,0 0,-7-5,-37-31,3 2,-102-55,134 83,0 0,-19-6,21 9,0 1,1-2,-1 0,-18-14,19 12,0 1,0 0,-1 0,-13-4,13 6,1 0,0-1,0 1,1-2,-12-9,14 11,0 0,-1 0,1 1,-1 0,0 1,0 0,-1 1,1 0,-10-2,-25-7,27 7,0 0,-29-2,-14-3,44 5,-13-4,0 2,0 1,-40-1,49 5,1-1,-24-6,-1 0,33 6,-1-1,0 0,0-1,0 0,1-1,0 0,-17-12,7 5,0 2,1 1,-3 1,-37-10,33 11,0-1,-39-20,56 22,-1 1,0 0,1 1,-1 1,0-1,0 1,-1 1,1 0,-12 0,20 2,-25 2,27-2,0 0,0 0,0 0,0 0,-1 0,1 0,0 0,-1 1,1-1,0 0,0 0,0 0,0 0,0 0,0 1,0-1,-1 0,1 0,0 0,0 1,0-1,0 0,-1 0,1 0,0 0,0 0,0 0,0 1,0-1,0 0,0 1,0-1,0 0,0 0,0 1,0 0,11 10,-5-7,1-1,-1 0,0 1,0-2,1-1,-1 2,1-2,0 0,8 1,67-3,-40-1,-9 2,-1-2,42-8,38-10,19 0,-104 14,0-2,-1-1,46-22,67-29,-130 57,-1 0,1 0,1 1,-1 0,0 1,0 0,11 1,37-6,-33 2,45-1,-19 2,-2-7,-35 7,-1 0,20-1,76 6,45-4,-147 1,0-1,1 0,-1 0,1 0,-1-1,7-4,-8 4,1-1,0 1,0 1,0 0,0 0,12-2,49-8,-29 4,-5 0,40-15,-40 13,38-9,-36 11,54-21,-51 15,-13 6,0 2,0 1,1 1,0 1,31 1,-44 1,-1 0,2-1,11-3,33-6,50 1,28 1,-123 8,-1 0,1-2,12-2,-11 1,0 2,17-2,65-6,17-1,-89 11,42-11,-17 3,2-1,-28 5,42-3,-42 5,43-9,-34 5,9-3,-24 5,1 1,28-2,-23 3,-1 0,1-2,30-10,17-3,-62 15,-1 0,0-1,0 0,12-7,22-8,79-4,-101 19,-2-2,1-1,31-13,-5 2,-16 8,2 1,-1 3,32-3,-10 0,-33 4,0 1,18-1,-31 4,3 1,0-1,-2 0,2-1,-1 1,1-1,-1-1,0 0,0 0,1-1,-1 0,9-6,-8 5,0 0,1 1,0 0,0 0,-1 1,1 1,15-1,23-5,17-6,-44 10,1-2,0-1,-1 0,31-15,-35 14,0 1,0 0,1 1,-1 1,29-2,-14 0,52-17,-60 15,1 1,-1 2,1 1,29-2,49 9,93-6,-149-6,-33 6,0 0,19-1,-8 1,1 0,-2-2,1-1,30-13,-6 3,56-4,1 0,-74 12,55-17,-57 16,0 1,0 2,55-4,-67 8,31-7,-34 5,-1 2,18-2,-15 4,-11 0,0 0,0 0,-1 0,1-1,0 1,0-1,0-1,-1 1,1-1,0 1,-1-2,1 1,4-4,-3 2,0 1,0 0,0 0,1 1,0 0,-1 0,1 1,-1 0,1 0,0 1,12 1,-9-1,1-1,-1 0,18-4,4-3,36-3,-17 3,11 2,-49 6,0-1,0 0,0-1,0 0,0-2,15-6,-15 6,0-1,0 2,-1 0,1 0,20 0,35-6,203-40,-183 30,-1-1,18 0,-81 15,-1 0,34-14,-36 11,0 2,0 1,38-5,13-2,-24 3,-31 5,0 0,19-8,-23 7,0 1,0 1,1-1,20 0,-15 2,35-8,-22 3,6-1,-21 4,1 0,30-1,510 7,-552-2,0 0,0 0,0 2,0-1,0 1,0 0,0 0,-1 0,9 6,2 3,-2 0,13 13,-1-2,-22-17,2 0,-1 1,-1 0,7 9,-7-8,1 0,-1-1,1-1,8 9,19 22,-29-30,1-2,0 1,0 0,0-1,0 0,1 0,-1 0,1 0,0-1,0 0,6 3,1-1,-2 0,1 1,12 9,-13-8,-1-1,2 0,17 7,29 6,56 31,-96-43,0 0,0-2,0 1,1-3,23 3,-22-2,35 11,-39-10,1 0,1-1,19 2,-13-3,-2 2,1 0,0 1,0 2,-1 2,35 19,-43-23,1-2,0 1,0-1,0-1,18 2,-12-3,32 10,-29-5,-13-4,1 1,-1 0,1 0,13 9,-5-4,9 4,-27-13,0 1,0-1,0 1,0 0,0 0,0-1,0 1,0 0,-1 0,1 0,0 0,0 0,-1 1,1-2,0 2,-1-1,2 3,-3-4,1 0,0 1,0 0,0 0,-1-1,1 0,0 1,0-1,0 1,0 0,-1-1,1 1,-1-1,1 0,0 1,-1-1,1 1,-1-1,1 1,-1-1,1 0,-1 0,1 0,-1 1,1-1,-1 0,1 0,-1 0,1 1,-1-1,1 0,-2 0,-20 3,20-3,-9-1,-1 1,1-1,0-2,-13-2,11 1,-2 1,-15-1,10 3,1 0,-36-9,25 5,0 1,-1 1,1 2,-34 4,-6 0,-1178-3,1219 1,-36 8,-23 1,1-11,57-1,-1 1,1 2,0 1,0 2,-42 12,43-9,0 0,-1-3,-52 3,-17 0,-67 17,145-20,-7 0,-53 16,42-9,-70 10,77-15,-30 11,21-5,-77 9,76-13,9-2,-39 13,48-12,-1-2,-30 3,-23 5,73-12,-64 16,-73 7,124-21,0 0,-24 9,25-6,0-1,-31 4,-73 10,81-10,-54 3,68-10,0 2,-31 8,28-4,-33 3,-131 20,19-1,74-10,10-1,-118 22,172-33,-163 28,-17 4,161-29,-124 32,107-22,-131 18,177-35,-37 12,-19 4,-4-3,50-9,-58 6,80-12,0 0,-1 1,2 0,-17 8,-15 4,144-11,203-17,-267 10,165-8,302-26,-95 0,-305 25,367-54,-303 38,77-15,-206 35,13-2,0-3,72-29,-119 41,-1 0,0-1,0 1,0 0,1-1,-1 0,0 0,-1 1,4-5,-5 6,0 0,0 0,0 0,1 0,-1-1,0 1,0 0,0-1,0 1,0 0,0-1,0 1,0 0,0-1,0 1,0 0,0 0,0 0,0-1,0 1,0-1,0 1,0 0,0-1,0 1,0 0,0 0,0 0,-1 0,1-1,0 0,-16-5,-25 3,-1 0,-43 6,2 0,33-3,-91 2,117 0,1 2,0 0,-44 16,66-19,-1-1,0 0,1 1,-1 1,1-2,-1 1,1 0,0 1,-1-1,-2 2,4-2,0-1,-1 1,1-1,0 1,0-1,0 0,0 1,0-1,-1 1,1 0,0-1,0 0,0 1,0-1,0 1,0 0,0-1,0 1,0-1,0 0,0 1,0-1,1 1,-1 0,0-1,0 1,2 1,-1 0,0 0,2-1,-2 1,1-1,0 1,-1-1,1 0,0 0,1 1,-1-2,0 1,0 0,0 0,3 0,36 7,0-1,50 0,87-8,-69 0,251 1,-356 0,-1 0,0-1,1 1,0-1,-1 0,1 0,-1-1,1 2,-1-2,1 0,-2 0,2 0,-2 0,2-1,-1 1,-1-1,1 0,0 1,2-5,10-10,-9 13,-1 1,0-1,1 1,-1 0,1 0,-1 2,1-2,0 2,0-1,-1 1,2 1,-1-1,10 1,35-6,-28 0,43-2,11-2,5-1,-10 3,72-31,-76 18,-9 7,-33 8,0-1,41-17,-46 16,1 1,0 2,0 0,28-1,-46 5,38-4,-18 4,-1-2,39-11,-36 7,0 2,43-4,-54 8,13-3,34-10,-39 7,1 1,32-1,39-3,21-1,-72 9,77-17,-9 0,1 1,-99 15,-1-1,25-10,-27 11,0-2,0 2,-1 0,1 0,15 0,47 4,-94 0,-39 10,15-3,-91 13,119-18,-1 1,-25 10,26-8,-35 6,-60 8,26 0,14-2,15-5,-79 32,55-16,44-18,0-2,-54 6,82-14,0 2,-1-1,1 1,-13 6,14-5,-1 0,1-1,-1 0,0-1,-11 2,-171 22,137-17,-17-2,43-5,-29 5,32-3,-1-1,-43-3,-19 1,31 9,35-6,-39 3,15-4,-1 2,-69 19,-25-5,120-16,0-1,-21-1,24-2,-1 2,1 1,-26 5,15 0,-54 2,54-6,-55 11,56-7,0-3,-41 3,30-4,-20 5,-14 2,36-5,36-5,0 0,1 1,-1-1,0 0,0 0,1 0,-1 1,0-1,1 0,-1 0,1 1,-1-1,1 1,-1-1,0 1,1 0,0-1,-1 0,0 1,1 0,0-1,0 1,-1-1,1 1,-1 0,1 0,0 0,0-1,0 1,-1 0,1 0,0-1,0 1,0 0,0 0,0 0,0-1,0 1,0 0,0 0,1 0,-1-1,0 1,0 0,0 0,1-1,-1 1,1 1,1 0,0 0,0 1,-1-2,1 2,0-2,0 1,1-1,-1 1,0-1,1 0,-1 1,1-1,3 1,39 9,-27-7,104 22,-110-24,0 2,22 8,-24-7,-1-1,1-1,-1-1,1 1,13 1,264-3,-139-3,-133 1,2-1,19-5,28-3,-53 9,-2-1,2 1,-1-3,-1 1,13-5,-11 3,0 1,1 0,17-2,136-17,-141 19,36-10,-40 7,-1 3,1 0,24-2,4 3,59-13,-64 7,76-2,-94 9,0 0,46-14,-45 10,56-7,12 2,-20 1,-53 7,0-2,27-8,20-6,36-3,-51 9,0 3,83-4,-116 13,35-8,16 0,-54 7,-1-1,1 0,-1-1,16-7,19-5,-49 16,0 0,-1-1,2 0,-2 0,1 1,-1-2,1 1,0 0,-1 0,1-1,0 1,-1 0,0-1,1 1,-2-1,2 0,-1 0,1-3,0 1,0-1,-1 1,0-1,1 0,-2 1,1-1,0-1,-1-4,0-4,0 0,-2 0,0 0,0 0,-4-14,4 22,0 0,-1 0,0 0,0 0,0 1,-1-1,-3-4,3 5,-1-1,2 1,0-1,-1 0,1 0,1 0,-4-9,3 2,-1-1,0 1,0 0,-1 0,-1 1,-9-16,12 23,-1 1,1 0,-1 0,0 0,1 0,-1 1,-1 0,1 0,-1-1,1 2,-1 0,0-1,1 2,-1-1,0 1,-1-1,2 1,-7 1,-198-3,105 6,87-3,11 0,0 1,0-1,0-1,0 1,0 0,0-2,0 0,-9-2,15 4,0 0,0 0,0 0,0 0,0 0,0 0,-1-1,1 1,0 0,0 0,0 0,0 0,0 0,0 0,-1 0,1-1,0 1,0 0,0 0,0 0,0 0,0 0,0-1,0 1,0 0,0 0,0 0,0 0,0 0,0 0,0 0,0 0,0 0,0 0,0-1,0 1,0 0,0 0,0 0,0 0,0 0,0-1,0 1,0 0,0 0,0 0,0 0,1-1,6-4,13-4,-19 9,23-8,1 1,-1 0,1 3,0 0,42 1,-19 0,78-15,4-1,24 0,-153 19,-1 0,2 0,-2 0,1 0,0 0,-1 0,1 0,0-1,-1 1,1 0,0 0,0 0,-1 0,1-1,0 1,-1-1,1 1,0-1,-1 1,0 0,1-1,0 0,-1 0,0 0,1 1,-1 0,1-1,-1 0,0 0,0 0,1 1,-1-2,0 1,-1 0,1-1,0 1,-1 0,0 0,1 0,0 0,-1 0,0 0,1 0,-2 1,2-1,-1 0,0 0,0 1,0-1,0 0,0 1,0-1,0 0,-2 1,-26-11,-1 1,0 1,-1 2,-45-3,22 2,23 3,-38-2,-38 8,180 1,83-4,-156 2,2 0,-2 0,1 0,0-1,0 1,0 0,0 0,0 0,0 0,0-1,0 1,0-1,0 0,0 0,0 1,-1 0,1-1,1-1,-2 2,-1-1,1 0,0 0,0 1,-1-1,1 1,-1 0,1-1,0 0,-1 1,1-1,-1 1,1 0,0 0,-1-1,0 1,0 0,1-1,0 1,-1 0,0 0,1-1,-1 1,0 0,1 0,0 0,-1 0,0 0,1 0,-1 0,0 1,-24-7,0-1,1-1,0-1,-28-16,51 24,0 1,-1-1,1 0,-1 0,1 1,0-1,0 0,0 0,-1 0,2-1,-2 1,2 0,-1 0,-1 0,2-1,-1 0,0 2,1-2,-1 0,0 1,1-1,0 1,-1-1,1 1,0-1,-1-3,1 4,1-1,-1 1,1-1,-1 1,1-1,-1 1,1 0,-1-1,1 1,0 0,0-1,0 2,0-1,0-1,0 1,0 1,0-2,0 1,0 0,1 1,-2-1,2 1,-1-1,1 0,-1 1,0 0,1 0,0-1,23-2,0 0,-1 3,40 2,-3 1,64-15,-73 5,-200 7,86 0,69 0,-1 1,1 1,-1-1,0 2,1-1,-1 0,0 1,0 1,-1-1,2 1,-2 0,7 8,3 1,-2 0,-1 1,18 25,-30-39,6 11,1-2,0 0,1-1,15 16,-21-23,0 1,-1-1,2 0,-1 1,0-2,0 1,0 0,1 0,-1-1,0 1,0-1,0 1,0-1,1 0,-1 0,0 0,0 0,0-1,0 1,1-1,-1 1,0-1,0 0,0 0,0 0,1-1,-1 1,-1 0,3-2,2-1,-1 0,1 1,0 0,1 0,-1 0,0 2,0-2,0 3,1-2,-1 1,1 0,8 1,-1 1,0 0,0 1,-1 1,25 8,-34-9,-5 0,-16 1,-25-2,25-2,0-1,-20-5,19 2,-33-1,-96 8,-56-4,142-7,39 4,-36-1,-22 7,111-7,-28 6,-1-1,0 1,1-1,0 0,-1 0,1 0,-1-1,0 1,1 0,-1-1,0 0,0 0,3-2,-5 3,0 1,0-1,0 0,0 1,0 0,-1 0,1-1,0 0,0 1,0-1,0 1,-1-1,1 1,0 0,0 0,-1-1,1 1,0-1,0 1,0-1,-1 1,1 0,-1-1,1 1,0 0,0 0,-1 0,1 0,-1-1,1 1,0 0,0 0,-1 0,0 0,1 0,0 0,0-1,-1 1,1 0,-1 1,1-1,-1 0,-20-3,20 3,-152-1,74 3,62-2,1 3,-1-1,2 2,-20 6,17-4,-1-1,-29 4,-78 11,87-12,1-2,-55 1,142-8,-1-1,88-18,66-22,-145 30,-24 3,0 3,0 1,35 1,-60 4,37 0,-39 0,-29 1,-18-1,-36-1,-93 14,136-9,-1 1,-48 14,40-8,-62 6,-4 2,-87 13,172-25,19-1,17-1,1-4,-1 0,1-1,0-1,-1 0,2-1,-2 0,0-1,21-8,19-6,0 3,2 3,85-7,-133 18,34-1,-1-3,58-15,-72 14,0 1,0 1,31 0,4 1,-48 0,-1 1,0-1,17-7,-76 4,-183 28,132-9,-55 17,11-2,-154 26,130-23,-8 0,31-5,23-3,-9 7,15-3,-164 49,147-36,110-36,15-4,2 0,-1 1,0 0,-1 0,-8 6,15-8,0 0,0 0,0 0,-1 0,1 0,0 0,0 0,0 0,0 0,0 0,0 0,-1 0,1 0,0 0,0 0,0 0,0 1,0-1,0 0,0 0,0 0,0 0,0 0,0 0,0 1,0-1,0 0,0 0,0 0,0 0,0 0,0 1,0-1,0 0,0 0,0 0,0 0,0 0,0 0,0 0,0 0,0 0,0 0,0 0,0 0,0 1,0-1,0 0,0 0,0 0,0 0,0 0,1 0,-1 0,0 0,0 0,0 1,0-1,0 0,0 0,1 0,-1 0,0 0,0 0,11 4,15-1,9-3,-1-2,55-8,181-62,-95 23,162-44,-198 54,23 4,-153 34,-1-1,1 1,-1-2,13-4,-57 2,-345 21,327-11,-296 34,152-15,23-4,-323 57,411-65,38-6,-71 19,-54 19,46-12,-125 26,221-49,30-8,0 0,1 0,-1-1,0 1,0 1,1-1,-1 0,0 0,1 1,0-1,-1 1,1-1,0 1,-2 2,3-4,0 1,0 0,0-1,0 1,0-1,1 1,-1-1,0 0,1 0,-1 1,1-1,-1 1,0-1,0 1,1-1,-1 0,1 0,-1 0,0 1,0-1,1 0,0 0,-1 1,0-1,0 0,1 0,0 0,-1 0,0 0,1 0,-1 0,1 0,-1 0,0 0,1 0,20 2,-20-2,247-3,-216 0,49-13,0-1,51-1,115-17,-209 30,0 2,46 3,37-1,-103-5,-15 1,-14 1,-32-1,-2 2,1 3,0 2,-54 10,6-2,-69 17,20-1,-167 23,99-26,44-8,-218 40,244-32,137-23,-38 8,38-7,-1-1,0 1,1 0,-1 0,1 0,-1 0,1 1,-1-1,1 1,0-1,-3 5,5-6,0 0,0 0,-1 0,1 0,0 1,0-1,0 0,0 0,0 0,0 0,0 0,0 0,0 0,-1 1,1-1,0 0,0 0,0 0,0 1,0-1,1 0,-1 0,0 1,0-1,0 0,0 0,0 0,0 1,0-1,0 0,0 0,1 0,-1 0,0 0,0 0,0 0,0 0,0 0,0 1,0-1,0 0,0 0,1 0,9 4,12-1,248-1,-130-5,-26-2,153-32,-33 4,89-27,-190 34,170-9,-285 35,-14 1,-1-1,1 0,1 0,-1 0,0 0,0-1,0 0,-1-1,2 2,-1-2,6-3,-10 5,0 0,0 0,0-1,0 1,0 0,0-1,0 1,0 0,0 0,0-1,0 1,0 0,0 0,0 0,-1 0,1-1,0 1,0 0,0 0,0-1,0 1,0 0,0 0,0-1,-1 1,1 0,0 0,0 0,-1 0,1-1,0 1,0 0,0 0,0 0,0 0,-1 0,1 0,0 0,-1 0,1 0,0 0,-1 0,1 0,0 0,0 0,0 0,-1 0,-11-3,-50-1,-71 5,44 1,-187 20,220-15,-290 43,177-22,-235 27,72-3,165-21,7-2,-7 3,28-4,10 3,1 0,97-26,17-4,0 1,0 0,0 1,1 1,-18 7,31-11,0 0,0 0,0 0,0 0,0 0,0 0,-1 0,1 0,0 0,0 1,0-1,-1 0,1 0,0 0,0 0,0 0,0 0,0 0,0 1,0-1,0 0,0 0,0 0,-1 0,1 0,0 0,0 0,0 0,0 0,0 1,0-1,0 0,0 0,0 0,0 1,0-1,0 0,0 0,0 0,0 1,0-1,0 0,0 0,0 1,0-1,0 0,8 4,13-2,19-1,-1-1,-1-2,1-3,38-9,188-39,19-7,100-29,-134 56,-161 30,-200 2,44-1,1 4,-97 15,20 4,-227 2,323-22,-177 20,39-3,76-11,-178 6,70 7,1 0,177-18,-72 13,109-15,1 0,0 0,-1 0,1 0,-1 1,1-1,0 1,0 0,0-1,-1 1,1-1,0 1,-2 2,3-3,1 1,-1-1,0 1,0-1,0 1,1-1,-1 0,1 0,-1 1,0-1,0 0,1 1,-1-1,1 0,-1 1,0-1,1 0,-1 0,1 1,-1-1,0 0,1 0,0 0,0 0,42 7,136 8,83 10,-229-21,39 11,24 3,-88-17,349 20,416-21,-769 0,0-1,1 1,-1-1,1 0,6-3,-11 4,1 0,0 0,0 0,0-1,0 1,-1-1,1 1,0-1,-1 0,1 1,0 0,-1-1,0 1,1-1,0 0,-1 1,0-1,1 0,0 0,-1 0,1 1,-1-1,0 0,0 0,0 1,1-1,-1-1,0 1,0 1,0-1,1 0,-2 0,1 0,0 0,0 0,0 0,0 1,-1-1,1-1,-1 0,-1 0,1 0,0 1,0-1,0 0,-1 2,1-2,-1 0,0 2,1-2,-1 1,1 1,-1-1,0 0,0 0,1 0,-1 1,0 0,0-1,-2 1,-43-4,39 4,-301 1,122 0,94 4,-94 18,-4 2,-301 33,161-16,223-30,-240 30,230-20,-78 8,162-26,-1 3,1 0,-47 17,81-24,-1 0,0 0,1 0,-1 1,0-1,1 0,-1 0,0 1,0-1,1 1,0-1,-1 1,0-1,1 0,-1 0,1 1,-1 0,1-1,0 1,-1 0,1-1,-1 0,1 1,0 0,0 0,-1-1,1 1,0 0,-1-1,1 2,1-1,-1 1,1-2,-1 2,1-1,0 0,-1-1,1 2,0-1,0-1,0 1,-1 0,1 0,1 0,-2-1,3 2,4 2,1 0,0-1,-1 0,10 2,28 2,2-4,84-5,-43 0,120 3,166-3,36-38,-106 4,-192 32,-58 2,-1-1,80-18,-109 16,48-2,-35 5,-36 2,1 0,-1 0,1-1,-1 1,1-1,0 1,-1 0,0-1,1 0,-1 0,0 0,1 1,-1-2,0 1,1 1,1-4,-3 4,0 0,0-1,0 1,0 0,0-1,0 1,0-1,1 1,-1 0,0 0,0 0,0-1,0 1,0-1,0 1,0-1,0 1,0 0,0-1,-1 1,1 0,0 0,0 0,0-1,0 1,0-1,0 1,0 0,0-1,-1 1,-15-9,-7 4,0 2,-1 1,0 1,-37 3,7 1,-216 25,171-13,-39 3,-138 18,87-8,-31 3,14 2,44-4,133-23,-42 12,20-4,-16 7,135-20,85 0,105-3,-41-17,68-2,-138 23,187-3,-126-22,-70 6,-112 13,42-12,-42 8,32-4,-161 14,51-2,-55 7,65-2,-109 22,-276 52,382-73,-51 17,54-12,-64 8,78-15,-52 15,17-3,61-15,0-1,0 0,0 1,0 0,0 0,0-1,0 1,0 1,-2 1,4-3,-1 0,1 0,0 0,0 1,0-1,0 0,0 0,0 0,0 0,0 0,0 0,0 0,0 0,0 0,0 0,0 0,0 1,0-1,0 0,0 0,0 0,0 1,0-1,0 0,0 0,0 0,0 0,0 1,0-1,0 0,0 0,0 0,0 0,0 1,0-1,0 0,0 0,0 0,0 0,0 0,1 0,-1 0,0 0,0 0,0 0,1 0,12 4,161-1,-92-5,-44 1,38-10,-20 4,-15 0,56-18,0 0,154-37,-188 42,-50 16,1-1,-1 1,1 1,24-2,38-5,-52 6,33-1,-39 3,0-1,0-1,0 0,-1-2,1 0,24-14,23-7,-18 6,-40 16,1 1,1 0,-1 1,1 0,-1 0,1 1,11-1,-110 3,-53 2,107 4,1 0,-66 25,-9 2,-16 3,-16 3,126-35,1 1,-21 10,-20 6,-111 30,93-27,-88 16,138-35,-36 9,29-5,-2-2,2-2,-36 1,50-6,1 0,0 0,0-2,0 0,0-2,0 0,-25-11,31 11,1 1,-1 0,0 1,-1-1,-18 0,-55 5,31 0,-22 0,-93-5,164 3,0-1,-1-1,1 1,0-1,0 0,0-1,0 1,0 0,0-1,1 0,-1 0,1-1,-4-3,2 2,0 0,0 0,-1 1,0 0,-7-5,-101-50,-9 11,119 45,0 1,-1-1,1 0,1 0,-1 0,0 0,0-1,1 1,-5-7,4 5,1 0,-1 2,0-1,0 0,0 1,0 0,-1-1,-9-4,-29-2,35 9,1-1,-2 1,1-2,1 1,-9-5,5 2,0 2,0-1,-1 0,1 2,0 0,-1 1,-16-1,16 2,-1 0,0-1,1-1,0-1,-1 0,-13-6,6-2,-2 1,1 2,-1 0,0 1,0 2,-41-5,46 9,1-1,-21-6,3 0,-3 0,19 4,-1 0,-29-1,-2 4,23-1,-1 2,-35 5,63-5,0 0,-1 0,1 0,0 0,-1 0,1 0,0 0,0 0,0 0,0 0,0 0,-1 0,1 0,0 0,-1 0,1 0,0 0,0 0,0 0,0 1,0-1,-1 0,1 0,0 0,0 0,0 1,-1-1,1 0,0 0,0 0,0 0,0 0,0 0,0 1,0-1,0 0,0 0,0 1,0-1,0 1,8 4,15 2,104 7,-105-9,21 4,0-3,57 2,-87-8,39 0,74-12,2-8,27 0,-129 15,-1 1,-1 0,27-10,7-1,-47 13,1 0,-1-1,0 0,1-1,-2-1,11-6,-4 3,-2 1,2 0,0 2,27-6,-6 2,199-70,-214 73,-8 2,0 0,0-1,15-8,-12 5,0 2,0 0,1 1,0 1,36-2,-40 4,18-3,36-12,-17 4,57-11,-6 4,-86 17,0-1,1-2,23-10,27-8,27 9,-64 11,43-10,-22 4,-38 8,0 0,-1-1,21-8,-18 5,1 2,-1-1,1 2,31-2,-24 3,82-17,58-11,3 0,-32 11,-76 10,-31 4,46-1,-50 5,39-7,-37 3,32-1,-32 5,33-8,-33 5,38-2,23 7,-72-1</inkml:trace>
 </inkml:ink>
 </file>
 
@@ -420,7 +425,7 @@
           <p:cNvPr id="2" name="Заголовок 1">
             <a:extLst>
               <a:ext uri="{FF2B5EF4-FFF2-40B4-BE49-F238E27FC236}">
-                <a16:creationId xmlns:a16="http://schemas.microsoft.com/office/drawing/2014/main" id="{8BD2B719-737E-4F94-B11E-E251C32BE25E}"/>
+                <a16:creationId xmlns:a16="http://schemas.microsoft.com/office/drawing/2014/main" xmlns="" id="{8BD2B719-737E-4F94-B11E-E251C32BE25E}"/>
               </a:ext>
             </a:extLst>
           </p:cNvPr>
@@ -457,7 +462,7 @@
           <p:cNvPr id="3" name="Подзаголовок 2">
             <a:extLst>
               <a:ext uri="{FF2B5EF4-FFF2-40B4-BE49-F238E27FC236}">
-                <a16:creationId xmlns:a16="http://schemas.microsoft.com/office/drawing/2014/main" id="{5B6239F3-DC30-46F6-B94C-1FDE269DAE18}"/>
+                <a16:creationId xmlns:a16="http://schemas.microsoft.com/office/drawing/2014/main" xmlns="" id="{5B6239F3-DC30-46F6-B94C-1FDE269DAE18}"/>
               </a:ext>
             </a:extLst>
           </p:cNvPr>
@@ -527,7 +532,7 @@
           <p:cNvPr id="4" name="Дата 3">
             <a:extLst>
               <a:ext uri="{FF2B5EF4-FFF2-40B4-BE49-F238E27FC236}">
-                <a16:creationId xmlns:a16="http://schemas.microsoft.com/office/drawing/2014/main" id="{9A7A64F2-5E46-4D62-8EDA-415A078E4BE3}"/>
+                <a16:creationId xmlns:a16="http://schemas.microsoft.com/office/drawing/2014/main" xmlns="" id="{9A7A64F2-5E46-4D62-8EDA-415A078E4BE3}"/>
               </a:ext>
             </a:extLst>
           </p:cNvPr>
@@ -545,7 +550,7 @@
           <a:p>
             <a:fld id="{3B27E63C-9036-4A18-ACA2-5D4600022ABD}" type="datetimeFigureOut">
               <a:rPr lang="ru-RU" smtClean="0"/>
-              <a:t>01.03.2022</a:t>
+              <a:t>02.03.2022</a:t>
             </a:fld>
             <a:endParaRPr lang="ru-RU"/>
           </a:p>
@@ -556,7 +561,7 @@
           <p:cNvPr id="5" name="Нижний колонтитул 4">
             <a:extLst>
               <a:ext uri="{FF2B5EF4-FFF2-40B4-BE49-F238E27FC236}">
-                <a16:creationId xmlns:a16="http://schemas.microsoft.com/office/drawing/2014/main" id="{DD026A25-F21A-44E2-88D6-DF892481D086}"/>
+                <a16:creationId xmlns:a16="http://schemas.microsoft.com/office/drawing/2014/main" xmlns="" id="{DD026A25-F21A-44E2-88D6-DF892481D086}"/>
               </a:ext>
             </a:extLst>
           </p:cNvPr>
@@ -581,7 +586,7 @@
           <p:cNvPr id="6" name="Номер слайда 5">
             <a:extLst>
               <a:ext uri="{FF2B5EF4-FFF2-40B4-BE49-F238E27FC236}">
-                <a16:creationId xmlns:a16="http://schemas.microsoft.com/office/drawing/2014/main" id="{7B2078C4-2816-4E06-814E-D97818738AC4}"/>
+                <a16:creationId xmlns:a16="http://schemas.microsoft.com/office/drawing/2014/main" xmlns="" id="{7B2078C4-2816-4E06-814E-D97818738AC4}"/>
               </a:ext>
             </a:extLst>
           </p:cNvPr>
@@ -640,7 +645,7 @@
           <p:cNvPr id="2" name="Заголовок 1">
             <a:extLst>
               <a:ext uri="{FF2B5EF4-FFF2-40B4-BE49-F238E27FC236}">
-                <a16:creationId xmlns:a16="http://schemas.microsoft.com/office/drawing/2014/main" id="{0678DC9C-ECA0-48B5-9C2C-B73EFFDEA6B9}"/>
+                <a16:creationId xmlns:a16="http://schemas.microsoft.com/office/drawing/2014/main" xmlns="" id="{0678DC9C-ECA0-48B5-9C2C-B73EFFDEA6B9}"/>
               </a:ext>
             </a:extLst>
           </p:cNvPr>
@@ -668,7 +673,7 @@
           <p:cNvPr id="3" name="Вертикальный текст 2">
             <a:extLst>
               <a:ext uri="{FF2B5EF4-FFF2-40B4-BE49-F238E27FC236}">
-                <a16:creationId xmlns:a16="http://schemas.microsoft.com/office/drawing/2014/main" id="{182B5BF2-FF8C-459A-A94B-C9D8962462AC}"/>
+                <a16:creationId xmlns:a16="http://schemas.microsoft.com/office/drawing/2014/main" xmlns="" id="{182B5BF2-FF8C-459A-A94B-C9D8962462AC}"/>
               </a:ext>
             </a:extLst>
           </p:cNvPr>
@@ -725,7 +730,7 @@
           <p:cNvPr id="4" name="Дата 3">
             <a:extLst>
               <a:ext uri="{FF2B5EF4-FFF2-40B4-BE49-F238E27FC236}">
-                <a16:creationId xmlns:a16="http://schemas.microsoft.com/office/drawing/2014/main" id="{FC89C65C-FFDF-40A3-8B5A-651AB24DB9F5}"/>
+                <a16:creationId xmlns:a16="http://schemas.microsoft.com/office/drawing/2014/main" xmlns="" id="{FC89C65C-FFDF-40A3-8B5A-651AB24DB9F5}"/>
               </a:ext>
             </a:extLst>
           </p:cNvPr>
@@ -743,7 +748,7 @@
           <a:p>
             <a:fld id="{3B27E63C-9036-4A18-ACA2-5D4600022ABD}" type="datetimeFigureOut">
               <a:rPr lang="ru-RU" smtClean="0"/>
-              <a:t>01.03.2022</a:t>
+              <a:t>02.03.2022</a:t>
             </a:fld>
             <a:endParaRPr lang="ru-RU"/>
           </a:p>
@@ -754,7 +759,7 @@
           <p:cNvPr id="5" name="Нижний колонтитул 4">
             <a:extLst>
               <a:ext uri="{FF2B5EF4-FFF2-40B4-BE49-F238E27FC236}">
-                <a16:creationId xmlns:a16="http://schemas.microsoft.com/office/drawing/2014/main" id="{CB953D22-E925-4B15-817D-05CC8D3A6B3A}"/>
+                <a16:creationId xmlns:a16="http://schemas.microsoft.com/office/drawing/2014/main" xmlns="" id="{CB953D22-E925-4B15-817D-05CC8D3A6B3A}"/>
               </a:ext>
             </a:extLst>
           </p:cNvPr>
@@ -779,7 +784,7 @@
           <p:cNvPr id="6" name="Номер слайда 5">
             <a:extLst>
               <a:ext uri="{FF2B5EF4-FFF2-40B4-BE49-F238E27FC236}">
-                <a16:creationId xmlns:a16="http://schemas.microsoft.com/office/drawing/2014/main" id="{0239058F-938C-4033-9816-099986253A45}"/>
+                <a16:creationId xmlns:a16="http://schemas.microsoft.com/office/drawing/2014/main" xmlns="" id="{0239058F-938C-4033-9816-099986253A45}"/>
               </a:ext>
             </a:extLst>
           </p:cNvPr>
@@ -838,7 +843,7 @@
           <p:cNvPr id="2" name="Вертикальный заголовок 1">
             <a:extLst>
               <a:ext uri="{FF2B5EF4-FFF2-40B4-BE49-F238E27FC236}">
-                <a16:creationId xmlns:a16="http://schemas.microsoft.com/office/drawing/2014/main" id="{B698E0D6-EFB9-45AA-BA4F-AEB943870246}"/>
+                <a16:creationId xmlns:a16="http://schemas.microsoft.com/office/drawing/2014/main" xmlns="" id="{B698E0D6-EFB9-45AA-BA4F-AEB943870246}"/>
               </a:ext>
             </a:extLst>
           </p:cNvPr>
@@ -871,7 +876,7 @@
           <p:cNvPr id="3" name="Вертикальный текст 2">
             <a:extLst>
               <a:ext uri="{FF2B5EF4-FFF2-40B4-BE49-F238E27FC236}">
-                <a16:creationId xmlns:a16="http://schemas.microsoft.com/office/drawing/2014/main" id="{70EB69F1-8E45-49C5-8E65-1FA78D7ECCEB}"/>
+                <a16:creationId xmlns:a16="http://schemas.microsoft.com/office/drawing/2014/main" xmlns="" id="{70EB69F1-8E45-49C5-8E65-1FA78D7ECCEB}"/>
               </a:ext>
             </a:extLst>
           </p:cNvPr>
@@ -933,7 +938,7 @@
           <p:cNvPr id="4" name="Дата 3">
             <a:extLst>
               <a:ext uri="{FF2B5EF4-FFF2-40B4-BE49-F238E27FC236}">
-                <a16:creationId xmlns:a16="http://schemas.microsoft.com/office/drawing/2014/main" id="{340C1EBF-589B-4EEC-939B-347370A19941}"/>
+                <a16:creationId xmlns:a16="http://schemas.microsoft.com/office/drawing/2014/main" xmlns="" id="{340C1EBF-589B-4EEC-939B-347370A19941}"/>
               </a:ext>
             </a:extLst>
           </p:cNvPr>
@@ -951,7 +956,7 @@
           <a:p>
             <a:fld id="{3B27E63C-9036-4A18-ACA2-5D4600022ABD}" type="datetimeFigureOut">
               <a:rPr lang="ru-RU" smtClean="0"/>
-              <a:t>01.03.2022</a:t>
+              <a:t>02.03.2022</a:t>
             </a:fld>
             <a:endParaRPr lang="ru-RU"/>
           </a:p>
@@ -962,7 +967,7 @@
           <p:cNvPr id="5" name="Нижний колонтитул 4">
             <a:extLst>
               <a:ext uri="{FF2B5EF4-FFF2-40B4-BE49-F238E27FC236}">
-                <a16:creationId xmlns:a16="http://schemas.microsoft.com/office/drawing/2014/main" id="{8740CC53-7C69-4EE2-8643-1552396A82A4}"/>
+                <a16:creationId xmlns:a16="http://schemas.microsoft.com/office/drawing/2014/main" xmlns="" id="{8740CC53-7C69-4EE2-8643-1552396A82A4}"/>
               </a:ext>
             </a:extLst>
           </p:cNvPr>
@@ -987,7 +992,7 @@
           <p:cNvPr id="6" name="Номер слайда 5">
             <a:extLst>
               <a:ext uri="{FF2B5EF4-FFF2-40B4-BE49-F238E27FC236}">
-                <a16:creationId xmlns:a16="http://schemas.microsoft.com/office/drawing/2014/main" id="{8724DF00-AE63-4B5A-9AA0-949E2E7A479D}"/>
+                <a16:creationId xmlns:a16="http://schemas.microsoft.com/office/drawing/2014/main" xmlns="" id="{8724DF00-AE63-4B5A-9AA0-949E2E7A479D}"/>
               </a:ext>
             </a:extLst>
           </p:cNvPr>
@@ -1046,7 +1051,7 @@
           <p:cNvPr id="2" name="Заголовок 1">
             <a:extLst>
               <a:ext uri="{FF2B5EF4-FFF2-40B4-BE49-F238E27FC236}">
-                <a16:creationId xmlns:a16="http://schemas.microsoft.com/office/drawing/2014/main" id="{530D3CF4-5120-408C-B46B-BCEC106D1225}"/>
+                <a16:creationId xmlns:a16="http://schemas.microsoft.com/office/drawing/2014/main" xmlns="" id="{530D3CF4-5120-408C-B46B-BCEC106D1225}"/>
               </a:ext>
             </a:extLst>
           </p:cNvPr>
@@ -1074,7 +1079,7 @@
           <p:cNvPr id="3" name="Объект 2">
             <a:extLst>
               <a:ext uri="{FF2B5EF4-FFF2-40B4-BE49-F238E27FC236}">
-                <a16:creationId xmlns:a16="http://schemas.microsoft.com/office/drawing/2014/main" id="{EF88DED0-B546-4839-BD15-D7823D772579}"/>
+                <a16:creationId xmlns:a16="http://schemas.microsoft.com/office/drawing/2014/main" xmlns="" id="{EF88DED0-B546-4839-BD15-D7823D772579}"/>
               </a:ext>
             </a:extLst>
           </p:cNvPr>
@@ -1131,7 +1136,7 @@
           <p:cNvPr id="4" name="Дата 3">
             <a:extLst>
               <a:ext uri="{FF2B5EF4-FFF2-40B4-BE49-F238E27FC236}">
-                <a16:creationId xmlns:a16="http://schemas.microsoft.com/office/drawing/2014/main" id="{B4D6462A-BFBE-4EAA-AF7A-A412A646E1A6}"/>
+                <a16:creationId xmlns:a16="http://schemas.microsoft.com/office/drawing/2014/main" xmlns="" id="{B4D6462A-BFBE-4EAA-AF7A-A412A646E1A6}"/>
               </a:ext>
             </a:extLst>
           </p:cNvPr>
@@ -1149,7 +1154,7 @@
           <a:p>
             <a:fld id="{3B27E63C-9036-4A18-ACA2-5D4600022ABD}" type="datetimeFigureOut">
               <a:rPr lang="ru-RU" smtClean="0"/>
-              <a:t>01.03.2022</a:t>
+              <a:t>02.03.2022</a:t>
             </a:fld>
             <a:endParaRPr lang="ru-RU"/>
           </a:p>
@@ -1160,7 +1165,7 @@
           <p:cNvPr id="5" name="Нижний колонтитул 4">
             <a:extLst>
               <a:ext uri="{FF2B5EF4-FFF2-40B4-BE49-F238E27FC236}">
-                <a16:creationId xmlns:a16="http://schemas.microsoft.com/office/drawing/2014/main" id="{7C1B306A-FE03-4D62-B997-2562E8D05567}"/>
+                <a16:creationId xmlns:a16="http://schemas.microsoft.com/office/drawing/2014/main" xmlns="" id="{7C1B306A-FE03-4D62-B997-2562E8D05567}"/>
               </a:ext>
             </a:extLst>
           </p:cNvPr>
@@ -1185,7 +1190,7 @@
           <p:cNvPr id="6" name="Номер слайда 5">
             <a:extLst>
               <a:ext uri="{FF2B5EF4-FFF2-40B4-BE49-F238E27FC236}">
-                <a16:creationId xmlns:a16="http://schemas.microsoft.com/office/drawing/2014/main" id="{0C5B5165-9B2D-4858-A001-41709E639620}"/>
+                <a16:creationId xmlns:a16="http://schemas.microsoft.com/office/drawing/2014/main" xmlns="" id="{0C5B5165-9B2D-4858-A001-41709E639620}"/>
               </a:ext>
             </a:extLst>
           </p:cNvPr>
@@ -1244,7 +1249,7 @@
           <p:cNvPr id="2" name="Заголовок 1">
             <a:extLst>
               <a:ext uri="{FF2B5EF4-FFF2-40B4-BE49-F238E27FC236}">
-                <a16:creationId xmlns:a16="http://schemas.microsoft.com/office/drawing/2014/main" id="{E86328DA-2E0A-47AD-A751-3E8DB2D49DB3}"/>
+                <a16:creationId xmlns:a16="http://schemas.microsoft.com/office/drawing/2014/main" xmlns="" id="{E86328DA-2E0A-47AD-A751-3E8DB2D49DB3}"/>
               </a:ext>
             </a:extLst>
           </p:cNvPr>
@@ -1281,7 +1286,7 @@
           <p:cNvPr id="3" name="Текст 2">
             <a:extLst>
               <a:ext uri="{FF2B5EF4-FFF2-40B4-BE49-F238E27FC236}">
-                <a16:creationId xmlns:a16="http://schemas.microsoft.com/office/drawing/2014/main" id="{693E3934-DAF9-4338-822F-D0262E36ED9F}"/>
+                <a16:creationId xmlns:a16="http://schemas.microsoft.com/office/drawing/2014/main" xmlns="" id="{693E3934-DAF9-4338-822F-D0262E36ED9F}"/>
               </a:ext>
             </a:extLst>
           </p:cNvPr>
@@ -1406,7 +1411,7 @@
           <p:cNvPr id="4" name="Дата 3">
             <a:extLst>
               <a:ext uri="{FF2B5EF4-FFF2-40B4-BE49-F238E27FC236}">
-                <a16:creationId xmlns:a16="http://schemas.microsoft.com/office/drawing/2014/main" id="{9DD09B6B-C278-4C8B-A4C7-2ECD6BEEA0EB}"/>
+                <a16:creationId xmlns:a16="http://schemas.microsoft.com/office/drawing/2014/main" xmlns="" id="{9DD09B6B-C278-4C8B-A4C7-2ECD6BEEA0EB}"/>
               </a:ext>
             </a:extLst>
           </p:cNvPr>
@@ -1424,7 +1429,7 @@
           <a:p>
             <a:fld id="{3B27E63C-9036-4A18-ACA2-5D4600022ABD}" type="datetimeFigureOut">
               <a:rPr lang="ru-RU" smtClean="0"/>
-              <a:t>01.03.2022</a:t>
+              <a:t>02.03.2022</a:t>
             </a:fld>
             <a:endParaRPr lang="ru-RU"/>
           </a:p>
@@ -1435,7 +1440,7 @@
           <p:cNvPr id="5" name="Нижний колонтитул 4">
             <a:extLst>
               <a:ext uri="{FF2B5EF4-FFF2-40B4-BE49-F238E27FC236}">
-                <a16:creationId xmlns:a16="http://schemas.microsoft.com/office/drawing/2014/main" id="{A24E22AB-C83D-43D8-8CA8-2C0686C961E6}"/>
+                <a16:creationId xmlns:a16="http://schemas.microsoft.com/office/drawing/2014/main" xmlns="" id="{A24E22AB-C83D-43D8-8CA8-2C0686C961E6}"/>
               </a:ext>
             </a:extLst>
           </p:cNvPr>
@@ -1460,7 +1465,7 @@
           <p:cNvPr id="6" name="Номер слайда 5">
             <a:extLst>
               <a:ext uri="{FF2B5EF4-FFF2-40B4-BE49-F238E27FC236}">
-                <a16:creationId xmlns:a16="http://schemas.microsoft.com/office/drawing/2014/main" id="{229AE9B3-F686-49C8-8C55-DA9FE3EFA330}"/>
+                <a16:creationId xmlns:a16="http://schemas.microsoft.com/office/drawing/2014/main" xmlns="" id="{229AE9B3-F686-49C8-8C55-DA9FE3EFA330}"/>
               </a:ext>
             </a:extLst>
           </p:cNvPr>
@@ -1519,7 +1524,7 @@
           <p:cNvPr id="2" name="Заголовок 1">
             <a:extLst>
               <a:ext uri="{FF2B5EF4-FFF2-40B4-BE49-F238E27FC236}">
-                <a16:creationId xmlns:a16="http://schemas.microsoft.com/office/drawing/2014/main" id="{376DBB3F-50BA-48B9-AD32-95554789E665}"/>
+                <a16:creationId xmlns:a16="http://schemas.microsoft.com/office/drawing/2014/main" xmlns="" id="{376DBB3F-50BA-48B9-AD32-95554789E665}"/>
               </a:ext>
             </a:extLst>
           </p:cNvPr>
@@ -1547,7 +1552,7 @@
           <p:cNvPr id="3" name="Объект 2">
             <a:extLst>
               <a:ext uri="{FF2B5EF4-FFF2-40B4-BE49-F238E27FC236}">
-                <a16:creationId xmlns:a16="http://schemas.microsoft.com/office/drawing/2014/main" id="{BBE6550A-B6C7-43A6-B368-48186F8EA1CA}"/>
+                <a16:creationId xmlns:a16="http://schemas.microsoft.com/office/drawing/2014/main" xmlns="" id="{BBE6550A-B6C7-43A6-B368-48186F8EA1CA}"/>
               </a:ext>
             </a:extLst>
           </p:cNvPr>
@@ -1609,7 +1614,7 @@
           <p:cNvPr id="4" name="Объект 3">
             <a:extLst>
               <a:ext uri="{FF2B5EF4-FFF2-40B4-BE49-F238E27FC236}">
-                <a16:creationId xmlns:a16="http://schemas.microsoft.com/office/drawing/2014/main" id="{2530E78F-A764-43B3-8C26-0D06E7038985}"/>
+                <a16:creationId xmlns:a16="http://schemas.microsoft.com/office/drawing/2014/main" xmlns="" id="{2530E78F-A764-43B3-8C26-0D06E7038985}"/>
               </a:ext>
             </a:extLst>
           </p:cNvPr>
@@ -1671,7 +1676,7 @@
           <p:cNvPr id="5" name="Дата 4">
             <a:extLst>
               <a:ext uri="{FF2B5EF4-FFF2-40B4-BE49-F238E27FC236}">
-                <a16:creationId xmlns:a16="http://schemas.microsoft.com/office/drawing/2014/main" id="{2F7D8FC3-85E9-4A92-B539-1794328F0604}"/>
+                <a16:creationId xmlns:a16="http://schemas.microsoft.com/office/drawing/2014/main" xmlns="" id="{2F7D8FC3-85E9-4A92-B539-1794328F0604}"/>
               </a:ext>
             </a:extLst>
           </p:cNvPr>
@@ -1689,7 +1694,7 @@
           <a:p>
             <a:fld id="{3B27E63C-9036-4A18-ACA2-5D4600022ABD}" type="datetimeFigureOut">
               <a:rPr lang="ru-RU" smtClean="0"/>
-              <a:t>01.03.2022</a:t>
+              <a:t>02.03.2022</a:t>
             </a:fld>
             <a:endParaRPr lang="ru-RU"/>
           </a:p>
@@ -1700,7 +1705,7 @@
           <p:cNvPr id="6" name="Нижний колонтитул 5">
             <a:extLst>
               <a:ext uri="{FF2B5EF4-FFF2-40B4-BE49-F238E27FC236}">
-                <a16:creationId xmlns:a16="http://schemas.microsoft.com/office/drawing/2014/main" id="{F50F42BB-E0F5-436B-A9A4-1A6EFF5B9098}"/>
+                <a16:creationId xmlns:a16="http://schemas.microsoft.com/office/drawing/2014/main" xmlns="" id="{F50F42BB-E0F5-436B-A9A4-1A6EFF5B9098}"/>
               </a:ext>
             </a:extLst>
           </p:cNvPr>
@@ -1725,7 +1730,7 @@
           <p:cNvPr id="7" name="Номер слайда 6">
             <a:extLst>
               <a:ext uri="{FF2B5EF4-FFF2-40B4-BE49-F238E27FC236}">
-                <a16:creationId xmlns:a16="http://schemas.microsoft.com/office/drawing/2014/main" id="{93047299-9675-43B5-BAD1-C93F7F49896F}"/>
+                <a16:creationId xmlns:a16="http://schemas.microsoft.com/office/drawing/2014/main" xmlns="" id="{93047299-9675-43B5-BAD1-C93F7F49896F}"/>
               </a:ext>
             </a:extLst>
           </p:cNvPr>
@@ -1784,7 +1789,7 @@
           <p:cNvPr id="2" name="Заголовок 1">
             <a:extLst>
               <a:ext uri="{FF2B5EF4-FFF2-40B4-BE49-F238E27FC236}">
-                <a16:creationId xmlns:a16="http://schemas.microsoft.com/office/drawing/2014/main" id="{197F5816-46C8-470F-AACA-2CF1341BB81E}"/>
+                <a16:creationId xmlns:a16="http://schemas.microsoft.com/office/drawing/2014/main" xmlns="" id="{197F5816-46C8-470F-AACA-2CF1341BB81E}"/>
               </a:ext>
             </a:extLst>
           </p:cNvPr>
@@ -1817,7 +1822,7 @@
           <p:cNvPr id="3" name="Текст 2">
             <a:extLst>
               <a:ext uri="{FF2B5EF4-FFF2-40B4-BE49-F238E27FC236}">
-                <a16:creationId xmlns:a16="http://schemas.microsoft.com/office/drawing/2014/main" id="{F47EE6C2-351F-474B-B18E-39BF2C86DE0E}"/>
+                <a16:creationId xmlns:a16="http://schemas.microsoft.com/office/drawing/2014/main" xmlns="" id="{F47EE6C2-351F-474B-B18E-39BF2C86DE0E}"/>
               </a:ext>
             </a:extLst>
           </p:cNvPr>
@@ -1888,7 +1893,7 @@
           <p:cNvPr id="4" name="Объект 3">
             <a:extLst>
               <a:ext uri="{FF2B5EF4-FFF2-40B4-BE49-F238E27FC236}">
-                <a16:creationId xmlns:a16="http://schemas.microsoft.com/office/drawing/2014/main" id="{F822C7DF-6D8C-466D-A2BF-A0B1E8B0C215}"/>
+                <a16:creationId xmlns:a16="http://schemas.microsoft.com/office/drawing/2014/main" xmlns="" id="{F822C7DF-6D8C-466D-A2BF-A0B1E8B0C215}"/>
               </a:ext>
             </a:extLst>
           </p:cNvPr>
@@ -1950,7 +1955,7 @@
           <p:cNvPr id="5" name="Текст 4">
             <a:extLst>
               <a:ext uri="{FF2B5EF4-FFF2-40B4-BE49-F238E27FC236}">
-                <a16:creationId xmlns:a16="http://schemas.microsoft.com/office/drawing/2014/main" id="{AFE24BDB-3B90-4BD5-B10F-D897342D3A51}"/>
+                <a16:creationId xmlns:a16="http://schemas.microsoft.com/office/drawing/2014/main" xmlns="" id="{AFE24BDB-3B90-4BD5-B10F-D897342D3A51}"/>
               </a:ext>
             </a:extLst>
           </p:cNvPr>
@@ -2021,7 +2026,7 @@
           <p:cNvPr id="6" name="Объект 5">
             <a:extLst>
               <a:ext uri="{FF2B5EF4-FFF2-40B4-BE49-F238E27FC236}">
-                <a16:creationId xmlns:a16="http://schemas.microsoft.com/office/drawing/2014/main" id="{F500B29A-76BD-4DEA-BBB0-4BB5896C9DE2}"/>
+                <a16:creationId xmlns:a16="http://schemas.microsoft.com/office/drawing/2014/main" xmlns="" id="{F500B29A-76BD-4DEA-BBB0-4BB5896C9DE2}"/>
               </a:ext>
             </a:extLst>
           </p:cNvPr>
@@ -2083,7 +2088,7 @@
           <p:cNvPr id="7" name="Дата 6">
             <a:extLst>
               <a:ext uri="{FF2B5EF4-FFF2-40B4-BE49-F238E27FC236}">
-                <a16:creationId xmlns:a16="http://schemas.microsoft.com/office/drawing/2014/main" id="{65ECA056-B7B6-4BA8-B85C-4489EED66972}"/>
+                <a16:creationId xmlns:a16="http://schemas.microsoft.com/office/drawing/2014/main" xmlns="" id="{65ECA056-B7B6-4BA8-B85C-4489EED66972}"/>
               </a:ext>
             </a:extLst>
           </p:cNvPr>
@@ -2101,7 +2106,7 @@
           <a:p>
             <a:fld id="{3B27E63C-9036-4A18-ACA2-5D4600022ABD}" type="datetimeFigureOut">
               <a:rPr lang="ru-RU" smtClean="0"/>
-              <a:t>01.03.2022</a:t>
+              <a:t>02.03.2022</a:t>
             </a:fld>
             <a:endParaRPr lang="ru-RU"/>
           </a:p>
@@ -2112,7 +2117,7 @@
           <p:cNvPr id="8" name="Нижний колонтитул 7">
             <a:extLst>
               <a:ext uri="{FF2B5EF4-FFF2-40B4-BE49-F238E27FC236}">
-                <a16:creationId xmlns:a16="http://schemas.microsoft.com/office/drawing/2014/main" id="{BA3B6859-253B-427C-AC6E-8E4A4A926151}"/>
+                <a16:creationId xmlns:a16="http://schemas.microsoft.com/office/drawing/2014/main" xmlns="" id="{BA3B6859-253B-427C-AC6E-8E4A4A926151}"/>
               </a:ext>
             </a:extLst>
           </p:cNvPr>
@@ -2137,7 +2142,7 @@
           <p:cNvPr id="9" name="Номер слайда 8">
             <a:extLst>
               <a:ext uri="{FF2B5EF4-FFF2-40B4-BE49-F238E27FC236}">
-                <a16:creationId xmlns:a16="http://schemas.microsoft.com/office/drawing/2014/main" id="{EB21C835-870E-4BFB-A1CB-36442DBE183F}"/>
+                <a16:creationId xmlns:a16="http://schemas.microsoft.com/office/drawing/2014/main" xmlns="" id="{EB21C835-870E-4BFB-A1CB-36442DBE183F}"/>
               </a:ext>
             </a:extLst>
           </p:cNvPr>
@@ -2196,7 +2201,7 @@
           <p:cNvPr id="2" name="Заголовок 1">
             <a:extLst>
               <a:ext uri="{FF2B5EF4-FFF2-40B4-BE49-F238E27FC236}">
-                <a16:creationId xmlns:a16="http://schemas.microsoft.com/office/drawing/2014/main" id="{D1F44218-081B-4326-955A-C6933BA594AF}"/>
+                <a16:creationId xmlns:a16="http://schemas.microsoft.com/office/drawing/2014/main" xmlns="" id="{D1F44218-081B-4326-955A-C6933BA594AF}"/>
               </a:ext>
             </a:extLst>
           </p:cNvPr>
@@ -2224,7 +2229,7 @@
           <p:cNvPr id="3" name="Дата 2">
             <a:extLst>
               <a:ext uri="{FF2B5EF4-FFF2-40B4-BE49-F238E27FC236}">
-                <a16:creationId xmlns:a16="http://schemas.microsoft.com/office/drawing/2014/main" id="{52A568C1-7D6F-4AF5-BC44-0BF76C24AF41}"/>
+                <a16:creationId xmlns:a16="http://schemas.microsoft.com/office/drawing/2014/main" xmlns="" id="{52A568C1-7D6F-4AF5-BC44-0BF76C24AF41}"/>
               </a:ext>
             </a:extLst>
           </p:cNvPr>
@@ -2242,7 +2247,7 @@
           <a:p>
             <a:fld id="{3B27E63C-9036-4A18-ACA2-5D4600022ABD}" type="datetimeFigureOut">
               <a:rPr lang="ru-RU" smtClean="0"/>
-              <a:t>01.03.2022</a:t>
+              <a:t>02.03.2022</a:t>
             </a:fld>
             <a:endParaRPr lang="ru-RU"/>
           </a:p>
@@ -2253,7 +2258,7 @@
           <p:cNvPr id="4" name="Нижний колонтитул 3">
             <a:extLst>
               <a:ext uri="{FF2B5EF4-FFF2-40B4-BE49-F238E27FC236}">
-                <a16:creationId xmlns:a16="http://schemas.microsoft.com/office/drawing/2014/main" id="{AFF67650-729A-4C06-A539-E3E503834EED}"/>
+                <a16:creationId xmlns:a16="http://schemas.microsoft.com/office/drawing/2014/main" xmlns="" id="{AFF67650-729A-4C06-A539-E3E503834EED}"/>
               </a:ext>
             </a:extLst>
           </p:cNvPr>
@@ -2278,7 +2283,7 @@
           <p:cNvPr id="5" name="Номер слайда 4">
             <a:extLst>
               <a:ext uri="{FF2B5EF4-FFF2-40B4-BE49-F238E27FC236}">
-                <a16:creationId xmlns:a16="http://schemas.microsoft.com/office/drawing/2014/main" id="{733F37AF-95F6-452E-80F3-639FE9796E13}"/>
+                <a16:creationId xmlns:a16="http://schemas.microsoft.com/office/drawing/2014/main" xmlns="" id="{733F37AF-95F6-452E-80F3-639FE9796E13}"/>
               </a:ext>
             </a:extLst>
           </p:cNvPr>
@@ -2337,7 +2342,7 @@
           <p:cNvPr id="2" name="Дата 1">
             <a:extLst>
               <a:ext uri="{FF2B5EF4-FFF2-40B4-BE49-F238E27FC236}">
-                <a16:creationId xmlns:a16="http://schemas.microsoft.com/office/drawing/2014/main" id="{F6966304-D805-46D7-A077-178257AF9E00}"/>
+                <a16:creationId xmlns:a16="http://schemas.microsoft.com/office/drawing/2014/main" xmlns="" id="{F6966304-D805-46D7-A077-178257AF9E00}"/>
               </a:ext>
             </a:extLst>
           </p:cNvPr>
@@ -2355,7 +2360,7 @@
           <a:p>
             <a:fld id="{3B27E63C-9036-4A18-ACA2-5D4600022ABD}" type="datetimeFigureOut">
               <a:rPr lang="ru-RU" smtClean="0"/>
-              <a:t>01.03.2022</a:t>
+              <a:t>02.03.2022</a:t>
             </a:fld>
             <a:endParaRPr lang="ru-RU"/>
           </a:p>
@@ -2366,7 +2371,7 @@
           <p:cNvPr id="3" name="Нижний колонтитул 2">
             <a:extLst>
               <a:ext uri="{FF2B5EF4-FFF2-40B4-BE49-F238E27FC236}">
-                <a16:creationId xmlns:a16="http://schemas.microsoft.com/office/drawing/2014/main" id="{F92CE9C8-D760-4FCB-8A82-95CFC0F6F8E2}"/>
+                <a16:creationId xmlns:a16="http://schemas.microsoft.com/office/drawing/2014/main" xmlns="" id="{F92CE9C8-D760-4FCB-8A82-95CFC0F6F8E2}"/>
               </a:ext>
             </a:extLst>
           </p:cNvPr>
@@ -2391,7 +2396,7 @@
           <p:cNvPr id="4" name="Номер слайда 3">
             <a:extLst>
               <a:ext uri="{FF2B5EF4-FFF2-40B4-BE49-F238E27FC236}">
-                <a16:creationId xmlns:a16="http://schemas.microsoft.com/office/drawing/2014/main" id="{5F32A3B7-8BA2-49C0-B7DB-EF0908F88F44}"/>
+                <a16:creationId xmlns:a16="http://schemas.microsoft.com/office/drawing/2014/main" xmlns="" id="{5F32A3B7-8BA2-49C0-B7DB-EF0908F88F44}"/>
               </a:ext>
             </a:extLst>
           </p:cNvPr>
@@ -2450,7 +2455,7 @@
           <p:cNvPr id="2" name="Заголовок 1">
             <a:extLst>
               <a:ext uri="{FF2B5EF4-FFF2-40B4-BE49-F238E27FC236}">
-                <a16:creationId xmlns:a16="http://schemas.microsoft.com/office/drawing/2014/main" id="{12C8225D-66C6-44CB-995F-EC456E7C423B}"/>
+                <a16:creationId xmlns:a16="http://schemas.microsoft.com/office/drawing/2014/main" xmlns="" id="{12C8225D-66C6-44CB-995F-EC456E7C423B}"/>
               </a:ext>
             </a:extLst>
           </p:cNvPr>
@@ -2487,7 +2492,7 @@
           <p:cNvPr id="3" name="Объект 2">
             <a:extLst>
               <a:ext uri="{FF2B5EF4-FFF2-40B4-BE49-F238E27FC236}">
-                <a16:creationId xmlns:a16="http://schemas.microsoft.com/office/drawing/2014/main" id="{04B98D67-EA5F-4E90-9FEC-254944B63023}"/>
+                <a16:creationId xmlns:a16="http://schemas.microsoft.com/office/drawing/2014/main" xmlns="" id="{04B98D67-EA5F-4E90-9FEC-254944B63023}"/>
               </a:ext>
             </a:extLst>
           </p:cNvPr>
@@ -2577,7 +2582,7 @@
           <p:cNvPr id="4" name="Текст 3">
             <a:extLst>
               <a:ext uri="{FF2B5EF4-FFF2-40B4-BE49-F238E27FC236}">
-                <a16:creationId xmlns:a16="http://schemas.microsoft.com/office/drawing/2014/main" id="{B927B6F5-640D-4E9E-BD8D-B95F5AAA774E}"/>
+                <a16:creationId xmlns:a16="http://schemas.microsoft.com/office/drawing/2014/main" xmlns="" id="{B927B6F5-640D-4E9E-BD8D-B95F5AAA774E}"/>
               </a:ext>
             </a:extLst>
           </p:cNvPr>
@@ -2648,7 +2653,7 @@
           <p:cNvPr id="5" name="Дата 4">
             <a:extLst>
               <a:ext uri="{FF2B5EF4-FFF2-40B4-BE49-F238E27FC236}">
-                <a16:creationId xmlns:a16="http://schemas.microsoft.com/office/drawing/2014/main" id="{AABABB14-1143-400B-9358-2A07F1135BCA}"/>
+                <a16:creationId xmlns:a16="http://schemas.microsoft.com/office/drawing/2014/main" xmlns="" id="{AABABB14-1143-400B-9358-2A07F1135BCA}"/>
               </a:ext>
             </a:extLst>
           </p:cNvPr>
@@ -2666,7 +2671,7 @@
           <a:p>
             <a:fld id="{3B27E63C-9036-4A18-ACA2-5D4600022ABD}" type="datetimeFigureOut">
               <a:rPr lang="ru-RU" smtClean="0"/>
-              <a:t>01.03.2022</a:t>
+              <a:t>02.03.2022</a:t>
             </a:fld>
             <a:endParaRPr lang="ru-RU"/>
           </a:p>
@@ -2677,7 +2682,7 @@
           <p:cNvPr id="6" name="Нижний колонтитул 5">
             <a:extLst>
               <a:ext uri="{FF2B5EF4-FFF2-40B4-BE49-F238E27FC236}">
-                <a16:creationId xmlns:a16="http://schemas.microsoft.com/office/drawing/2014/main" id="{5F124B1F-1DCF-4809-8B27-58F8D10F4D87}"/>
+                <a16:creationId xmlns:a16="http://schemas.microsoft.com/office/drawing/2014/main" xmlns="" id="{5F124B1F-1DCF-4809-8B27-58F8D10F4D87}"/>
               </a:ext>
             </a:extLst>
           </p:cNvPr>
@@ -2702,7 +2707,7 @@
           <p:cNvPr id="7" name="Номер слайда 6">
             <a:extLst>
               <a:ext uri="{FF2B5EF4-FFF2-40B4-BE49-F238E27FC236}">
-                <a16:creationId xmlns:a16="http://schemas.microsoft.com/office/drawing/2014/main" id="{8329EDD9-E155-40D6-B344-CA5D9BE178EE}"/>
+                <a16:creationId xmlns:a16="http://schemas.microsoft.com/office/drawing/2014/main" xmlns="" id="{8329EDD9-E155-40D6-B344-CA5D9BE178EE}"/>
               </a:ext>
             </a:extLst>
           </p:cNvPr>
@@ -2761,7 +2766,7 @@
           <p:cNvPr id="2" name="Заголовок 1">
             <a:extLst>
               <a:ext uri="{FF2B5EF4-FFF2-40B4-BE49-F238E27FC236}">
-                <a16:creationId xmlns:a16="http://schemas.microsoft.com/office/drawing/2014/main" id="{11E5B713-91CB-454D-BF19-B42A573F3166}"/>
+                <a16:creationId xmlns:a16="http://schemas.microsoft.com/office/drawing/2014/main" xmlns="" id="{11E5B713-91CB-454D-BF19-B42A573F3166}"/>
               </a:ext>
             </a:extLst>
           </p:cNvPr>
@@ -2798,7 +2803,7 @@
           <p:cNvPr id="3" name="Рисунок 2">
             <a:extLst>
               <a:ext uri="{FF2B5EF4-FFF2-40B4-BE49-F238E27FC236}">
-                <a16:creationId xmlns:a16="http://schemas.microsoft.com/office/drawing/2014/main" id="{6171EDE3-9101-4B40-828A-85E531735712}"/>
+                <a16:creationId xmlns:a16="http://schemas.microsoft.com/office/drawing/2014/main" xmlns="" id="{6171EDE3-9101-4B40-828A-85E531735712}"/>
               </a:ext>
             </a:extLst>
           </p:cNvPr>
@@ -2865,7 +2870,7 @@
           <p:cNvPr id="4" name="Текст 3">
             <a:extLst>
               <a:ext uri="{FF2B5EF4-FFF2-40B4-BE49-F238E27FC236}">
-                <a16:creationId xmlns:a16="http://schemas.microsoft.com/office/drawing/2014/main" id="{D4F436CD-77BB-4D0C-A9BE-1C4592D1E04A}"/>
+                <a16:creationId xmlns:a16="http://schemas.microsoft.com/office/drawing/2014/main" xmlns="" id="{D4F436CD-77BB-4D0C-A9BE-1C4592D1E04A}"/>
               </a:ext>
             </a:extLst>
           </p:cNvPr>
@@ -2936,7 +2941,7 @@
           <p:cNvPr id="5" name="Дата 4">
             <a:extLst>
               <a:ext uri="{FF2B5EF4-FFF2-40B4-BE49-F238E27FC236}">
-                <a16:creationId xmlns:a16="http://schemas.microsoft.com/office/drawing/2014/main" id="{D88B1E8D-8819-4FE7-B29A-CD0B2209B312}"/>
+                <a16:creationId xmlns:a16="http://schemas.microsoft.com/office/drawing/2014/main" xmlns="" id="{D88B1E8D-8819-4FE7-B29A-CD0B2209B312}"/>
               </a:ext>
             </a:extLst>
           </p:cNvPr>
@@ -2954,7 +2959,7 @@
           <a:p>
             <a:fld id="{3B27E63C-9036-4A18-ACA2-5D4600022ABD}" type="datetimeFigureOut">
               <a:rPr lang="ru-RU" smtClean="0"/>
-              <a:t>01.03.2022</a:t>
+              <a:t>02.03.2022</a:t>
             </a:fld>
             <a:endParaRPr lang="ru-RU"/>
           </a:p>
@@ -2965,7 +2970,7 @@
           <p:cNvPr id="6" name="Нижний колонтитул 5">
             <a:extLst>
               <a:ext uri="{FF2B5EF4-FFF2-40B4-BE49-F238E27FC236}">
-                <a16:creationId xmlns:a16="http://schemas.microsoft.com/office/drawing/2014/main" id="{3799F752-8A3F-4108-97A6-0E483111FFCD}"/>
+                <a16:creationId xmlns:a16="http://schemas.microsoft.com/office/drawing/2014/main" xmlns="" id="{3799F752-8A3F-4108-97A6-0E483111FFCD}"/>
               </a:ext>
             </a:extLst>
           </p:cNvPr>
@@ -2990,7 +2995,7 @@
           <p:cNvPr id="7" name="Номер слайда 6">
             <a:extLst>
               <a:ext uri="{FF2B5EF4-FFF2-40B4-BE49-F238E27FC236}">
-                <a16:creationId xmlns:a16="http://schemas.microsoft.com/office/drawing/2014/main" id="{FFF3188F-6FE8-4DAA-9F02-32AD543AEF31}"/>
+                <a16:creationId xmlns:a16="http://schemas.microsoft.com/office/drawing/2014/main" xmlns="" id="{FFF3188F-6FE8-4DAA-9F02-32AD543AEF31}"/>
               </a:ext>
             </a:extLst>
           </p:cNvPr>
@@ -3054,7 +3059,7 @@
           <p:cNvPr id="2" name="Заголовок 1">
             <a:extLst>
               <a:ext uri="{FF2B5EF4-FFF2-40B4-BE49-F238E27FC236}">
-                <a16:creationId xmlns:a16="http://schemas.microsoft.com/office/drawing/2014/main" id="{20C396BD-EFB8-4928-9C8A-B8F54447034C}"/>
+                <a16:creationId xmlns:a16="http://schemas.microsoft.com/office/drawing/2014/main" xmlns="" id="{20C396BD-EFB8-4928-9C8A-B8F54447034C}"/>
               </a:ext>
             </a:extLst>
           </p:cNvPr>
@@ -3092,7 +3097,7 @@
           <p:cNvPr id="3" name="Текст 2">
             <a:extLst>
               <a:ext uri="{FF2B5EF4-FFF2-40B4-BE49-F238E27FC236}">
-                <a16:creationId xmlns:a16="http://schemas.microsoft.com/office/drawing/2014/main" id="{5317231A-3278-4ED1-9928-46E67C0AE605}"/>
+                <a16:creationId xmlns:a16="http://schemas.microsoft.com/office/drawing/2014/main" xmlns="" id="{5317231A-3278-4ED1-9928-46E67C0AE605}"/>
               </a:ext>
             </a:extLst>
           </p:cNvPr>
@@ -3159,7 +3164,7 @@
           <p:cNvPr id="4" name="Дата 3">
             <a:extLst>
               <a:ext uri="{FF2B5EF4-FFF2-40B4-BE49-F238E27FC236}">
-                <a16:creationId xmlns:a16="http://schemas.microsoft.com/office/drawing/2014/main" id="{FB55ECB1-CF7B-45D7-B2F3-66FFE81F2955}"/>
+                <a16:creationId xmlns:a16="http://schemas.microsoft.com/office/drawing/2014/main" xmlns="" id="{FB55ECB1-CF7B-45D7-B2F3-66FFE81F2955}"/>
               </a:ext>
             </a:extLst>
           </p:cNvPr>
@@ -3195,7 +3200,7 @@
           <a:p>
             <a:fld id="{3B27E63C-9036-4A18-ACA2-5D4600022ABD}" type="datetimeFigureOut">
               <a:rPr lang="ru-RU" smtClean="0"/>
-              <a:t>01.03.2022</a:t>
+              <a:t>02.03.2022</a:t>
             </a:fld>
             <a:endParaRPr lang="ru-RU"/>
           </a:p>
@@ -3206,7 +3211,7 @@
           <p:cNvPr id="5" name="Нижний колонтитул 4">
             <a:extLst>
               <a:ext uri="{FF2B5EF4-FFF2-40B4-BE49-F238E27FC236}">
-                <a16:creationId xmlns:a16="http://schemas.microsoft.com/office/drawing/2014/main" id="{22723DE5-F5C0-493E-A810-3AC34700E2A4}"/>
+                <a16:creationId xmlns:a16="http://schemas.microsoft.com/office/drawing/2014/main" xmlns="" id="{22723DE5-F5C0-493E-A810-3AC34700E2A4}"/>
               </a:ext>
             </a:extLst>
           </p:cNvPr>
@@ -3249,7 +3254,7 @@
           <p:cNvPr id="6" name="Номер слайда 5">
             <a:extLst>
               <a:ext uri="{FF2B5EF4-FFF2-40B4-BE49-F238E27FC236}">
-                <a16:creationId xmlns:a16="http://schemas.microsoft.com/office/drawing/2014/main" id="{45DAF125-E4C1-4289-95CD-310D1D3FB97E}"/>
+                <a16:creationId xmlns:a16="http://schemas.microsoft.com/office/drawing/2014/main" xmlns="" id="{45DAF125-E4C1-4289-95CD-310D1D3FB97E}"/>
               </a:ext>
             </a:extLst>
           </p:cNvPr>
@@ -3614,171 +3619,80 @@
       </p:grpSpPr>
       <p:grpSp>
         <p:nvGrpSpPr>
-          <p:cNvPr id="114" name="Группа 113">
-            <a:extLst>
-              <a:ext uri="{FF2B5EF4-FFF2-40B4-BE49-F238E27FC236}">
-                <a16:creationId xmlns:a16="http://schemas.microsoft.com/office/drawing/2014/main" id="{E0FFE19C-685B-4C7A-A496-3E01690B0C09}"/>
-              </a:ext>
-            </a:extLst>
-          </p:cNvPr>
+          <p:cNvPr id="174" name="Группа 173"/>
           <p:cNvGrpSpPr/>
           <p:nvPr/>
         </p:nvGrpSpPr>
         <p:grpSpPr>
-          <a:xfrm>
-            <a:off x="912877" y="440626"/>
-            <a:ext cx="1088136" cy="2432304"/>
-            <a:chOff x="4015737" y="1337595"/>
-            <a:chExt cx="1088136" cy="2432304"/>
+          <a:xfrm flipH="1">
+            <a:off x="3342537" y="1129996"/>
+            <a:ext cx="2209800" cy="1870665"/>
+            <a:chOff x="7172129" y="3850274"/>
+            <a:chExt cx="2308350" cy="2302875"/>
           </a:xfrm>
         </p:grpSpPr>
+        <p:sp>
+          <p:nvSpPr>
+            <p:cNvPr id="173" name="Прямоугольник 172"/>
+            <p:cNvSpPr/>
+            <p:nvPr/>
+          </p:nvSpPr>
+          <p:spPr>
+            <a:xfrm>
+              <a:off x="7172129" y="3850274"/>
+              <a:ext cx="2308350" cy="2302875"/>
+            </a:xfrm>
+            <a:prstGeom prst="rect">
+              <a:avLst/>
+            </a:prstGeom>
+          </p:spPr>
+          <p:style>
+            <a:lnRef idx="2">
+              <a:schemeClr val="accent3"/>
+            </a:lnRef>
+            <a:fillRef idx="1">
+              <a:schemeClr val="lt1"/>
+            </a:fillRef>
+            <a:effectRef idx="0">
+              <a:schemeClr val="accent3"/>
+            </a:effectRef>
+            <a:fontRef idx="minor">
+              <a:schemeClr val="dk1"/>
+            </a:fontRef>
+          </p:style>
+          <p:txBody>
+            <a:bodyPr rtlCol="0" anchor="ctr"/>
+            <a:lstStyle/>
+            <a:p>
+              <a:pPr algn="ctr"/>
+              <a:endParaRPr lang="en-US"/>
+            </a:p>
+          </p:txBody>
+        </p:sp>
         <p:grpSp>
           <p:nvGrpSpPr>
-            <p:cNvPr id="20" name="Группа 19">
-              <a:extLst>
-                <a:ext uri="{FF2B5EF4-FFF2-40B4-BE49-F238E27FC236}">
-                  <a16:creationId xmlns:a16="http://schemas.microsoft.com/office/drawing/2014/main" id="{E997A2EF-D492-40C4-9F86-DE3CC158ED13}"/>
-                </a:ext>
-              </a:extLst>
-            </p:cNvPr>
+            <p:cNvPr id="123" name="Группа 122"/>
             <p:cNvGrpSpPr/>
             <p:nvPr/>
           </p:nvGrpSpPr>
           <p:grpSpPr>
             <a:xfrm>
-              <a:off x="4015737" y="1337595"/>
-              <a:ext cx="1088136" cy="2404872"/>
-              <a:chOff x="4279392" y="2551176"/>
-              <a:chExt cx="1088136" cy="2404872"/>
+              <a:off x="7172129" y="3899924"/>
+              <a:ext cx="2308350" cy="2213291"/>
+              <a:chOff x="2607560" y="2947538"/>
+              <a:chExt cx="2308350" cy="2213291"/>
             </a:xfrm>
           </p:grpSpPr>
-          <p:sp>
-            <p:nvSpPr>
-              <p:cNvPr id="4" name="Прямоугольник 3">
-                <a:extLst>
-                  <a:ext uri="{FF2B5EF4-FFF2-40B4-BE49-F238E27FC236}">
-                    <a16:creationId xmlns:a16="http://schemas.microsoft.com/office/drawing/2014/main" id="{534DF523-91C5-410A-AB77-47447CA0891B}"/>
-                  </a:ext>
-                </a:extLst>
-              </p:cNvPr>
-              <p:cNvSpPr/>
-              <p:nvPr/>
-            </p:nvSpPr>
-            <p:spPr>
-              <a:xfrm>
-                <a:off x="4279392" y="3346704"/>
-                <a:ext cx="740664" cy="1197864"/>
-              </a:xfrm>
-              <a:prstGeom prst="rect">
-                <a:avLst/>
-              </a:prstGeom>
-              <a:solidFill>
-                <a:schemeClr val="accent1">
-                  <a:lumMod val="50000"/>
-                </a:schemeClr>
-              </a:solidFill>
-            </p:spPr>
-            <p:style>
-              <a:lnRef idx="2">
-                <a:schemeClr val="accent1">
-                  <a:shade val="50000"/>
-                </a:schemeClr>
-              </a:lnRef>
-              <a:fillRef idx="1">
-                <a:schemeClr val="accent1"/>
-              </a:fillRef>
-              <a:effectRef idx="0">
-                <a:schemeClr val="accent1"/>
-              </a:effectRef>
-              <a:fontRef idx="minor">
-                <a:schemeClr val="lt1"/>
-              </a:fontRef>
-            </p:style>
-            <p:txBody>
-              <a:bodyPr rtlCol="0" anchor="ctr"/>
-              <a:lstStyle/>
-              <a:p>
-                <a:pPr algn="ctr"/>
-                <a:endParaRPr lang="ru-RU"/>
-              </a:p>
-            </p:txBody>
-          </p:sp>
-          <p:sp>
-            <p:nvSpPr>
-              <p:cNvPr id="5" name="Овал 4">
-                <a:extLst>
-                  <a:ext uri="{FF2B5EF4-FFF2-40B4-BE49-F238E27FC236}">
-                    <a16:creationId xmlns:a16="http://schemas.microsoft.com/office/drawing/2014/main" id="{8A2F990F-B821-47A8-A5A7-5303DD82684A}"/>
-                  </a:ext>
-                </a:extLst>
-              </p:cNvPr>
-              <p:cNvSpPr/>
-              <p:nvPr/>
-            </p:nvSpPr>
-            <p:spPr>
-              <a:xfrm>
-                <a:off x="4279392" y="2596896"/>
-                <a:ext cx="740664" cy="749808"/>
-              </a:xfrm>
-              <a:prstGeom prst="ellipse">
-                <a:avLst/>
-              </a:prstGeom>
-              <a:solidFill>
-                <a:schemeClr val="accent2">
-                  <a:lumMod val="20000"/>
-                  <a:lumOff val="80000"/>
-                </a:schemeClr>
-              </a:solidFill>
-              <a:ln>
-                <a:solidFill>
-                  <a:schemeClr val="accent2">
-                    <a:lumMod val="20000"/>
-                    <a:lumOff val="80000"/>
-                  </a:schemeClr>
-                </a:solidFill>
-              </a:ln>
-            </p:spPr>
-            <p:style>
-              <a:lnRef idx="2">
-                <a:schemeClr val="accent1">
-                  <a:shade val="50000"/>
-                </a:schemeClr>
-              </a:lnRef>
-              <a:fillRef idx="1">
-                <a:schemeClr val="accent1"/>
-              </a:fillRef>
-              <a:effectRef idx="0">
-                <a:schemeClr val="accent1"/>
-              </a:effectRef>
-              <a:fontRef idx="minor">
-                <a:schemeClr val="lt1"/>
-              </a:fontRef>
-            </p:style>
-            <p:txBody>
-              <a:bodyPr rtlCol="0" anchor="ctr"/>
-              <a:lstStyle/>
-              <a:p>
-                <a:pPr algn="ctr"/>
-                <a:endParaRPr lang="ru-RU"/>
-              </a:p>
-            </p:txBody>
-          </p:sp>
           <p:cxnSp>
             <p:nvCxnSpPr>
-              <p:cNvPr id="7" name="Прямая соединительная линия 6">
-                <a:extLst>
-                  <a:ext uri="{FF2B5EF4-FFF2-40B4-BE49-F238E27FC236}">
-                    <a16:creationId xmlns:a16="http://schemas.microsoft.com/office/drawing/2014/main" id="{13A0C53A-1C6E-44F9-86D9-E0D75598EBE4}"/>
-                  </a:ext>
-                </a:extLst>
-              </p:cNvPr>
+              <p:cNvPr id="69" name="Прямая соединительная линия 68"/>
               <p:cNvCxnSpPr/>
               <p:nvPr/>
             </p:nvCxnSpPr>
             <p:spPr>
-              <a:xfrm flipH="1">
-                <a:off x="4453128" y="4544568"/>
-                <a:ext cx="73152" cy="411480"/>
+              <a:xfrm>
+                <a:off x="4905567" y="3512251"/>
+                <a:ext cx="2723" cy="1169595"/>
               </a:xfrm>
               <a:prstGeom prst="line">
                 <a:avLst/>
@@ -3801,22 +3715,14 @@
           </p:cxnSp>
           <p:cxnSp>
             <p:nvCxnSpPr>
-              <p:cNvPr id="9" name="Прямая соединительная линия 8">
-                <a:extLst>
-                  <a:ext uri="{FF2B5EF4-FFF2-40B4-BE49-F238E27FC236}">
-                    <a16:creationId xmlns:a16="http://schemas.microsoft.com/office/drawing/2014/main" id="{C63F6F7B-0774-434C-9EFC-D3179CDC8B24}"/>
-                  </a:ext>
-                </a:extLst>
-              </p:cNvPr>
-              <p:cNvCxnSpPr>
-                <a:cxnSpLocks/>
-              </p:cNvCxnSpPr>
+              <p:cNvPr id="74" name="Прямая соединительная линия 73"/>
+              <p:cNvCxnSpPr/>
               <p:nvPr/>
             </p:nvCxnSpPr>
             <p:spPr>
-              <a:xfrm>
-                <a:off x="4754880" y="4535424"/>
-                <a:ext cx="64008" cy="420624"/>
+              <a:xfrm flipH="1" flipV="1">
+                <a:off x="3124814" y="2950485"/>
+                <a:ext cx="1758504" cy="594359"/>
               </a:xfrm>
               <a:prstGeom prst="line">
                 <a:avLst/>
@@ -3839,20 +3745,14 @@
           </p:cxnSp>
           <p:cxnSp>
             <p:nvCxnSpPr>
-              <p:cNvPr id="15" name="Прямая соединительная линия 14">
-                <a:extLst>
-                  <a:ext uri="{FF2B5EF4-FFF2-40B4-BE49-F238E27FC236}">
-                    <a16:creationId xmlns:a16="http://schemas.microsoft.com/office/drawing/2014/main" id="{BF4D9250-85A7-4C15-B883-9B49E39BEE3B}"/>
-                  </a:ext>
-                </a:extLst>
-              </p:cNvPr>
+              <p:cNvPr id="79" name="Прямая соединительная линия 78"/>
               <p:cNvCxnSpPr/>
               <p:nvPr/>
             </p:nvCxnSpPr>
             <p:spPr>
-              <a:xfrm flipV="1">
-                <a:off x="4901184" y="3657600"/>
-                <a:ext cx="466344" cy="137160"/>
+              <a:xfrm>
+                <a:off x="3132487" y="3021666"/>
+                <a:ext cx="6739" cy="1188720"/>
               </a:xfrm>
               <a:prstGeom prst="line">
                 <a:avLst/>
@@ -3875,20 +3775,14 @@
           </p:cxnSp>
           <p:cxnSp>
             <p:nvCxnSpPr>
-              <p:cNvPr id="17" name="Прямая соединительная линия 16">
-                <a:extLst>
-                  <a:ext uri="{FF2B5EF4-FFF2-40B4-BE49-F238E27FC236}">
-                    <a16:creationId xmlns:a16="http://schemas.microsoft.com/office/drawing/2014/main" id="{27C02059-EAAD-4068-90E3-9E033E762602}"/>
-                  </a:ext>
-                </a:extLst>
-              </p:cNvPr>
+              <p:cNvPr id="82" name="Прямая соединительная линия 81"/>
               <p:cNvCxnSpPr/>
               <p:nvPr/>
             </p:nvCxnSpPr>
             <p:spPr>
-              <a:xfrm flipV="1">
-                <a:off x="4818888" y="3483864"/>
-                <a:ext cx="333756" cy="192024"/>
+              <a:xfrm>
+                <a:off x="3159390" y="4086609"/>
+                <a:ext cx="1756520" cy="575077"/>
               </a:xfrm>
               <a:prstGeom prst="line">
                 <a:avLst/>
@@ -3909,176 +3803,306 @@
               </a:fontRef>
             </p:style>
           </p:cxnSp>
-          <p:sp>
-            <p:nvSpPr>
-              <p:cNvPr id="19" name="Равнобедренный треугольник 18">
-                <a:extLst>
-                  <a:ext uri="{FF2B5EF4-FFF2-40B4-BE49-F238E27FC236}">
-                    <a16:creationId xmlns:a16="http://schemas.microsoft.com/office/drawing/2014/main" id="{5F3A734E-49AA-4DC6-A583-F13EAAAE56D0}"/>
-                  </a:ext>
-                </a:extLst>
-              </p:cNvPr>
-              <p:cNvSpPr/>
+          <p:cxnSp>
+            <p:nvCxnSpPr>
+              <p:cNvPr id="85" name="Прямая соединительная линия 84"/>
+              <p:cNvCxnSpPr/>
               <p:nvPr/>
-            </p:nvSpPr>
+            </p:nvCxnSpPr>
             <p:spPr>
-              <a:xfrm rot="12339674">
-                <a:off x="4315750" y="2626035"/>
-                <a:ext cx="453065" cy="471297"/>
+              <a:xfrm flipH="1">
+                <a:off x="4257520" y="4681846"/>
+                <a:ext cx="644569" cy="478983"/>
               </a:xfrm>
-              <a:prstGeom prst="triangle">
-                <a:avLst>
-                  <a:gd name="adj" fmla="val 95287"/>
-                </a:avLst>
+              <a:prstGeom prst="line">
+                <a:avLst/>
               </a:prstGeom>
-              <a:solidFill>
-                <a:schemeClr val="accent2">
-                  <a:lumMod val="75000"/>
-                </a:schemeClr>
-              </a:solidFill>
-              <a:ln>
-                <a:solidFill>
-                  <a:schemeClr val="accent2">
-                    <a:lumMod val="75000"/>
-                  </a:schemeClr>
-                </a:solidFill>
-              </a:ln>
             </p:spPr>
             <p:style>
-              <a:lnRef idx="2">
-                <a:schemeClr val="accent1">
-                  <a:shade val="50000"/>
-                </a:schemeClr>
+              <a:lnRef idx="1">
+                <a:schemeClr val="dk1"/>
               </a:lnRef>
-              <a:fillRef idx="1">
-                <a:schemeClr val="accent1"/>
-              </a:fillRef>
-              <a:effectRef idx="0">
-                <a:schemeClr val="accent1"/>
-              </a:effectRef>
-              <a:fontRef idx="minor">
-                <a:schemeClr val="lt1"/>
-              </a:fontRef>
-            </p:style>
-            <p:txBody>
-              <a:bodyPr rtlCol="0" anchor="ctr"/>
-              <a:lstStyle/>
-              <a:p>
-                <a:pPr algn="ctr"/>
-                <a:endParaRPr lang="ru-RU"/>
-              </a:p>
-            </p:txBody>
-          </p:sp>
-          <p:sp>
-            <p:nvSpPr>
-              <p:cNvPr id="12" name="Прямоугольник 11">
-                <a:extLst>
-                  <a:ext uri="{FF2B5EF4-FFF2-40B4-BE49-F238E27FC236}">
-                    <a16:creationId xmlns:a16="http://schemas.microsoft.com/office/drawing/2014/main" id="{C8009B57-F10A-4B91-A31E-546BB3863031}"/>
-                  </a:ext>
-                </a:extLst>
-              </p:cNvPr>
-              <p:cNvSpPr/>
-              <p:nvPr/>
-            </p:nvSpPr>
-            <p:spPr>
-              <a:xfrm>
-                <a:off x="4279392" y="2551176"/>
-                <a:ext cx="740664" cy="182880"/>
-              </a:xfrm>
-              <a:prstGeom prst="rect">
-                <a:avLst/>
-              </a:prstGeom>
-              <a:solidFill>
-                <a:schemeClr val="accent2"/>
-              </a:solidFill>
-              <a:ln>
-                <a:solidFill>
-                  <a:schemeClr val="accent2">
-                    <a:lumMod val="20000"/>
-                    <a:lumOff val="80000"/>
-                  </a:schemeClr>
-                </a:solidFill>
-              </a:ln>
-            </p:spPr>
-            <p:style>
-              <a:lnRef idx="2">
-                <a:schemeClr val="dk1">
-                  <a:shade val="50000"/>
-                </a:schemeClr>
-              </a:lnRef>
-              <a:fillRef idx="1">
+              <a:fillRef idx="0">
                 <a:schemeClr val="dk1"/>
               </a:fillRef>
               <a:effectRef idx="0">
                 <a:schemeClr val="dk1"/>
               </a:effectRef>
               <a:fontRef idx="minor">
-                <a:schemeClr val="lt1"/>
+                <a:schemeClr val="tx1"/>
               </a:fontRef>
             </p:style>
-            <p:txBody>
-              <a:bodyPr rtlCol="0" anchor="ctr"/>
-              <a:lstStyle/>
-              <a:p>
-                <a:pPr algn="ctr"/>
-                <a:endParaRPr lang="ru-RU" dirty="0"/>
-              </a:p>
-            </p:txBody>
-          </p:sp>
-          <p:sp>
-            <p:nvSpPr>
-              <p:cNvPr id="13" name="Прямоугольник 12">
-                <a:extLst>
-                  <a:ext uri="{FF2B5EF4-FFF2-40B4-BE49-F238E27FC236}">
-                    <a16:creationId xmlns:a16="http://schemas.microsoft.com/office/drawing/2014/main" id="{EE56334A-CC80-4931-B788-519CC407E90C}"/>
-                  </a:ext>
-                </a:extLst>
-              </p:cNvPr>
-              <p:cNvSpPr/>
+          </p:cxnSp>
+          <p:cxnSp>
+            <p:nvCxnSpPr>
+              <p:cNvPr id="87" name="Прямая соединительная линия 86"/>
+              <p:cNvCxnSpPr/>
               <p:nvPr/>
-            </p:nvSpPr>
+            </p:nvCxnSpPr>
             <p:spPr>
-              <a:xfrm>
-                <a:off x="4786884" y="2651760"/>
-                <a:ext cx="365760" cy="82296"/>
+              <a:xfrm flipH="1">
+                <a:off x="2607560" y="4097048"/>
+                <a:ext cx="535487" cy="354749"/>
               </a:xfrm>
-              <a:prstGeom prst="rect">
+              <a:prstGeom prst="line">
                 <a:avLst/>
               </a:prstGeom>
             </p:spPr>
             <p:style>
-              <a:lnRef idx="2">
-                <a:schemeClr val="dk1">
-                  <a:shade val="50000"/>
-                </a:schemeClr>
+              <a:lnRef idx="1">
+                <a:schemeClr val="dk1"/>
               </a:lnRef>
-              <a:fillRef idx="1">
+              <a:fillRef idx="0">
                 <a:schemeClr val="dk1"/>
               </a:fillRef>
               <a:effectRef idx="0">
                 <a:schemeClr val="dk1"/>
               </a:effectRef>
               <a:fontRef idx="minor">
-                <a:schemeClr val="lt1"/>
+                <a:schemeClr val="tx1"/>
               </a:fontRef>
             </p:style>
-            <p:txBody>
-              <a:bodyPr rtlCol="0" anchor="ctr"/>
-              <a:lstStyle/>
-              <a:p>
-                <a:pPr algn="ctr"/>
-                <a:endParaRPr lang="ru-RU"/>
-              </a:p>
-            </p:txBody>
-          </p:sp>
+          </p:cxnSp>
+          <p:cxnSp>
+            <p:nvCxnSpPr>
+              <p:cNvPr id="89" name="Прямая соединительная линия 88"/>
+              <p:cNvCxnSpPr/>
+              <p:nvPr/>
+            </p:nvCxnSpPr>
+            <p:spPr>
+              <a:xfrm flipH="1">
+                <a:off x="4409816" y="3492249"/>
+                <a:ext cx="482799" cy="237744"/>
+              </a:xfrm>
+              <a:prstGeom prst="line">
+                <a:avLst/>
+              </a:prstGeom>
+            </p:spPr>
+            <p:style>
+              <a:lnRef idx="1">
+                <a:schemeClr val="dk1"/>
+              </a:lnRef>
+              <a:fillRef idx="0">
+                <a:schemeClr val="dk1"/>
+              </a:fillRef>
+              <a:effectRef idx="0">
+                <a:schemeClr val="dk1"/>
+              </a:effectRef>
+              <a:fontRef idx="minor">
+                <a:schemeClr val="tx1"/>
+              </a:fontRef>
+            </p:style>
+          </p:cxnSp>
+          <p:cxnSp>
+            <p:nvCxnSpPr>
+              <p:cNvPr id="94" name="Прямая соединительная линия 93"/>
+              <p:cNvCxnSpPr/>
+              <p:nvPr/>
+            </p:nvCxnSpPr>
+            <p:spPr>
+              <a:xfrm>
+                <a:off x="4566477" y="3652269"/>
+                <a:ext cx="0" cy="1269068"/>
+              </a:xfrm>
+              <a:prstGeom prst="line">
+                <a:avLst/>
+              </a:prstGeom>
+            </p:spPr>
+            <p:style>
+              <a:lnRef idx="1">
+                <a:schemeClr val="dk1"/>
+              </a:lnRef>
+              <a:fillRef idx="0">
+                <a:schemeClr val="dk1"/>
+              </a:fillRef>
+              <a:effectRef idx="0">
+                <a:schemeClr val="dk1"/>
+              </a:effectRef>
+              <a:fontRef idx="minor">
+                <a:schemeClr val="tx1"/>
+              </a:fontRef>
+            </p:style>
+          </p:cxnSp>
+          <p:cxnSp>
+            <p:nvCxnSpPr>
+              <p:cNvPr id="101" name="Прямая соединительная линия 100"/>
+              <p:cNvCxnSpPr/>
+              <p:nvPr/>
+            </p:nvCxnSpPr>
+            <p:spPr>
+              <a:xfrm flipH="1">
+                <a:off x="2618603" y="2947538"/>
+                <a:ext cx="542226" cy="265176"/>
+              </a:xfrm>
+              <a:prstGeom prst="line">
+                <a:avLst/>
+              </a:prstGeom>
+            </p:spPr>
+            <p:style>
+              <a:lnRef idx="1">
+                <a:schemeClr val="dk1"/>
+              </a:lnRef>
+              <a:fillRef idx="0">
+                <a:schemeClr val="dk1"/>
+              </a:fillRef>
+              <a:effectRef idx="0">
+                <a:schemeClr val="dk1"/>
+              </a:effectRef>
+              <a:fontRef idx="minor">
+                <a:schemeClr val="tx1"/>
+              </a:fontRef>
+            </p:style>
+          </p:cxnSp>
+          <p:cxnSp>
+            <p:nvCxnSpPr>
+              <p:cNvPr id="104" name="Прямая соединительная линия 103"/>
+              <p:cNvCxnSpPr/>
+              <p:nvPr/>
+            </p:nvCxnSpPr>
+            <p:spPr>
+              <a:xfrm>
+                <a:off x="2810697" y="3240789"/>
+                <a:ext cx="18368" cy="1052268"/>
+              </a:xfrm>
+              <a:prstGeom prst="line">
+                <a:avLst/>
+              </a:prstGeom>
+            </p:spPr>
+            <p:style>
+              <a:lnRef idx="1">
+                <a:schemeClr val="dk1"/>
+              </a:lnRef>
+              <a:fillRef idx="0">
+                <a:schemeClr val="dk1"/>
+              </a:fillRef>
+              <a:effectRef idx="0">
+                <a:schemeClr val="dk1"/>
+              </a:effectRef>
+              <a:fontRef idx="minor">
+                <a:schemeClr val="tx1"/>
+              </a:fontRef>
+            </p:style>
+          </p:cxnSp>
+          <p:cxnSp>
+            <p:nvCxnSpPr>
+              <p:cNvPr id="115" name="Прямая соединительная линия 114"/>
+              <p:cNvCxnSpPr/>
+              <p:nvPr/>
+            </p:nvCxnSpPr>
+            <p:spPr>
+              <a:xfrm>
+                <a:off x="2607560" y="3163065"/>
+                <a:ext cx="1802255" cy="582930"/>
+              </a:xfrm>
+              <a:prstGeom prst="line">
+                <a:avLst/>
+              </a:prstGeom>
+            </p:spPr>
+            <p:style>
+              <a:lnRef idx="1">
+                <a:schemeClr val="dk1"/>
+              </a:lnRef>
+              <a:fillRef idx="0">
+                <a:schemeClr val="dk1"/>
+              </a:fillRef>
+              <a:effectRef idx="0">
+                <a:schemeClr val="dk1"/>
+              </a:effectRef>
+              <a:fontRef idx="minor">
+                <a:schemeClr val="tx1"/>
+              </a:fontRef>
+            </p:style>
+          </p:cxnSp>
+          <p:cxnSp>
+            <p:nvCxnSpPr>
+              <p:cNvPr id="117" name="Прямая соединительная линия 116"/>
+              <p:cNvCxnSpPr/>
+              <p:nvPr/>
+            </p:nvCxnSpPr>
+            <p:spPr>
+              <a:xfrm>
+                <a:off x="3159390" y="3871725"/>
+                <a:ext cx="1412215" cy="448628"/>
+              </a:xfrm>
+              <a:prstGeom prst="line">
+                <a:avLst/>
+              </a:prstGeom>
+            </p:spPr>
+            <p:style>
+              <a:lnRef idx="1">
+                <a:schemeClr val="dk1"/>
+              </a:lnRef>
+              <a:fillRef idx="0">
+                <a:schemeClr val="dk1"/>
+              </a:fillRef>
+              <a:effectRef idx="0">
+                <a:schemeClr val="dk1"/>
+              </a:effectRef>
+              <a:fontRef idx="minor">
+                <a:schemeClr val="tx1"/>
+              </a:fontRef>
+            </p:style>
+          </p:cxnSp>
         </p:grpSp>
+      </p:grpSp>
+      <p:grpSp>
+        <p:nvGrpSpPr>
+          <p:cNvPr id="206" name="Группа 205"/>
+          <p:cNvGrpSpPr/>
+          <p:nvPr/>
+        </p:nvGrpSpPr>
+        <p:grpSpPr>
+          <a:xfrm>
+            <a:off x="5025088" y="4896787"/>
+            <a:ext cx="167658" cy="292367"/>
+            <a:chOff x="6539483" y="5327579"/>
+            <a:chExt cx="167658" cy="292367"/>
+          </a:xfrm>
+        </p:grpSpPr>
+        <p:cxnSp>
+          <p:nvCxnSpPr>
+            <p:cNvPr id="9" name="Прямая соединительная линия 8">
+              <a:extLst>
+                <a:ext uri="{FF2B5EF4-FFF2-40B4-BE49-F238E27FC236}">
+                  <a16:creationId xmlns:a16="http://schemas.microsoft.com/office/drawing/2014/main" xmlns="" id="{C63F6F7B-0774-434C-9EFC-D3179CDC8B24}"/>
+                </a:ext>
+              </a:extLst>
+            </p:cNvPr>
+            <p:cNvCxnSpPr>
+              <a:cxnSpLocks/>
+            </p:cNvCxnSpPr>
+            <p:nvPr/>
+          </p:nvCxnSpPr>
+          <p:spPr>
+            <a:xfrm>
+              <a:off x="6539483" y="5327579"/>
+              <a:ext cx="42017" cy="277747"/>
+            </a:xfrm>
+            <a:prstGeom prst="line">
+              <a:avLst/>
+            </a:prstGeom>
+          </p:spPr>
+          <p:style>
+            <a:lnRef idx="1">
+              <a:schemeClr val="dk1"/>
+            </a:lnRef>
+            <a:fillRef idx="0">
+              <a:schemeClr val="dk1"/>
+            </a:fillRef>
+            <a:effectRef idx="0">
+              <a:schemeClr val="dk1"/>
+            </a:effectRef>
+            <a:fontRef idx="minor">
+              <a:schemeClr val="tx1"/>
+            </a:fontRef>
+          </p:style>
+        </p:cxnSp>
         <p:sp>
           <p:nvSpPr>
             <p:cNvPr id="21" name="Прямоугольник 20">
               <a:extLst>
                 <a:ext uri="{FF2B5EF4-FFF2-40B4-BE49-F238E27FC236}">
-                  <a16:creationId xmlns:a16="http://schemas.microsoft.com/office/drawing/2014/main" id="{9E860592-A4A7-4472-97C1-88596436C142}"/>
+                  <a16:creationId xmlns:a16="http://schemas.microsoft.com/office/drawing/2014/main" xmlns="" id="{9E860592-A4A7-4472-97C1-88596436C142}"/>
                 </a:ext>
               </a:extLst>
             </p:cNvPr>
@@ -4087,8 +4111,405 @@
           </p:nvSpPr>
           <p:spPr>
             <a:xfrm>
-              <a:off x="4535425" y="3719608"/>
-              <a:ext cx="182880" cy="45719"/>
+              <a:off x="6587092" y="5589757"/>
+              <a:ext cx="120049" cy="30189"/>
+            </a:xfrm>
+            <a:prstGeom prst="rect">
+              <a:avLst/>
+            </a:prstGeom>
+          </p:spPr>
+          <p:style>
+            <a:lnRef idx="2">
+              <a:schemeClr val="dk1">
+                <a:shade val="50000"/>
+              </a:schemeClr>
+            </a:lnRef>
+            <a:fillRef idx="1">
+              <a:schemeClr val="dk1"/>
+            </a:fillRef>
+            <a:effectRef idx="0">
+              <a:schemeClr val="dk1"/>
+            </a:effectRef>
+            <a:fontRef idx="minor">
+              <a:schemeClr val="lt1"/>
+            </a:fontRef>
+          </p:style>
+          <p:txBody>
+            <a:bodyPr rtlCol="0" anchor="ctr"/>
+            <a:lstStyle/>
+            <a:p>
+              <a:pPr algn="ctr"/>
+              <a:endParaRPr lang="ru-RU"/>
+            </a:p>
+          </p:txBody>
+        </p:sp>
+      </p:grpSp>
+      <p:grpSp>
+        <p:nvGrpSpPr>
+          <p:cNvPr id="207" name="Группа 206"/>
+          <p:cNvGrpSpPr/>
+          <p:nvPr/>
+        </p:nvGrpSpPr>
+        <p:grpSpPr>
+          <a:xfrm rot="17134725">
+            <a:off x="3413800" y="4787298"/>
+            <a:ext cx="714294" cy="1603086"/>
+            <a:chOff x="2933461" y="4501891"/>
+            <a:chExt cx="714294" cy="1603086"/>
+          </a:xfrm>
+        </p:grpSpPr>
+        <p:sp>
+          <p:nvSpPr>
+            <p:cNvPr id="4" name="Прямоугольник 3">
+              <a:extLst>
+                <a:ext uri="{FF2B5EF4-FFF2-40B4-BE49-F238E27FC236}">
+                  <a16:creationId xmlns:a16="http://schemas.microsoft.com/office/drawing/2014/main" xmlns="" id="{534DF523-91C5-410A-AB77-47447CA0891B}"/>
+                </a:ext>
+              </a:extLst>
+            </p:cNvPr>
+            <p:cNvSpPr/>
+            <p:nvPr/>
+          </p:nvSpPr>
+          <p:spPr>
+            <a:xfrm>
+              <a:off x="2933461" y="5027196"/>
+              <a:ext cx="486200" cy="790977"/>
+            </a:xfrm>
+            <a:prstGeom prst="rect">
+              <a:avLst/>
+            </a:prstGeom>
+            <a:solidFill>
+              <a:schemeClr val="accent1">
+                <a:lumMod val="50000"/>
+              </a:schemeClr>
+            </a:solidFill>
+          </p:spPr>
+          <p:style>
+            <a:lnRef idx="2">
+              <a:schemeClr val="accent1">
+                <a:shade val="50000"/>
+              </a:schemeClr>
+            </a:lnRef>
+            <a:fillRef idx="1">
+              <a:schemeClr val="accent1"/>
+            </a:fillRef>
+            <a:effectRef idx="0">
+              <a:schemeClr val="accent1"/>
+            </a:effectRef>
+            <a:fontRef idx="minor">
+              <a:schemeClr val="lt1"/>
+            </a:fontRef>
+          </p:style>
+          <p:txBody>
+            <a:bodyPr rtlCol="0" anchor="ctr"/>
+            <a:lstStyle/>
+            <a:p>
+              <a:pPr algn="ctr"/>
+              <a:endParaRPr lang="ru-RU"/>
+            </a:p>
+          </p:txBody>
+        </p:sp>
+        <p:sp>
+          <p:nvSpPr>
+            <p:cNvPr id="5" name="Овал 4">
+              <a:extLst>
+                <a:ext uri="{FF2B5EF4-FFF2-40B4-BE49-F238E27FC236}">
+                  <a16:creationId xmlns:a16="http://schemas.microsoft.com/office/drawing/2014/main" xmlns="" id="{8A2F990F-B821-47A8-A5A7-5303DD82684A}"/>
+                </a:ext>
+              </a:extLst>
+            </p:cNvPr>
+            <p:cNvSpPr/>
+            <p:nvPr/>
+          </p:nvSpPr>
+          <p:spPr>
+            <a:xfrm>
+              <a:off x="2933461" y="4532081"/>
+              <a:ext cx="486200" cy="495115"/>
+            </a:xfrm>
+            <a:prstGeom prst="ellipse">
+              <a:avLst/>
+            </a:prstGeom>
+            <a:solidFill>
+              <a:schemeClr val="accent2">
+                <a:lumMod val="20000"/>
+                <a:lumOff val="80000"/>
+              </a:schemeClr>
+            </a:solidFill>
+            <a:ln>
+              <a:solidFill>
+                <a:schemeClr val="accent2">
+                  <a:lumMod val="20000"/>
+                  <a:lumOff val="80000"/>
+                </a:schemeClr>
+              </a:solidFill>
+            </a:ln>
+          </p:spPr>
+          <p:style>
+            <a:lnRef idx="2">
+              <a:schemeClr val="accent1">
+                <a:shade val="50000"/>
+              </a:schemeClr>
+            </a:lnRef>
+            <a:fillRef idx="1">
+              <a:schemeClr val="accent1"/>
+            </a:fillRef>
+            <a:effectRef idx="0">
+              <a:schemeClr val="accent1"/>
+            </a:effectRef>
+            <a:fontRef idx="minor">
+              <a:schemeClr val="lt1"/>
+            </a:fontRef>
+          </p:style>
+          <p:txBody>
+            <a:bodyPr rtlCol="0" anchor="ctr"/>
+            <a:lstStyle/>
+            <a:p>
+              <a:pPr algn="ctr"/>
+              <a:endParaRPr lang="ru-RU"/>
+            </a:p>
+          </p:txBody>
+        </p:sp>
+        <p:cxnSp>
+          <p:nvCxnSpPr>
+            <p:cNvPr id="7" name="Прямая соединительная линия 6">
+              <a:extLst>
+                <a:ext uri="{FF2B5EF4-FFF2-40B4-BE49-F238E27FC236}">
+                  <a16:creationId xmlns:a16="http://schemas.microsoft.com/office/drawing/2014/main" xmlns="" id="{13A0C53A-1C6E-44F9-86D9-E0D75598EBE4}"/>
+                </a:ext>
+              </a:extLst>
+            </p:cNvPr>
+            <p:cNvCxnSpPr/>
+            <p:nvPr/>
+          </p:nvCxnSpPr>
+          <p:spPr>
+            <a:xfrm flipH="1">
+              <a:off x="3047508" y="5818173"/>
+              <a:ext cx="48020" cy="271710"/>
+            </a:xfrm>
+            <a:prstGeom prst="line">
+              <a:avLst/>
+            </a:prstGeom>
+          </p:spPr>
+          <p:style>
+            <a:lnRef idx="1">
+              <a:schemeClr val="dk1"/>
+            </a:lnRef>
+            <a:fillRef idx="0">
+              <a:schemeClr val="dk1"/>
+            </a:fillRef>
+            <a:effectRef idx="0">
+              <a:schemeClr val="dk1"/>
+            </a:effectRef>
+            <a:fontRef idx="minor">
+              <a:schemeClr val="tx1"/>
+            </a:fontRef>
+          </p:style>
+        </p:cxnSp>
+        <p:cxnSp>
+          <p:nvCxnSpPr>
+            <p:cNvPr id="15" name="Прямая соединительная линия 14">
+              <a:extLst>
+                <a:ext uri="{FF2B5EF4-FFF2-40B4-BE49-F238E27FC236}">
+                  <a16:creationId xmlns:a16="http://schemas.microsoft.com/office/drawing/2014/main" xmlns="" id="{BF4D9250-85A7-4C15-B883-9B49E39BEE3B}"/>
+                </a:ext>
+              </a:extLst>
+            </p:cNvPr>
+            <p:cNvCxnSpPr/>
+            <p:nvPr/>
+          </p:nvCxnSpPr>
+          <p:spPr>
+            <a:xfrm flipV="1">
+              <a:off x="3341629" y="5232488"/>
+              <a:ext cx="306126" cy="90570"/>
+            </a:xfrm>
+            <a:prstGeom prst="line">
+              <a:avLst/>
+            </a:prstGeom>
+          </p:spPr>
+          <p:style>
+            <a:lnRef idx="1">
+              <a:schemeClr val="dk1"/>
+            </a:lnRef>
+            <a:fillRef idx="0">
+              <a:schemeClr val="dk1"/>
+            </a:fillRef>
+            <a:effectRef idx="0">
+              <a:schemeClr val="dk1"/>
+            </a:effectRef>
+            <a:fontRef idx="minor">
+              <a:schemeClr val="tx1"/>
+            </a:fontRef>
+          </p:style>
+        </p:cxnSp>
+        <p:cxnSp>
+          <p:nvCxnSpPr>
+            <p:cNvPr id="17" name="Прямая соединительная линия 16">
+              <a:extLst>
+                <a:ext uri="{FF2B5EF4-FFF2-40B4-BE49-F238E27FC236}">
+                  <a16:creationId xmlns:a16="http://schemas.microsoft.com/office/drawing/2014/main" xmlns="" id="{27C02059-EAAD-4068-90E3-9E033E762602}"/>
+                </a:ext>
+              </a:extLst>
+            </p:cNvPr>
+            <p:cNvCxnSpPr/>
+            <p:nvPr/>
+          </p:nvCxnSpPr>
+          <p:spPr>
+            <a:xfrm flipV="1">
+              <a:off x="3287607" y="5117766"/>
+              <a:ext cx="219090" cy="126798"/>
+            </a:xfrm>
+            <a:prstGeom prst="line">
+              <a:avLst/>
+            </a:prstGeom>
+          </p:spPr>
+          <p:style>
+            <a:lnRef idx="1">
+              <a:schemeClr val="dk1"/>
+            </a:lnRef>
+            <a:fillRef idx="0">
+              <a:schemeClr val="dk1"/>
+            </a:fillRef>
+            <a:effectRef idx="0">
+              <a:schemeClr val="dk1"/>
+            </a:effectRef>
+            <a:fontRef idx="minor">
+              <a:schemeClr val="tx1"/>
+            </a:fontRef>
+          </p:style>
+        </p:cxnSp>
+        <p:sp>
+          <p:nvSpPr>
+            <p:cNvPr id="19" name="Равнобедренный треугольник 18">
+              <a:extLst>
+                <a:ext uri="{FF2B5EF4-FFF2-40B4-BE49-F238E27FC236}">
+                  <a16:creationId xmlns:a16="http://schemas.microsoft.com/office/drawing/2014/main" xmlns="" id="{5F3A734E-49AA-4DC6-A583-F13EAAAE56D0}"/>
+                </a:ext>
+              </a:extLst>
+            </p:cNvPr>
+            <p:cNvSpPr/>
+            <p:nvPr/>
+          </p:nvSpPr>
+          <p:spPr>
+            <a:xfrm rot="12339674">
+              <a:off x="2957328" y="4551322"/>
+              <a:ext cx="297409" cy="311208"/>
+            </a:xfrm>
+            <a:prstGeom prst="triangle">
+              <a:avLst>
+                <a:gd name="adj" fmla="val 95287"/>
+              </a:avLst>
+            </a:prstGeom>
+            <a:solidFill>
+              <a:schemeClr val="accent2">
+                <a:lumMod val="75000"/>
+              </a:schemeClr>
+            </a:solidFill>
+            <a:ln>
+              <a:solidFill>
+                <a:schemeClr val="accent2">
+                  <a:lumMod val="75000"/>
+                </a:schemeClr>
+              </a:solidFill>
+            </a:ln>
+          </p:spPr>
+          <p:style>
+            <a:lnRef idx="2">
+              <a:schemeClr val="accent1">
+                <a:shade val="50000"/>
+              </a:schemeClr>
+            </a:lnRef>
+            <a:fillRef idx="1">
+              <a:schemeClr val="accent1"/>
+            </a:fillRef>
+            <a:effectRef idx="0">
+              <a:schemeClr val="accent1"/>
+            </a:effectRef>
+            <a:fontRef idx="minor">
+              <a:schemeClr val="lt1"/>
+            </a:fontRef>
+          </p:style>
+          <p:txBody>
+            <a:bodyPr rtlCol="0" anchor="ctr"/>
+            <a:lstStyle/>
+            <a:p>
+              <a:pPr algn="ctr"/>
+              <a:endParaRPr lang="ru-RU"/>
+            </a:p>
+          </p:txBody>
+        </p:sp>
+        <p:sp>
+          <p:nvSpPr>
+            <p:cNvPr id="12" name="Прямоугольник 11">
+              <a:extLst>
+                <a:ext uri="{FF2B5EF4-FFF2-40B4-BE49-F238E27FC236}">
+                  <a16:creationId xmlns:a16="http://schemas.microsoft.com/office/drawing/2014/main" xmlns="" id="{C8009B57-F10A-4B91-A31E-546BB3863031}"/>
+                </a:ext>
+              </a:extLst>
+            </p:cNvPr>
+            <p:cNvSpPr/>
+            <p:nvPr/>
+          </p:nvSpPr>
+          <p:spPr>
+            <a:xfrm>
+              <a:off x="2933461" y="4501891"/>
+              <a:ext cx="486200" cy="120760"/>
+            </a:xfrm>
+            <a:prstGeom prst="rect">
+              <a:avLst/>
+            </a:prstGeom>
+            <a:solidFill>
+              <a:schemeClr val="accent2"/>
+            </a:solidFill>
+            <a:ln>
+              <a:solidFill>
+                <a:schemeClr val="accent2">
+                  <a:lumMod val="20000"/>
+                  <a:lumOff val="80000"/>
+                </a:schemeClr>
+              </a:solidFill>
+            </a:ln>
+          </p:spPr>
+          <p:style>
+            <a:lnRef idx="2">
+              <a:schemeClr val="dk1">
+                <a:shade val="50000"/>
+              </a:schemeClr>
+            </a:lnRef>
+            <a:fillRef idx="1">
+              <a:schemeClr val="dk1"/>
+            </a:fillRef>
+            <a:effectRef idx="0">
+              <a:schemeClr val="dk1"/>
+            </a:effectRef>
+            <a:fontRef idx="minor">
+              <a:schemeClr val="lt1"/>
+            </a:fontRef>
+          </p:style>
+          <p:txBody>
+            <a:bodyPr rtlCol="0" anchor="ctr"/>
+            <a:lstStyle/>
+            <a:p>
+              <a:pPr algn="ctr"/>
+              <a:endParaRPr lang="ru-RU" dirty="0"/>
+            </a:p>
+          </p:txBody>
+        </p:sp>
+        <p:sp>
+          <p:nvSpPr>
+            <p:cNvPr id="13" name="Прямоугольник 12">
+              <a:extLst>
+                <a:ext uri="{FF2B5EF4-FFF2-40B4-BE49-F238E27FC236}">
+                  <a16:creationId xmlns:a16="http://schemas.microsoft.com/office/drawing/2014/main" xmlns="" id="{EE56334A-CC80-4931-B788-519CC407E90C}"/>
+                </a:ext>
+              </a:extLst>
+            </p:cNvPr>
+            <p:cNvSpPr/>
+            <p:nvPr/>
+          </p:nvSpPr>
+          <p:spPr>
+            <a:xfrm>
+              <a:off x="3266598" y="4568309"/>
+              <a:ext cx="240099" cy="54342"/>
             </a:xfrm>
             <a:prstGeom prst="rect">
               <a:avLst/>
@@ -4124,7 +4545,7 @@
             <p:cNvPr id="22" name="Прямоугольник 21">
               <a:extLst>
                 <a:ext uri="{FF2B5EF4-FFF2-40B4-BE49-F238E27FC236}">
-                  <a16:creationId xmlns:a16="http://schemas.microsoft.com/office/drawing/2014/main" id="{843D119C-32D8-4213-8C33-A0A56B3BB824}"/>
+                  <a16:creationId xmlns:a16="http://schemas.microsoft.com/office/drawing/2014/main" xmlns="" id="{843D119C-32D8-4213-8C33-A0A56B3BB824}"/>
                 </a:ext>
               </a:extLst>
             </p:cNvPr>
@@ -4133,8 +4554,8 @@
           </p:nvSpPr>
           <p:spPr>
             <a:xfrm>
-              <a:off x="4176523" y="3724180"/>
-              <a:ext cx="182880" cy="45719"/>
+              <a:off x="3020196" y="6074788"/>
+              <a:ext cx="120049" cy="30189"/>
             </a:xfrm>
             <a:prstGeom prst="rect">
               <a:avLst/>
@@ -4166,32 +4587,184 @@
           </p:txBody>
         </p:sp>
       </p:grpSp>
+      <p:cxnSp>
+        <p:nvCxnSpPr>
+          <p:cNvPr id="202" name="Прямая соединительная линия 201"/>
+          <p:cNvCxnSpPr/>
+          <p:nvPr/>
+        </p:nvCxnSpPr>
+        <p:spPr>
+          <a:xfrm flipV="1">
+            <a:off x="0" y="1614361"/>
+            <a:ext cx="12719760" cy="3310635"/>
+          </a:xfrm>
+          <a:prstGeom prst="line">
+            <a:avLst/>
+          </a:prstGeom>
+        </p:spPr>
+        <p:style>
+          <a:lnRef idx="1">
+            <a:schemeClr val="dk1"/>
+          </a:lnRef>
+          <a:fillRef idx="0">
+            <a:schemeClr val="dk1"/>
+          </a:fillRef>
+          <a:effectRef idx="0">
+            <a:schemeClr val="dk1"/>
+          </a:effectRef>
+          <a:fontRef idx="minor">
+            <a:schemeClr val="tx1"/>
+          </a:fontRef>
+        </p:style>
+      </p:cxnSp>
+      <p:cxnSp>
+        <p:nvCxnSpPr>
+          <p:cNvPr id="203" name="Прямая соединительная линия 202"/>
+          <p:cNvCxnSpPr/>
+          <p:nvPr/>
+        </p:nvCxnSpPr>
+        <p:spPr>
+          <a:xfrm flipV="1">
+            <a:off x="-56334" y="1378536"/>
+            <a:ext cx="12719760" cy="3310635"/>
+          </a:xfrm>
+          <a:prstGeom prst="line">
+            <a:avLst/>
+          </a:prstGeom>
+        </p:spPr>
+        <p:style>
+          <a:lnRef idx="1">
+            <a:schemeClr val="dk1"/>
+          </a:lnRef>
+          <a:fillRef idx="0">
+            <a:schemeClr val="dk1"/>
+          </a:fillRef>
+          <a:effectRef idx="0">
+            <a:schemeClr val="dk1"/>
+          </a:effectRef>
+          <a:fontRef idx="minor">
+            <a:schemeClr val="tx1"/>
+          </a:fontRef>
+        </p:style>
+      </p:cxnSp>
+      <p:cxnSp>
+        <p:nvCxnSpPr>
+          <p:cNvPr id="204" name="Прямая соединительная линия 203"/>
+          <p:cNvCxnSpPr/>
+          <p:nvPr/>
+        </p:nvCxnSpPr>
+        <p:spPr>
+          <a:xfrm flipV="1">
+            <a:off x="227212" y="2132513"/>
+            <a:ext cx="12719760" cy="3310635"/>
+          </a:xfrm>
+          <a:prstGeom prst="line">
+            <a:avLst/>
+          </a:prstGeom>
+        </p:spPr>
+        <p:style>
+          <a:lnRef idx="1">
+            <a:schemeClr val="dk1"/>
+          </a:lnRef>
+          <a:fillRef idx="0">
+            <a:schemeClr val="dk1"/>
+          </a:fillRef>
+          <a:effectRef idx="0">
+            <a:schemeClr val="dk1"/>
+          </a:effectRef>
+          <a:fontRef idx="minor">
+            <a:schemeClr val="tx1"/>
+          </a:fontRef>
+        </p:style>
+      </p:cxnSp>
+      <p:cxnSp>
+        <p:nvCxnSpPr>
+          <p:cNvPr id="205" name="Прямая соединительная линия 204"/>
+          <p:cNvCxnSpPr/>
+          <p:nvPr/>
+        </p:nvCxnSpPr>
+        <p:spPr>
+          <a:xfrm flipV="1">
+            <a:off x="557792" y="2319959"/>
+            <a:ext cx="12719760" cy="3310635"/>
+          </a:xfrm>
+          <a:prstGeom prst="line">
+            <a:avLst/>
+          </a:prstGeom>
+        </p:spPr>
+        <p:style>
+          <a:lnRef idx="1">
+            <a:schemeClr val="dk1"/>
+          </a:lnRef>
+          <a:fillRef idx="0">
+            <a:schemeClr val="dk1"/>
+          </a:fillRef>
+          <a:effectRef idx="0">
+            <a:schemeClr val="dk1"/>
+          </a:effectRef>
+          <a:fontRef idx="minor">
+            <a:schemeClr val="tx1"/>
+          </a:fontRef>
+        </p:style>
+      </p:cxnSp>
       <p:grpSp>
         <p:nvGrpSpPr>
-          <p:cNvPr id="134" name="Группа 133">
-            <a:extLst>
-              <a:ext uri="{FF2B5EF4-FFF2-40B4-BE49-F238E27FC236}">
-                <a16:creationId xmlns:a16="http://schemas.microsoft.com/office/drawing/2014/main" id="{25CF4AE3-3D90-48A0-A835-F528CDE6E9B9}"/>
-              </a:ext>
-            </a:extLst>
-          </p:cNvPr>
+          <p:cNvPr id="131" name="Группа 130"/>
           <p:cNvGrpSpPr/>
           <p:nvPr/>
         </p:nvGrpSpPr>
         <p:grpSpPr>
-          <a:xfrm rot="1331866">
-            <a:off x="4259614" y="712563"/>
-            <a:ext cx="5912739" cy="2358009"/>
-            <a:chOff x="5205598" y="861250"/>
-            <a:chExt cx="5912739" cy="2358009"/>
+          <a:xfrm rot="21418710" flipH="1">
+            <a:off x="3085344" y="2007387"/>
+            <a:ext cx="4350586" cy="1760007"/>
+            <a:chOff x="3621535" y="1763177"/>
+            <a:chExt cx="4161924" cy="1760007"/>
           </a:xfrm>
         </p:grpSpPr>
+        <p:sp>
+          <p:nvSpPr>
+            <p:cNvPr id="130" name="Прямоугольник 129"/>
+            <p:cNvSpPr/>
+            <p:nvPr/>
+          </p:nvSpPr>
+          <p:spPr>
+            <a:xfrm rot="600007">
+              <a:off x="3640433" y="2380149"/>
+              <a:ext cx="4086743" cy="704318"/>
+            </a:xfrm>
+            <a:prstGeom prst="rect">
+              <a:avLst/>
+            </a:prstGeom>
+          </p:spPr>
+          <p:style>
+            <a:lnRef idx="2">
+              <a:schemeClr val="accent5"/>
+            </a:lnRef>
+            <a:fillRef idx="1">
+              <a:schemeClr val="lt1"/>
+            </a:fillRef>
+            <a:effectRef idx="0">
+              <a:schemeClr val="accent5"/>
+            </a:effectRef>
+            <a:fontRef idx="minor">
+              <a:schemeClr val="dk1"/>
+            </a:fontRef>
+          </p:style>
+          <p:txBody>
+            <a:bodyPr rtlCol="0" anchor="ctr"/>
+            <a:lstStyle/>
+            <a:p>
+              <a:pPr algn="ctr"/>
+              <a:endParaRPr lang="en-US"/>
+            </a:p>
+          </p:txBody>
+        </p:sp>
         <p:grpSp>
           <p:nvGrpSpPr>
-            <p:cNvPr id="113" name="Группа 112">
+            <p:cNvPr id="134" name="Группа 133">
               <a:extLst>
                 <a:ext uri="{FF2B5EF4-FFF2-40B4-BE49-F238E27FC236}">
-                  <a16:creationId xmlns:a16="http://schemas.microsoft.com/office/drawing/2014/main" id="{5B01A56D-7752-402F-8B3E-9951E878A38D}"/>
+                  <a16:creationId xmlns:a16="http://schemas.microsoft.com/office/drawing/2014/main" xmlns="" id="{25CF4AE3-3D90-48A0-A835-F528CDE6E9B9}"/>
                 </a:ext>
               </a:extLst>
             </p:cNvPr>
@@ -4200,23 +4773,1561 @@
           </p:nvGrpSpPr>
           <p:grpSpPr>
             <a:xfrm>
-              <a:off x="5205598" y="861250"/>
-              <a:ext cx="5912739" cy="2358009"/>
-              <a:chOff x="6108193" y="891540"/>
+              <a:off x="3621535" y="1763177"/>
+              <a:ext cx="4161924" cy="1760007"/>
+              <a:chOff x="5205598" y="861250"/>
               <a:chExt cx="5912739" cy="2358009"/>
             </a:xfrm>
             <a:solidFill>
-              <a:schemeClr val="accent2">
-                <a:lumMod val="75000"/>
-              </a:schemeClr>
+              <a:schemeClr val="accent3"/>
             </a:solidFill>
+          </p:grpSpPr>
+          <p:grpSp>
+            <p:nvGrpSpPr>
+              <p:cNvPr id="113" name="Группа 112">
+                <a:extLst>
+                  <a:ext uri="{FF2B5EF4-FFF2-40B4-BE49-F238E27FC236}">
+                    <a16:creationId xmlns:a16="http://schemas.microsoft.com/office/drawing/2014/main" xmlns="" id="{5B01A56D-7752-402F-8B3E-9951E878A38D}"/>
+                  </a:ext>
+                </a:extLst>
+              </p:cNvPr>
+              <p:cNvGrpSpPr/>
+              <p:nvPr/>
+            </p:nvGrpSpPr>
+            <p:grpSpPr>
+              <a:xfrm>
+                <a:off x="5205598" y="861250"/>
+                <a:ext cx="5912739" cy="2358009"/>
+                <a:chOff x="6108193" y="891540"/>
+                <a:chExt cx="5912739" cy="2358009"/>
+              </a:xfrm>
+              <a:grpFill/>
+            </p:grpSpPr>
+            <p:cxnSp>
+              <p:nvCxnSpPr>
+                <p:cNvPr id="24" name="Прямая соединительная линия 23">
+                  <a:extLst>
+                    <a:ext uri="{FF2B5EF4-FFF2-40B4-BE49-F238E27FC236}">
+                      <a16:creationId xmlns:a16="http://schemas.microsoft.com/office/drawing/2014/main" xmlns="" id="{F9B0BCA2-5E15-4B46-9C80-4710339C2C90}"/>
+                    </a:ext>
+                  </a:extLst>
+                </p:cNvPr>
+                <p:cNvCxnSpPr/>
+                <p:nvPr/>
+              </p:nvCxnSpPr>
+              <p:spPr>
+                <a:xfrm>
+                  <a:off x="6281928" y="1307592"/>
+                  <a:ext cx="4654296" cy="685800"/>
+                </a:xfrm>
+                <a:prstGeom prst="line">
+                  <a:avLst/>
+                </a:prstGeom>
+                <a:grpFill/>
+              </p:spPr>
+              <p:style>
+                <a:lnRef idx="1">
+                  <a:schemeClr val="accent1"/>
+                </a:lnRef>
+                <a:fillRef idx="0">
+                  <a:schemeClr val="accent1"/>
+                </a:fillRef>
+                <a:effectRef idx="0">
+                  <a:schemeClr val="accent1"/>
+                </a:effectRef>
+                <a:fontRef idx="minor">
+                  <a:schemeClr val="tx1"/>
+                </a:fontRef>
+              </p:style>
+            </p:cxnSp>
+            <p:cxnSp>
+              <p:nvCxnSpPr>
+                <p:cNvPr id="26" name="Прямая соединительная линия 25">
+                  <a:extLst>
+                    <a:ext uri="{FF2B5EF4-FFF2-40B4-BE49-F238E27FC236}">
+                      <a16:creationId xmlns:a16="http://schemas.microsoft.com/office/drawing/2014/main" xmlns="" id="{E39E0D42-9054-443B-AAA0-816C0E5DE190}"/>
+                    </a:ext>
+                  </a:extLst>
+                </p:cNvPr>
+                <p:cNvCxnSpPr>
+                  <a:cxnSpLocks/>
+                </p:cNvCxnSpPr>
+                <p:nvPr/>
+              </p:nvCxnSpPr>
+              <p:spPr>
+                <a:xfrm>
+                  <a:off x="10936224" y="1993392"/>
+                  <a:ext cx="192023" cy="821817"/>
+                </a:xfrm>
+                <a:prstGeom prst="line">
+                  <a:avLst/>
+                </a:prstGeom>
+                <a:grpFill/>
+              </p:spPr>
+              <p:style>
+                <a:lnRef idx="1">
+                  <a:schemeClr val="accent1"/>
+                </a:lnRef>
+                <a:fillRef idx="0">
+                  <a:schemeClr val="accent1"/>
+                </a:fillRef>
+                <a:effectRef idx="0">
+                  <a:schemeClr val="accent1"/>
+                </a:effectRef>
+                <a:fontRef idx="minor">
+                  <a:schemeClr val="tx1"/>
+                </a:fontRef>
+              </p:style>
+            </p:cxnSp>
+            <p:cxnSp>
+              <p:nvCxnSpPr>
+                <p:cNvPr id="27" name="Прямая соединительная линия 26">
+                  <a:extLst>
+                    <a:ext uri="{FF2B5EF4-FFF2-40B4-BE49-F238E27FC236}">
+                      <a16:creationId xmlns:a16="http://schemas.microsoft.com/office/drawing/2014/main" xmlns="" id="{8CF23C41-AAD5-498C-9B70-0E92FB8EA01E}"/>
+                    </a:ext>
+                  </a:extLst>
+                </p:cNvPr>
+                <p:cNvCxnSpPr>
+                  <a:cxnSpLocks/>
+                </p:cNvCxnSpPr>
+                <p:nvPr/>
+              </p:nvCxnSpPr>
+              <p:spPr>
+                <a:xfrm flipH="1">
+                  <a:off x="6123432" y="1307592"/>
+                  <a:ext cx="161544" cy="808674"/>
+                </a:xfrm>
+                <a:prstGeom prst="line">
+                  <a:avLst/>
+                </a:prstGeom>
+                <a:grpFill/>
+              </p:spPr>
+              <p:style>
+                <a:lnRef idx="1">
+                  <a:schemeClr val="accent1"/>
+                </a:lnRef>
+                <a:fillRef idx="0">
+                  <a:schemeClr val="accent1"/>
+                </a:fillRef>
+                <a:effectRef idx="0">
+                  <a:schemeClr val="accent1"/>
+                </a:effectRef>
+                <a:fontRef idx="minor">
+                  <a:schemeClr val="tx1"/>
+                </a:fontRef>
+              </p:style>
+            </p:cxnSp>
+            <p:cxnSp>
+              <p:nvCxnSpPr>
+                <p:cNvPr id="28" name="Прямая соединительная линия 27">
+                  <a:extLst>
+                    <a:ext uri="{FF2B5EF4-FFF2-40B4-BE49-F238E27FC236}">
+                      <a16:creationId xmlns:a16="http://schemas.microsoft.com/office/drawing/2014/main" xmlns="" id="{BC50DB46-AD18-4356-89F7-EE6D1816EA48}"/>
+                    </a:ext>
+                  </a:extLst>
+                </p:cNvPr>
+                <p:cNvCxnSpPr/>
+                <p:nvPr/>
+              </p:nvCxnSpPr>
+              <p:spPr>
+                <a:xfrm>
+                  <a:off x="7232904" y="891540"/>
+                  <a:ext cx="4654296" cy="685800"/>
+                </a:xfrm>
+                <a:prstGeom prst="line">
+                  <a:avLst/>
+                </a:prstGeom>
+                <a:grpFill/>
+              </p:spPr>
+              <p:style>
+                <a:lnRef idx="1">
+                  <a:schemeClr val="accent1"/>
+                </a:lnRef>
+                <a:fillRef idx="0">
+                  <a:schemeClr val="accent1"/>
+                </a:fillRef>
+                <a:effectRef idx="0">
+                  <a:schemeClr val="accent1"/>
+                </a:effectRef>
+                <a:fontRef idx="minor">
+                  <a:schemeClr val="tx1"/>
+                </a:fontRef>
+              </p:style>
+            </p:cxnSp>
+            <p:cxnSp>
+              <p:nvCxnSpPr>
+                <p:cNvPr id="30" name="Прямая соединительная линия 29">
+                  <a:extLst>
+                    <a:ext uri="{FF2B5EF4-FFF2-40B4-BE49-F238E27FC236}">
+                      <a16:creationId xmlns:a16="http://schemas.microsoft.com/office/drawing/2014/main" xmlns="" id="{B296F261-C69E-457B-BF33-677A604E92A6}"/>
+                    </a:ext>
+                  </a:extLst>
+                </p:cNvPr>
+                <p:cNvCxnSpPr/>
+                <p:nvPr/>
+              </p:nvCxnSpPr>
+              <p:spPr>
+                <a:xfrm flipH="1">
+                  <a:off x="6281927" y="891540"/>
+                  <a:ext cx="950977" cy="416052"/>
+                </a:xfrm>
+                <a:prstGeom prst="line">
+                  <a:avLst/>
+                </a:prstGeom>
+                <a:grpFill/>
+              </p:spPr>
+              <p:style>
+                <a:lnRef idx="1">
+                  <a:schemeClr val="accent1"/>
+                </a:lnRef>
+                <a:fillRef idx="0">
+                  <a:schemeClr val="accent1"/>
+                </a:fillRef>
+                <a:effectRef idx="0">
+                  <a:schemeClr val="accent1"/>
+                </a:effectRef>
+                <a:fontRef idx="minor">
+                  <a:schemeClr val="tx1"/>
+                </a:fontRef>
+              </p:style>
+            </p:cxnSp>
+            <p:cxnSp>
+              <p:nvCxnSpPr>
+                <p:cNvPr id="32" name="Прямая соединительная линия 31">
+                  <a:extLst>
+                    <a:ext uri="{FF2B5EF4-FFF2-40B4-BE49-F238E27FC236}">
+                      <a16:creationId xmlns:a16="http://schemas.microsoft.com/office/drawing/2014/main" xmlns="" id="{003806D0-851F-4A21-BD61-377DEED466AD}"/>
+                    </a:ext>
+                  </a:extLst>
+                </p:cNvPr>
+                <p:cNvCxnSpPr/>
+                <p:nvPr/>
+              </p:nvCxnSpPr>
+              <p:spPr>
+                <a:xfrm flipH="1">
+                  <a:off x="10936224" y="1618488"/>
+                  <a:ext cx="950976" cy="374904"/>
+                </a:xfrm>
+                <a:prstGeom prst="line">
+                  <a:avLst/>
+                </a:prstGeom>
+                <a:grpFill/>
+              </p:spPr>
+              <p:style>
+                <a:lnRef idx="1">
+                  <a:schemeClr val="accent1"/>
+                </a:lnRef>
+                <a:fillRef idx="0">
+                  <a:schemeClr val="accent1"/>
+                </a:fillRef>
+                <a:effectRef idx="0">
+                  <a:schemeClr val="accent1"/>
+                </a:effectRef>
+                <a:fontRef idx="minor">
+                  <a:schemeClr val="tx1"/>
+                </a:fontRef>
+              </p:style>
+            </p:cxnSp>
+            <p:cxnSp>
+              <p:nvCxnSpPr>
+                <p:cNvPr id="34" name="Прямая соединительная линия 33">
+                  <a:extLst>
+                    <a:ext uri="{FF2B5EF4-FFF2-40B4-BE49-F238E27FC236}">
+                      <a16:creationId xmlns:a16="http://schemas.microsoft.com/office/drawing/2014/main" xmlns="" id="{A5BC04CF-421C-4FDE-BAA4-39065FD4D27C}"/>
+                    </a:ext>
+                  </a:extLst>
+                </p:cNvPr>
+                <p:cNvCxnSpPr>
+                  <a:cxnSpLocks/>
+                </p:cNvCxnSpPr>
+                <p:nvPr/>
+              </p:nvCxnSpPr>
+              <p:spPr>
+                <a:xfrm flipV="1">
+                  <a:off x="10963655" y="2851498"/>
+                  <a:ext cx="978404" cy="260604"/>
+                </a:xfrm>
+                <a:prstGeom prst="line">
+                  <a:avLst/>
+                </a:prstGeom>
+                <a:grpFill/>
+              </p:spPr>
+              <p:style>
+                <a:lnRef idx="1">
+                  <a:schemeClr val="accent1"/>
+                </a:lnRef>
+                <a:fillRef idx="0">
+                  <a:schemeClr val="accent1"/>
+                </a:fillRef>
+                <a:effectRef idx="0">
+                  <a:schemeClr val="accent1"/>
+                </a:effectRef>
+                <a:fontRef idx="minor">
+                  <a:schemeClr val="tx1"/>
+                </a:fontRef>
+              </p:style>
+            </p:cxnSp>
+            <p:cxnSp>
+              <p:nvCxnSpPr>
+                <p:cNvPr id="36" name="Прямая соединительная линия 35">
+                  <a:extLst>
+                    <a:ext uri="{FF2B5EF4-FFF2-40B4-BE49-F238E27FC236}">
+                      <a16:creationId xmlns:a16="http://schemas.microsoft.com/office/drawing/2014/main" xmlns="" id="{3757A960-585D-4B3A-B19F-CF827BCC3392}"/>
+                    </a:ext>
+                  </a:extLst>
+                </p:cNvPr>
+                <p:cNvCxnSpPr>
+                  <a:cxnSpLocks/>
+                </p:cNvCxnSpPr>
+                <p:nvPr/>
+              </p:nvCxnSpPr>
+              <p:spPr>
+                <a:xfrm>
+                  <a:off x="11887200" y="1613916"/>
+                  <a:ext cx="109728" cy="905256"/>
+                </a:xfrm>
+                <a:prstGeom prst="line">
+                  <a:avLst/>
+                </a:prstGeom>
+                <a:grpFill/>
+              </p:spPr>
+              <p:style>
+                <a:lnRef idx="1">
+                  <a:schemeClr val="accent1"/>
+                </a:lnRef>
+                <a:fillRef idx="0">
+                  <a:schemeClr val="accent1"/>
+                </a:fillRef>
+                <a:effectRef idx="0">
+                  <a:schemeClr val="accent1"/>
+                </a:effectRef>
+                <a:fontRef idx="minor">
+                  <a:schemeClr val="tx1"/>
+                </a:fontRef>
+              </p:style>
+            </p:cxnSp>
+            <p:cxnSp>
+              <p:nvCxnSpPr>
+                <p:cNvPr id="38" name="Прямая соединительная линия 37">
+                  <a:extLst>
+                    <a:ext uri="{FF2B5EF4-FFF2-40B4-BE49-F238E27FC236}">
+                      <a16:creationId xmlns:a16="http://schemas.microsoft.com/office/drawing/2014/main" xmlns="" id="{E8F7B010-2765-4306-9BDF-872E5F5E9DE6}"/>
+                    </a:ext>
+                  </a:extLst>
+                </p:cNvPr>
+                <p:cNvCxnSpPr>
+                  <a:cxnSpLocks/>
+                </p:cNvCxnSpPr>
+                <p:nvPr/>
+              </p:nvCxnSpPr>
+              <p:spPr>
+                <a:xfrm>
+                  <a:off x="6238494" y="2544603"/>
+                  <a:ext cx="4670299" cy="698945"/>
+                </a:xfrm>
+                <a:prstGeom prst="line">
+                  <a:avLst/>
+                </a:prstGeom>
+                <a:grpFill/>
+              </p:spPr>
+              <p:style>
+                <a:lnRef idx="1">
+                  <a:schemeClr val="accent1"/>
+                </a:lnRef>
+                <a:fillRef idx="0">
+                  <a:schemeClr val="accent1"/>
+                </a:fillRef>
+                <a:effectRef idx="0">
+                  <a:schemeClr val="accent1"/>
+                </a:effectRef>
+                <a:fontRef idx="minor">
+                  <a:schemeClr val="tx1"/>
+                </a:fontRef>
+              </p:style>
+            </p:cxnSp>
+            <p:cxnSp>
+              <p:nvCxnSpPr>
+                <p:cNvPr id="49" name="Прямая соединительная линия 48">
+                  <a:extLst>
+                    <a:ext uri="{FF2B5EF4-FFF2-40B4-BE49-F238E27FC236}">
+                      <a16:creationId xmlns:a16="http://schemas.microsoft.com/office/drawing/2014/main" xmlns="" id="{63136142-1BDB-400D-84FE-7C4677B9BDC9}"/>
+                    </a:ext>
+                  </a:extLst>
+                </p:cNvPr>
+                <p:cNvCxnSpPr/>
+                <p:nvPr/>
+              </p:nvCxnSpPr>
+              <p:spPr>
+                <a:xfrm>
+                  <a:off x="6409944" y="1499616"/>
+                  <a:ext cx="4334256" cy="658368"/>
+                </a:xfrm>
+                <a:prstGeom prst="line">
+                  <a:avLst/>
+                </a:prstGeom>
+                <a:grpFill/>
+              </p:spPr>
+              <p:style>
+                <a:lnRef idx="1">
+                  <a:schemeClr val="accent1"/>
+                </a:lnRef>
+                <a:fillRef idx="0">
+                  <a:schemeClr val="accent1"/>
+                </a:fillRef>
+                <a:effectRef idx="0">
+                  <a:schemeClr val="accent1"/>
+                </a:effectRef>
+                <a:fontRef idx="minor">
+                  <a:schemeClr val="tx1"/>
+                </a:fontRef>
+              </p:style>
+            </p:cxnSp>
+            <p:cxnSp>
+              <p:nvCxnSpPr>
+                <p:cNvPr id="51" name="Прямая соединительная линия 50">
+                  <a:extLst>
+                    <a:ext uri="{FF2B5EF4-FFF2-40B4-BE49-F238E27FC236}">
+                      <a16:creationId xmlns:a16="http://schemas.microsoft.com/office/drawing/2014/main" xmlns="" id="{B779DC01-A682-4DBE-BC3C-6127DFDDB73E}"/>
+                    </a:ext>
+                  </a:extLst>
+                </p:cNvPr>
+                <p:cNvCxnSpPr/>
+                <p:nvPr/>
+              </p:nvCxnSpPr>
+              <p:spPr>
+                <a:xfrm>
+                  <a:off x="6417564" y="1536192"/>
+                  <a:ext cx="0" cy="457200"/>
+                </a:xfrm>
+                <a:prstGeom prst="line">
+                  <a:avLst/>
+                </a:prstGeom>
+                <a:grpFill/>
+              </p:spPr>
+              <p:style>
+                <a:lnRef idx="1">
+                  <a:schemeClr val="accent1"/>
+                </a:lnRef>
+                <a:fillRef idx="0">
+                  <a:schemeClr val="accent1"/>
+                </a:fillRef>
+                <a:effectRef idx="0">
+                  <a:schemeClr val="accent1"/>
+                </a:effectRef>
+                <a:fontRef idx="minor">
+                  <a:schemeClr val="tx1"/>
+                </a:fontRef>
+              </p:style>
+            </p:cxnSp>
+            <p:cxnSp>
+              <p:nvCxnSpPr>
+                <p:cNvPr id="52" name="Прямая соединительная линия 51">
+                  <a:extLst>
+                    <a:ext uri="{FF2B5EF4-FFF2-40B4-BE49-F238E27FC236}">
+                      <a16:creationId xmlns:a16="http://schemas.microsoft.com/office/drawing/2014/main" xmlns="" id="{C8181A82-133A-44DA-AB4B-5FFA0E17410D}"/>
+                    </a:ext>
+                  </a:extLst>
+                </p:cNvPr>
+                <p:cNvCxnSpPr>
+                  <a:cxnSpLocks/>
+                </p:cNvCxnSpPr>
+                <p:nvPr/>
+              </p:nvCxnSpPr>
+              <p:spPr>
+                <a:xfrm>
+                  <a:off x="10724388" y="2157984"/>
+                  <a:ext cx="0" cy="530352"/>
+                </a:xfrm>
+                <a:prstGeom prst="line">
+                  <a:avLst/>
+                </a:prstGeom>
+                <a:grpFill/>
+              </p:spPr>
+              <p:style>
+                <a:lnRef idx="1">
+                  <a:schemeClr val="accent1"/>
+                </a:lnRef>
+                <a:fillRef idx="0">
+                  <a:schemeClr val="accent1"/>
+                </a:fillRef>
+                <a:effectRef idx="0">
+                  <a:schemeClr val="accent1"/>
+                </a:effectRef>
+                <a:fontRef idx="minor">
+                  <a:schemeClr val="tx1"/>
+                </a:fontRef>
+              </p:style>
+            </p:cxnSp>
+            <p:cxnSp>
+              <p:nvCxnSpPr>
+                <p:cNvPr id="53" name="Прямая соединительная линия 52">
+                  <a:extLst>
+                    <a:ext uri="{FF2B5EF4-FFF2-40B4-BE49-F238E27FC236}">
+                      <a16:creationId xmlns:a16="http://schemas.microsoft.com/office/drawing/2014/main" xmlns="" id="{0205D16F-C7EE-4A74-B43D-3CFE111CAF6D}"/>
+                    </a:ext>
+                  </a:extLst>
+                </p:cNvPr>
+                <p:cNvCxnSpPr/>
+                <p:nvPr/>
+              </p:nvCxnSpPr>
+              <p:spPr>
+                <a:xfrm>
+                  <a:off x="6409943" y="2029968"/>
+                  <a:ext cx="4334256" cy="658368"/>
+                </a:xfrm>
+                <a:prstGeom prst="line">
+                  <a:avLst/>
+                </a:prstGeom>
+                <a:grpFill/>
+              </p:spPr>
+              <p:style>
+                <a:lnRef idx="1">
+                  <a:schemeClr val="accent1"/>
+                </a:lnRef>
+                <a:fillRef idx="0">
+                  <a:schemeClr val="accent1"/>
+                </a:fillRef>
+                <a:effectRef idx="0">
+                  <a:schemeClr val="accent1"/>
+                </a:effectRef>
+                <a:fontRef idx="minor">
+                  <a:schemeClr val="tx1"/>
+                </a:fontRef>
+              </p:style>
+            </p:cxnSp>
+            <p:cxnSp>
+              <p:nvCxnSpPr>
+                <p:cNvPr id="55" name="Прямая соединительная линия 54">
+                  <a:extLst>
+                    <a:ext uri="{FF2B5EF4-FFF2-40B4-BE49-F238E27FC236}">
+                      <a16:creationId xmlns:a16="http://schemas.microsoft.com/office/drawing/2014/main" xmlns="" id="{9A5E36CD-0B9B-4458-9A81-2C3D0AF6A9C9}"/>
+                    </a:ext>
+                  </a:extLst>
+                </p:cNvPr>
+                <p:cNvCxnSpPr>
+                  <a:cxnSpLocks/>
+                </p:cNvCxnSpPr>
+                <p:nvPr/>
+              </p:nvCxnSpPr>
+              <p:spPr>
+                <a:xfrm>
+                  <a:off x="11201400" y="2177415"/>
+                  <a:ext cx="0" cy="491490"/>
+                </a:xfrm>
+                <a:prstGeom prst="line">
+                  <a:avLst/>
+                </a:prstGeom>
+                <a:grpFill/>
+              </p:spPr>
+              <p:style>
+                <a:lnRef idx="1">
+                  <a:schemeClr val="accent1"/>
+                </a:lnRef>
+                <a:fillRef idx="0">
+                  <a:schemeClr val="accent1"/>
+                </a:fillRef>
+                <a:effectRef idx="0">
+                  <a:schemeClr val="accent1"/>
+                </a:effectRef>
+                <a:fontRef idx="minor">
+                  <a:schemeClr val="tx1"/>
+                </a:fontRef>
+              </p:style>
+            </p:cxnSp>
+            <p:cxnSp>
+              <p:nvCxnSpPr>
+                <p:cNvPr id="58" name="Прямая соединительная линия 57">
+                  <a:extLst>
+                    <a:ext uri="{FF2B5EF4-FFF2-40B4-BE49-F238E27FC236}">
+                      <a16:creationId xmlns:a16="http://schemas.microsoft.com/office/drawing/2014/main" xmlns="" id="{DBC789C8-99F6-4BEF-B87B-994C194E7069}"/>
+                    </a:ext>
+                  </a:extLst>
+                </p:cNvPr>
+                <p:cNvCxnSpPr/>
+                <p:nvPr/>
+              </p:nvCxnSpPr>
+              <p:spPr>
+                <a:xfrm flipV="1">
+                  <a:off x="11210544" y="1955102"/>
+                  <a:ext cx="630936" cy="203454"/>
+                </a:xfrm>
+                <a:prstGeom prst="line">
+                  <a:avLst/>
+                </a:prstGeom>
+                <a:grpFill/>
+              </p:spPr>
+              <p:style>
+                <a:lnRef idx="1">
+                  <a:schemeClr val="accent1"/>
+                </a:lnRef>
+                <a:fillRef idx="0">
+                  <a:schemeClr val="accent1"/>
+                </a:fillRef>
+                <a:effectRef idx="0">
+                  <a:schemeClr val="accent1"/>
+                </a:effectRef>
+                <a:fontRef idx="minor">
+                  <a:schemeClr val="tx1"/>
+                </a:fontRef>
+              </p:style>
+            </p:cxnSp>
+            <p:cxnSp>
+              <p:nvCxnSpPr>
+                <p:cNvPr id="60" name="Прямая соединительная линия 59">
+                  <a:extLst>
+                    <a:ext uri="{FF2B5EF4-FFF2-40B4-BE49-F238E27FC236}">
+                      <a16:creationId xmlns:a16="http://schemas.microsoft.com/office/drawing/2014/main" xmlns="" id="{7AE2661B-0639-4C4B-A1DC-40C0B7B25441}"/>
+                    </a:ext>
+                  </a:extLst>
+                </p:cNvPr>
+                <p:cNvCxnSpPr/>
+                <p:nvPr/>
+              </p:nvCxnSpPr>
+              <p:spPr>
+                <a:xfrm>
+                  <a:off x="11823193" y="2011680"/>
+                  <a:ext cx="0" cy="472059"/>
+                </a:xfrm>
+                <a:prstGeom prst="line">
+                  <a:avLst/>
+                </a:prstGeom>
+                <a:grpFill/>
+              </p:spPr>
+              <p:style>
+                <a:lnRef idx="1">
+                  <a:schemeClr val="accent1"/>
+                </a:lnRef>
+                <a:fillRef idx="0">
+                  <a:schemeClr val="accent1"/>
+                </a:fillRef>
+                <a:effectRef idx="0">
+                  <a:schemeClr val="accent1"/>
+                </a:effectRef>
+                <a:fontRef idx="minor">
+                  <a:schemeClr val="tx1"/>
+                </a:fontRef>
+              </p:style>
+            </p:cxnSp>
+            <p:cxnSp>
+              <p:nvCxnSpPr>
+                <p:cNvPr id="62" name="Прямая соединительная линия 61">
+                  <a:extLst>
+                    <a:ext uri="{FF2B5EF4-FFF2-40B4-BE49-F238E27FC236}">
+                      <a16:creationId xmlns:a16="http://schemas.microsoft.com/office/drawing/2014/main" xmlns="" id="{2E57C7C1-D0DD-4151-BBC1-33CE5C8083E2}"/>
+                    </a:ext>
+                  </a:extLst>
+                </p:cNvPr>
+                <p:cNvCxnSpPr>
+                  <a:cxnSpLocks/>
+                </p:cNvCxnSpPr>
+                <p:nvPr/>
+              </p:nvCxnSpPr>
+              <p:spPr>
+                <a:xfrm flipH="1">
+                  <a:off x="11192257" y="2480882"/>
+                  <a:ext cx="649223" cy="188595"/>
+                </a:xfrm>
+                <a:prstGeom prst="line">
+                  <a:avLst/>
+                </a:prstGeom>
+                <a:grpFill/>
+              </p:spPr>
+              <p:style>
+                <a:lnRef idx="1">
+                  <a:schemeClr val="accent1"/>
+                </a:lnRef>
+                <a:fillRef idx="0">
+                  <a:schemeClr val="accent1"/>
+                </a:fillRef>
+                <a:effectRef idx="0">
+                  <a:schemeClr val="accent1"/>
+                </a:effectRef>
+                <a:fontRef idx="minor">
+                  <a:schemeClr val="tx1"/>
+                </a:fontRef>
+              </p:style>
+            </p:cxnSp>
+            <p:cxnSp>
+              <p:nvCxnSpPr>
+                <p:cNvPr id="68" name="Прямая соединительная линия 67">
+                  <a:extLst>
+                    <a:ext uri="{FF2B5EF4-FFF2-40B4-BE49-F238E27FC236}">
+                      <a16:creationId xmlns:a16="http://schemas.microsoft.com/office/drawing/2014/main" xmlns="" id="{CA80CFD9-CAAC-4257-9CEE-23F12799A9F7}"/>
+                    </a:ext>
+                  </a:extLst>
+                </p:cNvPr>
+                <p:cNvCxnSpPr>
+                  <a:cxnSpLocks/>
+                </p:cNvCxnSpPr>
+                <p:nvPr/>
+              </p:nvCxnSpPr>
+              <p:spPr>
+                <a:xfrm>
+                  <a:off x="7315200" y="1650492"/>
+                  <a:ext cx="0" cy="507492"/>
+                </a:xfrm>
+                <a:prstGeom prst="line">
+                  <a:avLst/>
+                </a:prstGeom>
+                <a:grpFill/>
+              </p:spPr>
+              <p:style>
+                <a:lnRef idx="1">
+                  <a:schemeClr val="accent1"/>
+                </a:lnRef>
+                <a:fillRef idx="0">
+                  <a:schemeClr val="accent1"/>
+                </a:fillRef>
+                <a:effectRef idx="0">
+                  <a:schemeClr val="accent1"/>
+                </a:effectRef>
+                <a:fontRef idx="minor">
+                  <a:schemeClr val="tx1"/>
+                </a:fontRef>
+              </p:style>
+            </p:cxnSp>
+            <p:cxnSp>
+              <p:nvCxnSpPr>
+                <p:cNvPr id="70" name="Прямая соединительная линия 69">
+                  <a:extLst>
+                    <a:ext uri="{FF2B5EF4-FFF2-40B4-BE49-F238E27FC236}">
+                      <a16:creationId xmlns:a16="http://schemas.microsoft.com/office/drawing/2014/main" xmlns="" id="{AAB8BA9B-6ADF-400D-A99E-7A28437A1E18}"/>
+                    </a:ext>
+                  </a:extLst>
+                </p:cNvPr>
+                <p:cNvCxnSpPr>
+                  <a:cxnSpLocks/>
+                </p:cNvCxnSpPr>
+                <p:nvPr/>
+              </p:nvCxnSpPr>
+              <p:spPr>
+                <a:xfrm>
+                  <a:off x="8439912" y="1828800"/>
+                  <a:ext cx="0" cy="507492"/>
+                </a:xfrm>
+                <a:prstGeom prst="line">
+                  <a:avLst/>
+                </a:prstGeom>
+                <a:grpFill/>
+              </p:spPr>
+              <p:style>
+                <a:lnRef idx="1">
+                  <a:schemeClr val="accent1"/>
+                </a:lnRef>
+                <a:fillRef idx="0">
+                  <a:schemeClr val="accent1"/>
+                </a:fillRef>
+                <a:effectRef idx="0">
+                  <a:schemeClr val="accent1"/>
+                </a:effectRef>
+                <a:fontRef idx="minor">
+                  <a:schemeClr val="tx1"/>
+                </a:fontRef>
+              </p:style>
+            </p:cxnSp>
+            <p:cxnSp>
+              <p:nvCxnSpPr>
+                <p:cNvPr id="71" name="Прямая соединительная линия 70">
+                  <a:extLst>
+                    <a:ext uri="{FF2B5EF4-FFF2-40B4-BE49-F238E27FC236}">
+                      <a16:creationId xmlns:a16="http://schemas.microsoft.com/office/drawing/2014/main" xmlns="" id="{D8E602A3-D07D-4A08-B429-03319D86027B}"/>
+                    </a:ext>
+                  </a:extLst>
+                </p:cNvPr>
+                <p:cNvCxnSpPr>
+                  <a:cxnSpLocks/>
+                </p:cNvCxnSpPr>
+                <p:nvPr/>
+              </p:nvCxnSpPr>
+              <p:spPr>
+                <a:xfrm>
+                  <a:off x="9560052" y="1988820"/>
+                  <a:ext cx="0" cy="507492"/>
+                </a:xfrm>
+                <a:prstGeom prst="line">
+                  <a:avLst/>
+                </a:prstGeom>
+                <a:grpFill/>
+              </p:spPr>
+              <p:style>
+                <a:lnRef idx="1">
+                  <a:schemeClr val="accent1"/>
+                </a:lnRef>
+                <a:fillRef idx="0">
+                  <a:schemeClr val="accent1"/>
+                </a:fillRef>
+                <a:effectRef idx="0">
+                  <a:schemeClr val="accent1"/>
+                </a:effectRef>
+                <a:fontRef idx="minor">
+                  <a:schemeClr val="tx1"/>
+                </a:fontRef>
+              </p:style>
+            </p:cxnSp>
+            <p:cxnSp>
+              <p:nvCxnSpPr>
+                <p:cNvPr id="76" name="Прямая соединительная линия 75">
+                  <a:extLst>
+                    <a:ext uri="{FF2B5EF4-FFF2-40B4-BE49-F238E27FC236}">
+                      <a16:creationId xmlns:a16="http://schemas.microsoft.com/office/drawing/2014/main" xmlns="" id="{11778A0C-4D9A-414F-AD5E-99CD04BBBBCD}"/>
+                    </a:ext>
+                  </a:extLst>
+                </p:cNvPr>
+                <p:cNvCxnSpPr>
+                  <a:cxnSpLocks/>
+                </p:cNvCxnSpPr>
+                <p:nvPr/>
+              </p:nvCxnSpPr>
+              <p:spPr>
+                <a:xfrm>
+                  <a:off x="6108193" y="2123264"/>
+                  <a:ext cx="5009387" cy="784528"/>
+                </a:xfrm>
+                <a:prstGeom prst="line">
+                  <a:avLst/>
+                </a:prstGeom>
+                <a:grpFill/>
+              </p:spPr>
+              <p:style>
+                <a:lnRef idx="1">
+                  <a:schemeClr val="accent1"/>
+                </a:lnRef>
+                <a:fillRef idx="0">
+                  <a:schemeClr val="accent1"/>
+                </a:fillRef>
+                <a:effectRef idx="0">
+                  <a:schemeClr val="accent1"/>
+                </a:effectRef>
+                <a:fontRef idx="minor">
+                  <a:schemeClr val="tx1"/>
+                </a:fontRef>
+              </p:style>
+            </p:cxnSp>
+            <p:cxnSp>
+              <p:nvCxnSpPr>
+                <p:cNvPr id="78" name="Прямая соединительная линия 77">
+                  <a:extLst>
+                    <a:ext uri="{FF2B5EF4-FFF2-40B4-BE49-F238E27FC236}">
+                      <a16:creationId xmlns:a16="http://schemas.microsoft.com/office/drawing/2014/main" xmlns="" id="{BCD330A8-15FA-4D40-9622-C31F49CF14F0}"/>
+                    </a:ext>
+                  </a:extLst>
+                </p:cNvPr>
+                <p:cNvCxnSpPr>
+                  <a:cxnSpLocks/>
+                </p:cNvCxnSpPr>
+                <p:nvPr/>
+              </p:nvCxnSpPr>
+              <p:spPr>
+                <a:xfrm>
+                  <a:off x="6183634" y="2366295"/>
+                  <a:ext cx="4770878" cy="734664"/>
+                </a:xfrm>
+                <a:prstGeom prst="line">
+                  <a:avLst/>
+                </a:prstGeom>
+                <a:grpFill/>
+              </p:spPr>
+              <p:style>
+                <a:lnRef idx="1">
+                  <a:schemeClr val="accent1"/>
+                </a:lnRef>
+                <a:fillRef idx="0">
+                  <a:schemeClr val="accent1"/>
+                </a:fillRef>
+                <a:effectRef idx="0">
+                  <a:schemeClr val="accent1"/>
+                </a:effectRef>
+                <a:fontRef idx="minor">
+                  <a:schemeClr val="tx1"/>
+                </a:fontRef>
+              </p:style>
+            </p:cxnSp>
+            <p:cxnSp>
+              <p:nvCxnSpPr>
+                <p:cNvPr id="81" name="Прямая соединительная линия 80">
+                  <a:extLst>
+                    <a:ext uri="{FF2B5EF4-FFF2-40B4-BE49-F238E27FC236}">
+                      <a16:creationId xmlns:a16="http://schemas.microsoft.com/office/drawing/2014/main" xmlns="" id="{86AF66DF-DF81-4F6C-8695-583839875585}"/>
+                    </a:ext>
+                  </a:extLst>
+                </p:cNvPr>
+                <p:cNvCxnSpPr>
+                  <a:cxnSpLocks/>
+                </p:cNvCxnSpPr>
+                <p:nvPr/>
+              </p:nvCxnSpPr>
+              <p:spPr>
+                <a:xfrm flipV="1">
+                  <a:off x="11117580" y="2544603"/>
+                  <a:ext cx="887732" cy="270892"/>
+                </a:xfrm>
+                <a:prstGeom prst="line">
+                  <a:avLst/>
+                </a:prstGeom>
+                <a:grpFill/>
+              </p:spPr>
+              <p:style>
+                <a:lnRef idx="1">
+                  <a:schemeClr val="accent1"/>
+                </a:lnRef>
+                <a:fillRef idx="0">
+                  <a:schemeClr val="accent1"/>
+                </a:fillRef>
+                <a:effectRef idx="0">
+                  <a:schemeClr val="accent1"/>
+                </a:effectRef>
+                <a:fontRef idx="minor">
+                  <a:schemeClr val="tx1"/>
+                </a:fontRef>
+              </p:style>
+            </p:cxnSp>
+            <p:cxnSp>
+              <p:nvCxnSpPr>
+                <p:cNvPr id="83" name="Прямая соединительная линия 82">
+                  <a:extLst>
+                    <a:ext uri="{FF2B5EF4-FFF2-40B4-BE49-F238E27FC236}">
+                      <a16:creationId xmlns:a16="http://schemas.microsoft.com/office/drawing/2014/main" xmlns="" id="{3B5CF773-EA6E-48D3-873D-A70B0DF62366}"/>
+                    </a:ext>
+                  </a:extLst>
+                </p:cNvPr>
+                <p:cNvCxnSpPr/>
+                <p:nvPr/>
+              </p:nvCxnSpPr>
+              <p:spPr>
+                <a:xfrm flipV="1">
+                  <a:off x="10927081" y="2990088"/>
+                  <a:ext cx="960118" cy="259461"/>
+                </a:xfrm>
+                <a:prstGeom prst="line">
+                  <a:avLst/>
+                </a:prstGeom>
+                <a:grpFill/>
+              </p:spPr>
+              <p:style>
+                <a:lnRef idx="1">
+                  <a:schemeClr val="accent1"/>
+                </a:lnRef>
+                <a:fillRef idx="0">
+                  <a:schemeClr val="accent1"/>
+                </a:fillRef>
+                <a:effectRef idx="0">
+                  <a:schemeClr val="accent1"/>
+                </a:effectRef>
+                <a:fontRef idx="minor">
+                  <a:schemeClr val="tx1"/>
+                </a:fontRef>
+              </p:style>
+            </p:cxnSp>
+            <p:sp>
+              <p:nvSpPr>
+                <p:cNvPr id="90" name="Овал 89">
+                  <a:extLst>
+                    <a:ext uri="{FF2B5EF4-FFF2-40B4-BE49-F238E27FC236}">
+                      <a16:creationId xmlns:a16="http://schemas.microsoft.com/office/drawing/2014/main" xmlns="" id="{209725BE-1F8A-4BE4-93EB-BEA80971A004}"/>
+                    </a:ext>
+                  </a:extLst>
+                </p:cNvPr>
+                <p:cNvSpPr/>
+                <p:nvPr/>
+              </p:nvSpPr>
+              <p:spPr>
+                <a:xfrm>
+                  <a:off x="7315200" y="2567463"/>
+                  <a:ext cx="356612" cy="382047"/>
+                </a:xfrm>
+                <a:prstGeom prst="ellipse">
+                  <a:avLst/>
+                </a:prstGeom>
+                <a:grpFill/>
+              </p:spPr>
+              <p:style>
+                <a:lnRef idx="2">
+                  <a:schemeClr val="accent1">
+                    <a:shade val="50000"/>
+                  </a:schemeClr>
+                </a:lnRef>
+                <a:fillRef idx="1">
+                  <a:schemeClr val="accent1"/>
+                </a:fillRef>
+                <a:effectRef idx="0">
+                  <a:schemeClr val="accent1"/>
+                </a:effectRef>
+                <a:fontRef idx="minor">
+                  <a:schemeClr val="lt1"/>
+                </a:fontRef>
+              </p:style>
+              <p:txBody>
+                <a:bodyPr rtlCol="0" anchor="ctr"/>
+                <a:lstStyle/>
+                <a:p>
+                  <a:pPr algn="ctr"/>
+                  <a:endParaRPr lang="ru-RU"/>
+                </a:p>
+              </p:txBody>
+            </p:sp>
+            <p:sp>
+              <p:nvSpPr>
+                <p:cNvPr id="91" name="Овал 90">
+                  <a:extLst>
+                    <a:ext uri="{FF2B5EF4-FFF2-40B4-BE49-F238E27FC236}">
+                      <a16:creationId xmlns:a16="http://schemas.microsoft.com/office/drawing/2014/main" xmlns="" id="{5AE58114-A4B8-4D90-B533-80DDF958C020}"/>
+                    </a:ext>
+                  </a:extLst>
+                </p:cNvPr>
+                <p:cNvSpPr/>
+                <p:nvPr/>
+              </p:nvSpPr>
+              <p:spPr>
+                <a:xfrm>
+                  <a:off x="9381746" y="2861501"/>
+                  <a:ext cx="356612" cy="382047"/>
+                </a:xfrm>
+                <a:prstGeom prst="ellipse">
+                  <a:avLst/>
+                </a:prstGeom>
+                <a:grpFill/>
+              </p:spPr>
+              <p:style>
+                <a:lnRef idx="2">
+                  <a:schemeClr val="accent1">
+                    <a:shade val="50000"/>
+                  </a:schemeClr>
+                </a:lnRef>
+                <a:fillRef idx="1">
+                  <a:schemeClr val="accent1"/>
+                </a:fillRef>
+                <a:effectRef idx="0">
+                  <a:schemeClr val="accent1"/>
+                </a:effectRef>
+                <a:fontRef idx="minor">
+                  <a:schemeClr val="lt1"/>
+                </a:fontRef>
+              </p:style>
+              <p:txBody>
+                <a:bodyPr rtlCol="0" anchor="ctr"/>
+                <a:lstStyle/>
+                <a:p>
+                  <a:pPr algn="ctr"/>
+                  <a:endParaRPr lang="ru-RU"/>
+                </a:p>
+              </p:txBody>
+            </p:sp>
+            <p:cxnSp>
+              <p:nvCxnSpPr>
+                <p:cNvPr id="99" name="Прямая соединительная линия 98">
+                  <a:extLst>
+                    <a:ext uri="{FF2B5EF4-FFF2-40B4-BE49-F238E27FC236}">
+                      <a16:creationId xmlns:a16="http://schemas.microsoft.com/office/drawing/2014/main" xmlns="" id="{68EA51AF-009E-42E0-AB04-2DDBD74193D8}"/>
+                    </a:ext>
+                  </a:extLst>
+                </p:cNvPr>
+                <p:cNvCxnSpPr/>
+                <p:nvPr/>
+              </p:nvCxnSpPr>
+              <p:spPr>
+                <a:xfrm flipH="1">
+                  <a:off x="10927081" y="2815209"/>
+                  <a:ext cx="201166" cy="428339"/>
+                </a:xfrm>
+                <a:prstGeom prst="line">
+                  <a:avLst/>
+                </a:prstGeom>
+                <a:grpFill/>
+              </p:spPr>
+              <p:style>
+                <a:lnRef idx="1">
+                  <a:schemeClr val="accent1"/>
+                </a:lnRef>
+                <a:fillRef idx="0">
+                  <a:schemeClr val="accent1"/>
+                </a:fillRef>
+                <a:effectRef idx="0">
+                  <a:schemeClr val="accent1"/>
+                </a:effectRef>
+                <a:fontRef idx="minor">
+                  <a:schemeClr val="tx1"/>
+                </a:fontRef>
+              </p:style>
+            </p:cxnSp>
+            <p:cxnSp>
+              <p:nvCxnSpPr>
+                <p:cNvPr id="103" name="Прямая соединительная линия 102">
+                  <a:extLst>
+                    <a:ext uri="{FF2B5EF4-FFF2-40B4-BE49-F238E27FC236}">
+                      <a16:creationId xmlns:a16="http://schemas.microsoft.com/office/drawing/2014/main" xmlns="" id="{671617D7-77DD-430E-A161-F36BC1ADB577}"/>
+                    </a:ext>
+                  </a:extLst>
+                </p:cNvPr>
+                <p:cNvCxnSpPr/>
+                <p:nvPr/>
+              </p:nvCxnSpPr>
+              <p:spPr>
+                <a:xfrm>
+                  <a:off x="6108193" y="2116266"/>
+                  <a:ext cx="117348" cy="451197"/>
+                </a:xfrm>
+                <a:prstGeom prst="line">
+                  <a:avLst/>
+                </a:prstGeom>
+                <a:grpFill/>
+              </p:spPr>
+              <p:style>
+                <a:lnRef idx="1">
+                  <a:schemeClr val="accent1"/>
+                </a:lnRef>
+                <a:fillRef idx="0">
+                  <a:schemeClr val="accent1"/>
+                </a:fillRef>
+                <a:effectRef idx="0">
+                  <a:schemeClr val="accent1"/>
+                </a:effectRef>
+                <a:fontRef idx="minor">
+                  <a:schemeClr val="tx1"/>
+                </a:fontRef>
+              </p:style>
+            </p:cxnSp>
+            <p:cxnSp>
+              <p:nvCxnSpPr>
+                <p:cNvPr id="108" name="Прямая соединительная линия 107">
+                  <a:extLst>
+                    <a:ext uri="{FF2B5EF4-FFF2-40B4-BE49-F238E27FC236}">
+                      <a16:creationId xmlns:a16="http://schemas.microsoft.com/office/drawing/2014/main" xmlns="" id="{6BC23EA7-9527-48EF-8B29-99524B07378E}"/>
+                    </a:ext>
+                  </a:extLst>
+                </p:cNvPr>
+                <p:cNvCxnSpPr/>
+                <p:nvPr/>
+              </p:nvCxnSpPr>
+              <p:spPr>
+                <a:xfrm flipV="1">
+                  <a:off x="11117580" y="2668905"/>
+                  <a:ext cx="879348" cy="238887"/>
+                </a:xfrm>
+                <a:prstGeom prst="line">
+                  <a:avLst/>
+                </a:prstGeom>
+                <a:grpFill/>
+              </p:spPr>
+              <p:style>
+                <a:lnRef idx="1">
+                  <a:schemeClr val="accent1"/>
+                </a:lnRef>
+                <a:fillRef idx="0">
+                  <a:schemeClr val="accent1"/>
+                </a:fillRef>
+                <a:effectRef idx="0">
+                  <a:schemeClr val="accent1"/>
+                </a:effectRef>
+                <a:fontRef idx="minor">
+                  <a:schemeClr val="tx1"/>
+                </a:fontRef>
+              </p:style>
+            </p:cxnSp>
+            <p:cxnSp>
+              <p:nvCxnSpPr>
+                <p:cNvPr id="110" name="Прямая соединительная линия 109">
+                  <a:extLst>
+                    <a:ext uri="{FF2B5EF4-FFF2-40B4-BE49-F238E27FC236}">
+                      <a16:creationId xmlns:a16="http://schemas.microsoft.com/office/drawing/2014/main" xmlns="" id="{802D4324-C543-41E1-9C6B-AFA69FF3CDBE}"/>
+                    </a:ext>
+                  </a:extLst>
+                </p:cNvPr>
+                <p:cNvCxnSpPr>
+                  <a:cxnSpLocks/>
+                </p:cNvCxnSpPr>
+                <p:nvPr/>
+              </p:nvCxnSpPr>
+              <p:spPr>
+                <a:xfrm flipH="1">
+                  <a:off x="11908534" y="2544603"/>
+                  <a:ext cx="112398" cy="454629"/>
+                </a:xfrm>
+                <a:prstGeom prst="line">
+                  <a:avLst/>
+                </a:prstGeom>
+                <a:grpFill/>
+              </p:spPr>
+              <p:style>
+                <a:lnRef idx="1">
+                  <a:schemeClr val="accent1"/>
+                </a:lnRef>
+                <a:fillRef idx="0">
+                  <a:schemeClr val="accent1"/>
+                </a:fillRef>
+                <a:effectRef idx="0">
+                  <a:schemeClr val="accent1"/>
+                </a:effectRef>
+                <a:fontRef idx="minor">
+                  <a:schemeClr val="tx1"/>
+                </a:fontRef>
+              </p:style>
+            </p:cxnSp>
+            <p:sp>
+              <p:nvSpPr>
+                <p:cNvPr id="112" name="TextBox 111">
+                  <a:extLst>
+                    <a:ext uri="{FF2B5EF4-FFF2-40B4-BE49-F238E27FC236}">
+                      <a16:creationId xmlns:a16="http://schemas.microsoft.com/office/drawing/2014/main" xmlns="" id="{F2055701-9407-4D8B-93AE-A208ABF49508}"/>
+                    </a:ext>
+                  </a:extLst>
+                </p:cNvPr>
+                <p:cNvSpPr txBox="1"/>
+                <p:nvPr/>
+              </p:nvSpPr>
+              <p:spPr>
+                <a:xfrm rot="21278434">
+                  <a:off x="11315134" y="2203920"/>
+                  <a:ext cx="418704" cy="369332"/>
+                </a:xfrm>
+                <a:prstGeom prst="rect">
+                  <a:avLst/>
+                </a:prstGeom>
+                <a:grpFill/>
+              </p:spPr>
+              <p:txBody>
+                <a:bodyPr wrap="none" rtlCol="0">
+                  <a:spAutoFit/>
+                </a:bodyPr>
+                <a:lstStyle/>
+                <a:p>
+                  <a:r>
+                    <a:rPr lang="ru-RU" dirty="0"/>
+                    <a:t>22</a:t>
+                  </a:r>
+                </a:p>
+              </p:txBody>
+            </p:sp>
+          </p:grpSp>
+          <mc:AlternateContent xmlns:mc="http://schemas.openxmlformats.org/markup-compatibility/2006">
+            <mc:Choice xmlns:p14="http://schemas.microsoft.com/office/powerpoint/2010/main" Requires="p14">
+              <p:contentPart p14:bwMode="auto" r:id="rId2">
+                <p14:nvContentPartPr>
+                  <p14:cNvPr id="125" name="Рукописный ввод 124">
+                    <a:extLst>
+                      <a:ext uri="{FF2B5EF4-FFF2-40B4-BE49-F238E27FC236}">
+                        <a16:creationId xmlns:a16="http://schemas.microsoft.com/office/drawing/2014/main" xmlns="" id="{5418C19C-445D-4ECE-B68E-B75AA707AE83}"/>
+                      </a:ext>
+                    </a:extLst>
+                  </p14:cNvPr>
+                  <p14:cNvContentPartPr/>
+                  <p14:nvPr/>
+                </p14:nvContentPartPr>
+                <p14:xfrm>
+                  <a:off x="5367240" y="2230848"/>
+                  <a:ext cx="360" cy="360"/>
+                </p14:xfrm>
+              </p:contentPart>
+            </mc:Choice>
+            <mc:Fallback>
+              <p:pic>
+                <p:nvPicPr>
+                  <p:cNvPr id="125" name="Рукописный ввод 124">
+                    <a:extLst>
+                      <a:ext uri="{FF2B5EF4-FFF2-40B4-BE49-F238E27FC236}">
+                        <a16:creationId xmlns:a16="http://schemas.microsoft.com/office/drawing/2014/main" xmlns:p14="http://schemas.microsoft.com/office/powerpoint/2010/main" xmlns="" id="{5418C19C-445D-4ECE-B68E-B75AA707AE83}"/>
+                      </a:ext>
+                    </a:extLst>
+                  </p:cNvPr>
+                  <p:cNvPicPr/>
+                  <p:nvPr/>
+                </p:nvPicPr>
+                <p:blipFill>
+                  <a:blip r:embed="rId3"/>
+                  <a:stretch>
+                    <a:fillRect/>
+                  </a:stretch>
+                </p:blipFill>
+                <p:spPr>
+                  <a:xfrm>
+                    <a:off x="5331240" y="2158848"/>
+                    <a:ext cx="72360" cy="144360"/>
+                  </a:xfrm>
+                  <a:prstGeom prst="rect">
+                    <a:avLst/>
+                  </a:prstGeom>
+                </p:spPr>
+              </p:pic>
+            </mc:Fallback>
+          </mc:AlternateContent>
+          <mc:AlternateContent xmlns:mc="http://schemas.openxmlformats.org/markup-compatibility/2006">
+            <mc:Choice xmlns:p14="http://schemas.microsoft.com/office/powerpoint/2010/main" Requires="p14">
+              <p:contentPart p14:bwMode="auto" r:id="rId4">
+                <p14:nvContentPartPr>
+                  <p14:cNvPr id="126" name="Рукописный ввод 125">
+                    <a:extLst>
+                      <a:ext uri="{FF2B5EF4-FFF2-40B4-BE49-F238E27FC236}">
+                        <a16:creationId xmlns:a16="http://schemas.microsoft.com/office/drawing/2014/main" xmlns="" id="{CEDBAD4F-D04C-46B2-BC5B-EFDEBCE707EB}"/>
+                      </a:ext>
+                    </a:extLst>
+                  </p14:cNvPr>
+                  <p14:cNvContentPartPr/>
+                  <p14:nvPr/>
+                </p14:nvContentPartPr>
+                <p14:xfrm>
+                  <a:off x="5241960" y="2156688"/>
+                  <a:ext cx="4883040" cy="854280"/>
+                </p14:xfrm>
+              </p:contentPart>
+            </mc:Choice>
+            <mc:Fallback>
+              <p:pic>
+                <p:nvPicPr>
+                  <p:cNvPr id="126" name="Рукописный ввод 125">
+                    <a:extLst>
+                      <a:ext uri="{FF2B5EF4-FFF2-40B4-BE49-F238E27FC236}">
+                        <a16:creationId xmlns:a16="http://schemas.microsoft.com/office/drawing/2014/main" xmlns:p14="http://schemas.microsoft.com/office/powerpoint/2010/main" xmlns="" id="{CEDBAD4F-D04C-46B2-BC5B-EFDEBCE707EB}"/>
+                      </a:ext>
+                    </a:extLst>
+                  </p:cNvPr>
+                  <p:cNvPicPr/>
+                  <p:nvPr/>
+                </p:nvPicPr>
+                <p:blipFill>
+                  <a:blip r:embed="rId5"/>
+                  <a:stretch>
+                    <a:fillRect/>
+                  </a:stretch>
+                </p:blipFill>
+                <p:spPr>
+                  <a:xfrm>
+                    <a:off x="5193032" y="2060214"/>
+                    <a:ext cx="4980897" cy="1047229"/>
+                  </a:xfrm>
+                  <a:prstGeom prst="rect">
+                    <a:avLst/>
+                  </a:prstGeom>
+                </p:spPr>
+              </p:pic>
+            </mc:Fallback>
+          </mc:AlternateContent>
+          <mc:AlternateContent xmlns:mc="http://schemas.openxmlformats.org/markup-compatibility/2006">
+            <mc:Choice xmlns:p14="http://schemas.microsoft.com/office/powerpoint/2010/main" Requires="p14">
+              <p:contentPart p14:bwMode="auto" r:id="rId6">
+                <p14:nvContentPartPr>
+                  <p14:cNvPr id="127" name="Рукописный ввод 126">
+                    <a:extLst>
+                      <a:ext uri="{FF2B5EF4-FFF2-40B4-BE49-F238E27FC236}">
+                        <a16:creationId xmlns:a16="http://schemas.microsoft.com/office/drawing/2014/main" xmlns="" id="{EAA59399-BF1A-473E-B417-9B05F02F25AB}"/>
+                      </a:ext>
+                    </a:extLst>
+                  </p14:cNvPr>
+                  <p14:cNvContentPartPr/>
+                  <p14:nvPr/>
+                </p14:nvContentPartPr>
+                <p14:xfrm>
+                  <a:off x="10144440" y="2745648"/>
+                  <a:ext cx="907560" cy="245160"/>
+                </p14:xfrm>
+              </p:contentPart>
+            </mc:Choice>
+            <mc:Fallback>
+              <p:pic>
+                <p:nvPicPr>
+                  <p:cNvPr id="127" name="Рукописный ввод 126">
+                    <a:extLst>
+                      <a:ext uri="{FF2B5EF4-FFF2-40B4-BE49-F238E27FC236}">
+                        <a16:creationId xmlns:a16="http://schemas.microsoft.com/office/drawing/2014/main" xmlns:p14="http://schemas.microsoft.com/office/powerpoint/2010/main" xmlns="" id="{EAA59399-BF1A-473E-B417-9B05F02F25AB}"/>
+                      </a:ext>
+                    </a:extLst>
+                  </p:cNvPr>
+                  <p:cNvPicPr/>
+                  <p:nvPr/>
+                </p:nvPicPr>
+                <p:blipFill>
+                  <a:blip r:embed="rId7"/>
+                  <a:stretch>
+                    <a:fillRect/>
+                  </a:stretch>
+                </p:blipFill>
+                <p:spPr>
+                  <a:xfrm>
+                    <a:off x="10095515" y="2649128"/>
+                    <a:ext cx="1005410" cy="438199"/>
+                  </a:xfrm>
+                  <a:prstGeom prst="rect">
+                    <a:avLst/>
+                  </a:prstGeom>
+                </p:spPr>
+              </p:pic>
+            </mc:Fallback>
+          </mc:AlternateContent>
+          <mc:AlternateContent xmlns:mc="http://schemas.openxmlformats.org/markup-compatibility/2006">
+            <mc:Choice xmlns:p14="http://schemas.microsoft.com/office/powerpoint/2010/main" Requires="p14">
+              <p:contentPart p14:bwMode="auto" r:id="rId8">
+                <p14:nvContentPartPr>
+                  <p14:cNvPr id="128" name="Рукописный ввод 127">
+                    <a:extLst>
+                      <a:ext uri="{FF2B5EF4-FFF2-40B4-BE49-F238E27FC236}">
+                        <a16:creationId xmlns:a16="http://schemas.microsoft.com/office/drawing/2014/main" xmlns="" id="{5B5985E8-D3A1-4180-8315-E06372E1561F}"/>
+                      </a:ext>
+                    </a:extLst>
+                  </p14:cNvPr>
+                  <p14:cNvContentPartPr/>
+                  <p14:nvPr/>
+                </p14:nvContentPartPr>
+                <p14:xfrm>
+                  <a:off x="5455030" y="886679"/>
+                  <a:ext cx="5495039" cy="999000"/>
+                </p14:xfrm>
+              </p:contentPart>
+            </mc:Choice>
+            <mc:Fallback>
+              <p:pic>
+                <p:nvPicPr>
+                  <p:cNvPr id="128" name="Рукописный ввод 127">
+                    <a:extLst>
+                      <a:ext uri="{FF2B5EF4-FFF2-40B4-BE49-F238E27FC236}">
+                        <a16:creationId xmlns:a16="http://schemas.microsoft.com/office/drawing/2014/main" xmlns:p14="http://schemas.microsoft.com/office/powerpoint/2010/main" xmlns="" id="{5B5985E8-D3A1-4180-8315-E06372E1561F}"/>
+                      </a:ext>
+                    </a:extLst>
+                  </p:cNvPr>
+                  <p:cNvPicPr/>
+                  <p:nvPr/>
+                </p:nvPicPr>
+                <p:blipFill>
+                  <a:blip r:embed="rId9"/>
+                  <a:stretch>
+                    <a:fillRect/>
+                  </a:stretch>
+                </p:blipFill>
+                <p:spPr>
+                  <a:xfrm>
+                    <a:off x="5406103" y="790204"/>
+                    <a:ext cx="5592894" cy="1191950"/>
+                  </a:xfrm>
+                  <a:prstGeom prst="rect">
+                    <a:avLst/>
+                  </a:prstGeom>
+                </p:spPr>
+              </p:pic>
+            </mc:Fallback>
+          </mc:AlternateContent>
+          <mc:AlternateContent xmlns:mc="http://schemas.openxmlformats.org/markup-compatibility/2006">
+            <mc:Choice xmlns:p14="http://schemas.microsoft.com/office/powerpoint/2010/main" Requires="p14">
+              <p:contentPart p14:bwMode="auto" r:id="rId10">
+                <p14:nvContentPartPr>
+                  <p14:cNvPr id="129" name="Рукописный ввод 128">
+                    <a:extLst>
+                      <a:ext uri="{FF2B5EF4-FFF2-40B4-BE49-F238E27FC236}">
+                        <a16:creationId xmlns:a16="http://schemas.microsoft.com/office/drawing/2014/main" xmlns="" id="{C530C1E3-DD87-47A2-BDA8-D86B93E72876}"/>
+                      </a:ext>
+                    </a:extLst>
+                  </p14:cNvPr>
+                  <p14:cNvContentPartPr/>
+                  <p14:nvPr/>
+                </p14:nvContentPartPr>
+                <p14:xfrm>
+                  <a:off x="9966600" y="1535328"/>
+                  <a:ext cx="667440" cy="257400"/>
+                </p14:xfrm>
+              </p:contentPart>
+            </mc:Choice>
+            <mc:Fallback>
+              <p:pic>
+                <p:nvPicPr>
+                  <p:cNvPr id="129" name="Рукописный ввод 128">
+                    <a:extLst>
+                      <a:ext uri="{FF2B5EF4-FFF2-40B4-BE49-F238E27FC236}">
+                        <a16:creationId xmlns:a16="http://schemas.microsoft.com/office/drawing/2014/main" xmlns:p14="http://schemas.microsoft.com/office/powerpoint/2010/main" xmlns="" id="{C530C1E3-DD87-47A2-BDA8-D86B93E72876}"/>
+                      </a:ext>
+                    </a:extLst>
+                  </p:cNvPr>
+                  <p:cNvPicPr/>
+                  <p:nvPr/>
+                </p:nvPicPr>
+                <p:blipFill>
+                  <a:blip r:embed="rId11"/>
+                  <a:stretch>
+                    <a:fillRect/>
+                  </a:stretch>
+                </p:blipFill>
+                <p:spPr>
+                  <a:xfrm>
+                    <a:off x="9917667" y="1438924"/>
+                    <a:ext cx="765305" cy="450209"/>
+                  </a:xfrm>
+                  <a:prstGeom prst="rect">
+                    <a:avLst/>
+                  </a:prstGeom>
+                </p:spPr>
+              </p:pic>
+            </mc:Fallback>
+          </mc:AlternateContent>
+        </p:grpSp>
+      </p:grpSp>
+      <p:grpSp>
+        <p:nvGrpSpPr>
+          <p:cNvPr id="133" name="Группа 132"/>
+          <p:cNvGrpSpPr/>
+          <p:nvPr/>
+        </p:nvGrpSpPr>
+        <p:grpSpPr>
+          <a:xfrm rot="998191" flipH="1">
+            <a:off x="3160881" y="3028164"/>
+            <a:ext cx="4187531" cy="1840041"/>
+            <a:chOff x="6806151" y="752612"/>
+            <a:chExt cx="4341892" cy="1840041"/>
+          </a:xfrm>
+        </p:grpSpPr>
+        <p:sp>
+          <p:nvSpPr>
+            <p:cNvPr id="132" name="Прямоугольник 131"/>
+            <p:cNvSpPr/>
+            <p:nvPr/>
+          </p:nvSpPr>
+          <p:spPr>
+            <a:xfrm rot="1461873">
+              <a:off x="6806151" y="1293738"/>
+              <a:ext cx="4341892" cy="933270"/>
+            </a:xfrm>
+            <a:prstGeom prst="rect">
+              <a:avLst/>
+            </a:prstGeom>
+          </p:spPr>
+          <p:style>
+            <a:lnRef idx="2">
+              <a:schemeClr val="accent5"/>
+            </a:lnRef>
+            <a:fillRef idx="1">
+              <a:schemeClr val="lt1"/>
+            </a:fillRef>
+            <a:effectRef idx="0">
+              <a:schemeClr val="accent5"/>
+            </a:effectRef>
+            <a:fontRef idx="minor">
+              <a:schemeClr val="dk1"/>
+            </a:fontRef>
+          </p:style>
+          <p:txBody>
+            <a:bodyPr rtlCol="0" anchor="ctr"/>
+            <a:lstStyle/>
+            <a:p>
+              <a:pPr algn="ctr"/>
+              <a:endParaRPr lang="en-US"/>
+            </a:p>
+          </p:txBody>
+        </p:sp>
+        <p:grpSp>
+          <p:nvGrpSpPr>
+            <p:cNvPr id="8" name="Группа 7"/>
+            <p:cNvGrpSpPr/>
+            <p:nvPr/>
+          </p:nvGrpSpPr>
+          <p:grpSpPr>
+            <a:xfrm rot="1194813">
+              <a:off x="6839344" y="752612"/>
+              <a:ext cx="4199669" cy="1840041"/>
+              <a:chOff x="3677453" y="2868359"/>
+              <a:chExt cx="5912739" cy="2358009"/>
+            </a:xfrm>
           </p:grpSpPr>
           <p:cxnSp>
             <p:nvCxnSpPr>
-              <p:cNvPr id="24" name="Прямая соединительная линия 23">
+              <p:cNvPr id="142" name="Прямая соединительная линия 141">
                 <a:extLst>
                   <a:ext uri="{FF2B5EF4-FFF2-40B4-BE49-F238E27FC236}">
-                    <a16:creationId xmlns:a16="http://schemas.microsoft.com/office/drawing/2014/main" id="{F9B0BCA2-5E15-4B46-9C80-4710339C2C90}"/>
+                    <a16:creationId xmlns:a16="http://schemas.microsoft.com/office/drawing/2014/main" xmlns="" id="{5E8A4841-3472-4C19-ACEA-909816F9C9D8}"/>
                   </a:ext>
                 </a:extLst>
               </p:cNvPr>
@@ -4225,1510 +6336,15 @@
             </p:nvCxnSpPr>
             <p:spPr>
               <a:xfrm>
-                <a:off x="6281928" y="1307592"/>
+                <a:off x="3851188" y="3284411"/>
                 <a:ext cx="4654296" cy="685800"/>
               </a:xfrm>
               <a:prstGeom prst="line">
                 <a:avLst/>
               </a:prstGeom>
-              <a:grpFill/>
-            </p:spPr>
-            <p:style>
-              <a:lnRef idx="1">
-                <a:schemeClr val="accent1"/>
-              </a:lnRef>
-              <a:fillRef idx="0">
-                <a:schemeClr val="accent1"/>
-              </a:fillRef>
-              <a:effectRef idx="0">
-                <a:schemeClr val="accent1"/>
-              </a:effectRef>
-              <a:fontRef idx="minor">
-                <a:schemeClr val="tx1"/>
-              </a:fontRef>
-            </p:style>
-          </p:cxnSp>
-          <p:cxnSp>
-            <p:nvCxnSpPr>
-              <p:cNvPr id="26" name="Прямая соединительная линия 25">
-                <a:extLst>
-                  <a:ext uri="{FF2B5EF4-FFF2-40B4-BE49-F238E27FC236}">
-                    <a16:creationId xmlns:a16="http://schemas.microsoft.com/office/drawing/2014/main" id="{E39E0D42-9054-443B-AAA0-816C0E5DE190}"/>
-                  </a:ext>
-                </a:extLst>
-              </p:cNvPr>
-              <p:cNvCxnSpPr>
-                <a:cxnSpLocks/>
-              </p:cNvCxnSpPr>
-              <p:nvPr/>
-            </p:nvCxnSpPr>
-            <p:spPr>
-              <a:xfrm>
-                <a:off x="10936224" y="1993392"/>
-                <a:ext cx="192023" cy="821817"/>
-              </a:xfrm>
-              <a:prstGeom prst="line">
-                <a:avLst/>
-              </a:prstGeom>
-              <a:grpFill/>
-            </p:spPr>
-            <p:style>
-              <a:lnRef idx="1">
-                <a:schemeClr val="accent1"/>
-              </a:lnRef>
-              <a:fillRef idx="0">
-                <a:schemeClr val="accent1"/>
-              </a:fillRef>
-              <a:effectRef idx="0">
-                <a:schemeClr val="accent1"/>
-              </a:effectRef>
-              <a:fontRef idx="minor">
-                <a:schemeClr val="tx1"/>
-              </a:fontRef>
-            </p:style>
-          </p:cxnSp>
-          <p:cxnSp>
-            <p:nvCxnSpPr>
-              <p:cNvPr id="27" name="Прямая соединительная линия 26">
-                <a:extLst>
-                  <a:ext uri="{FF2B5EF4-FFF2-40B4-BE49-F238E27FC236}">
-                    <a16:creationId xmlns:a16="http://schemas.microsoft.com/office/drawing/2014/main" id="{8CF23C41-AAD5-498C-9B70-0E92FB8EA01E}"/>
-                  </a:ext>
-                </a:extLst>
-              </p:cNvPr>
-              <p:cNvCxnSpPr>
-                <a:cxnSpLocks/>
-              </p:cNvCxnSpPr>
-              <p:nvPr/>
-            </p:nvCxnSpPr>
-            <p:spPr>
-              <a:xfrm flipH="1">
-                <a:off x="6123432" y="1307592"/>
-                <a:ext cx="161544" cy="808674"/>
-              </a:xfrm>
-              <a:prstGeom prst="line">
-                <a:avLst/>
-              </a:prstGeom>
-              <a:grpFill/>
-            </p:spPr>
-            <p:style>
-              <a:lnRef idx="1">
-                <a:schemeClr val="accent1"/>
-              </a:lnRef>
-              <a:fillRef idx="0">
-                <a:schemeClr val="accent1"/>
-              </a:fillRef>
-              <a:effectRef idx="0">
-                <a:schemeClr val="accent1"/>
-              </a:effectRef>
-              <a:fontRef idx="minor">
-                <a:schemeClr val="tx1"/>
-              </a:fontRef>
-            </p:style>
-          </p:cxnSp>
-          <p:cxnSp>
-            <p:nvCxnSpPr>
-              <p:cNvPr id="28" name="Прямая соединительная линия 27">
-                <a:extLst>
-                  <a:ext uri="{FF2B5EF4-FFF2-40B4-BE49-F238E27FC236}">
-                    <a16:creationId xmlns:a16="http://schemas.microsoft.com/office/drawing/2014/main" id="{BC50DB46-AD18-4356-89F7-EE6D1816EA48}"/>
-                  </a:ext>
-                </a:extLst>
-              </p:cNvPr>
-              <p:cNvCxnSpPr/>
-              <p:nvPr/>
-            </p:nvCxnSpPr>
-            <p:spPr>
-              <a:xfrm>
-                <a:off x="7232904" y="891540"/>
-                <a:ext cx="4654296" cy="685800"/>
-              </a:xfrm>
-              <a:prstGeom prst="line">
-                <a:avLst/>
-              </a:prstGeom>
-              <a:grpFill/>
-            </p:spPr>
-            <p:style>
-              <a:lnRef idx="1">
-                <a:schemeClr val="accent1"/>
-              </a:lnRef>
-              <a:fillRef idx="0">
-                <a:schemeClr val="accent1"/>
-              </a:fillRef>
-              <a:effectRef idx="0">
-                <a:schemeClr val="accent1"/>
-              </a:effectRef>
-              <a:fontRef idx="minor">
-                <a:schemeClr val="tx1"/>
-              </a:fontRef>
-            </p:style>
-          </p:cxnSp>
-          <p:cxnSp>
-            <p:nvCxnSpPr>
-              <p:cNvPr id="30" name="Прямая соединительная линия 29">
-                <a:extLst>
-                  <a:ext uri="{FF2B5EF4-FFF2-40B4-BE49-F238E27FC236}">
-                    <a16:creationId xmlns:a16="http://schemas.microsoft.com/office/drawing/2014/main" id="{B296F261-C69E-457B-BF33-677A604E92A6}"/>
-                  </a:ext>
-                </a:extLst>
-              </p:cNvPr>
-              <p:cNvCxnSpPr/>
-              <p:nvPr/>
-            </p:nvCxnSpPr>
-            <p:spPr>
-              <a:xfrm flipH="1">
-                <a:off x="6281927" y="891540"/>
-                <a:ext cx="950977" cy="416052"/>
-              </a:xfrm>
-              <a:prstGeom prst="line">
-                <a:avLst/>
-              </a:prstGeom>
-              <a:grpFill/>
-            </p:spPr>
-            <p:style>
-              <a:lnRef idx="1">
-                <a:schemeClr val="accent1"/>
-              </a:lnRef>
-              <a:fillRef idx="0">
-                <a:schemeClr val="accent1"/>
-              </a:fillRef>
-              <a:effectRef idx="0">
-                <a:schemeClr val="accent1"/>
-              </a:effectRef>
-              <a:fontRef idx="minor">
-                <a:schemeClr val="tx1"/>
-              </a:fontRef>
-            </p:style>
-          </p:cxnSp>
-          <p:cxnSp>
-            <p:nvCxnSpPr>
-              <p:cNvPr id="32" name="Прямая соединительная линия 31">
-                <a:extLst>
-                  <a:ext uri="{FF2B5EF4-FFF2-40B4-BE49-F238E27FC236}">
-                    <a16:creationId xmlns:a16="http://schemas.microsoft.com/office/drawing/2014/main" id="{003806D0-851F-4A21-BD61-377DEED466AD}"/>
-                  </a:ext>
-                </a:extLst>
-              </p:cNvPr>
-              <p:cNvCxnSpPr/>
-              <p:nvPr/>
-            </p:nvCxnSpPr>
-            <p:spPr>
-              <a:xfrm flipH="1">
-                <a:off x="10936224" y="1618488"/>
-                <a:ext cx="950976" cy="374904"/>
-              </a:xfrm>
-              <a:prstGeom prst="line">
-                <a:avLst/>
-              </a:prstGeom>
-              <a:grpFill/>
-            </p:spPr>
-            <p:style>
-              <a:lnRef idx="1">
-                <a:schemeClr val="accent1"/>
-              </a:lnRef>
-              <a:fillRef idx="0">
-                <a:schemeClr val="accent1"/>
-              </a:fillRef>
-              <a:effectRef idx="0">
-                <a:schemeClr val="accent1"/>
-              </a:effectRef>
-              <a:fontRef idx="minor">
-                <a:schemeClr val="tx1"/>
-              </a:fontRef>
-            </p:style>
-          </p:cxnSp>
-          <p:cxnSp>
-            <p:nvCxnSpPr>
-              <p:cNvPr id="34" name="Прямая соединительная линия 33">
-                <a:extLst>
-                  <a:ext uri="{FF2B5EF4-FFF2-40B4-BE49-F238E27FC236}">
-                    <a16:creationId xmlns:a16="http://schemas.microsoft.com/office/drawing/2014/main" id="{A5BC04CF-421C-4FDE-BAA4-39065FD4D27C}"/>
-                  </a:ext>
-                </a:extLst>
-              </p:cNvPr>
-              <p:cNvCxnSpPr>
-                <a:cxnSpLocks/>
-              </p:cNvCxnSpPr>
-              <p:nvPr/>
-            </p:nvCxnSpPr>
-            <p:spPr>
-              <a:xfrm flipV="1">
-                <a:off x="10963655" y="2851498"/>
-                <a:ext cx="978404" cy="260604"/>
-              </a:xfrm>
-              <a:prstGeom prst="line">
-                <a:avLst/>
-              </a:prstGeom>
-              <a:grpFill/>
-            </p:spPr>
-            <p:style>
-              <a:lnRef idx="1">
-                <a:schemeClr val="accent1"/>
-              </a:lnRef>
-              <a:fillRef idx="0">
-                <a:schemeClr val="accent1"/>
-              </a:fillRef>
-              <a:effectRef idx="0">
-                <a:schemeClr val="accent1"/>
-              </a:effectRef>
-              <a:fontRef idx="minor">
-                <a:schemeClr val="tx1"/>
-              </a:fontRef>
-            </p:style>
-          </p:cxnSp>
-          <p:cxnSp>
-            <p:nvCxnSpPr>
-              <p:cNvPr id="36" name="Прямая соединительная линия 35">
-                <a:extLst>
-                  <a:ext uri="{FF2B5EF4-FFF2-40B4-BE49-F238E27FC236}">
-                    <a16:creationId xmlns:a16="http://schemas.microsoft.com/office/drawing/2014/main" id="{3757A960-585D-4B3A-B19F-CF827BCC3392}"/>
-                  </a:ext>
-                </a:extLst>
-              </p:cNvPr>
-              <p:cNvCxnSpPr>
-                <a:cxnSpLocks/>
-              </p:cNvCxnSpPr>
-              <p:nvPr/>
-            </p:nvCxnSpPr>
-            <p:spPr>
-              <a:xfrm>
-                <a:off x="11887200" y="1613916"/>
-                <a:ext cx="109728" cy="905256"/>
-              </a:xfrm>
-              <a:prstGeom prst="line">
-                <a:avLst/>
-              </a:prstGeom>
-              <a:grpFill/>
-            </p:spPr>
-            <p:style>
-              <a:lnRef idx="1">
-                <a:schemeClr val="accent1"/>
-              </a:lnRef>
-              <a:fillRef idx="0">
-                <a:schemeClr val="accent1"/>
-              </a:fillRef>
-              <a:effectRef idx="0">
-                <a:schemeClr val="accent1"/>
-              </a:effectRef>
-              <a:fontRef idx="minor">
-                <a:schemeClr val="tx1"/>
-              </a:fontRef>
-            </p:style>
-          </p:cxnSp>
-          <p:cxnSp>
-            <p:nvCxnSpPr>
-              <p:cNvPr id="38" name="Прямая соединительная линия 37">
-                <a:extLst>
-                  <a:ext uri="{FF2B5EF4-FFF2-40B4-BE49-F238E27FC236}">
-                    <a16:creationId xmlns:a16="http://schemas.microsoft.com/office/drawing/2014/main" id="{E8F7B010-2765-4306-9BDF-872E5F5E9DE6}"/>
-                  </a:ext>
-                </a:extLst>
-              </p:cNvPr>
-              <p:cNvCxnSpPr>
-                <a:cxnSpLocks/>
-              </p:cNvCxnSpPr>
-              <p:nvPr/>
-            </p:nvCxnSpPr>
-            <p:spPr>
-              <a:xfrm>
-                <a:off x="6238494" y="2544603"/>
-                <a:ext cx="4670299" cy="698945"/>
-              </a:xfrm>
-              <a:prstGeom prst="line">
-                <a:avLst/>
-              </a:prstGeom>
-              <a:grpFill/>
-            </p:spPr>
-            <p:style>
-              <a:lnRef idx="1">
-                <a:schemeClr val="accent1"/>
-              </a:lnRef>
-              <a:fillRef idx="0">
-                <a:schemeClr val="accent1"/>
-              </a:fillRef>
-              <a:effectRef idx="0">
-                <a:schemeClr val="accent1"/>
-              </a:effectRef>
-              <a:fontRef idx="minor">
-                <a:schemeClr val="tx1"/>
-              </a:fontRef>
-            </p:style>
-          </p:cxnSp>
-          <p:cxnSp>
-            <p:nvCxnSpPr>
-              <p:cNvPr id="49" name="Прямая соединительная линия 48">
-                <a:extLst>
-                  <a:ext uri="{FF2B5EF4-FFF2-40B4-BE49-F238E27FC236}">
-                    <a16:creationId xmlns:a16="http://schemas.microsoft.com/office/drawing/2014/main" id="{63136142-1BDB-400D-84FE-7C4677B9BDC9}"/>
-                  </a:ext>
-                </a:extLst>
-              </p:cNvPr>
-              <p:cNvCxnSpPr/>
-              <p:nvPr/>
-            </p:nvCxnSpPr>
-            <p:spPr>
-              <a:xfrm>
-                <a:off x="6409944" y="1499616"/>
-                <a:ext cx="4334256" cy="658368"/>
-              </a:xfrm>
-              <a:prstGeom prst="line">
-                <a:avLst/>
-              </a:prstGeom>
-              <a:grpFill/>
-            </p:spPr>
-            <p:style>
-              <a:lnRef idx="1">
-                <a:schemeClr val="accent1"/>
-              </a:lnRef>
-              <a:fillRef idx="0">
-                <a:schemeClr val="accent1"/>
-              </a:fillRef>
-              <a:effectRef idx="0">
-                <a:schemeClr val="accent1"/>
-              </a:effectRef>
-              <a:fontRef idx="minor">
-                <a:schemeClr val="tx1"/>
-              </a:fontRef>
-            </p:style>
-          </p:cxnSp>
-          <p:cxnSp>
-            <p:nvCxnSpPr>
-              <p:cNvPr id="51" name="Прямая соединительная линия 50">
-                <a:extLst>
-                  <a:ext uri="{FF2B5EF4-FFF2-40B4-BE49-F238E27FC236}">
-                    <a16:creationId xmlns:a16="http://schemas.microsoft.com/office/drawing/2014/main" id="{B779DC01-A682-4DBE-BC3C-6127DFDDB73E}"/>
-                  </a:ext>
-                </a:extLst>
-              </p:cNvPr>
-              <p:cNvCxnSpPr/>
-              <p:nvPr/>
-            </p:nvCxnSpPr>
-            <p:spPr>
-              <a:xfrm>
-                <a:off x="6417564" y="1536192"/>
-                <a:ext cx="0" cy="457200"/>
-              </a:xfrm>
-              <a:prstGeom prst="line">
-                <a:avLst/>
-              </a:prstGeom>
-              <a:grpFill/>
-            </p:spPr>
-            <p:style>
-              <a:lnRef idx="1">
-                <a:schemeClr val="accent1"/>
-              </a:lnRef>
-              <a:fillRef idx="0">
-                <a:schemeClr val="accent1"/>
-              </a:fillRef>
-              <a:effectRef idx="0">
-                <a:schemeClr val="accent1"/>
-              </a:effectRef>
-              <a:fontRef idx="minor">
-                <a:schemeClr val="tx1"/>
-              </a:fontRef>
-            </p:style>
-          </p:cxnSp>
-          <p:cxnSp>
-            <p:nvCxnSpPr>
-              <p:cNvPr id="52" name="Прямая соединительная линия 51">
-                <a:extLst>
-                  <a:ext uri="{FF2B5EF4-FFF2-40B4-BE49-F238E27FC236}">
-                    <a16:creationId xmlns:a16="http://schemas.microsoft.com/office/drawing/2014/main" id="{C8181A82-133A-44DA-AB4B-5FFA0E17410D}"/>
-                  </a:ext>
-                </a:extLst>
-              </p:cNvPr>
-              <p:cNvCxnSpPr>
-                <a:cxnSpLocks/>
-              </p:cNvCxnSpPr>
-              <p:nvPr/>
-            </p:nvCxnSpPr>
-            <p:spPr>
-              <a:xfrm>
-                <a:off x="10724388" y="2157984"/>
-                <a:ext cx="0" cy="530352"/>
-              </a:xfrm>
-              <a:prstGeom prst="line">
-                <a:avLst/>
-              </a:prstGeom>
-              <a:grpFill/>
-            </p:spPr>
-            <p:style>
-              <a:lnRef idx="1">
-                <a:schemeClr val="accent1"/>
-              </a:lnRef>
-              <a:fillRef idx="0">
-                <a:schemeClr val="accent1"/>
-              </a:fillRef>
-              <a:effectRef idx="0">
-                <a:schemeClr val="accent1"/>
-              </a:effectRef>
-              <a:fontRef idx="minor">
-                <a:schemeClr val="tx1"/>
-              </a:fontRef>
-            </p:style>
-          </p:cxnSp>
-          <p:cxnSp>
-            <p:nvCxnSpPr>
-              <p:cNvPr id="53" name="Прямая соединительная линия 52">
-                <a:extLst>
-                  <a:ext uri="{FF2B5EF4-FFF2-40B4-BE49-F238E27FC236}">
-                    <a16:creationId xmlns:a16="http://schemas.microsoft.com/office/drawing/2014/main" id="{0205D16F-C7EE-4A74-B43D-3CFE111CAF6D}"/>
-                  </a:ext>
-                </a:extLst>
-              </p:cNvPr>
-              <p:cNvCxnSpPr/>
-              <p:nvPr/>
-            </p:nvCxnSpPr>
-            <p:spPr>
-              <a:xfrm>
-                <a:off x="6409943" y="2029968"/>
-                <a:ext cx="4334256" cy="658368"/>
-              </a:xfrm>
-              <a:prstGeom prst="line">
-                <a:avLst/>
-              </a:prstGeom>
-              <a:grpFill/>
-            </p:spPr>
-            <p:style>
-              <a:lnRef idx="1">
-                <a:schemeClr val="accent1"/>
-              </a:lnRef>
-              <a:fillRef idx="0">
-                <a:schemeClr val="accent1"/>
-              </a:fillRef>
-              <a:effectRef idx="0">
-                <a:schemeClr val="accent1"/>
-              </a:effectRef>
-              <a:fontRef idx="minor">
-                <a:schemeClr val="tx1"/>
-              </a:fontRef>
-            </p:style>
-          </p:cxnSp>
-          <p:cxnSp>
-            <p:nvCxnSpPr>
-              <p:cNvPr id="55" name="Прямая соединительная линия 54">
-                <a:extLst>
-                  <a:ext uri="{FF2B5EF4-FFF2-40B4-BE49-F238E27FC236}">
-                    <a16:creationId xmlns:a16="http://schemas.microsoft.com/office/drawing/2014/main" id="{9A5E36CD-0B9B-4458-9A81-2C3D0AF6A9C9}"/>
-                  </a:ext>
-                </a:extLst>
-              </p:cNvPr>
-              <p:cNvCxnSpPr>
-                <a:cxnSpLocks/>
-              </p:cNvCxnSpPr>
-              <p:nvPr/>
-            </p:nvCxnSpPr>
-            <p:spPr>
-              <a:xfrm>
-                <a:off x="11201400" y="2177415"/>
-                <a:ext cx="0" cy="491490"/>
-              </a:xfrm>
-              <a:prstGeom prst="line">
-                <a:avLst/>
-              </a:prstGeom>
-              <a:grpFill/>
-            </p:spPr>
-            <p:style>
-              <a:lnRef idx="1">
-                <a:schemeClr val="accent1"/>
-              </a:lnRef>
-              <a:fillRef idx="0">
-                <a:schemeClr val="accent1"/>
-              </a:fillRef>
-              <a:effectRef idx="0">
-                <a:schemeClr val="accent1"/>
-              </a:effectRef>
-              <a:fontRef idx="minor">
-                <a:schemeClr val="tx1"/>
-              </a:fontRef>
-            </p:style>
-          </p:cxnSp>
-          <p:cxnSp>
-            <p:nvCxnSpPr>
-              <p:cNvPr id="58" name="Прямая соединительная линия 57">
-                <a:extLst>
-                  <a:ext uri="{FF2B5EF4-FFF2-40B4-BE49-F238E27FC236}">
-                    <a16:creationId xmlns:a16="http://schemas.microsoft.com/office/drawing/2014/main" id="{DBC789C8-99F6-4BEF-B87B-994C194E7069}"/>
-                  </a:ext>
-                </a:extLst>
-              </p:cNvPr>
-              <p:cNvCxnSpPr/>
-              <p:nvPr/>
-            </p:nvCxnSpPr>
-            <p:spPr>
-              <a:xfrm flipV="1">
-                <a:off x="11210544" y="1955102"/>
-                <a:ext cx="630936" cy="203454"/>
-              </a:xfrm>
-              <a:prstGeom prst="line">
-                <a:avLst/>
-              </a:prstGeom>
-              <a:grpFill/>
-            </p:spPr>
-            <p:style>
-              <a:lnRef idx="1">
-                <a:schemeClr val="accent1"/>
-              </a:lnRef>
-              <a:fillRef idx="0">
-                <a:schemeClr val="accent1"/>
-              </a:fillRef>
-              <a:effectRef idx="0">
-                <a:schemeClr val="accent1"/>
-              </a:effectRef>
-              <a:fontRef idx="minor">
-                <a:schemeClr val="tx1"/>
-              </a:fontRef>
-            </p:style>
-          </p:cxnSp>
-          <p:cxnSp>
-            <p:nvCxnSpPr>
-              <p:cNvPr id="60" name="Прямая соединительная линия 59">
-                <a:extLst>
-                  <a:ext uri="{FF2B5EF4-FFF2-40B4-BE49-F238E27FC236}">
-                    <a16:creationId xmlns:a16="http://schemas.microsoft.com/office/drawing/2014/main" id="{7AE2661B-0639-4C4B-A1DC-40C0B7B25441}"/>
-                  </a:ext>
-                </a:extLst>
-              </p:cNvPr>
-              <p:cNvCxnSpPr/>
-              <p:nvPr/>
-            </p:nvCxnSpPr>
-            <p:spPr>
-              <a:xfrm>
-                <a:off x="11823193" y="2011680"/>
-                <a:ext cx="0" cy="472059"/>
-              </a:xfrm>
-              <a:prstGeom prst="line">
-                <a:avLst/>
-              </a:prstGeom>
-              <a:grpFill/>
-            </p:spPr>
-            <p:style>
-              <a:lnRef idx="1">
-                <a:schemeClr val="accent1"/>
-              </a:lnRef>
-              <a:fillRef idx="0">
-                <a:schemeClr val="accent1"/>
-              </a:fillRef>
-              <a:effectRef idx="0">
-                <a:schemeClr val="accent1"/>
-              </a:effectRef>
-              <a:fontRef idx="minor">
-                <a:schemeClr val="tx1"/>
-              </a:fontRef>
-            </p:style>
-          </p:cxnSp>
-          <p:cxnSp>
-            <p:nvCxnSpPr>
-              <p:cNvPr id="62" name="Прямая соединительная линия 61">
-                <a:extLst>
-                  <a:ext uri="{FF2B5EF4-FFF2-40B4-BE49-F238E27FC236}">
-                    <a16:creationId xmlns:a16="http://schemas.microsoft.com/office/drawing/2014/main" id="{2E57C7C1-D0DD-4151-BBC1-33CE5C8083E2}"/>
-                  </a:ext>
-                </a:extLst>
-              </p:cNvPr>
-              <p:cNvCxnSpPr>
-                <a:cxnSpLocks/>
-              </p:cNvCxnSpPr>
-              <p:nvPr/>
-            </p:nvCxnSpPr>
-            <p:spPr>
-              <a:xfrm flipH="1">
-                <a:off x="11192257" y="2480882"/>
-                <a:ext cx="649223" cy="188595"/>
-              </a:xfrm>
-              <a:prstGeom prst="line">
-                <a:avLst/>
-              </a:prstGeom>
-              <a:grpFill/>
-            </p:spPr>
-            <p:style>
-              <a:lnRef idx="1">
-                <a:schemeClr val="accent1"/>
-              </a:lnRef>
-              <a:fillRef idx="0">
-                <a:schemeClr val="accent1"/>
-              </a:fillRef>
-              <a:effectRef idx="0">
-                <a:schemeClr val="accent1"/>
-              </a:effectRef>
-              <a:fontRef idx="minor">
-                <a:schemeClr val="tx1"/>
-              </a:fontRef>
-            </p:style>
-          </p:cxnSp>
-          <p:cxnSp>
-            <p:nvCxnSpPr>
-              <p:cNvPr id="68" name="Прямая соединительная линия 67">
-                <a:extLst>
-                  <a:ext uri="{FF2B5EF4-FFF2-40B4-BE49-F238E27FC236}">
-                    <a16:creationId xmlns:a16="http://schemas.microsoft.com/office/drawing/2014/main" id="{CA80CFD9-CAAC-4257-9CEE-23F12799A9F7}"/>
-                  </a:ext>
-                </a:extLst>
-              </p:cNvPr>
-              <p:cNvCxnSpPr>
-                <a:cxnSpLocks/>
-              </p:cNvCxnSpPr>
-              <p:nvPr/>
-            </p:nvCxnSpPr>
-            <p:spPr>
-              <a:xfrm>
-                <a:off x="7315200" y="1650492"/>
-                <a:ext cx="0" cy="507492"/>
-              </a:xfrm>
-              <a:prstGeom prst="line">
-                <a:avLst/>
-              </a:prstGeom>
-              <a:grpFill/>
-            </p:spPr>
-            <p:style>
-              <a:lnRef idx="1">
-                <a:schemeClr val="accent1"/>
-              </a:lnRef>
-              <a:fillRef idx="0">
-                <a:schemeClr val="accent1"/>
-              </a:fillRef>
-              <a:effectRef idx="0">
-                <a:schemeClr val="accent1"/>
-              </a:effectRef>
-              <a:fontRef idx="minor">
-                <a:schemeClr val="tx1"/>
-              </a:fontRef>
-            </p:style>
-          </p:cxnSp>
-          <p:cxnSp>
-            <p:nvCxnSpPr>
-              <p:cNvPr id="70" name="Прямая соединительная линия 69">
-                <a:extLst>
-                  <a:ext uri="{FF2B5EF4-FFF2-40B4-BE49-F238E27FC236}">
-                    <a16:creationId xmlns:a16="http://schemas.microsoft.com/office/drawing/2014/main" id="{AAB8BA9B-6ADF-400D-A99E-7A28437A1E18}"/>
-                  </a:ext>
-                </a:extLst>
-              </p:cNvPr>
-              <p:cNvCxnSpPr>
-                <a:cxnSpLocks/>
-              </p:cNvCxnSpPr>
-              <p:nvPr/>
-            </p:nvCxnSpPr>
-            <p:spPr>
-              <a:xfrm>
-                <a:off x="8439912" y="1828800"/>
-                <a:ext cx="0" cy="507492"/>
-              </a:xfrm>
-              <a:prstGeom prst="line">
-                <a:avLst/>
-              </a:prstGeom>
-              <a:grpFill/>
-            </p:spPr>
-            <p:style>
-              <a:lnRef idx="1">
-                <a:schemeClr val="accent1"/>
-              </a:lnRef>
-              <a:fillRef idx="0">
-                <a:schemeClr val="accent1"/>
-              </a:fillRef>
-              <a:effectRef idx="0">
-                <a:schemeClr val="accent1"/>
-              </a:effectRef>
-              <a:fontRef idx="minor">
-                <a:schemeClr val="tx1"/>
-              </a:fontRef>
-            </p:style>
-          </p:cxnSp>
-          <p:cxnSp>
-            <p:nvCxnSpPr>
-              <p:cNvPr id="71" name="Прямая соединительная линия 70">
-                <a:extLst>
-                  <a:ext uri="{FF2B5EF4-FFF2-40B4-BE49-F238E27FC236}">
-                    <a16:creationId xmlns:a16="http://schemas.microsoft.com/office/drawing/2014/main" id="{D8E602A3-D07D-4A08-B429-03319D86027B}"/>
-                  </a:ext>
-                </a:extLst>
-              </p:cNvPr>
-              <p:cNvCxnSpPr>
-                <a:cxnSpLocks/>
-              </p:cNvCxnSpPr>
-              <p:nvPr/>
-            </p:nvCxnSpPr>
-            <p:spPr>
-              <a:xfrm>
-                <a:off x="9560052" y="1988820"/>
-                <a:ext cx="0" cy="507492"/>
-              </a:xfrm>
-              <a:prstGeom prst="line">
-                <a:avLst/>
-              </a:prstGeom>
-              <a:grpFill/>
-            </p:spPr>
-            <p:style>
-              <a:lnRef idx="1">
-                <a:schemeClr val="accent1"/>
-              </a:lnRef>
-              <a:fillRef idx="0">
-                <a:schemeClr val="accent1"/>
-              </a:fillRef>
-              <a:effectRef idx="0">
-                <a:schemeClr val="accent1"/>
-              </a:effectRef>
-              <a:fontRef idx="minor">
-                <a:schemeClr val="tx1"/>
-              </a:fontRef>
-            </p:style>
-          </p:cxnSp>
-          <p:cxnSp>
-            <p:nvCxnSpPr>
-              <p:cNvPr id="76" name="Прямая соединительная линия 75">
-                <a:extLst>
-                  <a:ext uri="{FF2B5EF4-FFF2-40B4-BE49-F238E27FC236}">
-                    <a16:creationId xmlns:a16="http://schemas.microsoft.com/office/drawing/2014/main" id="{11778A0C-4D9A-414F-AD5E-99CD04BBBBCD}"/>
-                  </a:ext>
-                </a:extLst>
-              </p:cNvPr>
-              <p:cNvCxnSpPr>
-                <a:cxnSpLocks/>
-              </p:cNvCxnSpPr>
-              <p:nvPr/>
-            </p:nvCxnSpPr>
-            <p:spPr>
-              <a:xfrm>
-                <a:off x="6108193" y="2123264"/>
-                <a:ext cx="5009387" cy="784528"/>
-              </a:xfrm>
-              <a:prstGeom prst="line">
-                <a:avLst/>
-              </a:prstGeom>
-              <a:grpFill/>
-            </p:spPr>
-            <p:style>
-              <a:lnRef idx="1">
-                <a:schemeClr val="accent1"/>
-              </a:lnRef>
-              <a:fillRef idx="0">
-                <a:schemeClr val="accent1"/>
-              </a:fillRef>
-              <a:effectRef idx="0">
-                <a:schemeClr val="accent1"/>
-              </a:effectRef>
-              <a:fontRef idx="minor">
-                <a:schemeClr val="tx1"/>
-              </a:fontRef>
-            </p:style>
-          </p:cxnSp>
-          <p:cxnSp>
-            <p:nvCxnSpPr>
-              <p:cNvPr id="78" name="Прямая соединительная линия 77">
-                <a:extLst>
-                  <a:ext uri="{FF2B5EF4-FFF2-40B4-BE49-F238E27FC236}">
-                    <a16:creationId xmlns:a16="http://schemas.microsoft.com/office/drawing/2014/main" id="{BCD330A8-15FA-4D40-9622-C31F49CF14F0}"/>
-                  </a:ext>
-                </a:extLst>
-              </p:cNvPr>
-              <p:cNvCxnSpPr>
-                <a:cxnSpLocks/>
-              </p:cNvCxnSpPr>
-              <p:nvPr/>
-            </p:nvCxnSpPr>
-            <p:spPr>
-              <a:xfrm>
-                <a:off x="6183634" y="2366295"/>
-                <a:ext cx="4770878" cy="734664"/>
-              </a:xfrm>
-              <a:prstGeom prst="line">
-                <a:avLst/>
-              </a:prstGeom>
-              <a:grpFill/>
-            </p:spPr>
-            <p:style>
-              <a:lnRef idx="1">
-                <a:schemeClr val="accent1"/>
-              </a:lnRef>
-              <a:fillRef idx="0">
-                <a:schemeClr val="accent1"/>
-              </a:fillRef>
-              <a:effectRef idx="0">
-                <a:schemeClr val="accent1"/>
-              </a:effectRef>
-              <a:fontRef idx="minor">
-                <a:schemeClr val="tx1"/>
-              </a:fontRef>
-            </p:style>
-          </p:cxnSp>
-          <p:cxnSp>
-            <p:nvCxnSpPr>
-              <p:cNvPr id="81" name="Прямая соединительная линия 80">
-                <a:extLst>
-                  <a:ext uri="{FF2B5EF4-FFF2-40B4-BE49-F238E27FC236}">
-                    <a16:creationId xmlns:a16="http://schemas.microsoft.com/office/drawing/2014/main" id="{86AF66DF-DF81-4F6C-8695-583839875585}"/>
-                  </a:ext>
-                </a:extLst>
-              </p:cNvPr>
-              <p:cNvCxnSpPr>
-                <a:cxnSpLocks/>
-              </p:cNvCxnSpPr>
-              <p:nvPr/>
-            </p:nvCxnSpPr>
-            <p:spPr>
-              <a:xfrm flipV="1">
-                <a:off x="11117580" y="2544603"/>
-                <a:ext cx="887732" cy="270892"/>
-              </a:xfrm>
-              <a:prstGeom prst="line">
-                <a:avLst/>
-              </a:prstGeom>
-              <a:grpFill/>
-            </p:spPr>
-            <p:style>
-              <a:lnRef idx="1">
-                <a:schemeClr val="accent1"/>
-              </a:lnRef>
-              <a:fillRef idx="0">
-                <a:schemeClr val="accent1"/>
-              </a:fillRef>
-              <a:effectRef idx="0">
-                <a:schemeClr val="accent1"/>
-              </a:effectRef>
-              <a:fontRef idx="minor">
-                <a:schemeClr val="tx1"/>
-              </a:fontRef>
-            </p:style>
-          </p:cxnSp>
-          <p:cxnSp>
-            <p:nvCxnSpPr>
-              <p:cNvPr id="83" name="Прямая соединительная линия 82">
-                <a:extLst>
-                  <a:ext uri="{FF2B5EF4-FFF2-40B4-BE49-F238E27FC236}">
-                    <a16:creationId xmlns:a16="http://schemas.microsoft.com/office/drawing/2014/main" id="{3B5CF773-EA6E-48D3-873D-A70B0DF62366}"/>
-                  </a:ext>
-                </a:extLst>
-              </p:cNvPr>
-              <p:cNvCxnSpPr/>
-              <p:nvPr/>
-            </p:nvCxnSpPr>
-            <p:spPr>
-              <a:xfrm flipV="1">
-                <a:off x="10927081" y="2990088"/>
-                <a:ext cx="960118" cy="259461"/>
-              </a:xfrm>
-              <a:prstGeom prst="line">
-                <a:avLst/>
-              </a:prstGeom>
-              <a:grpFill/>
-            </p:spPr>
-            <p:style>
-              <a:lnRef idx="1">
-                <a:schemeClr val="accent1"/>
-              </a:lnRef>
-              <a:fillRef idx="0">
-                <a:schemeClr val="accent1"/>
-              </a:fillRef>
-              <a:effectRef idx="0">
-                <a:schemeClr val="accent1"/>
-              </a:effectRef>
-              <a:fontRef idx="minor">
-                <a:schemeClr val="tx1"/>
-              </a:fontRef>
-            </p:style>
-          </p:cxnSp>
-          <p:sp>
-            <p:nvSpPr>
-              <p:cNvPr id="90" name="Овал 89">
-                <a:extLst>
-                  <a:ext uri="{FF2B5EF4-FFF2-40B4-BE49-F238E27FC236}">
-                    <a16:creationId xmlns:a16="http://schemas.microsoft.com/office/drawing/2014/main" id="{209725BE-1F8A-4BE4-93EB-BEA80971A004}"/>
-                  </a:ext>
-                </a:extLst>
-              </p:cNvPr>
-              <p:cNvSpPr/>
-              <p:nvPr/>
-            </p:nvSpPr>
-            <p:spPr>
-              <a:xfrm>
-                <a:off x="7315200" y="2567463"/>
-                <a:ext cx="356612" cy="382047"/>
-              </a:xfrm>
-              <a:prstGeom prst="ellipse">
-                <a:avLst/>
-              </a:prstGeom>
-              <a:grpFill/>
-            </p:spPr>
-            <p:style>
-              <a:lnRef idx="2">
-                <a:schemeClr val="accent1">
-                  <a:shade val="50000"/>
-                </a:schemeClr>
-              </a:lnRef>
-              <a:fillRef idx="1">
-                <a:schemeClr val="accent1"/>
-              </a:fillRef>
-              <a:effectRef idx="0">
-                <a:schemeClr val="accent1"/>
-              </a:effectRef>
-              <a:fontRef idx="minor">
-                <a:schemeClr val="lt1"/>
-              </a:fontRef>
-            </p:style>
-            <p:txBody>
-              <a:bodyPr rtlCol="0" anchor="ctr"/>
-              <a:lstStyle/>
-              <a:p>
-                <a:pPr algn="ctr"/>
-                <a:endParaRPr lang="ru-RU"/>
-              </a:p>
-            </p:txBody>
-          </p:sp>
-          <p:sp>
-            <p:nvSpPr>
-              <p:cNvPr id="91" name="Овал 90">
-                <a:extLst>
-                  <a:ext uri="{FF2B5EF4-FFF2-40B4-BE49-F238E27FC236}">
-                    <a16:creationId xmlns:a16="http://schemas.microsoft.com/office/drawing/2014/main" id="{5AE58114-A4B8-4D90-B533-80DDF958C020}"/>
-                  </a:ext>
-                </a:extLst>
-              </p:cNvPr>
-              <p:cNvSpPr/>
-              <p:nvPr/>
-            </p:nvSpPr>
-            <p:spPr>
-              <a:xfrm>
-                <a:off x="9381746" y="2861501"/>
-                <a:ext cx="356612" cy="382047"/>
-              </a:xfrm>
-              <a:prstGeom prst="ellipse">
-                <a:avLst/>
-              </a:prstGeom>
-              <a:grpFill/>
-            </p:spPr>
-            <p:style>
-              <a:lnRef idx="2">
-                <a:schemeClr val="accent1">
-                  <a:shade val="50000"/>
-                </a:schemeClr>
-              </a:lnRef>
-              <a:fillRef idx="1">
-                <a:schemeClr val="accent1"/>
-              </a:fillRef>
-              <a:effectRef idx="0">
-                <a:schemeClr val="accent1"/>
-              </a:effectRef>
-              <a:fontRef idx="minor">
-                <a:schemeClr val="lt1"/>
-              </a:fontRef>
-            </p:style>
-            <p:txBody>
-              <a:bodyPr rtlCol="0" anchor="ctr"/>
-              <a:lstStyle/>
-              <a:p>
-                <a:pPr algn="ctr"/>
-                <a:endParaRPr lang="ru-RU"/>
-              </a:p>
-            </p:txBody>
-          </p:sp>
-          <p:cxnSp>
-            <p:nvCxnSpPr>
-              <p:cNvPr id="99" name="Прямая соединительная линия 98">
-                <a:extLst>
-                  <a:ext uri="{FF2B5EF4-FFF2-40B4-BE49-F238E27FC236}">
-                    <a16:creationId xmlns:a16="http://schemas.microsoft.com/office/drawing/2014/main" id="{68EA51AF-009E-42E0-AB04-2DDBD74193D8}"/>
-                  </a:ext>
-                </a:extLst>
-              </p:cNvPr>
-              <p:cNvCxnSpPr/>
-              <p:nvPr/>
-            </p:nvCxnSpPr>
-            <p:spPr>
-              <a:xfrm flipH="1">
-                <a:off x="10927081" y="2815209"/>
-                <a:ext cx="201166" cy="428339"/>
-              </a:xfrm>
-              <a:prstGeom prst="line">
-                <a:avLst/>
-              </a:prstGeom>
-              <a:grpFill/>
-            </p:spPr>
-            <p:style>
-              <a:lnRef idx="1">
-                <a:schemeClr val="accent1"/>
-              </a:lnRef>
-              <a:fillRef idx="0">
-                <a:schemeClr val="accent1"/>
-              </a:fillRef>
-              <a:effectRef idx="0">
-                <a:schemeClr val="accent1"/>
-              </a:effectRef>
-              <a:fontRef idx="minor">
-                <a:schemeClr val="tx1"/>
-              </a:fontRef>
-            </p:style>
-          </p:cxnSp>
-          <p:cxnSp>
-            <p:nvCxnSpPr>
-              <p:cNvPr id="103" name="Прямая соединительная линия 102">
-                <a:extLst>
-                  <a:ext uri="{FF2B5EF4-FFF2-40B4-BE49-F238E27FC236}">
-                    <a16:creationId xmlns:a16="http://schemas.microsoft.com/office/drawing/2014/main" id="{671617D7-77DD-430E-A161-F36BC1ADB577}"/>
-                  </a:ext>
-                </a:extLst>
-              </p:cNvPr>
-              <p:cNvCxnSpPr/>
-              <p:nvPr/>
-            </p:nvCxnSpPr>
-            <p:spPr>
-              <a:xfrm>
-                <a:off x="6108193" y="2116266"/>
-                <a:ext cx="117348" cy="451197"/>
-              </a:xfrm>
-              <a:prstGeom prst="line">
-                <a:avLst/>
-              </a:prstGeom>
-              <a:grpFill/>
-            </p:spPr>
-            <p:style>
-              <a:lnRef idx="1">
-                <a:schemeClr val="accent1"/>
-              </a:lnRef>
-              <a:fillRef idx="0">
-                <a:schemeClr val="accent1"/>
-              </a:fillRef>
-              <a:effectRef idx="0">
-                <a:schemeClr val="accent1"/>
-              </a:effectRef>
-              <a:fontRef idx="minor">
-                <a:schemeClr val="tx1"/>
-              </a:fontRef>
-            </p:style>
-          </p:cxnSp>
-          <p:cxnSp>
-            <p:nvCxnSpPr>
-              <p:cNvPr id="108" name="Прямая соединительная линия 107">
-                <a:extLst>
-                  <a:ext uri="{FF2B5EF4-FFF2-40B4-BE49-F238E27FC236}">
-                    <a16:creationId xmlns:a16="http://schemas.microsoft.com/office/drawing/2014/main" id="{6BC23EA7-9527-48EF-8B29-99524B07378E}"/>
-                  </a:ext>
-                </a:extLst>
-              </p:cNvPr>
-              <p:cNvCxnSpPr/>
-              <p:nvPr/>
-            </p:nvCxnSpPr>
-            <p:spPr>
-              <a:xfrm flipV="1">
-                <a:off x="11117580" y="2668905"/>
-                <a:ext cx="879348" cy="238887"/>
-              </a:xfrm>
-              <a:prstGeom prst="line">
-                <a:avLst/>
-              </a:prstGeom>
-              <a:grpFill/>
-            </p:spPr>
-            <p:style>
-              <a:lnRef idx="1">
-                <a:schemeClr val="accent1"/>
-              </a:lnRef>
-              <a:fillRef idx="0">
-                <a:schemeClr val="accent1"/>
-              </a:fillRef>
-              <a:effectRef idx="0">
-                <a:schemeClr val="accent1"/>
-              </a:effectRef>
-              <a:fontRef idx="minor">
-                <a:schemeClr val="tx1"/>
-              </a:fontRef>
-            </p:style>
-          </p:cxnSp>
-          <p:cxnSp>
-            <p:nvCxnSpPr>
-              <p:cNvPr id="110" name="Прямая соединительная линия 109">
-                <a:extLst>
-                  <a:ext uri="{FF2B5EF4-FFF2-40B4-BE49-F238E27FC236}">
-                    <a16:creationId xmlns:a16="http://schemas.microsoft.com/office/drawing/2014/main" id="{802D4324-C543-41E1-9C6B-AFA69FF3CDBE}"/>
-                  </a:ext>
-                </a:extLst>
-              </p:cNvPr>
-              <p:cNvCxnSpPr>
-                <a:cxnSpLocks/>
-              </p:cNvCxnSpPr>
-              <p:nvPr/>
-            </p:nvCxnSpPr>
-            <p:spPr>
-              <a:xfrm flipH="1">
-                <a:off x="11908534" y="2544603"/>
-                <a:ext cx="112398" cy="454629"/>
-              </a:xfrm>
-              <a:prstGeom prst="line">
-                <a:avLst/>
-              </a:prstGeom>
-              <a:grpFill/>
-            </p:spPr>
-            <p:style>
-              <a:lnRef idx="1">
-                <a:schemeClr val="accent1"/>
-              </a:lnRef>
-              <a:fillRef idx="0">
-                <a:schemeClr val="accent1"/>
-              </a:fillRef>
-              <a:effectRef idx="0">
-                <a:schemeClr val="accent1"/>
-              </a:effectRef>
-              <a:fontRef idx="minor">
-                <a:schemeClr val="tx1"/>
-              </a:fontRef>
-            </p:style>
-          </p:cxnSp>
-          <p:sp>
-            <p:nvSpPr>
-              <p:cNvPr id="112" name="TextBox 111">
-                <a:extLst>
-                  <a:ext uri="{FF2B5EF4-FFF2-40B4-BE49-F238E27FC236}">
-                    <a16:creationId xmlns:a16="http://schemas.microsoft.com/office/drawing/2014/main" id="{F2055701-9407-4D8B-93AE-A208ABF49508}"/>
-                  </a:ext>
-                </a:extLst>
-              </p:cNvPr>
-              <p:cNvSpPr txBox="1"/>
-              <p:nvPr/>
-            </p:nvSpPr>
-            <p:spPr>
-              <a:xfrm rot="20905167">
-                <a:off x="11315134" y="2208633"/>
-                <a:ext cx="418704" cy="369332"/>
-              </a:xfrm>
-              <a:prstGeom prst="rect">
-                <a:avLst/>
-              </a:prstGeom>
-              <a:grpFill/>
-            </p:spPr>
-            <p:txBody>
-              <a:bodyPr wrap="none" rtlCol="0">
-                <a:spAutoFit/>
-              </a:bodyPr>
-              <a:lstStyle/>
-              <a:p>
-                <a:r>
-                  <a:rPr lang="ru-RU" dirty="0"/>
-                  <a:t>22</a:t>
-                </a:r>
-              </a:p>
-            </p:txBody>
-          </p:sp>
-        </p:grpSp>
-        <mc:AlternateContent xmlns:mc="http://schemas.openxmlformats.org/markup-compatibility/2006">
-          <mc:Choice xmlns:p14="http://schemas.microsoft.com/office/powerpoint/2010/main" Requires="p14">
-            <p:contentPart p14:bwMode="auto" r:id="rId2">
-              <p14:nvContentPartPr>
-                <p14:cNvPr id="125" name="Рукописный ввод 124">
-                  <a:extLst>
-                    <a:ext uri="{FF2B5EF4-FFF2-40B4-BE49-F238E27FC236}">
-                      <a16:creationId xmlns:a16="http://schemas.microsoft.com/office/drawing/2014/main" id="{5418C19C-445D-4ECE-B68E-B75AA707AE83}"/>
-                    </a:ext>
-                  </a:extLst>
-                </p14:cNvPr>
-                <p14:cNvContentPartPr/>
-                <p14:nvPr/>
-              </p14:nvContentPartPr>
-              <p14:xfrm>
-                <a:off x="5367240" y="2230848"/>
-                <a:ext cx="360" cy="360"/>
-              </p14:xfrm>
-            </p:contentPart>
-          </mc:Choice>
-          <mc:Fallback>
-            <p:pic>
-              <p:nvPicPr>
-                <p:cNvPr id="125" name="Рукописный ввод 124">
-                  <a:extLst>
-                    <a:ext uri="{FF2B5EF4-FFF2-40B4-BE49-F238E27FC236}">
-                      <a16:creationId xmlns:a16="http://schemas.microsoft.com/office/drawing/2014/main" id="{5418C19C-445D-4ECE-B68E-B75AA707AE83}"/>
-                    </a:ext>
-                  </a:extLst>
-                </p:cNvPr>
-                <p:cNvPicPr/>
-                <p:nvPr/>
-              </p:nvPicPr>
-              <p:blipFill>
-                <a:blip r:embed="rId3"/>
-                <a:stretch>
-                  <a:fillRect/>
-                </a:stretch>
-              </p:blipFill>
-              <p:spPr>
-                <a:xfrm>
-                  <a:off x="5331240" y="2158848"/>
-                  <a:ext cx="72000" cy="144000"/>
-                </a:xfrm>
-                <a:prstGeom prst="rect">
-                  <a:avLst/>
-                </a:prstGeom>
-              </p:spPr>
-            </p:pic>
-          </mc:Fallback>
-        </mc:AlternateContent>
-        <mc:AlternateContent xmlns:mc="http://schemas.openxmlformats.org/markup-compatibility/2006">
-          <mc:Choice xmlns:p14="http://schemas.microsoft.com/office/powerpoint/2010/main" Requires="p14">
-            <p:contentPart p14:bwMode="auto" r:id="rId4">
-              <p14:nvContentPartPr>
-                <p14:cNvPr id="126" name="Рукописный ввод 125">
-                  <a:extLst>
-                    <a:ext uri="{FF2B5EF4-FFF2-40B4-BE49-F238E27FC236}">
-                      <a16:creationId xmlns:a16="http://schemas.microsoft.com/office/drawing/2014/main" id="{CEDBAD4F-D04C-46B2-BC5B-EFDEBCE707EB}"/>
-                    </a:ext>
-                  </a:extLst>
-                </p14:cNvPr>
-                <p14:cNvContentPartPr/>
-                <p14:nvPr/>
-              </p14:nvContentPartPr>
-              <p14:xfrm>
-                <a:off x="5241960" y="2156688"/>
-                <a:ext cx="4883040" cy="854280"/>
-              </p14:xfrm>
-            </p:contentPart>
-          </mc:Choice>
-          <mc:Fallback>
-            <p:pic>
-              <p:nvPicPr>
-                <p:cNvPr id="126" name="Рукописный ввод 125">
-                  <a:extLst>
-                    <a:ext uri="{FF2B5EF4-FFF2-40B4-BE49-F238E27FC236}">
-                      <a16:creationId xmlns:a16="http://schemas.microsoft.com/office/drawing/2014/main" id="{CEDBAD4F-D04C-46B2-BC5B-EFDEBCE707EB}"/>
-                    </a:ext>
-                  </a:extLst>
-                </p:cNvPr>
-                <p:cNvPicPr/>
-                <p:nvPr/>
-              </p:nvPicPr>
-              <p:blipFill>
-                <a:blip r:embed="rId5"/>
-                <a:stretch>
-                  <a:fillRect/>
-                </a:stretch>
-              </p:blipFill>
-              <p:spPr>
-                <a:xfrm>
-                  <a:off x="5205960" y="2084688"/>
-                  <a:ext cx="4954680" cy="997920"/>
-                </a:xfrm>
-                <a:prstGeom prst="rect">
-                  <a:avLst/>
-                </a:prstGeom>
-              </p:spPr>
-            </p:pic>
-          </mc:Fallback>
-        </mc:AlternateContent>
-        <mc:AlternateContent xmlns:mc="http://schemas.openxmlformats.org/markup-compatibility/2006">
-          <mc:Choice xmlns:p14="http://schemas.microsoft.com/office/powerpoint/2010/main" Requires="p14">
-            <p:contentPart p14:bwMode="auto" r:id="rId6">
-              <p14:nvContentPartPr>
-                <p14:cNvPr id="127" name="Рукописный ввод 126">
-                  <a:extLst>
-                    <a:ext uri="{FF2B5EF4-FFF2-40B4-BE49-F238E27FC236}">
-                      <a16:creationId xmlns:a16="http://schemas.microsoft.com/office/drawing/2014/main" id="{EAA59399-BF1A-473E-B417-9B05F02F25AB}"/>
-                    </a:ext>
-                  </a:extLst>
-                </p14:cNvPr>
-                <p14:cNvContentPartPr/>
-                <p14:nvPr/>
-              </p14:nvContentPartPr>
-              <p14:xfrm>
-                <a:off x="10144440" y="2745648"/>
-                <a:ext cx="907560" cy="245160"/>
-              </p14:xfrm>
-            </p:contentPart>
-          </mc:Choice>
-          <mc:Fallback>
-            <p:pic>
-              <p:nvPicPr>
-                <p:cNvPr id="127" name="Рукописный ввод 126">
-                  <a:extLst>
-                    <a:ext uri="{FF2B5EF4-FFF2-40B4-BE49-F238E27FC236}">
-                      <a16:creationId xmlns:a16="http://schemas.microsoft.com/office/drawing/2014/main" id="{EAA59399-BF1A-473E-B417-9B05F02F25AB}"/>
-                    </a:ext>
-                  </a:extLst>
-                </p:cNvPr>
-                <p:cNvPicPr/>
-                <p:nvPr/>
-              </p:nvPicPr>
-              <p:blipFill>
-                <a:blip r:embed="rId7"/>
-                <a:stretch>
-                  <a:fillRect/>
-                </a:stretch>
-              </p:blipFill>
-              <p:spPr>
-                <a:xfrm>
-                  <a:off x="10108440" y="2674008"/>
-                  <a:ext cx="979200" cy="388800"/>
-                </a:xfrm>
-                <a:prstGeom prst="rect">
-                  <a:avLst/>
-                </a:prstGeom>
-              </p:spPr>
-            </p:pic>
-          </mc:Fallback>
-        </mc:AlternateContent>
-        <mc:AlternateContent xmlns:mc="http://schemas.openxmlformats.org/markup-compatibility/2006">
-          <mc:Choice xmlns:p14="http://schemas.microsoft.com/office/powerpoint/2010/main" Requires="p14">
-            <p:contentPart p14:bwMode="auto" r:id="rId8">
-              <p14:nvContentPartPr>
-                <p14:cNvPr id="128" name="Рукописный ввод 127">
-                  <a:extLst>
-                    <a:ext uri="{FF2B5EF4-FFF2-40B4-BE49-F238E27FC236}">
-                      <a16:creationId xmlns:a16="http://schemas.microsoft.com/office/drawing/2014/main" id="{5B5985E8-D3A1-4180-8315-E06372E1561F}"/>
-                    </a:ext>
-                  </a:extLst>
-                </p14:cNvPr>
-                <p14:cNvContentPartPr/>
-                <p14:nvPr/>
-              </p14:nvContentPartPr>
-              <p14:xfrm>
-                <a:off x="5449320" y="913608"/>
-                <a:ext cx="5495040" cy="999000"/>
-              </p14:xfrm>
-            </p:contentPart>
-          </mc:Choice>
-          <mc:Fallback>
-            <p:pic>
-              <p:nvPicPr>
-                <p:cNvPr id="128" name="Рукописный ввод 127">
-                  <a:extLst>
-                    <a:ext uri="{FF2B5EF4-FFF2-40B4-BE49-F238E27FC236}">
-                      <a16:creationId xmlns:a16="http://schemas.microsoft.com/office/drawing/2014/main" id="{5B5985E8-D3A1-4180-8315-E06372E1561F}"/>
-                    </a:ext>
-                  </a:extLst>
-                </p:cNvPr>
-                <p:cNvPicPr/>
-                <p:nvPr/>
-              </p:nvPicPr>
-              <p:blipFill>
-                <a:blip r:embed="rId9"/>
-                <a:stretch>
-                  <a:fillRect/>
-                </a:stretch>
-              </p:blipFill>
-              <p:spPr>
-                <a:xfrm>
-                  <a:off x="5413680" y="841608"/>
-                  <a:ext cx="5566680" cy="1142640"/>
-                </a:xfrm>
-                <a:prstGeom prst="rect">
-                  <a:avLst/>
-                </a:prstGeom>
-              </p:spPr>
-            </p:pic>
-          </mc:Fallback>
-        </mc:AlternateContent>
-        <mc:AlternateContent xmlns:mc="http://schemas.openxmlformats.org/markup-compatibility/2006">
-          <mc:Choice xmlns:p14="http://schemas.microsoft.com/office/powerpoint/2010/main" Requires="p14">
-            <p:contentPart p14:bwMode="auto" r:id="rId10">
-              <p14:nvContentPartPr>
-                <p14:cNvPr id="129" name="Рукописный ввод 128">
-                  <a:extLst>
-                    <a:ext uri="{FF2B5EF4-FFF2-40B4-BE49-F238E27FC236}">
-                      <a16:creationId xmlns:a16="http://schemas.microsoft.com/office/drawing/2014/main" id="{C530C1E3-DD87-47A2-BDA8-D86B93E72876}"/>
-                    </a:ext>
-                  </a:extLst>
-                </p14:cNvPr>
-                <p14:cNvContentPartPr/>
-                <p14:nvPr/>
-              </p14:nvContentPartPr>
-              <p14:xfrm>
-                <a:off x="9966600" y="1535328"/>
-                <a:ext cx="667440" cy="257400"/>
-              </p14:xfrm>
-            </p:contentPart>
-          </mc:Choice>
-          <mc:Fallback>
-            <p:pic>
-              <p:nvPicPr>
-                <p:cNvPr id="129" name="Рукописный ввод 128">
-                  <a:extLst>
-                    <a:ext uri="{FF2B5EF4-FFF2-40B4-BE49-F238E27FC236}">
-                      <a16:creationId xmlns:a16="http://schemas.microsoft.com/office/drawing/2014/main" id="{C530C1E3-DD87-47A2-BDA8-D86B93E72876}"/>
-                    </a:ext>
-                  </a:extLst>
-                </p:cNvPr>
-                <p:cNvPicPr/>
-                <p:nvPr/>
-              </p:nvPicPr>
-              <p:blipFill>
-                <a:blip r:embed="rId11"/>
-                <a:stretch>
-                  <a:fillRect/>
-                </a:stretch>
-              </p:blipFill>
-              <p:spPr>
-                <a:xfrm>
-                  <a:off x="9930960" y="1463688"/>
-                  <a:ext cx="739080" cy="401040"/>
-                </a:xfrm>
-                <a:prstGeom prst="rect">
-                  <a:avLst/>
-                </a:prstGeom>
-              </p:spPr>
-            </p:pic>
-          </mc:Fallback>
-        </mc:AlternateContent>
-      </p:grpSp>
-      <p:grpSp>
-        <p:nvGrpSpPr>
-          <p:cNvPr id="135" name="Группа 134">
-            <a:extLst>
-              <a:ext uri="{FF2B5EF4-FFF2-40B4-BE49-F238E27FC236}">
-                <a16:creationId xmlns:a16="http://schemas.microsoft.com/office/drawing/2014/main" id="{B9A1F111-BB2B-47D9-893E-F19C7262746D}"/>
-              </a:ext>
-            </a:extLst>
-          </p:cNvPr>
-          <p:cNvGrpSpPr/>
-          <p:nvPr/>
-        </p:nvGrpSpPr>
-        <p:grpSpPr>
-          <a:xfrm rot="21257900">
-            <a:off x="2478873" y="2605065"/>
-            <a:ext cx="5912739" cy="2358009"/>
-            <a:chOff x="5205598" y="861250"/>
-            <a:chExt cx="5912739" cy="2358009"/>
-          </a:xfrm>
-        </p:grpSpPr>
-        <p:grpSp>
-          <p:nvGrpSpPr>
-            <p:cNvPr id="136" name="Группа 135">
-              <a:extLst>
-                <a:ext uri="{FF2B5EF4-FFF2-40B4-BE49-F238E27FC236}">
-                  <a16:creationId xmlns:a16="http://schemas.microsoft.com/office/drawing/2014/main" id="{D9159AE4-F813-4969-BB41-070CC43E6F83}"/>
-                </a:ext>
-              </a:extLst>
-            </p:cNvPr>
-            <p:cNvGrpSpPr/>
-            <p:nvPr/>
-          </p:nvGrpSpPr>
-          <p:grpSpPr>
-            <a:xfrm>
-              <a:off x="5205598" y="861250"/>
-              <a:ext cx="5912739" cy="2358009"/>
-              <a:chOff x="6108193" y="891540"/>
-              <a:chExt cx="5912739" cy="2358009"/>
-            </a:xfrm>
-            <a:solidFill>
-              <a:schemeClr val="accent2">
-                <a:lumMod val="75000"/>
-              </a:schemeClr>
-            </a:solidFill>
-          </p:grpSpPr>
-          <p:cxnSp>
-            <p:nvCxnSpPr>
-              <p:cNvPr id="142" name="Прямая соединительная линия 141">
-                <a:extLst>
-                  <a:ext uri="{FF2B5EF4-FFF2-40B4-BE49-F238E27FC236}">
-                    <a16:creationId xmlns:a16="http://schemas.microsoft.com/office/drawing/2014/main" id="{5E8A4841-3472-4C19-ACEA-909816F9C9D8}"/>
-                  </a:ext>
-                </a:extLst>
-              </p:cNvPr>
-              <p:cNvCxnSpPr/>
-              <p:nvPr/>
-            </p:nvCxnSpPr>
-            <p:spPr>
-              <a:xfrm>
-                <a:off x="6281928" y="1307592"/>
-                <a:ext cx="4654296" cy="685800"/>
-              </a:xfrm>
-              <a:prstGeom prst="line">
-                <a:avLst/>
-              </a:prstGeom>
-              <a:grpFill/>
+              <a:solidFill>
+                <a:schemeClr val="accent3"/>
+              </a:solidFill>
             </p:spPr>
             <p:style>
               <a:lnRef idx="1">
@@ -5750,7 +6366,7 @@
               <p:cNvPr id="143" name="Прямая соединительная линия 142">
                 <a:extLst>
                   <a:ext uri="{FF2B5EF4-FFF2-40B4-BE49-F238E27FC236}">
-                    <a16:creationId xmlns:a16="http://schemas.microsoft.com/office/drawing/2014/main" id="{4A8580DD-1745-44D4-9800-0EBE793BA2AE}"/>
+                    <a16:creationId xmlns:a16="http://schemas.microsoft.com/office/drawing/2014/main" xmlns="" id="{4A8580DD-1745-44D4-9800-0EBE793BA2AE}"/>
                   </a:ext>
                 </a:extLst>
               </p:cNvPr>
@@ -5761,13 +6377,15 @@
             </p:nvCxnSpPr>
             <p:spPr>
               <a:xfrm>
-                <a:off x="10936224" y="1993392"/>
+                <a:off x="8505484" y="3970211"/>
                 <a:ext cx="192023" cy="821817"/>
               </a:xfrm>
               <a:prstGeom prst="line">
                 <a:avLst/>
               </a:prstGeom>
-              <a:grpFill/>
+              <a:solidFill>
+                <a:schemeClr val="accent3"/>
+              </a:solidFill>
             </p:spPr>
             <p:style>
               <a:lnRef idx="1">
@@ -5789,7 +6407,7 @@
               <p:cNvPr id="144" name="Прямая соединительная линия 143">
                 <a:extLst>
                   <a:ext uri="{FF2B5EF4-FFF2-40B4-BE49-F238E27FC236}">
-                    <a16:creationId xmlns:a16="http://schemas.microsoft.com/office/drawing/2014/main" id="{1E0F4A1D-E2A6-4C71-A30D-E5C3FC7F9AFC}"/>
+                    <a16:creationId xmlns:a16="http://schemas.microsoft.com/office/drawing/2014/main" xmlns="" id="{1E0F4A1D-E2A6-4C71-A30D-E5C3FC7F9AFC}"/>
                   </a:ext>
                 </a:extLst>
               </p:cNvPr>
@@ -5800,13 +6418,15 @@
             </p:nvCxnSpPr>
             <p:spPr>
               <a:xfrm flipH="1">
-                <a:off x="6123432" y="1307592"/>
+                <a:off x="3692692" y="3284411"/>
                 <a:ext cx="161544" cy="808674"/>
               </a:xfrm>
               <a:prstGeom prst="line">
                 <a:avLst/>
               </a:prstGeom>
-              <a:grpFill/>
+              <a:solidFill>
+                <a:schemeClr val="accent3"/>
+              </a:solidFill>
             </p:spPr>
             <p:style>
               <a:lnRef idx="1">
@@ -5828,7 +6448,7 @@
               <p:cNvPr id="145" name="Прямая соединительная линия 144">
                 <a:extLst>
                   <a:ext uri="{FF2B5EF4-FFF2-40B4-BE49-F238E27FC236}">
-                    <a16:creationId xmlns:a16="http://schemas.microsoft.com/office/drawing/2014/main" id="{CACF4D28-8CC4-46D4-8C59-B30117DE0643}"/>
+                    <a16:creationId xmlns:a16="http://schemas.microsoft.com/office/drawing/2014/main" xmlns="" id="{CACF4D28-8CC4-46D4-8C59-B30117DE0643}"/>
                   </a:ext>
                 </a:extLst>
               </p:cNvPr>
@@ -5837,13 +6457,15 @@
             </p:nvCxnSpPr>
             <p:spPr>
               <a:xfrm>
-                <a:off x="7232904" y="891540"/>
+                <a:off x="4802164" y="2868359"/>
                 <a:ext cx="4654296" cy="685800"/>
               </a:xfrm>
               <a:prstGeom prst="line">
                 <a:avLst/>
               </a:prstGeom>
-              <a:grpFill/>
+              <a:solidFill>
+                <a:schemeClr val="accent3"/>
+              </a:solidFill>
             </p:spPr>
             <p:style>
               <a:lnRef idx="1">
@@ -5865,7 +6487,7 @@
               <p:cNvPr id="146" name="Прямая соединительная линия 145">
                 <a:extLst>
                   <a:ext uri="{FF2B5EF4-FFF2-40B4-BE49-F238E27FC236}">
-                    <a16:creationId xmlns:a16="http://schemas.microsoft.com/office/drawing/2014/main" id="{AEAD6B65-F6D4-4611-AB28-4C70BF10547C}"/>
+                    <a16:creationId xmlns:a16="http://schemas.microsoft.com/office/drawing/2014/main" xmlns="" id="{AEAD6B65-F6D4-4611-AB28-4C70BF10547C}"/>
                   </a:ext>
                 </a:extLst>
               </p:cNvPr>
@@ -5874,13 +6496,15 @@
             </p:nvCxnSpPr>
             <p:spPr>
               <a:xfrm flipH="1">
-                <a:off x="6281927" y="891540"/>
+                <a:off x="3851187" y="2868359"/>
                 <a:ext cx="950977" cy="416052"/>
               </a:xfrm>
               <a:prstGeom prst="line">
                 <a:avLst/>
               </a:prstGeom>
-              <a:grpFill/>
+              <a:solidFill>
+                <a:schemeClr val="accent3"/>
+              </a:solidFill>
             </p:spPr>
             <p:style>
               <a:lnRef idx="1">
@@ -5902,7 +6526,7 @@
               <p:cNvPr id="147" name="Прямая соединительная линия 146">
                 <a:extLst>
                   <a:ext uri="{FF2B5EF4-FFF2-40B4-BE49-F238E27FC236}">
-                    <a16:creationId xmlns:a16="http://schemas.microsoft.com/office/drawing/2014/main" id="{36D4192C-45FD-401C-BF80-A46712D9B254}"/>
+                    <a16:creationId xmlns:a16="http://schemas.microsoft.com/office/drawing/2014/main" xmlns="" id="{36D4192C-45FD-401C-BF80-A46712D9B254}"/>
                   </a:ext>
                 </a:extLst>
               </p:cNvPr>
@@ -5911,13 +6535,15 @@
             </p:nvCxnSpPr>
             <p:spPr>
               <a:xfrm flipH="1">
-                <a:off x="10936224" y="1618488"/>
+                <a:off x="8505484" y="3595307"/>
                 <a:ext cx="950976" cy="374904"/>
               </a:xfrm>
               <a:prstGeom prst="line">
                 <a:avLst/>
               </a:prstGeom>
-              <a:grpFill/>
+              <a:solidFill>
+                <a:schemeClr val="accent3"/>
+              </a:solidFill>
             </p:spPr>
             <p:style>
               <a:lnRef idx="1">
@@ -5939,7 +6565,7 @@
               <p:cNvPr id="148" name="Прямая соединительная линия 147">
                 <a:extLst>
                   <a:ext uri="{FF2B5EF4-FFF2-40B4-BE49-F238E27FC236}">
-                    <a16:creationId xmlns:a16="http://schemas.microsoft.com/office/drawing/2014/main" id="{8523E3F9-D198-405E-AD53-A11F0751E854}"/>
+                    <a16:creationId xmlns:a16="http://schemas.microsoft.com/office/drawing/2014/main" xmlns="" id="{8523E3F9-D198-405E-AD53-A11F0751E854}"/>
                   </a:ext>
                 </a:extLst>
               </p:cNvPr>
@@ -5950,13 +6576,15 @@
             </p:nvCxnSpPr>
             <p:spPr>
               <a:xfrm flipV="1">
-                <a:off x="10963655" y="2851498"/>
+                <a:off x="8532915" y="4828317"/>
                 <a:ext cx="978404" cy="260604"/>
               </a:xfrm>
               <a:prstGeom prst="line">
                 <a:avLst/>
               </a:prstGeom>
-              <a:grpFill/>
+              <a:solidFill>
+                <a:schemeClr val="accent3"/>
+              </a:solidFill>
             </p:spPr>
             <p:style>
               <a:lnRef idx="1">
@@ -5978,7 +6606,7 @@
               <p:cNvPr id="149" name="Прямая соединительная линия 148">
                 <a:extLst>
                   <a:ext uri="{FF2B5EF4-FFF2-40B4-BE49-F238E27FC236}">
-                    <a16:creationId xmlns:a16="http://schemas.microsoft.com/office/drawing/2014/main" id="{D39D03DD-82D4-4281-AA2A-FAE391528205}"/>
+                    <a16:creationId xmlns:a16="http://schemas.microsoft.com/office/drawing/2014/main" xmlns="" id="{D39D03DD-82D4-4281-AA2A-FAE391528205}"/>
                   </a:ext>
                 </a:extLst>
               </p:cNvPr>
@@ -5989,13 +6617,15 @@
             </p:nvCxnSpPr>
             <p:spPr>
               <a:xfrm>
-                <a:off x="11887200" y="1613916"/>
+                <a:off x="9456460" y="3590735"/>
                 <a:ext cx="109728" cy="905256"/>
               </a:xfrm>
               <a:prstGeom prst="line">
                 <a:avLst/>
               </a:prstGeom>
-              <a:grpFill/>
+              <a:solidFill>
+                <a:schemeClr val="accent3"/>
+              </a:solidFill>
             </p:spPr>
             <p:style>
               <a:lnRef idx="1">
@@ -6017,7 +6647,7 @@
               <p:cNvPr id="150" name="Прямая соединительная линия 149">
                 <a:extLst>
                   <a:ext uri="{FF2B5EF4-FFF2-40B4-BE49-F238E27FC236}">
-                    <a16:creationId xmlns:a16="http://schemas.microsoft.com/office/drawing/2014/main" id="{4F7BFD94-F415-4D51-9CF8-77CEFC4890DD}"/>
+                    <a16:creationId xmlns:a16="http://schemas.microsoft.com/office/drawing/2014/main" xmlns="" id="{4F7BFD94-F415-4D51-9CF8-77CEFC4890DD}"/>
                   </a:ext>
                 </a:extLst>
               </p:cNvPr>
@@ -6028,13 +6658,15 @@
             </p:nvCxnSpPr>
             <p:spPr>
               <a:xfrm>
-                <a:off x="6238494" y="2544603"/>
+                <a:off x="3807754" y="4521422"/>
                 <a:ext cx="4670299" cy="698945"/>
               </a:xfrm>
               <a:prstGeom prst="line">
                 <a:avLst/>
               </a:prstGeom>
-              <a:grpFill/>
+              <a:solidFill>
+                <a:schemeClr val="accent3"/>
+              </a:solidFill>
             </p:spPr>
             <p:style>
               <a:lnRef idx="1">
@@ -6056,7 +6688,7 @@
               <p:cNvPr id="151" name="Прямая соединительная линия 150">
                 <a:extLst>
                   <a:ext uri="{FF2B5EF4-FFF2-40B4-BE49-F238E27FC236}">
-                    <a16:creationId xmlns:a16="http://schemas.microsoft.com/office/drawing/2014/main" id="{8D009C3C-6354-48FF-A8C6-25140D71697F}"/>
+                    <a16:creationId xmlns:a16="http://schemas.microsoft.com/office/drawing/2014/main" xmlns="" id="{8D009C3C-6354-48FF-A8C6-25140D71697F}"/>
                   </a:ext>
                 </a:extLst>
               </p:cNvPr>
@@ -6065,13 +6697,15 @@
             </p:nvCxnSpPr>
             <p:spPr>
               <a:xfrm>
-                <a:off x="6409944" y="1499616"/>
+                <a:off x="3979204" y="3476435"/>
                 <a:ext cx="4334256" cy="658368"/>
               </a:xfrm>
               <a:prstGeom prst="line">
                 <a:avLst/>
               </a:prstGeom>
-              <a:grpFill/>
+              <a:solidFill>
+                <a:schemeClr val="accent3"/>
+              </a:solidFill>
             </p:spPr>
             <p:style>
               <a:lnRef idx="1">
@@ -6093,7 +6727,7 @@
               <p:cNvPr id="152" name="Прямая соединительная линия 151">
                 <a:extLst>
                   <a:ext uri="{FF2B5EF4-FFF2-40B4-BE49-F238E27FC236}">
-                    <a16:creationId xmlns:a16="http://schemas.microsoft.com/office/drawing/2014/main" id="{19727F5C-F402-4D16-93AC-8BDF5A655146}"/>
+                    <a16:creationId xmlns:a16="http://schemas.microsoft.com/office/drawing/2014/main" xmlns="" id="{19727F5C-F402-4D16-93AC-8BDF5A655146}"/>
                   </a:ext>
                 </a:extLst>
               </p:cNvPr>
@@ -6102,13 +6736,15 @@
             </p:nvCxnSpPr>
             <p:spPr>
               <a:xfrm>
-                <a:off x="6417564" y="1536192"/>
+                <a:off x="3986824" y="3513011"/>
                 <a:ext cx="0" cy="457200"/>
               </a:xfrm>
               <a:prstGeom prst="line">
                 <a:avLst/>
               </a:prstGeom>
-              <a:grpFill/>
+              <a:solidFill>
+                <a:schemeClr val="accent3"/>
+              </a:solidFill>
             </p:spPr>
             <p:style>
               <a:lnRef idx="1">
@@ -6130,7 +6766,7 @@
               <p:cNvPr id="153" name="Прямая соединительная линия 152">
                 <a:extLst>
                   <a:ext uri="{FF2B5EF4-FFF2-40B4-BE49-F238E27FC236}">
-                    <a16:creationId xmlns:a16="http://schemas.microsoft.com/office/drawing/2014/main" id="{74F24BC1-713D-483E-97BA-9A0A07BDADFC}"/>
+                    <a16:creationId xmlns:a16="http://schemas.microsoft.com/office/drawing/2014/main" xmlns="" id="{74F24BC1-713D-483E-97BA-9A0A07BDADFC}"/>
                   </a:ext>
                 </a:extLst>
               </p:cNvPr>
@@ -6141,13 +6777,15 @@
             </p:nvCxnSpPr>
             <p:spPr>
               <a:xfrm>
-                <a:off x="10724388" y="2157984"/>
+                <a:off x="8293648" y="4134803"/>
                 <a:ext cx="0" cy="530352"/>
               </a:xfrm>
               <a:prstGeom prst="line">
                 <a:avLst/>
               </a:prstGeom>
-              <a:grpFill/>
+              <a:solidFill>
+                <a:schemeClr val="accent3"/>
+              </a:solidFill>
             </p:spPr>
             <p:style>
               <a:lnRef idx="1">
@@ -6169,7 +6807,7 @@
               <p:cNvPr id="154" name="Прямая соединительная линия 153">
                 <a:extLst>
                   <a:ext uri="{FF2B5EF4-FFF2-40B4-BE49-F238E27FC236}">
-                    <a16:creationId xmlns:a16="http://schemas.microsoft.com/office/drawing/2014/main" id="{6A3D9245-E408-4E3E-8E58-8FDA1379D720}"/>
+                    <a16:creationId xmlns:a16="http://schemas.microsoft.com/office/drawing/2014/main" xmlns="" id="{6A3D9245-E408-4E3E-8E58-8FDA1379D720}"/>
                   </a:ext>
                 </a:extLst>
               </p:cNvPr>
@@ -6178,13 +6816,15 @@
             </p:nvCxnSpPr>
             <p:spPr>
               <a:xfrm>
-                <a:off x="6409943" y="2029968"/>
+                <a:off x="3979203" y="4006787"/>
                 <a:ext cx="4334256" cy="658368"/>
               </a:xfrm>
               <a:prstGeom prst="line">
                 <a:avLst/>
               </a:prstGeom>
-              <a:grpFill/>
+              <a:solidFill>
+                <a:schemeClr val="accent3"/>
+              </a:solidFill>
             </p:spPr>
             <p:style>
               <a:lnRef idx="1">
@@ -6206,7 +6846,7 @@
               <p:cNvPr id="155" name="Прямая соединительная линия 154">
                 <a:extLst>
                   <a:ext uri="{FF2B5EF4-FFF2-40B4-BE49-F238E27FC236}">
-                    <a16:creationId xmlns:a16="http://schemas.microsoft.com/office/drawing/2014/main" id="{257354EF-9BA6-4E2B-A971-941D1C89CC91}"/>
+                    <a16:creationId xmlns:a16="http://schemas.microsoft.com/office/drawing/2014/main" xmlns="" id="{257354EF-9BA6-4E2B-A971-941D1C89CC91}"/>
                   </a:ext>
                 </a:extLst>
               </p:cNvPr>
@@ -6216,14 +6856,16 @@
               <p:nvPr/>
             </p:nvCxnSpPr>
             <p:spPr>
-              <a:xfrm>
-                <a:off x="11201400" y="2177415"/>
-                <a:ext cx="0" cy="491490"/>
+              <a:xfrm flipH="1">
+                <a:off x="8770660" y="4313111"/>
+                <a:ext cx="26878" cy="332613"/>
               </a:xfrm>
               <a:prstGeom prst="line">
                 <a:avLst/>
               </a:prstGeom>
-              <a:grpFill/>
+              <a:solidFill>
+                <a:schemeClr val="accent3"/>
+              </a:solidFill>
             </p:spPr>
             <p:style>
               <a:lnRef idx="1">
@@ -6245,7 +6887,7 @@
               <p:cNvPr id="156" name="Прямая соединительная линия 155">
                 <a:extLst>
                   <a:ext uri="{FF2B5EF4-FFF2-40B4-BE49-F238E27FC236}">
-                    <a16:creationId xmlns:a16="http://schemas.microsoft.com/office/drawing/2014/main" id="{1C158BA1-1274-4756-B87B-75A410B622AE}"/>
+                    <a16:creationId xmlns:a16="http://schemas.microsoft.com/office/drawing/2014/main" xmlns="" id="{1C158BA1-1274-4756-B87B-75A410B622AE}"/>
                   </a:ext>
                 </a:extLst>
               </p:cNvPr>
@@ -6254,13 +6896,15 @@
             </p:nvCxnSpPr>
             <p:spPr>
               <a:xfrm flipV="1">
-                <a:off x="11210544" y="1955102"/>
+                <a:off x="8797538" y="4080369"/>
                 <a:ext cx="630936" cy="203454"/>
               </a:xfrm>
               <a:prstGeom prst="line">
                 <a:avLst/>
               </a:prstGeom>
-              <a:grpFill/>
+              <a:solidFill>
+                <a:schemeClr val="accent3"/>
+              </a:solidFill>
             </p:spPr>
             <p:style>
               <a:lnRef idx="1">
@@ -6282,7 +6926,7 @@
               <p:cNvPr id="157" name="Прямая соединительная линия 156">
                 <a:extLst>
                   <a:ext uri="{FF2B5EF4-FFF2-40B4-BE49-F238E27FC236}">
-                    <a16:creationId xmlns:a16="http://schemas.microsoft.com/office/drawing/2014/main" id="{C2BBBAC3-2618-428C-B2CC-E59256E10C7C}"/>
+                    <a16:creationId xmlns:a16="http://schemas.microsoft.com/office/drawing/2014/main" xmlns="" id="{C2BBBAC3-2618-428C-B2CC-E59256E10C7C}"/>
                   </a:ext>
                 </a:extLst>
               </p:cNvPr>
@@ -6290,14 +6934,16 @@
               <p:nvPr/>
             </p:nvCxnSpPr>
             <p:spPr>
-              <a:xfrm>
-                <a:off x="11823193" y="2011680"/>
-                <a:ext cx="0" cy="472059"/>
+              <a:xfrm flipH="1">
+                <a:off x="9392453" y="4100083"/>
+                <a:ext cx="1376" cy="360475"/>
               </a:xfrm>
               <a:prstGeom prst="line">
                 <a:avLst/>
               </a:prstGeom>
-              <a:grpFill/>
+              <a:solidFill>
+                <a:schemeClr val="accent3"/>
+              </a:solidFill>
             </p:spPr>
             <p:style>
               <a:lnRef idx="1">
@@ -6319,7 +6965,7 @@
               <p:cNvPr id="158" name="Прямая соединительная линия 157">
                 <a:extLst>
                   <a:ext uri="{FF2B5EF4-FFF2-40B4-BE49-F238E27FC236}">
-                    <a16:creationId xmlns:a16="http://schemas.microsoft.com/office/drawing/2014/main" id="{8DCF72ED-7F12-4990-84EE-185EEC653092}"/>
+                    <a16:creationId xmlns:a16="http://schemas.microsoft.com/office/drawing/2014/main" xmlns="" id="{8DCF72ED-7F12-4990-84EE-185EEC653092}"/>
                   </a:ext>
                 </a:extLst>
               </p:cNvPr>
@@ -6330,13 +6976,15 @@
             </p:nvCxnSpPr>
             <p:spPr>
               <a:xfrm flipH="1">
-                <a:off x="11192257" y="2480882"/>
+                <a:off x="8761517" y="4457701"/>
                 <a:ext cx="649223" cy="188595"/>
               </a:xfrm>
               <a:prstGeom prst="line">
                 <a:avLst/>
               </a:prstGeom>
-              <a:grpFill/>
+              <a:solidFill>
+                <a:schemeClr val="accent3"/>
+              </a:solidFill>
             </p:spPr>
             <p:style>
               <a:lnRef idx="1">
@@ -6358,7 +7006,7 @@
               <p:cNvPr id="159" name="Прямая соединительная линия 158">
                 <a:extLst>
                   <a:ext uri="{FF2B5EF4-FFF2-40B4-BE49-F238E27FC236}">
-                    <a16:creationId xmlns:a16="http://schemas.microsoft.com/office/drawing/2014/main" id="{7776F1A0-1DEC-449B-8EEF-3C3D9BD9C46A}"/>
+                    <a16:creationId xmlns:a16="http://schemas.microsoft.com/office/drawing/2014/main" xmlns="" id="{7776F1A0-1DEC-449B-8EEF-3C3D9BD9C46A}"/>
                   </a:ext>
                 </a:extLst>
               </p:cNvPr>
@@ -6369,13 +7017,15 @@
             </p:nvCxnSpPr>
             <p:spPr>
               <a:xfrm>
-                <a:off x="7315200" y="1650492"/>
+                <a:off x="4884460" y="3627311"/>
                 <a:ext cx="0" cy="507492"/>
               </a:xfrm>
               <a:prstGeom prst="line">
                 <a:avLst/>
               </a:prstGeom>
-              <a:grpFill/>
+              <a:solidFill>
+                <a:schemeClr val="accent3"/>
+              </a:solidFill>
             </p:spPr>
             <p:style>
               <a:lnRef idx="1">
@@ -6397,7 +7047,7 @@
               <p:cNvPr id="160" name="Прямая соединительная линия 159">
                 <a:extLst>
                   <a:ext uri="{FF2B5EF4-FFF2-40B4-BE49-F238E27FC236}">
-                    <a16:creationId xmlns:a16="http://schemas.microsoft.com/office/drawing/2014/main" id="{1BBF7B33-8C9C-46C4-BD29-A3E1E11686B9}"/>
+                    <a16:creationId xmlns:a16="http://schemas.microsoft.com/office/drawing/2014/main" xmlns="" id="{1BBF7B33-8C9C-46C4-BD29-A3E1E11686B9}"/>
                   </a:ext>
                 </a:extLst>
               </p:cNvPr>
@@ -6408,13 +7058,15 @@
             </p:nvCxnSpPr>
             <p:spPr>
               <a:xfrm>
-                <a:off x="8439912" y="1828800"/>
+                <a:off x="6009172" y="3805619"/>
                 <a:ext cx="0" cy="507492"/>
               </a:xfrm>
               <a:prstGeom prst="line">
                 <a:avLst/>
               </a:prstGeom>
-              <a:grpFill/>
+              <a:solidFill>
+                <a:schemeClr val="accent3"/>
+              </a:solidFill>
             </p:spPr>
             <p:style>
               <a:lnRef idx="1">
@@ -6436,7 +7088,7 @@
               <p:cNvPr id="161" name="Прямая соединительная линия 160">
                 <a:extLst>
                   <a:ext uri="{FF2B5EF4-FFF2-40B4-BE49-F238E27FC236}">
-                    <a16:creationId xmlns:a16="http://schemas.microsoft.com/office/drawing/2014/main" id="{B26BFB3F-B35A-4956-BF51-7BA2D0021271}"/>
+                    <a16:creationId xmlns:a16="http://schemas.microsoft.com/office/drawing/2014/main" xmlns="" id="{B26BFB3F-B35A-4956-BF51-7BA2D0021271}"/>
                   </a:ext>
                 </a:extLst>
               </p:cNvPr>
@@ -6447,13 +7099,15 @@
             </p:nvCxnSpPr>
             <p:spPr>
               <a:xfrm>
-                <a:off x="9560052" y="1988820"/>
+                <a:off x="7129312" y="3965639"/>
                 <a:ext cx="0" cy="507492"/>
               </a:xfrm>
               <a:prstGeom prst="line">
                 <a:avLst/>
               </a:prstGeom>
-              <a:grpFill/>
+              <a:solidFill>
+                <a:schemeClr val="accent3"/>
+              </a:solidFill>
             </p:spPr>
             <p:style>
               <a:lnRef idx="1">
@@ -6475,7 +7129,7 @@
               <p:cNvPr id="162" name="Прямая соединительная линия 161">
                 <a:extLst>
                   <a:ext uri="{FF2B5EF4-FFF2-40B4-BE49-F238E27FC236}">
-                    <a16:creationId xmlns:a16="http://schemas.microsoft.com/office/drawing/2014/main" id="{C24A6004-6384-45AA-B86A-347DF014F622}"/>
+                    <a16:creationId xmlns:a16="http://schemas.microsoft.com/office/drawing/2014/main" xmlns="" id="{C24A6004-6384-45AA-B86A-347DF014F622}"/>
                   </a:ext>
                 </a:extLst>
               </p:cNvPr>
@@ -6486,13 +7140,15 @@
             </p:nvCxnSpPr>
             <p:spPr>
               <a:xfrm>
-                <a:off x="6108193" y="2123264"/>
+                <a:off x="3677453" y="4100083"/>
                 <a:ext cx="5009387" cy="784528"/>
               </a:xfrm>
               <a:prstGeom prst="line">
                 <a:avLst/>
               </a:prstGeom>
-              <a:grpFill/>
+              <a:solidFill>
+                <a:schemeClr val="accent3"/>
+              </a:solidFill>
             </p:spPr>
             <p:style>
               <a:lnRef idx="1">
@@ -6514,7 +7170,7 @@
               <p:cNvPr id="163" name="Прямая соединительная линия 162">
                 <a:extLst>
                   <a:ext uri="{FF2B5EF4-FFF2-40B4-BE49-F238E27FC236}">
-                    <a16:creationId xmlns:a16="http://schemas.microsoft.com/office/drawing/2014/main" id="{0DF843D1-7739-4499-AAFF-710F9221A646}"/>
+                    <a16:creationId xmlns:a16="http://schemas.microsoft.com/office/drawing/2014/main" xmlns="" id="{0DF843D1-7739-4499-AAFF-710F9221A646}"/>
                   </a:ext>
                 </a:extLst>
               </p:cNvPr>
@@ -6525,13 +7181,15 @@
             </p:nvCxnSpPr>
             <p:spPr>
               <a:xfrm>
-                <a:off x="6183634" y="2366295"/>
+                <a:off x="3752894" y="4343114"/>
                 <a:ext cx="4770878" cy="734664"/>
               </a:xfrm>
               <a:prstGeom prst="line">
                 <a:avLst/>
               </a:prstGeom>
-              <a:grpFill/>
+              <a:solidFill>
+                <a:schemeClr val="accent3"/>
+              </a:solidFill>
             </p:spPr>
             <p:style>
               <a:lnRef idx="1">
@@ -6553,7 +7211,7 @@
               <p:cNvPr id="164" name="Прямая соединительная линия 163">
                 <a:extLst>
                   <a:ext uri="{FF2B5EF4-FFF2-40B4-BE49-F238E27FC236}">
-                    <a16:creationId xmlns:a16="http://schemas.microsoft.com/office/drawing/2014/main" id="{8C2D3814-06AE-43DD-A81D-4854F5A33423}"/>
+                    <a16:creationId xmlns:a16="http://schemas.microsoft.com/office/drawing/2014/main" xmlns="" id="{8C2D3814-06AE-43DD-A81D-4854F5A33423}"/>
                   </a:ext>
                 </a:extLst>
               </p:cNvPr>
@@ -6564,13 +7222,15 @@
             </p:nvCxnSpPr>
             <p:spPr>
               <a:xfrm flipV="1">
-                <a:off x="11117580" y="2544603"/>
+                <a:off x="8686840" y="4521422"/>
                 <a:ext cx="887732" cy="270892"/>
               </a:xfrm>
               <a:prstGeom prst="line">
                 <a:avLst/>
               </a:prstGeom>
-              <a:grpFill/>
+              <a:solidFill>
+                <a:schemeClr val="accent3"/>
+              </a:solidFill>
             </p:spPr>
             <p:style>
               <a:lnRef idx="1">
@@ -6592,7 +7252,7 @@
               <p:cNvPr id="165" name="Прямая соединительная линия 164">
                 <a:extLst>
                   <a:ext uri="{FF2B5EF4-FFF2-40B4-BE49-F238E27FC236}">
-                    <a16:creationId xmlns:a16="http://schemas.microsoft.com/office/drawing/2014/main" id="{70098B9C-F990-420E-827C-FF133ED77ADF}"/>
+                    <a16:creationId xmlns:a16="http://schemas.microsoft.com/office/drawing/2014/main" xmlns="" id="{70098B9C-F990-420E-827C-FF133ED77ADF}"/>
                   </a:ext>
                 </a:extLst>
               </p:cNvPr>
@@ -6601,13 +7261,15 @@
             </p:nvCxnSpPr>
             <p:spPr>
               <a:xfrm flipV="1">
-                <a:off x="10927081" y="2990088"/>
+                <a:off x="8496341" y="4966907"/>
                 <a:ext cx="960118" cy="259461"/>
               </a:xfrm>
               <a:prstGeom prst="line">
                 <a:avLst/>
               </a:prstGeom>
-              <a:grpFill/>
+              <a:solidFill>
+                <a:schemeClr val="accent3"/>
+              </a:solidFill>
             </p:spPr>
             <p:style>
               <a:lnRef idx="1">
@@ -6629,7 +7291,7 @@
               <p:cNvPr id="166" name="Овал 165">
                 <a:extLst>
                   <a:ext uri="{FF2B5EF4-FFF2-40B4-BE49-F238E27FC236}">
-                    <a16:creationId xmlns:a16="http://schemas.microsoft.com/office/drawing/2014/main" id="{186096B4-4A61-4BF3-BAB4-6AEBBBE7EBEC}"/>
+                    <a16:creationId xmlns:a16="http://schemas.microsoft.com/office/drawing/2014/main" xmlns="" id="{186096B4-4A61-4BF3-BAB4-6AEBBBE7EBEC}"/>
                   </a:ext>
                 </a:extLst>
               </p:cNvPr>
@@ -6638,13 +7300,15 @@
             </p:nvSpPr>
             <p:spPr>
               <a:xfrm>
-                <a:off x="7315200" y="2567463"/>
+                <a:off x="4884460" y="4544282"/>
                 <a:ext cx="356612" cy="382047"/>
               </a:xfrm>
               <a:prstGeom prst="ellipse">
                 <a:avLst/>
               </a:prstGeom>
-              <a:grpFill/>
+              <a:solidFill>
+                <a:schemeClr val="accent3"/>
+              </a:solidFill>
             </p:spPr>
             <p:style>
               <a:lnRef idx="2">
@@ -6676,7 +7340,7 @@
               <p:cNvPr id="167" name="Овал 166">
                 <a:extLst>
                   <a:ext uri="{FF2B5EF4-FFF2-40B4-BE49-F238E27FC236}">
-                    <a16:creationId xmlns:a16="http://schemas.microsoft.com/office/drawing/2014/main" id="{E797616D-9EC9-4073-BECC-1EC7DD127B85}"/>
+                    <a16:creationId xmlns:a16="http://schemas.microsoft.com/office/drawing/2014/main" xmlns="" id="{E797616D-9EC9-4073-BECC-1EC7DD127B85}"/>
                   </a:ext>
                 </a:extLst>
               </p:cNvPr>
@@ -6685,13 +7349,15 @@
             </p:nvSpPr>
             <p:spPr>
               <a:xfrm>
-                <a:off x="9381746" y="2861501"/>
+                <a:off x="6951006" y="4838320"/>
                 <a:ext cx="356612" cy="382047"/>
               </a:xfrm>
               <a:prstGeom prst="ellipse">
                 <a:avLst/>
               </a:prstGeom>
-              <a:grpFill/>
+              <a:solidFill>
+                <a:schemeClr val="accent3"/>
+              </a:solidFill>
             </p:spPr>
             <p:style>
               <a:lnRef idx="2">
@@ -6723,7 +7389,7 @@
               <p:cNvPr id="168" name="Прямая соединительная линия 167">
                 <a:extLst>
                   <a:ext uri="{FF2B5EF4-FFF2-40B4-BE49-F238E27FC236}">
-                    <a16:creationId xmlns:a16="http://schemas.microsoft.com/office/drawing/2014/main" id="{0FD7DA51-2CB8-497E-8606-017AC1E1F428}"/>
+                    <a16:creationId xmlns:a16="http://schemas.microsoft.com/office/drawing/2014/main" xmlns="" id="{0FD7DA51-2CB8-497E-8606-017AC1E1F428}"/>
                   </a:ext>
                 </a:extLst>
               </p:cNvPr>
@@ -6732,13 +7398,15 @@
             </p:nvCxnSpPr>
             <p:spPr>
               <a:xfrm flipH="1">
-                <a:off x="10927081" y="2815209"/>
+                <a:off x="8496341" y="4792028"/>
                 <a:ext cx="201166" cy="428339"/>
               </a:xfrm>
               <a:prstGeom prst="line">
                 <a:avLst/>
               </a:prstGeom>
-              <a:grpFill/>
+              <a:solidFill>
+                <a:schemeClr val="accent3"/>
+              </a:solidFill>
             </p:spPr>
             <p:style>
               <a:lnRef idx="1">
@@ -6760,7 +7428,7 @@
               <p:cNvPr id="169" name="Прямая соединительная линия 168">
                 <a:extLst>
                   <a:ext uri="{FF2B5EF4-FFF2-40B4-BE49-F238E27FC236}">
-                    <a16:creationId xmlns:a16="http://schemas.microsoft.com/office/drawing/2014/main" id="{06196924-A78B-4D03-B6B3-5FB9A7488551}"/>
+                    <a16:creationId xmlns:a16="http://schemas.microsoft.com/office/drawing/2014/main" xmlns="" id="{06196924-A78B-4D03-B6B3-5FB9A7488551}"/>
                   </a:ext>
                 </a:extLst>
               </p:cNvPr>
@@ -6769,13 +7437,15 @@
             </p:nvCxnSpPr>
             <p:spPr>
               <a:xfrm>
-                <a:off x="6108193" y="2116266"/>
+                <a:off x="3677453" y="4093085"/>
                 <a:ext cx="117348" cy="451197"/>
               </a:xfrm>
               <a:prstGeom prst="line">
                 <a:avLst/>
               </a:prstGeom>
-              <a:grpFill/>
+              <a:solidFill>
+                <a:schemeClr val="accent3"/>
+              </a:solidFill>
             </p:spPr>
             <p:style>
               <a:lnRef idx="1">
@@ -6797,7 +7467,7 @@
               <p:cNvPr id="170" name="Прямая соединительная линия 169">
                 <a:extLst>
                   <a:ext uri="{FF2B5EF4-FFF2-40B4-BE49-F238E27FC236}">
-                    <a16:creationId xmlns:a16="http://schemas.microsoft.com/office/drawing/2014/main" id="{938E21BD-622B-4304-B8A2-B773F12A7E21}"/>
+                    <a16:creationId xmlns:a16="http://schemas.microsoft.com/office/drawing/2014/main" xmlns="" id="{938E21BD-622B-4304-B8A2-B773F12A7E21}"/>
                   </a:ext>
                 </a:extLst>
               </p:cNvPr>
@@ -6806,13 +7476,15 @@
             </p:nvCxnSpPr>
             <p:spPr>
               <a:xfrm flipV="1">
-                <a:off x="11117580" y="2668905"/>
+                <a:off x="8686840" y="4645724"/>
                 <a:ext cx="879348" cy="238887"/>
               </a:xfrm>
               <a:prstGeom prst="line">
                 <a:avLst/>
               </a:prstGeom>
-              <a:grpFill/>
+              <a:solidFill>
+                <a:schemeClr val="accent3"/>
+              </a:solidFill>
             </p:spPr>
             <p:style>
               <a:lnRef idx="1">
@@ -6834,7 +7506,7 @@
               <p:cNvPr id="171" name="Прямая соединительная линия 170">
                 <a:extLst>
                   <a:ext uri="{FF2B5EF4-FFF2-40B4-BE49-F238E27FC236}">
-                    <a16:creationId xmlns:a16="http://schemas.microsoft.com/office/drawing/2014/main" id="{A92A553C-856F-4873-BF9A-9B54635AC6F8}"/>
+                    <a16:creationId xmlns:a16="http://schemas.microsoft.com/office/drawing/2014/main" xmlns="" id="{A92A553C-856F-4873-BF9A-9B54635AC6F8}"/>
                   </a:ext>
                 </a:extLst>
               </p:cNvPr>
@@ -6845,13 +7517,15 @@
             </p:nvCxnSpPr>
             <p:spPr>
               <a:xfrm flipH="1">
-                <a:off x="11908534" y="2544603"/>
+                <a:off x="9477794" y="4521422"/>
                 <a:ext cx="112398" cy="454629"/>
               </a:xfrm>
               <a:prstGeom prst="line">
                 <a:avLst/>
               </a:prstGeom>
-              <a:grpFill/>
+              <a:solidFill>
+                <a:schemeClr val="accent3"/>
+              </a:solidFill>
             </p:spPr>
             <p:style>
               <a:lnRef idx="1">
@@ -6873,7 +7547,7 @@
               <p:cNvPr id="172" name="TextBox 171">
                 <a:extLst>
                   <a:ext uri="{FF2B5EF4-FFF2-40B4-BE49-F238E27FC236}">
-                    <a16:creationId xmlns:a16="http://schemas.microsoft.com/office/drawing/2014/main" id="{CFEA93B6-CFAB-4D44-BEAF-48B5A991A9AB}"/>
+                    <a16:creationId xmlns:a16="http://schemas.microsoft.com/office/drawing/2014/main" xmlns="" id="{CFEA93B6-CFAB-4D44-BEAF-48B5A991A9AB}"/>
                   </a:ext>
                 </a:extLst>
               </p:cNvPr>
@@ -6881,284 +7555,770 @@
               <p:nvPr/>
             </p:nvSpPr>
             <p:spPr>
-              <a:xfrm rot="20905167">
-                <a:off x="11373643" y="2208633"/>
-                <a:ext cx="301686" cy="369332"/>
+              <a:xfrm rot="20646748">
+                <a:off x="8653140" y="3860641"/>
+                <a:ext cx="804660" cy="261610"/>
               </a:xfrm>
               <a:prstGeom prst="rect">
                 <a:avLst/>
               </a:prstGeom>
-              <a:grpFill/>
+              <a:solidFill>
+                <a:schemeClr val="accent3"/>
+              </a:solidFill>
             </p:spPr>
             <p:txBody>
-              <a:bodyPr wrap="none" rtlCol="0">
+              <a:bodyPr wrap="square" rtlCol="0">
                 <a:spAutoFit/>
               </a:bodyPr>
               <a:lstStyle/>
               <a:p>
                 <a:r>
-                  <a:rPr lang="ru-RU" dirty="0"/>
+                  <a:rPr lang="ru-RU" sz="1100" dirty="0"/>
                   <a:t>5</a:t>
                 </a:r>
               </a:p>
             </p:txBody>
           </p:sp>
+          <mc:AlternateContent xmlns:mc="http://schemas.openxmlformats.org/markup-compatibility/2006">
+            <mc:Choice xmlns:p14="http://schemas.microsoft.com/office/powerpoint/2010/main" Requires="p14">
+              <p:contentPart p14:bwMode="auto" r:id="rId12">
+                <p14:nvContentPartPr>
+                  <p14:cNvPr id="137" name="Рукописный ввод 136">
+                    <a:extLst>
+                      <a:ext uri="{FF2B5EF4-FFF2-40B4-BE49-F238E27FC236}">
+                        <a16:creationId xmlns:a16="http://schemas.microsoft.com/office/drawing/2014/main" xmlns="" id="{D10904C2-793E-4D1E-A504-7EE6D78FE2B8}"/>
+                      </a:ext>
+                    </a:extLst>
+                  </p14:cNvPr>
+                  <p14:cNvContentPartPr/>
+                  <p14:nvPr/>
+                </p14:nvContentPartPr>
+                <p14:xfrm>
+                  <a:off x="3822184" y="4215096"/>
+                  <a:ext cx="360" cy="360"/>
+                </p14:xfrm>
+              </p:contentPart>
+            </mc:Choice>
+            <mc:Fallback>
+              <p:pic>
+                <p:nvPicPr>
+                  <p:cNvPr id="137" name="Рукописный ввод 136">
+                    <a:extLst>
+                      <a:ext uri="{FF2B5EF4-FFF2-40B4-BE49-F238E27FC236}">
+                        <a16:creationId xmlns:a16="http://schemas.microsoft.com/office/drawing/2014/main" xmlns:p14="http://schemas.microsoft.com/office/powerpoint/2010/main" xmlns="" id="{D10904C2-793E-4D1E-A504-7EE6D78FE2B8}"/>
+                      </a:ext>
+                    </a:extLst>
+                  </p:cNvPr>
+                  <p:cNvPicPr/>
+                  <p:nvPr/>
+                </p:nvPicPr>
+                <p:blipFill>
+                  <a:blip r:embed="rId3"/>
+                  <a:stretch>
+                    <a:fillRect/>
+                  </a:stretch>
+                </p:blipFill>
+                <p:spPr>
+                  <a:xfrm>
+                    <a:off x="3786184" y="4143096"/>
+                    <a:ext cx="72360" cy="144360"/>
+                  </a:xfrm>
+                  <a:prstGeom prst="rect">
+                    <a:avLst/>
+                  </a:prstGeom>
+                </p:spPr>
+              </p:pic>
+            </mc:Fallback>
+          </mc:AlternateContent>
+          <mc:AlternateContent xmlns:mc="http://schemas.openxmlformats.org/markup-compatibility/2006">
+            <mc:Choice xmlns:p14="http://schemas.microsoft.com/office/powerpoint/2010/main" Requires="p14">
+              <p:contentPart p14:bwMode="auto" r:id="rId13">
+                <p14:nvContentPartPr>
+                  <p14:cNvPr id="138" name="Рукописный ввод 137">
+                    <a:extLst>
+                      <a:ext uri="{FF2B5EF4-FFF2-40B4-BE49-F238E27FC236}">
+                        <a16:creationId xmlns:a16="http://schemas.microsoft.com/office/drawing/2014/main" xmlns="" id="{9CCABBAB-74E1-46C3-93D3-1AE92F826EC2}"/>
+                      </a:ext>
+                    </a:extLst>
+                  </p14:cNvPr>
+                  <p14:cNvContentPartPr/>
+                  <p14:nvPr/>
+                </p14:nvContentPartPr>
+                <p14:xfrm>
+                  <a:off x="3696904" y="4140936"/>
+                  <a:ext cx="4883040" cy="854280"/>
+                </p14:xfrm>
+              </p:contentPart>
+            </mc:Choice>
+            <mc:Fallback>
+              <p:pic>
+                <p:nvPicPr>
+                  <p:cNvPr id="138" name="Рукописный ввод 137">
+                    <a:extLst>
+                      <a:ext uri="{FF2B5EF4-FFF2-40B4-BE49-F238E27FC236}">
+                        <a16:creationId xmlns:a16="http://schemas.microsoft.com/office/drawing/2014/main" xmlns:p14="http://schemas.microsoft.com/office/powerpoint/2010/main" xmlns="" id="{9CCABBAB-74E1-46C3-93D3-1AE92F826EC2}"/>
+                      </a:ext>
+                    </a:extLst>
+                  </p:cNvPr>
+                  <p:cNvPicPr/>
+                  <p:nvPr/>
+                </p:nvPicPr>
+                <p:blipFill>
+                  <a:blip r:embed="rId14"/>
+                  <a:stretch>
+                    <a:fillRect/>
+                  </a:stretch>
+                </p:blipFill>
+                <p:spPr>
+                  <a:xfrm>
+                    <a:off x="3644353" y="4048681"/>
+                    <a:ext cx="4988142" cy="1038790"/>
+                  </a:xfrm>
+                  <a:prstGeom prst="rect">
+                    <a:avLst/>
+                  </a:prstGeom>
+                </p:spPr>
+              </p:pic>
+            </mc:Fallback>
+          </mc:AlternateContent>
+          <mc:AlternateContent xmlns:mc="http://schemas.openxmlformats.org/markup-compatibility/2006">
+            <mc:Choice xmlns:p14="http://schemas.microsoft.com/office/powerpoint/2010/main" Requires="p14">
+              <p:contentPart p14:bwMode="auto" r:id="rId15">
+                <p14:nvContentPartPr>
+                  <p14:cNvPr id="139" name="Рукописный ввод 138">
+                    <a:extLst>
+                      <a:ext uri="{FF2B5EF4-FFF2-40B4-BE49-F238E27FC236}">
+                        <a16:creationId xmlns:a16="http://schemas.microsoft.com/office/drawing/2014/main" xmlns="" id="{CF62A4AE-98E2-4B9F-ACA8-D21489CDC1E5}"/>
+                      </a:ext>
+                    </a:extLst>
+                  </p14:cNvPr>
+                  <p14:cNvContentPartPr/>
+                  <p14:nvPr/>
+                </p14:nvContentPartPr>
+                <p14:xfrm>
+                  <a:off x="8599384" y="4729896"/>
+                  <a:ext cx="907560" cy="245160"/>
+                </p14:xfrm>
+              </p:contentPart>
+            </mc:Choice>
+            <mc:Fallback>
+              <p:pic>
+                <p:nvPicPr>
+                  <p:cNvPr id="139" name="Рукописный ввод 138">
+                    <a:extLst>
+                      <a:ext uri="{FF2B5EF4-FFF2-40B4-BE49-F238E27FC236}">
+                        <a16:creationId xmlns:a16="http://schemas.microsoft.com/office/drawing/2014/main" xmlns:p14="http://schemas.microsoft.com/office/powerpoint/2010/main" xmlns="" id="{CF62A4AE-98E2-4B9F-ACA8-D21489CDC1E5}"/>
+                      </a:ext>
+                    </a:extLst>
+                  </p:cNvPr>
+                  <p:cNvPicPr/>
+                  <p:nvPr/>
+                </p:nvPicPr>
+                <p:blipFill>
+                  <a:blip r:embed="rId16"/>
+                  <a:stretch>
+                    <a:fillRect/>
+                  </a:stretch>
+                </p:blipFill>
+                <p:spPr>
+                  <a:xfrm>
+                    <a:off x="8546833" y="4637557"/>
+                    <a:ext cx="1012662" cy="429838"/>
+                  </a:xfrm>
+                  <a:prstGeom prst="rect">
+                    <a:avLst/>
+                  </a:prstGeom>
+                </p:spPr>
+              </p:pic>
+            </mc:Fallback>
+          </mc:AlternateContent>
+          <mc:AlternateContent xmlns:mc="http://schemas.openxmlformats.org/markup-compatibility/2006">
+            <mc:Choice xmlns:p14="http://schemas.microsoft.com/office/powerpoint/2010/main" Requires="p14">
+              <p:contentPart p14:bwMode="auto" r:id="rId17">
+                <p14:nvContentPartPr>
+                  <p14:cNvPr id="140" name="Рукописный ввод 139">
+                    <a:extLst>
+                      <a:ext uri="{FF2B5EF4-FFF2-40B4-BE49-F238E27FC236}">
+                        <a16:creationId xmlns:a16="http://schemas.microsoft.com/office/drawing/2014/main" xmlns="" id="{66D531FD-3F22-467C-867D-A44EED3392B0}"/>
+                      </a:ext>
+                    </a:extLst>
+                  </p14:cNvPr>
+                  <p14:cNvContentPartPr/>
+                  <p14:nvPr/>
+                </p14:nvContentPartPr>
+                <p14:xfrm>
+                  <a:off x="3904264" y="2897856"/>
+                  <a:ext cx="5495040" cy="999000"/>
+                </p14:xfrm>
+              </p:contentPart>
+            </mc:Choice>
+            <mc:Fallback>
+              <p:pic>
+                <p:nvPicPr>
+                  <p:cNvPr id="140" name="Рукописный ввод 139">
+                    <a:extLst>
+                      <a:ext uri="{FF2B5EF4-FFF2-40B4-BE49-F238E27FC236}">
+                        <a16:creationId xmlns:a16="http://schemas.microsoft.com/office/drawing/2014/main" xmlns:p14="http://schemas.microsoft.com/office/powerpoint/2010/main" xmlns="" id="{66D531FD-3F22-467C-867D-A44EED3392B0}"/>
+                      </a:ext>
+                    </a:extLst>
+                  </p:cNvPr>
+                  <p:cNvPicPr/>
+                  <p:nvPr/>
+                </p:nvPicPr>
+                <p:blipFill>
+                  <a:blip r:embed="rId18"/>
+                  <a:stretch>
+                    <a:fillRect/>
+                  </a:stretch>
+                </p:blipFill>
+                <p:spPr>
+                  <a:xfrm>
+                    <a:off x="3851710" y="2805570"/>
+                    <a:ext cx="5600148" cy="1183573"/>
+                  </a:xfrm>
+                  <a:prstGeom prst="rect">
+                    <a:avLst/>
+                  </a:prstGeom>
+                </p:spPr>
+              </p:pic>
+            </mc:Fallback>
+          </mc:AlternateContent>
+          <mc:AlternateContent xmlns:mc="http://schemas.openxmlformats.org/markup-compatibility/2006">
+            <mc:Choice xmlns:p14="http://schemas.microsoft.com/office/powerpoint/2010/main" Requires="p14">
+              <p:contentPart p14:bwMode="auto" r:id="rId19">
+                <p14:nvContentPartPr>
+                  <p14:cNvPr id="141" name="Рукописный ввод 140">
+                    <a:extLst>
+                      <a:ext uri="{FF2B5EF4-FFF2-40B4-BE49-F238E27FC236}">
+                        <a16:creationId xmlns:a16="http://schemas.microsoft.com/office/drawing/2014/main" xmlns="" id="{66F172C2-D80C-4575-80A0-1A07DDFF6329}"/>
+                      </a:ext>
+                    </a:extLst>
+                  </p14:cNvPr>
+                  <p14:cNvContentPartPr/>
+                  <p14:nvPr/>
+                </p14:nvContentPartPr>
+                <p14:xfrm rot="14064531">
+                  <a:off x="7489218" y="3379391"/>
+                  <a:ext cx="1047734" cy="487441"/>
+                </p14:xfrm>
+              </p:contentPart>
+            </mc:Choice>
+            <mc:Fallback>
+              <p:pic>
+                <p:nvPicPr>
+                  <p:cNvPr id="141" name="Рукописный ввод 140">
+                    <a:extLst>
+                      <a:ext uri="{FF2B5EF4-FFF2-40B4-BE49-F238E27FC236}">
+                        <a16:creationId xmlns:a16="http://schemas.microsoft.com/office/drawing/2014/main" xmlns:p14="http://schemas.microsoft.com/office/powerpoint/2010/main" xmlns="" id="{66F172C2-D80C-4575-80A0-1A07DDFF6329}"/>
+                      </a:ext>
+                    </a:extLst>
+                  </p:cNvPr>
+                  <p:cNvPicPr/>
+                  <p:nvPr/>
+                </p:nvPicPr>
+                <p:blipFill>
+                  <a:blip r:embed="rId20"/>
+                  <a:stretch>
+                    <a:fillRect/>
+                  </a:stretch>
+                </p:blipFill>
+                <p:spPr>
+                  <a:xfrm rot="14064531">
+                    <a:off x="7443083" y="3274339"/>
+                    <a:ext cx="1140005" cy="697545"/>
+                  </a:xfrm>
+                  <a:prstGeom prst="rect">
+                    <a:avLst/>
+                  </a:prstGeom>
+                </p:spPr>
+              </p:pic>
+            </mc:Fallback>
+          </mc:AlternateContent>
+          <p:sp>
+            <p:nvSpPr>
+              <p:cNvPr id="2" name="Овал 1"/>
+              <p:cNvSpPr/>
+              <p:nvPr/>
+            </p:nvSpPr>
+            <p:spPr>
+              <a:xfrm>
+                <a:off x="8840989" y="4797253"/>
+                <a:ext cx="129098" cy="179757"/>
+              </a:xfrm>
+              <a:prstGeom prst="ellipse">
+                <a:avLst/>
+              </a:prstGeom>
+              <a:solidFill>
+                <a:schemeClr val="accent4"/>
+              </a:solidFill>
+            </p:spPr>
+            <p:style>
+              <a:lnRef idx="2">
+                <a:schemeClr val="accent4">
+                  <a:shade val="50000"/>
+                </a:schemeClr>
+              </a:lnRef>
+              <a:fillRef idx="1">
+                <a:schemeClr val="accent4"/>
+              </a:fillRef>
+              <a:effectRef idx="0">
+                <a:schemeClr val="accent4"/>
+              </a:effectRef>
+              <a:fontRef idx="minor">
+                <a:schemeClr val="lt1"/>
+              </a:fontRef>
+            </p:style>
+            <p:txBody>
+              <a:bodyPr rtlCol="0" anchor="ctr"/>
+              <a:lstStyle/>
+              <a:p>
+                <a:pPr algn="ctr"/>
+                <a:endParaRPr lang="en-US"/>
+              </a:p>
+            </p:txBody>
+          </p:sp>
+          <p:sp>
+            <p:nvSpPr>
+              <p:cNvPr id="92" name="Овал 91"/>
+              <p:cNvSpPr/>
+              <p:nvPr/>
+            </p:nvSpPr>
+            <p:spPr>
+              <a:xfrm>
+                <a:off x="9264731" y="4706398"/>
+                <a:ext cx="129098" cy="179757"/>
+              </a:xfrm>
+              <a:prstGeom prst="ellipse">
+                <a:avLst/>
+              </a:prstGeom>
+              <a:solidFill>
+                <a:schemeClr val="accent4"/>
+              </a:solidFill>
+            </p:spPr>
+            <p:style>
+              <a:lnRef idx="2">
+                <a:schemeClr val="accent4">
+                  <a:shade val="50000"/>
+                </a:schemeClr>
+              </a:lnRef>
+              <a:fillRef idx="1">
+                <a:schemeClr val="accent4"/>
+              </a:fillRef>
+              <a:effectRef idx="0">
+                <a:schemeClr val="accent4"/>
+              </a:effectRef>
+              <a:fontRef idx="minor">
+                <a:schemeClr val="lt1"/>
+              </a:fontRef>
+            </p:style>
+            <p:txBody>
+              <a:bodyPr rtlCol="0" anchor="ctr"/>
+              <a:lstStyle/>
+              <a:p>
+                <a:pPr algn="ctr"/>
+                <a:endParaRPr lang="en-US"/>
+              </a:p>
+            </p:txBody>
+          </p:sp>
         </p:grpSp>
-        <mc:AlternateContent xmlns:mc="http://schemas.openxmlformats.org/markup-compatibility/2006">
-          <mc:Choice xmlns:p14="http://schemas.microsoft.com/office/powerpoint/2010/main" Requires="p14">
-            <p:contentPart p14:bwMode="auto" r:id="rId12">
-              <p14:nvContentPartPr>
-                <p14:cNvPr id="137" name="Рукописный ввод 136">
-                  <a:extLst>
-                    <a:ext uri="{FF2B5EF4-FFF2-40B4-BE49-F238E27FC236}">
-                      <a16:creationId xmlns:a16="http://schemas.microsoft.com/office/drawing/2014/main" id="{D10904C2-793E-4D1E-A504-7EE6D78FE2B8}"/>
-                    </a:ext>
-                  </a:extLst>
-                </p14:cNvPr>
-                <p14:cNvContentPartPr/>
-                <p14:nvPr/>
-              </p14:nvContentPartPr>
-              <p14:xfrm>
-                <a:off x="5367240" y="2230848"/>
-                <a:ext cx="360" cy="360"/>
-              </p14:xfrm>
-            </p:contentPart>
-          </mc:Choice>
-          <mc:Fallback>
-            <p:pic>
-              <p:nvPicPr>
-                <p:cNvPr id="137" name="Рукописный ввод 136">
-                  <a:extLst>
-                    <a:ext uri="{FF2B5EF4-FFF2-40B4-BE49-F238E27FC236}">
-                      <a16:creationId xmlns:a16="http://schemas.microsoft.com/office/drawing/2014/main" id="{D10904C2-793E-4D1E-A504-7EE6D78FE2B8}"/>
-                    </a:ext>
-                  </a:extLst>
-                </p:cNvPr>
-                <p:cNvPicPr/>
-                <p:nvPr/>
-              </p:nvPicPr>
-              <p:blipFill>
-                <a:blip r:embed="rId3"/>
-                <a:stretch>
-                  <a:fillRect/>
-                </a:stretch>
-              </p:blipFill>
-              <p:spPr>
-                <a:xfrm>
-                  <a:off x="5331240" y="2158848"/>
-                  <a:ext cx="72000" cy="144000"/>
-                </a:xfrm>
-                <a:prstGeom prst="rect">
-                  <a:avLst/>
-                </a:prstGeom>
-              </p:spPr>
-            </p:pic>
-          </mc:Fallback>
-        </mc:AlternateContent>
-        <mc:AlternateContent xmlns:mc="http://schemas.openxmlformats.org/markup-compatibility/2006">
-          <mc:Choice xmlns:p14="http://schemas.microsoft.com/office/powerpoint/2010/main" Requires="p14">
-            <p:contentPart p14:bwMode="auto" r:id="rId13">
-              <p14:nvContentPartPr>
-                <p14:cNvPr id="138" name="Рукописный ввод 137">
-                  <a:extLst>
-                    <a:ext uri="{FF2B5EF4-FFF2-40B4-BE49-F238E27FC236}">
-                      <a16:creationId xmlns:a16="http://schemas.microsoft.com/office/drawing/2014/main" id="{9CCABBAB-74E1-46C3-93D3-1AE92F826EC2}"/>
-                    </a:ext>
-                  </a:extLst>
-                </p14:cNvPr>
-                <p14:cNvContentPartPr/>
-                <p14:nvPr/>
-              </p14:nvContentPartPr>
-              <p14:xfrm>
-                <a:off x="5241960" y="2156688"/>
-                <a:ext cx="4883040" cy="854280"/>
-              </p14:xfrm>
-            </p:contentPart>
-          </mc:Choice>
-          <mc:Fallback>
-            <p:pic>
-              <p:nvPicPr>
-                <p:cNvPr id="138" name="Рукописный ввод 137">
-                  <a:extLst>
-                    <a:ext uri="{FF2B5EF4-FFF2-40B4-BE49-F238E27FC236}">
-                      <a16:creationId xmlns:a16="http://schemas.microsoft.com/office/drawing/2014/main" id="{9CCABBAB-74E1-46C3-93D3-1AE92F826EC2}"/>
-                    </a:ext>
-                  </a:extLst>
-                </p:cNvPr>
-                <p:cNvPicPr/>
-                <p:nvPr/>
-              </p:nvPicPr>
-              <p:blipFill>
-                <a:blip r:embed="rId5"/>
-                <a:stretch>
-                  <a:fillRect/>
-                </a:stretch>
-              </p:blipFill>
-              <p:spPr>
-                <a:xfrm>
-                  <a:off x="5205960" y="2084688"/>
-                  <a:ext cx="4954680" cy="997920"/>
-                </a:xfrm>
-                <a:prstGeom prst="rect">
-                  <a:avLst/>
-                </a:prstGeom>
-              </p:spPr>
-            </p:pic>
-          </mc:Fallback>
-        </mc:AlternateContent>
-        <mc:AlternateContent xmlns:mc="http://schemas.openxmlformats.org/markup-compatibility/2006">
-          <mc:Choice xmlns:p14="http://schemas.microsoft.com/office/powerpoint/2010/main" Requires="p14">
-            <p:contentPart p14:bwMode="auto" r:id="rId14">
-              <p14:nvContentPartPr>
-                <p14:cNvPr id="139" name="Рукописный ввод 138">
-                  <a:extLst>
-                    <a:ext uri="{FF2B5EF4-FFF2-40B4-BE49-F238E27FC236}">
-                      <a16:creationId xmlns:a16="http://schemas.microsoft.com/office/drawing/2014/main" id="{CF62A4AE-98E2-4B9F-ACA8-D21489CDC1E5}"/>
-                    </a:ext>
-                  </a:extLst>
-                </p14:cNvPr>
-                <p14:cNvContentPartPr/>
-                <p14:nvPr/>
-              </p14:nvContentPartPr>
-              <p14:xfrm>
-                <a:off x="10144440" y="2745648"/>
-                <a:ext cx="907560" cy="245160"/>
-              </p14:xfrm>
-            </p:contentPart>
-          </mc:Choice>
-          <mc:Fallback>
-            <p:pic>
-              <p:nvPicPr>
-                <p:cNvPr id="139" name="Рукописный ввод 138">
-                  <a:extLst>
-                    <a:ext uri="{FF2B5EF4-FFF2-40B4-BE49-F238E27FC236}">
-                      <a16:creationId xmlns:a16="http://schemas.microsoft.com/office/drawing/2014/main" id="{CF62A4AE-98E2-4B9F-ACA8-D21489CDC1E5}"/>
-                    </a:ext>
-                  </a:extLst>
-                </p:cNvPr>
-                <p:cNvPicPr/>
-                <p:nvPr/>
-              </p:nvPicPr>
-              <p:blipFill>
-                <a:blip r:embed="rId7"/>
-                <a:stretch>
-                  <a:fillRect/>
-                </a:stretch>
-              </p:blipFill>
-              <p:spPr>
-                <a:xfrm>
-                  <a:off x="10108440" y="2674008"/>
-                  <a:ext cx="979200" cy="388800"/>
-                </a:xfrm>
-                <a:prstGeom prst="rect">
-                  <a:avLst/>
-                </a:prstGeom>
-              </p:spPr>
-            </p:pic>
-          </mc:Fallback>
-        </mc:AlternateContent>
-        <mc:AlternateContent xmlns:mc="http://schemas.openxmlformats.org/markup-compatibility/2006">
-          <mc:Choice xmlns:p14="http://schemas.microsoft.com/office/powerpoint/2010/main" Requires="p14">
-            <p:contentPart p14:bwMode="auto" r:id="rId15">
-              <p14:nvContentPartPr>
-                <p14:cNvPr id="140" name="Рукописный ввод 139">
-                  <a:extLst>
-                    <a:ext uri="{FF2B5EF4-FFF2-40B4-BE49-F238E27FC236}">
-                      <a16:creationId xmlns:a16="http://schemas.microsoft.com/office/drawing/2014/main" id="{66D531FD-3F22-467C-867D-A44EED3392B0}"/>
-                    </a:ext>
-                  </a:extLst>
-                </p14:cNvPr>
-                <p14:cNvContentPartPr/>
-                <p14:nvPr/>
-              </p14:nvContentPartPr>
-              <p14:xfrm>
-                <a:off x="5449320" y="913608"/>
-                <a:ext cx="5495040" cy="999000"/>
-              </p14:xfrm>
-            </p:contentPart>
-          </mc:Choice>
-          <mc:Fallback>
-            <p:pic>
-              <p:nvPicPr>
-                <p:cNvPr id="140" name="Рукописный ввод 139">
-                  <a:extLst>
-                    <a:ext uri="{FF2B5EF4-FFF2-40B4-BE49-F238E27FC236}">
-                      <a16:creationId xmlns:a16="http://schemas.microsoft.com/office/drawing/2014/main" id="{66D531FD-3F22-467C-867D-A44EED3392B0}"/>
-                    </a:ext>
-                  </a:extLst>
-                </p:cNvPr>
-                <p:cNvPicPr/>
-                <p:nvPr/>
-              </p:nvPicPr>
-              <p:blipFill>
-                <a:blip r:embed="rId9"/>
-                <a:stretch>
-                  <a:fillRect/>
-                </a:stretch>
-              </p:blipFill>
-              <p:spPr>
-                <a:xfrm>
-                  <a:off x="5413680" y="841608"/>
-                  <a:ext cx="5566680" cy="1142640"/>
-                </a:xfrm>
-                <a:prstGeom prst="rect">
-                  <a:avLst/>
-                </a:prstGeom>
-              </p:spPr>
-            </p:pic>
-          </mc:Fallback>
-        </mc:AlternateContent>
-        <mc:AlternateContent xmlns:mc="http://schemas.openxmlformats.org/markup-compatibility/2006">
-          <mc:Choice xmlns:p14="http://schemas.microsoft.com/office/powerpoint/2010/main" Requires="p14">
-            <p:contentPart p14:bwMode="auto" r:id="rId16">
-              <p14:nvContentPartPr>
-                <p14:cNvPr id="141" name="Рукописный ввод 140">
-                  <a:extLst>
-                    <a:ext uri="{FF2B5EF4-FFF2-40B4-BE49-F238E27FC236}">
-                      <a16:creationId xmlns:a16="http://schemas.microsoft.com/office/drawing/2014/main" id="{66F172C2-D80C-4575-80A0-1A07DDFF6329}"/>
-                    </a:ext>
-                  </a:extLst>
-                </p14:cNvPr>
-                <p14:cNvContentPartPr/>
-                <p14:nvPr/>
-              </p14:nvContentPartPr>
-              <p14:xfrm>
-                <a:off x="9966600" y="1535328"/>
-                <a:ext cx="667440" cy="257400"/>
-              </p14:xfrm>
-            </p:contentPart>
-          </mc:Choice>
-          <mc:Fallback>
-            <p:pic>
-              <p:nvPicPr>
-                <p:cNvPr id="141" name="Рукописный ввод 140">
-                  <a:extLst>
-                    <a:ext uri="{FF2B5EF4-FFF2-40B4-BE49-F238E27FC236}">
-                      <a16:creationId xmlns:a16="http://schemas.microsoft.com/office/drawing/2014/main" id="{66F172C2-D80C-4575-80A0-1A07DDFF6329}"/>
-                    </a:ext>
-                  </a:extLst>
-                </p:cNvPr>
-                <p:cNvPicPr/>
-                <p:nvPr/>
-              </p:nvPicPr>
-              <p:blipFill>
-                <a:blip r:embed="rId11"/>
-                <a:stretch>
-                  <a:fillRect/>
-                </a:stretch>
-              </p:blipFill>
-              <p:spPr>
-                <a:xfrm>
-                  <a:off x="9930960" y="1463688"/>
-                  <a:ext cx="739080" cy="401040"/>
-                </a:xfrm>
-                <a:prstGeom prst="rect">
-                  <a:avLst/>
-                </a:prstGeom>
-              </p:spPr>
-            </p:pic>
-          </mc:Fallback>
-        </mc:AlternateContent>
+      </p:grpSp>
+      <p:grpSp>
+        <p:nvGrpSpPr>
+          <p:cNvPr id="176" name="Группа 175"/>
+          <p:cNvGrpSpPr/>
+          <p:nvPr/>
+        </p:nvGrpSpPr>
+        <p:grpSpPr>
+          <a:xfrm rot="21268522" flipH="1">
+            <a:off x="8142461" y="2989387"/>
+            <a:ext cx="2132202" cy="1478662"/>
+            <a:chOff x="294614" y="3702364"/>
+            <a:chExt cx="2458780" cy="2002420"/>
+          </a:xfrm>
+        </p:grpSpPr>
+        <p:sp>
+          <p:nvSpPr>
+            <p:cNvPr id="175" name="Прямоугольник 174"/>
+            <p:cNvSpPr/>
+            <p:nvPr/>
+          </p:nvSpPr>
+          <p:spPr>
+            <a:xfrm>
+              <a:off x="294614" y="3702364"/>
+              <a:ext cx="2458779" cy="1997550"/>
+            </a:xfrm>
+            <a:prstGeom prst="rect">
+              <a:avLst/>
+            </a:prstGeom>
+          </p:spPr>
+          <p:style>
+            <a:lnRef idx="2">
+              <a:schemeClr val="accent3"/>
+            </a:lnRef>
+            <a:fillRef idx="1">
+              <a:schemeClr val="lt1"/>
+            </a:fillRef>
+            <a:effectRef idx="0">
+              <a:schemeClr val="accent3"/>
+            </a:effectRef>
+            <a:fontRef idx="minor">
+              <a:schemeClr val="dk1"/>
+            </a:fontRef>
+          </p:style>
+          <p:txBody>
+            <a:bodyPr rtlCol="0" anchor="ctr"/>
+            <a:lstStyle/>
+            <a:p>
+              <a:pPr algn="ctr"/>
+              <a:endParaRPr lang="en-US"/>
+            </a:p>
+          </p:txBody>
+        </p:sp>
+        <p:grpSp>
+          <p:nvGrpSpPr>
+            <p:cNvPr id="66" name="Группа 65"/>
+            <p:cNvGrpSpPr/>
+            <p:nvPr/>
+          </p:nvGrpSpPr>
+          <p:grpSpPr>
+            <a:xfrm>
+              <a:off x="294615" y="3713232"/>
+              <a:ext cx="2458779" cy="1991552"/>
+              <a:chOff x="2411874" y="3480611"/>
+              <a:chExt cx="2771461" cy="2241932"/>
+            </a:xfrm>
+          </p:grpSpPr>
+          <p:cxnSp>
+            <p:nvCxnSpPr>
+              <p:cNvPr id="11" name="Прямая соединительная линия 10"/>
+              <p:cNvCxnSpPr/>
+              <p:nvPr/>
+            </p:nvCxnSpPr>
+            <p:spPr>
+              <a:xfrm>
+                <a:off x="4367721" y="4178977"/>
+                <a:ext cx="41189" cy="1506083"/>
+              </a:xfrm>
+              <a:prstGeom prst="line">
+                <a:avLst/>
+              </a:prstGeom>
+            </p:spPr>
+            <p:style>
+              <a:lnRef idx="1">
+                <a:schemeClr val="dk1"/>
+              </a:lnRef>
+              <a:fillRef idx="0">
+                <a:schemeClr val="dk1"/>
+              </a:fillRef>
+              <a:effectRef idx="0">
+                <a:schemeClr val="dk1"/>
+              </a:effectRef>
+              <a:fontRef idx="minor">
+                <a:schemeClr val="tx1"/>
+              </a:fontRef>
+            </p:style>
+          </p:cxnSp>
+          <p:cxnSp>
+            <p:nvCxnSpPr>
+              <p:cNvPr id="16" name="Прямая соединительная линия 15"/>
+              <p:cNvCxnSpPr/>
+              <p:nvPr/>
+            </p:nvCxnSpPr>
+            <p:spPr>
+              <a:xfrm flipV="1">
+                <a:off x="4408910" y="5272216"/>
+                <a:ext cx="774425" cy="444844"/>
+              </a:xfrm>
+              <a:prstGeom prst="line">
+                <a:avLst/>
+              </a:prstGeom>
+            </p:spPr>
+            <p:style>
+              <a:lnRef idx="1">
+                <a:schemeClr val="dk1"/>
+              </a:lnRef>
+              <a:fillRef idx="0">
+                <a:schemeClr val="dk1"/>
+              </a:fillRef>
+              <a:effectRef idx="0">
+                <a:schemeClr val="dk1"/>
+              </a:effectRef>
+              <a:fontRef idx="minor">
+                <a:schemeClr val="tx1"/>
+              </a:fontRef>
+            </p:style>
+          </p:cxnSp>
+          <p:cxnSp>
+            <p:nvCxnSpPr>
+              <p:cNvPr id="23" name="Прямая соединительная линия 22"/>
+              <p:cNvCxnSpPr/>
+              <p:nvPr/>
+            </p:nvCxnSpPr>
+            <p:spPr>
+              <a:xfrm>
+                <a:off x="2413686" y="3745995"/>
+                <a:ext cx="49428" cy="1526221"/>
+              </a:xfrm>
+              <a:prstGeom prst="line">
+                <a:avLst/>
+              </a:prstGeom>
+            </p:spPr>
+            <p:style>
+              <a:lnRef idx="1">
+                <a:schemeClr val="dk1"/>
+              </a:lnRef>
+              <a:fillRef idx="0">
+                <a:schemeClr val="dk1"/>
+              </a:fillRef>
+              <a:effectRef idx="0">
+                <a:schemeClr val="dk1"/>
+              </a:effectRef>
+              <a:fontRef idx="minor">
+                <a:schemeClr val="tx1"/>
+              </a:fontRef>
+            </p:style>
+          </p:cxnSp>
+          <p:cxnSp>
+            <p:nvCxnSpPr>
+              <p:cNvPr id="29" name="Прямая соединительная линия 28"/>
+              <p:cNvCxnSpPr/>
+              <p:nvPr/>
+            </p:nvCxnSpPr>
+            <p:spPr>
+              <a:xfrm flipV="1">
+                <a:off x="2430162" y="5049795"/>
+                <a:ext cx="623487" cy="263610"/>
+              </a:xfrm>
+              <a:prstGeom prst="line">
+                <a:avLst/>
+              </a:prstGeom>
+            </p:spPr>
+            <p:style>
+              <a:lnRef idx="1">
+                <a:schemeClr val="dk1"/>
+              </a:lnRef>
+              <a:fillRef idx="0">
+                <a:schemeClr val="dk1"/>
+              </a:fillRef>
+              <a:effectRef idx="0">
+                <a:schemeClr val="dk1"/>
+              </a:effectRef>
+              <a:fontRef idx="minor">
+                <a:schemeClr val="tx1"/>
+              </a:fontRef>
+            </p:style>
+          </p:cxnSp>
+          <p:cxnSp>
+            <p:nvCxnSpPr>
+              <p:cNvPr id="33" name="Прямая соединительная линия 32"/>
+              <p:cNvCxnSpPr/>
+              <p:nvPr/>
+            </p:nvCxnSpPr>
+            <p:spPr>
+              <a:xfrm>
+                <a:off x="2450216" y="5313405"/>
+                <a:ext cx="1973503" cy="409138"/>
+              </a:xfrm>
+              <a:prstGeom prst="line">
+                <a:avLst/>
+              </a:prstGeom>
+            </p:spPr>
+            <p:style>
+              <a:lnRef idx="1">
+                <a:schemeClr val="dk1"/>
+              </a:lnRef>
+              <a:fillRef idx="0">
+                <a:schemeClr val="dk1"/>
+              </a:fillRef>
+              <a:effectRef idx="0">
+                <a:schemeClr val="dk1"/>
+              </a:effectRef>
+              <a:fontRef idx="minor">
+                <a:schemeClr val="tx1"/>
+              </a:fontRef>
+            </p:style>
+          </p:cxnSp>
+          <p:cxnSp>
+            <p:nvCxnSpPr>
+              <p:cNvPr id="37" name="Прямая соединительная линия 36"/>
+              <p:cNvCxnSpPr/>
+              <p:nvPr/>
+            </p:nvCxnSpPr>
+            <p:spPr>
+              <a:xfrm>
+                <a:off x="2463114" y="4906997"/>
+                <a:ext cx="1925201" cy="406408"/>
+              </a:xfrm>
+              <a:prstGeom prst="line">
+                <a:avLst/>
+              </a:prstGeom>
+            </p:spPr>
+            <p:style>
+              <a:lnRef idx="1">
+                <a:schemeClr val="dk1"/>
+              </a:lnRef>
+              <a:fillRef idx="0">
+                <a:schemeClr val="dk1"/>
+              </a:fillRef>
+              <a:effectRef idx="0">
+                <a:schemeClr val="dk1"/>
+              </a:effectRef>
+              <a:fontRef idx="minor">
+                <a:schemeClr val="tx1"/>
+              </a:fontRef>
+            </p:style>
+          </p:cxnSp>
+          <p:cxnSp>
+            <p:nvCxnSpPr>
+              <p:cNvPr id="40" name="Прямая соединительная линия 39"/>
+              <p:cNvCxnSpPr/>
+              <p:nvPr/>
+            </p:nvCxnSpPr>
+            <p:spPr>
+              <a:xfrm>
+                <a:off x="2411874" y="3745995"/>
+                <a:ext cx="1968745" cy="432982"/>
+              </a:xfrm>
+              <a:prstGeom prst="line">
+                <a:avLst/>
+              </a:prstGeom>
+            </p:spPr>
+            <p:style>
+              <a:lnRef idx="1">
+                <a:schemeClr val="dk1"/>
+              </a:lnRef>
+              <a:fillRef idx="0">
+                <a:schemeClr val="dk1"/>
+              </a:fillRef>
+              <a:effectRef idx="0">
+                <a:schemeClr val="dk1"/>
+              </a:effectRef>
+              <a:fontRef idx="minor">
+                <a:schemeClr val="tx1"/>
+              </a:fontRef>
+            </p:style>
+          </p:cxnSp>
+          <p:cxnSp>
+            <p:nvCxnSpPr>
+              <p:cNvPr id="50" name="Прямая соединительная линия 49"/>
+              <p:cNvCxnSpPr/>
+              <p:nvPr/>
+            </p:nvCxnSpPr>
+            <p:spPr>
+              <a:xfrm flipV="1">
+                <a:off x="4384640" y="3879698"/>
+                <a:ext cx="754720" cy="299282"/>
+              </a:xfrm>
+              <a:prstGeom prst="line">
+                <a:avLst/>
+              </a:prstGeom>
+            </p:spPr>
+            <p:style>
+              <a:lnRef idx="1">
+                <a:schemeClr val="dk1"/>
+              </a:lnRef>
+              <a:fillRef idx="0">
+                <a:schemeClr val="dk1"/>
+              </a:fillRef>
+              <a:effectRef idx="0">
+                <a:schemeClr val="dk1"/>
+              </a:effectRef>
+              <a:fontRef idx="minor">
+                <a:schemeClr val="tx1"/>
+              </a:fontRef>
+            </p:style>
+          </p:cxnSp>
+          <p:cxnSp>
+            <p:nvCxnSpPr>
+              <p:cNvPr id="56" name="Прямая соединительная линия 55"/>
+              <p:cNvCxnSpPr/>
+              <p:nvPr/>
+            </p:nvCxnSpPr>
+            <p:spPr>
+              <a:xfrm flipV="1">
+                <a:off x="2416137" y="3480611"/>
+                <a:ext cx="888453" cy="252290"/>
+              </a:xfrm>
+              <a:prstGeom prst="line">
+                <a:avLst/>
+              </a:prstGeom>
+            </p:spPr>
+            <p:style>
+              <a:lnRef idx="1">
+                <a:schemeClr val="dk1"/>
+              </a:lnRef>
+              <a:fillRef idx="0">
+                <a:schemeClr val="dk1"/>
+              </a:fillRef>
+              <a:effectRef idx="0">
+                <a:schemeClr val="dk1"/>
+              </a:effectRef>
+              <a:fontRef idx="minor">
+                <a:schemeClr val="tx1"/>
+              </a:fontRef>
+            </p:style>
+          </p:cxnSp>
+          <p:cxnSp>
+            <p:nvCxnSpPr>
+              <p:cNvPr id="59" name="Прямая соединительная линия 58"/>
+              <p:cNvCxnSpPr/>
+              <p:nvPr/>
+            </p:nvCxnSpPr>
+            <p:spPr>
+              <a:xfrm>
+                <a:off x="3267468" y="3480611"/>
+                <a:ext cx="1831125" cy="398081"/>
+              </a:xfrm>
+              <a:prstGeom prst="line">
+                <a:avLst/>
+              </a:prstGeom>
+            </p:spPr>
+            <p:style>
+              <a:lnRef idx="1">
+                <a:schemeClr val="dk1"/>
+              </a:lnRef>
+              <a:fillRef idx="0">
+                <a:schemeClr val="dk1"/>
+              </a:fillRef>
+              <a:effectRef idx="0">
+                <a:schemeClr val="dk1"/>
+              </a:effectRef>
+              <a:fontRef idx="minor">
+                <a:schemeClr val="tx1"/>
+              </a:fontRef>
+            </p:style>
+          </p:cxnSp>
+          <p:cxnSp>
+            <p:nvCxnSpPr>
+              <p:cNvPr id="65" name="Прямая соединительная линия 64"/>
+              <p:cNvCxnSpPr/>
+              <p:nvPr/>
+            </p:nvCxnSpPr>
+            <p:spPr>
+              <a:xfrm>
+                <a:off x="4963380" y="3964802"/>
+                <a:ext cx="45269" cy="1417338"/>
+              </a:xfrm>
+              <a:prstGeom prst="line">
+                <a:avLst/>
+              </a:prstGeom>
+            </p:spPr>
+            <p:style>
+              <a:lnRef idx="1">
+                <a:schemeClr val="dk1"/>
+              </a:lnRef>
+              <a:fillRef idx="0">
+                <a:schemeClr val="dk1"/>
+              </a:fillRef>
+              <a:effectRef idx="0">
+                <a:schemeClr val="dk1"/>
+              </a:effectRef>
+              <a:fontRef idx="minor">
+                <a:schemeClr val="tx1"/>
+              </a:fontRef>
+            </p:style>
+          </p:cxnSp>
+        </p:grpSp>
       </p:grpSp>
     </p:spTree>
     <p:extLst>
